--- a/PracticeTasks/Module2/Task_11/Task_11.pptx
+++ b/PracticeTasks/Module2/Task_11/Task_11.pptx
@@ -5,7 +5,7 @@
     <p:sldMasterId id="2147483659" r:id="rId1"/>
   </p:sldMasterIdLst>
   <p:notesMasterIdLst>
-    <p:notesMasterId r:id="rId9"/>
+    <p:notesMasterId r:id="rId13"/>
   </p:notesMasterIdLst>
   <p:sldIdLst>
     <p:sldId id="256" r:id="rId2"/>
@@ -14,7 +14,11 @@
     <p:sldId id="259" r:id="rId5"/>
     <p:sldId id="260" r:id="rId6"/>
     <p:sldId id="261" r:id="rId7"/>
-    <p:sldId id="262" r:id="rId8"/>
+    <p:sldId id="272" r:id="rId8"/>
+    <p:sldId id="270" r:id="rId9"/>
+    <p:sldId id="271" r:id="rId10"/>
+    <p:sldId id="269" r:id="rId11"/>
+    <p:sldId id="262" r:id="rId12"/>
   </p:sldIdLst>
   <p:sldSz cx="9144000" cy="5143500" type="screen16x9"/>
   <p:notesSz cx="6858000" cy="9144000"/>
@@ -811,6 +815,214 @@
 </p:notes>
 </file>
 
+<file path=ppt/notesSlides/notesSlide10.xml><?xml version="1.0" encoding="utf-8"?>
+<p:notes xmlns:a="http://schemas.openxmlformats.org/drawingml/2006/main" xmlns:r="http://schemas.openxmlformats.org/officeDocument/2006/relationships" xmlns:p="http://schemas.openxmlformats.org/presentationml/2006/main" showMasterSp="0" showMasterPhAnim="0">
+  <p:cSld>
+    <p:spTree>
+      <p:nvGrpSpPr>
+        <p:cNvPr id="1" name="Shape 80"/>
+        <p:cNvGrpSpPr/>
+        <p:nvPr/>
+      </p:nvGrpSpPr>
+      <p:grpSpPr>
+        <a:xfrm>
+          <a:off x="0" y="0"/>
+          <a:ext cx="0" cy="0"/>
+          <a:chOff x="0" y="0"/>
+          <a:chExt cx="0" cy="0"/>
+        </a:xfrm>
+      </p:grpSpPr>
+      <p:sp>
+        <p:nvSpPr>
+          <p:cNvPr id="81" name="Google Shape;81;g100adce3cd7_0_50:notes"/>
+          <p:cNvSpPr>
+            <a:spLocks noGrp="1" noRot="1" noChangeAspect="1"/>
+          </p:cNvSpPr>
+          <p:nvPr>
+            <p:ph type="sldImg" idx="2"/>
+          </p:nvPr>
+        </p:nvSpPr>
+        <p:spPr>
+          <a:xfrm>
+            <a:off x="381000" y="685800"/>
+            <a:ext cx="6096000" cy="3429000"/>
+          </a:xfrm>
+          <a:custGeom>
+            <a:avLst/>
+            <a:gdLst/>
+            <a:ahLst/>
+            <a:cxnLst/>
+            <a:rect l="l" t="t" r="r" b="b"/>
+            <a:pathLst>
+              <a:path w="120000" h="120000" extrusionOk="0">
+                <a:moveTo>
+                  <a:pt x="0" y="0"/>
+                </a:moveTo>
+                <a:lnTo>
+                  <a:pt x="120000" y="0"/>
+                </a:lnTo>
+                <a:lnTo>
+                  <a:pt x="120000" y="120000"/>
+                </a:lnTo>
+                <a:lnTo>
+                  <a:pt x="0" y="120000"/>
+                </a:lnTo>
+                <a:close/>
+              </a:path>
+            </a:pathLst>
+          </a:custGeom>
+        </p:spPr>
+      </p:sp>
+      <p:sp>
+        <p:nvSpPr>
+          <p:cNvPr id="82" name="Google Shape;82;g100adce3cd7_0_50:notes"/>
+          <p:cNvSpPr txBox="1">
+            <a:spLocks noGrp="1"/>
+          </p:cNvSpPr>
+          <p:nvPr>
+            <p:ph type="body" idx="1"/>
+          </p:nvPr>
+        </p:nvSpPr>
+        <p:spPr>
+          <a:xfrm>
+            <a:off x="685800" y="4343400"/>
+            <a:ext cx="5486400" cy="4114800"/>
+          </a:xfrm>
+          <a:prstGeom prst="rect">
+            <a:avLst/>
+          </a:prstGeom>
+        </p:spPr>
+        <p:txBody>
+          <a:bodyPr spcFirstLastPara="1" wrap="square" lIns="91425" tIns="91425" rIns="91425" bIns="91425" anchor="t" anchorCtr="0">
+            <a:noAutofit/>
+          </a:bodyPr>
+          <a:lstStyle/>
+          <a:p>
+            <a:pPr marL="0" lvl="0" indent="0" algn="l" rtl="0">
+              <a:spcBef>
+                <a:spcPts val="0"/>
+              </a:spcBef>
+              <a:spcAft>
+                <a:spcPts val="0"/>
+              </a:spcAft>
+              <a:buNone/>
+            </a:pPr>
+            <a:endParaRPr/>
+          </a:p>
+        </p:txBody>
+      </p:sp>
+    </p:spTree>
+  </p:cSld>
+  <p:clrMapOvr>
+    <a:masterClrMapping/>
+  </p:clrMapOvr>
+</p:notes>
+</file>
+
+<file path=ppt/notesSlides/notesSlide11.xml><?xml version="1.0" encoding="utf-8"?>
+<p:notes xmlns:a="http://schemas.openxmlformats.org/drawingml/2006/main" xmlns:r="http://schemas.openxmlformats.org/officeDocument/2006/relationships" xmlns:p="http://schemas.openxmlformats.org/presentationml/2006/main" showMasterSp="0" showMasterPhAnim="0">
+  <p:cSld>
+    <p:spTree>
+      <p:nvGrpSpPr>
+        <p:cNvPr id="1" name="Shape 89"/>
+        <p:cNvGrpSpPr/>
+        <p:nvPr/>
+      </p:nvGrpSpPr>
+      <p:grpSpPr>
+        <a:xfrm>
+          <a:off x="0" y="0"/>
+          <a:ext cx="0" cy="0"/>
+          <a:chOff x="0" y="0"/>
+          <a:chExt cx="0" cy="0"/>
+        </a:xfrm>
+      </p:grpSpPr>
+      <p:sp>
+        <p:nvSpPr>
+          <p:cNvPr id="90" name="Google Shape;90;g10396302928_0_8:notes"/>
+          <p:cNvSpPr>
+            <a:spLocks noGrp="1" noRot="1" noChangeAspect="1"/>
+          </p:cNvSpPr>
+          <p:nvPr>
+            <p:ph type="sldImg" idx="2"/>
+          </p:nvPr>
+        </p:nvSpPr>
+        <p:spPr>
+          <a:xfrm>
+            <a:off x="381000" y="685800"/>
+            <a:ext cx="6096000" cy="3429000"/>
+          </a:xfrm>
+          <a:custGeom>
+            <a:avLst/>
+            <a:gdLst/>
+            <a:ahLst/>
+            <a:cxnLst/>
+            <a:rect l="l" t="t" r="r" b="b"/>
+            <a:pathLst>
+              <a:path w="120000" h="120000" extrusionOk="0">
+                <a:moveTo>
+                  <a:pt x="0" y="0"/>
+                </a:moveTo>
+                <a:lnTo>
+                  <a:pt x="120000" y="0"/>
+                </a:lnTo>
+                <a:lnTo>
+                  <a:pt x="120000" y="120000"/>
+                </a:lnTo>
+                <a:lnTo>
+                  <a:pt x="0" y="120000"/>
+                </a:lnTo>
+                <a:close/>
+              </a:path>
+            </a:pathLst>
+          </a:custGeom>
+        </p:spPr>
+      </p:sp>
+      <p:sp>
+        <p:nvSpPr>
+          <p:cNvPr id="91" name="Google Shape;91;g10396302928_0_8:notes"/>
+          <p:cNvSpPr txBox="1">
+            <a:spLocks noGrp="1"/>
+          </p:cNvSpPr>
+          <p:nvPr>
+            <p:ph type="body" idx="1"/>
+          </p:nvPr>
+        </p:nvSpPr>
+        <p:spPr>
+          <a:xfrm>
+            <a:off x="685800" y="4343400"/>
+            <a:ext cx="5486400" cy="4114800"/>
+          </a:xfrm>
+          <a:prstGeom prst="rect">
+            <a:avLst/>
+          </a:prstGeom>
+        </p:spPr>
+        <p:txBody>
+          <a:bodyPr spcFirstLastPara="1" wrap="square" lIns="91425" tIns="91425" rIns="91425" bIns="91425" anchor="t" anchorCtr="0">
+            <a:noAutofit/>
+          </a:bodyPr>
+          <a:lstStyle/>
+          <a:p>
+            <a:pPr marL="0" lvl="0" indent="0" algn="l" rtl="0">
+              <a:spcBef>
+                <a:spcPts val="0"/>
+              </a:spcBef>
+              <a:spcAft>
+                <a:spcPts val="0"/>
+              </a:spcAft>
+              <a:buNone/>
+            </a:pPr>
+            <a:endParaRPr/>
+          </a:p>
+        </p:txBody>
+      </p:sp>
+    </p:spTree>
+  </p:cSld>
+  <p:clrMapOvr>
+    <a:masterClrMapping/>
+  </p:clrMapOvr>
+</p:notes>
+</file>
+
 <file path=ppt/notesSlides/notesSlide2.xml><?xml version="1.0" encoding="utf-8"?>
 <p:notes xmlns:a="http://schemas.openxmlformats.org/drawingml/2006/main" xmlns:r="http://schemas.openxmlformats.org/officeDocument/2006/relationships" xmlns:p="http://schemas.openxmlformats.org/presentationml/2006/main" showMasterSp="0" showMasterPhAnim="0">
   <p:cSld>
@@ -1341,7 +1553,7 @@
   <p:cSld>
     <p:spTree>
       <p:nvGrpSpPr>
-        <p:cNvPr id="1" name="Shape 89"/>
+        <p:cNvPr id="1" name="Shape 80"/>
         <p:cNvGrpSpPr/>
         <p:nvPr/>
       </p:nvGrpSpPr>
@@ -1355,7 +1567,7 @@
       </p:grpSpPr>
       <p:sp>
         <p:nvSpPr>
-          <p:cNvPr id="90" name="Google Shape;90;g10396302928_0_8:notes"/>
+          <p:cNvPr id="81" name="Google Shape;81;g100adce3cd7_0_50:notes"/>
           <p:cNvSpPr>
             <a:spLocks noGrp="1" noRot="1" noChangeAspect="1"/>
           </p:cNvSpPr>
@@ -1396,7 +1608,7 @@
       </p:sp>
       <p:sp>
         <p:nvSpPr>
-          <p:cNvPr id="91" name="Google Shape;91;g10396302928_0_8:notes"/>
+          <p:cNvPr id="82" name="Google Shape;82;g100adce3cd7_0_50:notes"/>
           <p:cNvSpPr txBox="1">
             <a:spLocks noGrp="1"/>
           </p:cNvSpPr>
@@ -1433,6 +1645,229 @@
         </p:txBody>
       </p:sp>
     </p:spTree>
+    <p:extLst>
+      <p:ext uri="{BB962C8B-B14F-4D97-AF65-F5344CB8AC3E}">
+        <p14:creationId xmlns:p14="http://schemas.microsoft.com/office/powerpoint/2010/main" val="1520451257"/>
+      </p:ext>
+    </p:extLst>
+  </p:cSld>
+  <p:clrMapOvr>
+    <a:masterClrMapping/>
+  </p:clrMapOvr>
+</p:notes>
+</file>
+
+<file path=ppt/notesSlides/notesSlide8.xml><?xml version="1.0" encoding="utf-8"?>
+<p:notes xmlns:a="http://schemas.openxmlformats.org/drawingml/2006/main" xmlns:r="http://schemas.openxmlformats.org/officeDocument/2006/relationships" xmlns:p="http://schemas.openxmlformats.org/presentationml/2006/main" showMasterSp="0" showMasterPhAnim="0">
+  <p:cSld>
+    <p:spTree>
+      <p:nvGrpSpPr>
+        <p:cNvPr id="1" name="Shape 80"/>
+        <p:cNvGrpSpPr/>
+        <p:nvPr/>
+      </p:nvGrpSpPr>
+      <p:grpSpPr>
+        <a:xfrm>
+          <a:off x="0" y="0"/>
+          <a:ext cx="0" cy="0"/>
+          <a:chOff x="0" y="0"/>
+          <a:chExt cx="0" cy="0"/>
+        </a:xfrm>
+      </p:grpSpPr>
+      <p:sp>
+        <p:nvSpPr>
+          <p:cNvPr id="81" name="Google Shape;81;g100adce3cd7_0_50:notes"/>
+          <p:cNvSpPr>
+            <a:spLocks noGrp="1" noRot="1" noChangeAspect="1"/>
+          </p:cNvSpPr>
+          <p:nvPr>
+            <p:ph type="sldImg" idx="2"/>
+          </p:nvPr>
+        </p:nvSpPr>
+        <p:spPr>
+          <a:xfrm>
+            <a:off x="381000" y="685800"/>
+            <a:ext cx="6096000" cy="3429000"/>
+          </a:xfrm>
+          <a:custGeom>
+            <a:avLst/>
+            <a:gdLst/>
+            <a:ahLst/>
+            <a:cxnLst/>
+            <a:rect l="l" t="t" r="r" b="b"/>
+            <a:pathLst>
+              <a:path w="120000" h="120000" extrusionOk="0">
+                <a:moveTo>
+                  <a:pt x="0" y="0"/>
+                </a:moveTo>
+                <a:lnTo>
+                  <a:pt x="120000" y="0"/>
+                </a:lnTo>
+                <a:lnTo>
+                  <a:pt x="120000" y="120000"/>
+                </a:lnTo>
+                <a:lnTo>
+                  <a:pt x="0" y="120000"/>
+                </a:lnTo>
+                <a:close/>
+              </a:path>
+            </a:pathLst>
+          </a:custGeom>
+        </p:spPr>
+      </p:sp>
+      <p:sp>
+        <p:nvSpPr>
+          <p:cNvPr id="82" name="Google Shape;82;g100adce3cd7_0_50:notes"/>
+          <p:cNvSpPr txBox="1">
+            <a:spLocks noGrp="1"/>
+          </p:cNvSpPr>
+          <p:nvPr>
+            <p:ph type="body" idx="1"/>
+          </p:nvPr>
+        </p:nvSpPr>
+        <p:spPr>
+          <a:xfrm>
+            <a:off x="685800" y="4343400"/>
+            <a:ext cx="5486400" cy="4114800"/>
+          </a:xfrm>
+          <a:prstGeom prst="rect">
+            <a:avLst/>
+          </a:prstGeom>
+        </p:spPr>
+        <p:txBody>
+          <a:bodyPr spcFirstLastPara="1" wrap="square" lIns="91425" tIns="91425" rIns="91425" bIns="91425" anchor="t" anchorCtr="0">
+            <a:noAutofit/>
+          </a:bodyPr>
+          <a:lstStyle/>
+          <a:p>
+            <a:pPr marL="0" lvl="0" indent="0" algn="l" rtl="0">
+              <a:spcBef>
+                <a:spcPts val="0"/>
+              </a:spcBef>
+              <a:spcAft>
+                <a:spcPts val="0"/>
+              </a:spcAft>
+              <a:buNone/>
+            </a:pPr>
+            <a:endParaRPr/>
+          </a:p>
+        </p:txBody>
+      </p:sp>
+    </p:spTree>
+    <p:extLst>
+      <p:ext uri="{BB962C8B-B14F-4D97-AF65-F5344CB8AC3E}">
+        <p14:creationId xmlns:p14="http://schemas.microsoft.com/office/powerpoint/2010/main" val="265012011"/>
+      </p:ext>
+    </p:extLst>
+  </p:cSld>
+  <p:clrMapOvr>
+    <a:masterClrMapping/>
+  </p:clrMapOvr>
+</p:notes>
+</file>
+
+<file path=ppt/notesSlides/notesSlide9.xml><?xml version="1.0" encoding="utf-8"?>
+<p:notes xmlns:a="http://schemas.openxmlformats.org/drawingml/2006/main" xmlns:r="http://schemas.openxmlformats.org/officeDocument/2006/relationships" xmlns:p="http://schemas.openxmlformats.org/presentationml/2006/main" showMasterSp="0" showMasterPhAnim="0">
+  <p:cSld>
+    <p:spTree>
+      <p:nvGrpSpPr>
+        <p:cNvPr id="1" name="Shape 80"/>
+        <p:cNvGrpSpPr/>
+        <p:nvPr/>
+      </p:nvGrpSpPr>
+      <p:grpSpPr>
+        <a:xfrm>
+          <a:off x="0" y="0"/>
+          <a:ext cx="0" cy="0"/>
+          <a:chOff x="0" y="0"/>
+          <a:chExt cx="0" cy="0"/>
+        </a:xfrm>
+      </p:grpSpPr>
+      <p:sp>
+        <p:nvSpPr>
+          <p:cNvPr id="81" name="Google Shape;81;g100adce3cd7_0_50:notes"/>
+          <p:cNvSpPr>
+            <a:spLocks noGrp="1" noRot="1" noChangeAspect="1"/>
+          </p:cNvSpPr>
+          <p:nvPr>
+            <p:ph type="sldImg" idx="2"/>
+          </p:nvPr>
+        </p:nvSpPr>
+        <p:spPr>
+          <a:xfrm>
+            <a:off x="381000" y="685800"/>
+            <a:ext cx="6096000" cy="3429000"/>
+          </a:xfrm>
+          <a:custGeom>
+            <a:avLst/>
+            <a:gdLst/>
+            <a:ahLst/>
+            <a:cxnLst/>
+            <a:rect l="l" t="t" r="r" b="b"/>
+            <a:pathLst>
+              <a:path w="120000" h="120000" extrusionOk="0">
+                <a:moveTo>
+                  <a:pt x="0" y="0"/>
+                </a:moveTo>
+                <a:lnTo>
+                  <a:pt x="120000" y="0"/>
+                </a:lnTo>
+                <a:lnTo>
+                  <a:pt x="120000" y="120000"/>
+                </a:lnTo>
+                <a:lnTo>
+                  <a:pt x="0" y="120000"/>
+                </a:lnTo>
+                <a:close/>
+              </a:path>
+            </a:pathLst>
+          </a:custGeom>
+        </p:spPr>
+      </p:sp>
+      <p:sp>
+        <p:nvSpPr>
+          <p:cNvPr id="82" name="Google Shape;82;g100adce3cd7_0_50:notes"/>
+          <p:cNvSpPr txBox="1">
+            <a:spLocks noGrp="1"/>
+          </p:cNvSpPr>
+          <p:nvPr>
+            <p:ph type="body" idx="1"/>
+          </p:nvPr>
+        </p:nvSpPr>
+        <p:spPr>
+          <a:xfrm>
+            <a:off x="685800" y="4343400"/>
+            <a:ext cx="5486400" cy="4114800"/>
+          </a:xfrm>
+          <a:prstGeom prst="rect">
+            <a:avLst/>
+          </a:prstGeom>
+        </p:spPr>
+        <p:txBody>
+          <a:bodyPr spcFirstLastPara="1" wrap="square" lIns="91425" tIns="91425" rIns="91425" bIns="91425" anchor="t" anchorCtr="0">
+            <a:noAutofit/>
+          </a:bodyPr>
+          <a:lstStyle/>
+          <a:p>
+            <a:pPr marL="0" lvl="0" indent="0" algn="l" rtl="0">
+              <a:spcBef>
+                <a:spcPts val="0"/>
+              </a:spcBef>
+              <a:spcAft>
+                <a:spcPts val="0"/>
+              </a:spcAft>
+              <a:buNone/>
+            </a:pPr>
+            <a:endParaRPr/>
+          </a:p>
+        </p:txBody>
+      </p:sp>
+    </p:spTree>
+    <p:extLst>
+      <p:ext uri="{BB962C8B-B14F-4D97-AF65-F5344CB8AC3E}">
+        <p14:creationId xmlns:p14="http://schemas.microsoft.com/office/powerpoint/2010/main" val="1537165346"/>
+      </p:ext>
+    </p:extLst>
   </p:cSld>
   <p:clrMapOvr>
     <a:masterClrMapping/>
@@ -6298,6 +6733,578 @@
 </p:sld>
 </file>
 
+<file path=ppt/slides/slide10.xml><?xml version="1.0" encoding="utf-8"?>
+<p:sld xmlns:a="http://schemas.openxmlformats.org/drawingml/2006/main" xmlns:r="http://schemas.openxmlformats.org/officeDocument/2006/relationships" xmlns:p="http://schemas.openxmlformats.org/presentationml/2006/main">
+  <p:cSld>
+    <p:spTree>
+      <p:nvGrpSpPr>
+        <p:cNvPr id="1" name="Shape 83"/>
+        <p:cNvGrpSpPr/>
+        <p:nvPr/>
+      </p:nvGrpSpPr>
+      <p:grpSpPr>
+        <a:xfrm>
+          <a:off x="0" y="0"/>
+          <a:ext cx="0" cy="0"/>
+          <a:chOff x="0" y="0"/>
+          <a:chExt cx="0" cy="0"/>
+        </a:xfrm>
+      </p:grpSpPr>
+      <p:sp>
+        <p:nvSpPr>
+          <p:cNvPr id="84" name="Google Shape;84;p18"/>
+          <p:cNvSpPr txBox="1">
+            <a:spLocks noGrp="1"/>
+          </p:cNvSpPr>
+          <p:nvPr>
+            <p:ph type="title"/>
+          </p:nvPr>
+        </p:nvSpPr>
+        <p:spPr>
+          <a:xfrm>
+            <a:off x="311700" y="209702"/>
+            <a:ext cx="8520600" cy="572700"/>
+          </a:xfrm>
+          <a:prstGeom prst="rect">
+            <a:avLst/>
+          </a:prstGeom>
+        </p:spPr>
+        <p:txBody>
+          <a:bodyPr spcFirstLastPara="1" wrap="square" lIns="91425" tIns="91425" rIns="91425" bIns="91425" anchor="t" anchorCtr="0">
+            <a:noAutofit/>
+          </a:bodyPr>
+          <a:lstStyle/>
+          <a:p>
+            <a:r>
+              <a:rPr lang="en-GB" dirty="0">
+                <a:effectLst>
+                  <a:outerShdw blurRad="38100" dist="38100" dir="2700000" algn="tl">
+                    <a:srgbClr val="000000">
+                      <a:alpha val="43137"/>
+                    </a:srgbClr>
+                  </a:outerShdw>
+                </a:effectLst>
+              </a:rPr>
+              <a:t>API usage </a:t>
+            </a:r>
+            <a:r>
+              <a:rPr lang="en-US" b="1" dirty="0" err="1">
+                <a:effectLst>
+                  <a:outerShdw blurRad="38100" dist="38100" dir="2700000" algn="tl">
+                    <a:srgbClr val="000000">
+                      <a:alpha val="43137"/>
+                    </a:srgbClr>
+                  </a:outerShdw>
+                </a:effectLst>
+              </a:rPr>
+              <a:t>ServiceDeployer</a:t>
+            </a:r>
+            <a:endParaRPr dirty="0">
+              <a:effectLst>
+                <a:outerShdw blurRad="38100" dist="38100" dir="2700000" algn="tl">
+                  <a:srgbClr val="000000">
+                    <a:alpha val="43137"/>
+                  </a:srgbClr>
+                </a:outerShdw>
+              </a:effectLst>
+            </a:endParaRPr>
+          </a:p>
+        </p:txBody>
+      </p:sp>
+      <p:sp>
+        <p:nvSpPr>
+          <p:cNvPr id="86" name="Google Shape;86;p18"/>
+          <p:cNvSpPr txBox="1">
+            <a:spLocks noGrp="1"/>
+          </p:cNvSpPr>
+          <p:nvPr>
+            <p:ph type="body" idx="1"/>
+          </p:nvPr>
+        </p:nvSpPr>
+        <p:spPr>
+          <a:xfrm>
+            <a:off x="311700" y="1152475"/>
+            <a:ext cx="3000300" cy="3416400"/>
+          </a:xfrm>
+          <a:prstGeom prst="rect">
+            <a:avLst/>
+          </a:prstGeom>
+        </p:spPr>
+        <p:txBody>
+          <a:bodyPr spcFirstLastPara="1" wrap="square" lIns="91425" tIns="91425" rIns="91425" bIns="91425" anchor="t" anchorCtr="0">
+            <a:noAutofit/>
+          </a:bodyPr>
+          <a:lstStyle/>
+          <a:p>
+            <a:pPr marL="0" lvl="0" indent="0" algn="l" rtl="0">
+              <a:spcBef>
+                <a:spcPts val="0"/>
+              </a:spcBef>
+              <a:spcAft>
+                <a:spcPts val="0"/>
+              </a:spcAft>
+              <a:buNone/>
+            </a:pPr>
+            <a:r>
+              <a:rPr lang="en-US" b="1" dirty="0">
+                <a:solidFill>
+                  <a:schemeClr val="tx1"/>
+                </a:solidFill>
+              </a:rPr>
+              <a:t>Use Case</a:t>
+            </a:r>
+            <a:r>
+              <a:rPr lang="en-US" dirty="0">
+                <a:solidFill>
+                  <a:schemeClr val="tx1"/>
+                </a:solidFill>
+              </a:rPr>
+              <a:t>: Deploy Service</a:t>
+            </a:r>
+          </a:p>
+          <a:p>
+            <a:pPr marL="0" lvl="0" indent="0" algn="l" rtl="0">
+              <a:spcBef>
+                <a:spcPts val="0"/>
+              </a:spcBef>
+              <a:spcAft>
+                <a:spcPts val="0"/>
+              </a:spcAft>
+              <a:buNone/>
+            </a:pPr>
+            <a:r>
+              <a:rPr lang="en-US" b="1" dirty="0">
+                <a:solidFill>
+                  <a:schemeClr val="tx1"/>
+                </a:solidFill>
+              </a:rPr>
+              <a:t>Scenario</a:t>
+            </a:r>
+            <a:r>
+              <a:rPr lang="en-US" dirty="0">
+                <a:solidFill>
+                  <a:schemeClr val="tx1"/>
+                </a:solidFill>
+              </a:rPr>
+              <a:t>:</a:t>
+            </a:r>
+          </a:p>
+          <a:p>
+            <a:pPr marL="0" lvl="0" indent="0" algn="l" rtl="0">
+              <a:spcBef>
+                <a:spcPts val="0"/>
+              </a:spcBef>
+              <a:spcAft>
+                <a:spcPts val="0"/>
+              </a:spcAft>
+              <a:buNone/>
+            </a:pPr>
+            <a:r>
+              <a:rPr lang="en-US" dirty="0">
+                <a:solidFill>
+                  <a:schemeClr val="tx1"/>
+                </a:solidFill>
+              </a:rPr>
+              <a:t>User sends request to deploy ML Model</a:t>
+            </a:r>
+          </a:p>
+          <a:p>
+            <a:pPr marL="0" lvl="0" indent="0" algn="l" rtl="0">
+              <a:spcBef>
+                <a:spcPts val="0"/>
+              </a:spcBef>
+              <a:spcAft>
+                <a:spcPts val="0"/>
+              </a:spcAft>
+              <a:buNone/>
+            </a:pPr>
+            <a:r>
+              <a:rPr lang="en-US" dirty="0">
+                <a:solidFill>
+                  <a:schemeClr val="tx1"/>
+                </a:solidFill>
+              </a:rPr>
+              <a:t>ML Wrappers creates docker container</a:t>
+            </a:r>
+          </a:p>
+          <a:p>
+            <a:pPr marL="0" lvl="0" indent="0" algn="l" rtl="0">
+              <a:spcBef>
+                <a:spcPts val="0"/>
+              </a:spcBef>
+              <a:spcAft>
+                <a:spcPts val="0"/>
+              </a:spcAft>
+              <a:buNone/>
+            </a:pPr>
+            <a:r>
+              <a:rPr lang="en-US" dirty="0">
+                <a:solidFill>
+                  <a:schemeClr val="tx1"/>
+                </a:solidFill>
+              </a:rPr>
+              <a:t>Docker container is deployed via service into K8s</a:t>
+            </a:r>
+          </a:p>
+        </p:txBody>
+      </p:sp>
+      <p:pic>
+        <p:nvPicPr>
+          <p:cNvPr id="5" name="Picture 4">
+            <a:extLst>
+              <a:ext uri="{FF2B5EF4-FFF2-40B4-BE49-F238E27FC236}">
+                <a16:creationId xmlns:a16="http://schemas.microsoft.com/office/drawing/2014/main" id="{F27EAB64-52E9-4F07-B4D9-407AD54431C9}"/>
+              </a:ext>
+            </a:extLst>
+          </p:cNvPr>
+          <p:cNvPicPr>
+            <a:picLocks noChangeAspect="1"/>
+          </p:cNvPicPr>
+          <p:nvPr/>
+        </p:nvPicPr>
+        <p:blipFill>
+          <a:blip r:embed="rId3"/>
+          <a:stretch>
+            <a:fillRect/>
+          </a:stretch>
+        </p:blipFill>
+        <p:spPr>
+          <a:xfrm>
+            <a:off x="3626541" y="1017725"/>
+            <a:ext cx="5205759" cy="3451009"/>
+          </a:xfrm>
+          <a:prstGeom prst="rect">
+            <a:avLst/>
+          </a:prstGeom>
+        </p:spPr>
+      </p:pic>
+      <p:sp>
+        <p:nvSpPr>
+          <p:cNvPr id="3" name="Номер слайда 2">
+            <a:extLst>
+              <a:ext uri="{FF2B5EF4-FFF2-40B4-BE49-F238E27FC236}">
+                <a16:creationId xmlns:a16="http://schemas.microsoft.com/office/drawing/2014/main" id="{3863259A-7CEE-49BB-9562-F93C8BD5800E}"/>
+              </a:ext>
+            </a:extLst>
+          </p:cNvPr>
+          <p:cNvSpPr>
+            <a:spLocks noGrp="1"/>
+          </p:cNvSpPr>
+          <p:nvPr>
+            <p:ph type="sldNum" idx="12"/>
+          </p:nvPr>
+        </p:nvSpPr>
+        <p:spPr/>
+        <p:txBody>
+          <a:bodyPr/>
+          <a:lstStyle/>
+          <a:p>
+            <a:pPr marL="0" lvl="0" indent="0" algn="r" rtl="0">
+              <a:spcBef>
+                <a:spcPts val="0"/>
+              </a:spcBef>
+              <a:spcAft>
+                <a:spcPts val="0"/>
+              </a:spcAft>
+              <a:buNone/>
+            </a:pPr>
+            <a:fld id="{00000000-1234-1234-1234-123412341234}" type="slidenum">
+              <a:rPr lang="en-GB" smtClean="0"/>
+              <a:t>10</a:t>
+            </a:fld>
+            <a:endParaRPr lang="en-GB"/>
+          </a:p>
+        </p:txBody>
+      </p:sp>
+    </p:spTree>
+  </p:cSld>
+  <p:clrMapOvr>
+    <a:masterClrMapping/>
+  </p:clrMapOvr>
+</p:sld>
+</file>
+
+<file path=ppt/slides/slide11.xml><?xml version="1.0" encoding="utf-8"?>
+<p:sld xmlns:a="http://schemas.openxmlformats.org/drawingml/2006/main" xmlns:r="http://schemas.openxmlformats.org/officeDocument/2006/relationships" xmlns:p="http://schemas.openxmlformats.org/presentationml/2006/main">
+  <p:cSld>
+    <p:spTree>
+      <p:nvGrpSpPr>
+        <p:cNvPr id="1" name="Shape 92"/>
+        <p:cNvGrpSpPr/>
+        <p:nvPr/>
+      </p:nvGrpSpPr>
+      <p:grpSpPr>
+        <a:xfrm>
+          <a:off x="0" y="0"/>
+          <a:ext cx="0" cy="0"/>
+          <a:chOff x="0" y="0"/>
+          <a:chExt cx="0" cy="0"/>
+        </a:xfrm>
+      </p:grpSpPr>
+      <p:sp>
+        <p:nvSpPr>
+          <p:cNvPr id="93" name="Google Shape;93;p19"/>
+          <p:cNvSpPr txBox="1">
+            <a:spLocks noGrp="1"/>
+          </p:cNvSpPr>
+          <p:nvPr>
+            <p:ph type="title"/>
+          </p:nvPr>
+        </p:nvSpPr>
+        <p:spPr>
+          <a:xfrm>
+            <a:off x="231018" y="182808"/>
+            <a:ext cx="8520600" cy="572700"/>
+          </a:xfrm>
+          <a:prstGeom prst="rect">
+            <a:avLst/>
+          </a:prstGeom>
+        </p:spPr>
+        <p:txBody>
+          <a:bodyPr spcFirstLastPara="1" wrap="square" lIns="91425" tIns="91425" rIns="91425" bIns="91425" anchor="t" anchorCtr="0">
+            <a:noAutofit/>
+          </a:bodyPr>
+          <a:lstStyle/>
+          <a:p>
+            <a:pPr marL="0" lvl="0" indent="0" algn="l" rtl="0">
+              <a:spcBef>
+                <a:spcPts val="0"/>
+              </a:spcBef>
+              <a:spcAft>
+                <a:spcPts val="0"/>
+              </a:spcAft>
+              <a:buNone/>
+            </a:pPr>
+            <a:r>
+              <a:rPr lang="en-GB" b="1" dirty="0">
+                <a:solidFill>
+                  <a:srgbClr val="FF0000"/>
+                </a:solidFill>
+                <a:effectLst>
+                  <a:outerShdw blurRad="38100" dist="38100" dir="2700000" algn="tl">
+                    <a:srgbClr val="000000">
+                      <a:alpha val="43137"/>
+                    </a:srgbClr>
+                  </a:outerShdw>
+                </a:effectLst>
+              </a:rPr>
+              <a:t>Team work</a:t>
+            </a:r>
+            <a:endParaRPr b="1" dirty="0">
+              <a:solidFill>
+                <a:srgbClr val="FF0000"/>
+              </a:solidFill>
+              <a:effectLst>
+                <a:outerShdw blurRad="38100" dist="38100" dir="2700000" algn="tl">
+                  <a:srgbClr val="000000">
+                    <a:alpha val="43137"/>
+                  </a:srgbClr>
+                </a:outerShdw>
+              </a:effectLst>
+            </a:endParaRPr>
+          </a:p>
+        </p:txBody>
+      </p:sp>
+      <p:sp>
+        <p:nvSpPr>
+          <p:cNvPr id="94" name="Google Shape;94;p19"/>
+          <p:cNvSpPr txBox="1">
+            <a:spLocks noGrp="1"/>
+          </p:cNvSpPr>
+          <p:nvPr>
+            <p:ph type="body" idx="1"/>
+          </p:nvPr>
+        </p:nvSpPr>
+        <p:spPr>
+          <a:xfrm>
+            <a:off x="311700" y="923875"/>
+            <a:ext cx="8520600" cy="3416400"/>
+          </a:xfrm>
+          <a:prstGeom prst="rect">
+            <a:avLst/>
+          </a:prstGeom>
+        </p:spPr>
+        <p:txBody>
+          <a:bodyPr spcFirstLastPara="1" wrap="square" lIns="91425" tIns="91425" rIns="91425" bIns="91425" anchor="t" anchorCtr="0">
+            <a:noAutofit/>
+          </a:bodyPr>
+          <a:lstStyle/>
+          <a:p>
+            <a:pPr marL="0" lvl="0" indent="0" algn="l" rtl="0">
+              <a:spcBef>
+                <a:spcPts val="0"/>
+              </a:spcBef>
+              <a:spcAft>
+                <a:spcPts val="1200"/>
+              </a:spcAft>
+              <a:buNone/>
+            </a:pPr>
+            <a:r>
+              <a:rPr lang="en-GB" dirty="0">
+                <a:solidFill>
+                  <a:schemeClr val="tx1"/>
+                </a:solidFill>
+              </a:rPr>
+              <a:t>Request Router – </a:t>
+            </a:r>
+            <a:r>
+              <a:rPr lang="en-GB" dirty="0" err="1">
+                <a:solidFill>
+                  <a:schemeClr val="tx1"/>
+                </a:solidFill>
+              </a:rPr>
+              <a:t>Tsaturyan</a:t>
+            </a:r>
+            <a:r>
+              <a:rPr lang="en-GB" dirty="0">
+                <a:solidFill>
+                  <a:schemeClr val="tx1"/>
+                </a:solidFill>
+              </a:rPr>
+              <a:t> Konstantin</a:t>
+            </a:r>
+          </a:p>
+          <a:p>
+            <a:pPr marL="0" lvl="0" indent="0" algn="l" rtl="0">
+              <a:spcBef>
+                <a:spcPts val="0"/>
+              </a:spcBef>
+              <a:spcAft>
+                <a:spcPts val="1200"/>
+              </a:spcAft>
+              <a:buNone/>
+            </a:pPr>
+            <a:r>
+              <a:rPr lang="en-GB" dirty="0">
+                <a:solidFill>
+                  <a:schemeClr val="tx1"/>
+                </a:solidFill>
+              </a:rPr>
+              <a:t>Authenticator – </a:t>
+            </a:r>
+            <a:r>
+              <a:rPr lang="en-GB" dirty="0" err="1">
+                <a:solidFill>
+                  <a:schemeClr val="tx1"/>
+                </a:solidFill>
+              </a:rPr>
+              <a:t>Dandamaev</a:t>
+            </a:r>
+            <a:r>
+              <a:rPr lang="en-GB" dirty="0">
+                <a:solidFill>
+                  <a:schemeClr val="tx1"/>
+                </a:solidFill>
+              </a:rPr>
+              <a:t> </a:t>
+            </a:r>
+            <a:r>
+              <a:rPr lang="en-GB" dirty="0" err="1">
+                <a:solidFill>
+                  <a:schemeClr val="tx1"/>
+                </a:solidFill>
+              </a:rPr>
+              <a:t>Gadji</a:t>
+            </a:r>
+            <a:endParaRPr lang="en-GB" dirty="0">
+              <a:solidFill>
+                <a:schemeClr val="tx1"/>
+              </a:solidFill>
+            </a:endParaRPr>
+          </a:p>
+          <a:p>
+            <a:pPr marL="0" lvl="0" indent="0" algn="l" rtl="0">
+              <a:spcBef>
+                <a:spcPts val="0"/>
+              </a:spcBef>
+              <a:spcAft>
+                <a:spcPts val="1200"/>
+              </a:spcAft>
+              <a:buNone/>
+            </a:pPr>
+            <a:r>
+              <a:rPr lang="en-GB" dirty="0" err="1">
+                <a:solidFill>
+                  <a:schemeClr val="tx1"/>
+                </a:solidFill>
+              </a:rPr>
+              <a:t>OpenAPI</a:t>
+            </a:r>
+            <a:r>
+              <a:rPr lang="en-GB" dirty="0">
+                <a:solidFill>
+                  <a:schemeClr val="tx1"/>
+                </a:solidFill>
+              </a:rPr>
+              <a:t> Generator – </a:t>
+            </a:r>
+            <a:r>
+              <a:rPr lang="en-GB" dirty="0" err="1">
+                <a:solidFill>
+                  <a:schemeClr val="tx1"/>
+                </a:solidFill>
+              </a:rPr>
+              <a:t>Tsurkan</a:t>
+            </a:r>
+            <a:r>
+              <a:rPr lang="en-GB" dirty="0">
+                <a:solidFill>
+                  <a:schemeClr val="tx1"/>
+                </a:solidFill>
+              </a:rPr>
+              <a:t> Daniel</a:t>
+            </a:r>
+          </a:p>
+          <a:p>
+            <a:pPr marL="0" lvl="0" indent="0" algn="l" rtl="0">
+              <a:spcBef>
+                <a:spcPts val="0"/>
+              </a:spcBef>
+              <a:spcAft>
+                <a:spcPts val="1200"/>
+              </a:spcAft>
+              <a:buNone/>
+            </a:pPr>
+            <a:r>
+              <a:rPr lang="en-GB" dirty="0">
+                <a:solidFill>
+                  <a:schemeClr val="tx1"/>
+                </a:solidFill>
+              </a:rPr>
+              <a:t>Service Deployer – </a:t>
+            </a:r>
+            <a:r>
+              <a:rPr lang="en-GB" dirty="0" err="1">
+                <a:solidFill>
+                  <a:schemeClr val="tx1"/>
+                </a:solidFill>
+              </a:rPr>
+              <a:t>Smolkin</a:t>
+            </a:r>
+            <a:r>
+              <a:rPr lang="en-GB" dirty="0">
+                <a:solidFill>
+                  <a:schemeClr val="tx1"/>
+                </a:solidFill>
+              </a:rPr>
+              <a:t> Mikhail</a:t>
+            </a:r>
+            <a:endParaRPr dirty="0">
+              <a:solidFill>
+                <a:schemeClr val="tx1"/>
+              </a:solidFill>
+            </a:endParaRPr>
+          </a:p>
+        </p:txBody>
+      </p:sp>
+    </p:spTree>
+  </p:cSld>
+  <p:clrMapOvr>
+    <a:masterClrMapping/>
+  </p:clrMapOvr>
+</p:sld>
+</file>
+
 <file path=ppt/slides/slide2.xml><?xml version="1.0" encoding="utf-8"?>
 <p:sld xmlns:a="http://schemas.openxmlformats.org/drawingml/2006/main" xmlns:r="http://schemas.openxmlformats.org/officeDocument/2006/relationships" xmlns:p="http://schemas.openxmlformats.org/presentationml/2006/main">
   <p:cSld>
@@ -6879,8 +7886,8 @@
         </p:nvSpPr>
         <p:spPr>
           <a:xfrm>
-            <a:off x="161364" y="4716463"/>
-            <a:ext cx="6400800" cy="523220"/>
+            <a:off x="161363" y="4716463"/>
+            <a:ext cx="8162365" cy="307777"/>
           </a:xfrm>
           <a:prstGeom prst="rect">
             <a:avLst/>
@@ -6896,16 +7903,14 @@
             <a:r>
               <a:rPr lang="en-US" dirty="0">
                 <a:solidFill>
-                  <a:srgbClr val="FF0000"/>
+                  <a:schemeClr val="tx1"/>
                 </a:solidFill>
               </a:rPr>
-              <a:t>Provide a link to structured textual use case scenarios in your project repo. </a:t>
+              <a:t>https://github.com/fanglores/Advanced-Software-Design/tree/master/General/UseCases</a:t>
             </a:r>
-          </a:p>
-          <a:p>
             <a:endParaRPr lang="ru-RU" dirty="0">
               <a:solidFill>
-                <a:srgbClr val="FF0000"/>
+                <a:schemeClr val="tx1"/>
               </a:solidFill>
             </a:endParaRPr>
           </a:p>
@@ -6920,7 +7925,7 @@
 </file>
 
 <file path=ppt/slides/slide4.xml><?xml version="1.0" encoding="utf-8"?>
-<p:sld xmlns:a="http://schemas.openxmlformats.org/drawingml/2006/main" xmlns:r="http://schemas.openxmlformats.org/officeDocument/2006/relationships" xmlns:p="http://schemas.openxmlformats.org/presentationml/2006/main">
+<p:sld xmlns:a="http://schemas.openxmlformats.org/drawingml/2006/main" xmlns:r="http://schemas.openxmlformats.org/officeDocument/2006/relationships" xmlns:p="http://schemas.openxmlformats.org/presentationml/2006/main" show="0">
   <p:cSld>
     <p:spTree>
       <p:nvGrpSpPr>
@@ -7119,7 +8124,7 @@
 </file>
 
 <file path=ppt/slides/slide5.xml><?xml version="1.0" encoding="utf-8"?>
-<p:sld xmlns:a="http://schemas.openxmlformats.org/drawingml/2006/main" xmlns:r="http://schemas.openxmlformats.org/officeDocument/2006/relationships" xmlns:p="http://schemas.openxmlformats.org/presentationml/2006/main">
+<p:sld xmlns:a="http://schemas.openxmlformats.org/drawingml/2006/main" xmlns:r="http://schemas.openxmlformats.org/officeDocument/2006/relationships" xmlns:p="http://schemas.openxmlformats.org/presentationml/2006/main" show="0">
   <p:cSld>
     <p:spTree>
       <p:nvGrpSpPr>
@@ -7300,7 +8305,7 @@
 </file>
 
 <file path=ppt/slides/slide6.xml><?xml version="1.0" encoding="utf-8"?>
-<p:sld xmlns:a="http://schemas.openxmlformats.org/drawingml/2006/main" xmlns:r="http://schemas.openxmlformats.org/officeDocument/2006/relationships" xmlns:p="http://schemas.openxmlformats.org/presentationml/2006/main">
+<p:sld xmlns:a="http://schemas.openxmlformats.org/drawingml/2006/main" xmlns:r="http://schemas.openxmlformats.org/officeDocument/2006/relationships" xmlns:p="http://schemas.openxmlformats.org/presentationml/2006/main" show="0">
   <p:cSld>
     <p:spTree>
       <p:nvGrpSpPr>
@@ -7453,7 +8458,7 @@
   <p:cSld>
     <p:spTree>
       <p:nvGrpSpPr>
-        <p:cNvPr id="1" name="Shape 92"/>
+        <p:cNvPr id="1" name="Shape 83"/>
         <p:cNvGrpSpPr/>
         <p:nvPr/>
       </p:nvGrpSpPr>
@@ -7467,7 +8472,7 @@
       </p:grpSpPr>
       <p:sp>
         <p:nvSpPr>
-          <p:cNvPr id="93" name="Google Shape;93;p19"/>
+          <p:cNvPr id="84" name="Google Shape;84;p18"/>
           <p:cNvSpPr txBox="1">
             <a:spLocks noGrp="1"/>
           </p:cNvSpPr>
@@ -7477,7 +8482,7 @@
         </p:nvSpPr>
         <p:spPr>
           <a:xfrm>
-            <a:off x="311700" y="445025"/>
+            <a:off x="311700" y="288275"/>
             <a:ext cx="8520600" cy="572700"/>
           </a:xfrm>
           <a:prstGeom prst="rect">
@@ -7490,34 +8495,361 @@
           </a:bodyPr>
           <a:lstStyle/>
           <a:p>
-            <a:pPr marL="0" lvl="0" indent="0" algn="l" rtl="0">
-              <a:spcBef>
-                <a:spcPts val="0"/>
-              </a:spcBef>
-              <a:spcAft>
-                <a:spcPts val="0"/>
-              </a:spcAft>
-              <a:buNone/>
-            </a:pPr>
             <a:r>
               <a:rPr lang="en-GB" dirty="0">
-                <a:solidFill>
-                  <a:srgbClr val="FF0000"/>
-                </a:solidFill>
+                <a:effectLst>
+                  <a:outerShdw blurRad="38100" dist="38100" dir="2700000" algn="tl">
+                    <a:srgbClr val="000000">
+                      <a:alpha val="43137"/>
+                    </a:srgbClr>
+                  </a:outerShdw>
+                </a:effectLst>
               </a:rPr>
-              <a:t>Team work</a:t>
+              <a:t>API usage </a:t>
+            </a:r>
+            <a:r>
+              <a:rPr lang="en-US" b="1" dirty="0" err="1">
+                <a:effectLst>
+                  <a:outerShdw blurRad="38100" dist="38100" dir="2700000" algn="tl">
+                    <a:srgbClr val="000000">
+                      <a:alpha val="43137"/>
+                    </a:srgbClr>
+                  </a:outerShdw>
+                </a:effectLst>
+              </a:rPr>
+              <a:t>RequestRouter</a:t>
             </a:r>
             <a:endParaRPr dirty="0">
-              <a:solidFill>
-                <a:srgbClr val="FF0000"/>
-              </a:solidFill>
+              <a:effectLst>
+                <a:outerShdw blurRad="38100" dist="38100" dir="2700000" algn="tl">
+                  <a:srgbClr val="000000">
+                    <a:alpha val="43137"/>
+                  </a:srgbClr>
+                </a:outerShdw>
+              </a:effectLst>
             </a:endParaRPr>
           </a:p>
         </p:txBody>
       </p:sp>
       <p:sp>
         <p:nvSpPr>
-          <p:cNvPr id="94" name="Google Shape;94;p19"/>
+          <p:cNvPr id="86" name="Google Shape;86;p18"/>
+          <p:cNvSpPr txBox="1">
+            <a:spLocks noGrp="1"/>
+          </p:cNvSpPr>
+          <p:nvPr>
+            <p:ph type="body" idx="1"/>
+          </p:nvPr>
+        </p:nvSpPr>
+        <p:spPr>
+          <a:xfrm>
+            <a:off x="311699" y="1152475"/>
+            <a:ext cx="3130747" cy="3416400"/>
+          </a:xfrm>
+          <a:prstGeom prst="rect">
+            <a:avLst/>
+          </a:prstGeom>
+        </p:spPr>
+        <p:txBody>
+          <a:bodyPr spcFirstLastPara="1" wrap="square" lIns="91425" tIns="91425" rIns="91425" bIns="91425" anchor="t" anchorCtr="0">
+            <a:noAutofit/>
+          </a:bodyPr>
+          <a:lstStyle/>
+          <a:p>
+            <a:pPr marL="0" lvl="0" indent="0" algn="l" rtl="0">
+              <a:spcBef>
+                <a:spcPts val="0"/>
+              </a:spcBef>
+              <a:spcAft>
+                <a:spcPts val="0"/>
+              </a:spcAft>
+              <a:buNone/>
+            </a:pPr>
+            <a:r>
+              <a:rPr lang="en-US" b="1" dirty="0">
+                <a:solidFill>
+                  <a:schemeClr val="tx1"/>
+                </a:solidFill>
+              </a:rPr>
+              <a:t>Use Case</a:t>
+            </a:r>
+            <a:r>
+              <a:rPr lang="en-US" dirty="0">
+                <a:solidFill>
+                  <a:schemeClr val="tx1"/>
+                </a:solidFill>
+              </a:rPr>
+              <a:t>: Forward Request</a:t>
+            </a:r>
+          </a:p>
+          <a:p>
+            <a:pPr marL="0" lvl="0" indent="0" algn="l" rtl="0">
+              <a:spcBef>
+                <a:spcPts val="0"/>
+              </a:spcBef>
+              <a:spcAft>
+                <a:spcPts val="0"/>
+              </a:spcAft>
+              <a:buNone/>
+            </a:pPr>
+            <a:r>
+              <a:rPr lang="en-US" b="1" dirty="0">
+                <a:solidFill>
+                  <a:schemeClr val="tx1"/>
+                </a:solidFill>
+              </a:rPr>
+              <a:t>Scenario</a:t>
+            </a:r>
+            <a:r>
+              <a:rPr lang="en-US" dirty="0">
+                <a:solidFill>
+                  <a:schemeClr val="tx1"/>
+                </a:solidFill>
+              </a:rPr>
+              <a:t>:</a:t>
+            </a:r>
+          </a:p>
+          <a:p>
+            <a:pPr marL="0" lvl="0" indent="0" algn="l" rtl="0">
+              <a:spcBef>
+                <a:spcPts val="0"/>
+              </a:spcBef>
+              <a:spcAft>
+                <a:spcPts val="0"/>
+              </a:spcAft>
+              <a:buNone/>
+            </a:pPr>
+            <a:r>
+              <a:rPr lang="en-US" dirty="0">
+                <a:solidFill>
+                  <a:schemeClr val="tx1"/>
+                </a:solidFill>
+              </a:rPr>
+              <a:t>User sends request to a service</a:t>
+            </a:r>
+          </a:p>
+          <a:p>
+            <a:pPr marL="0" lvl="0" indent="0" algn="l" rtl="0">
+              <a:spcBef>
+                <a:spcPts val="0"/>
+              </a:spcBef>
+              <a:spcAft>
+                <a:spcPts val="0"/>
+              </a:spcAft>
+              <a:buNone/>
+            </a:pPr>
+            <a:r>
+              <a:rPr lang="en-US" dirty="0">
+                <a:solidFill>
+                  <a:schemeClr val="tx1"/>
+                </a:solidFill>
+              </a:rPr>
+              <a:t>Request is being validated by </a:t>
+            </a:r>
+            <a:r>
+              <a:rPr lang="en-US" dirty="0" err="1">
+                <a:solidFill>
+                  <a:schemeClr val="tx1"/>
+                </a:solidFill>
+              </a:rPr>
+              <a:t>OpenAPI</a:t>
+            </a:r>
+            <a:r>
+              <a:rPr lang="en-US" dirty="0">
+                <a:solidFill>
+                  <a:schemeClr val="tx1"/>
+                </a:solidFill>
+              </a:rPr>
+              <a:t> schema</a:t>
+            </a:r>
+          </a:p>
+          <a:p>
+            <a:pPr marL="0" lvl="0" indent="0" algn="l" rtl="0">
+              <a:spcBef>
+                <a:spcPts val="0"/>
+              </a:spcBef>
+              <a:spcAft>
+                <a:spcPts val="0"/>
+              </a:spcAft>
+              <a:buNone/>
+            </a:pPr>
+            <a:r>
+              <a:rPr lang="en-US" dirty="0">
+                <a:solidFill>
+                  <a:schemeClr val="tx1"/>
+                </a:solidFill>
+              </a:rPr>
+              <a:t>Request is being forwarded to a specific K8s service</a:t>
+            </a:r>
+            <a:endParaRPr dirty="0">
+              <a:solidFill>
+                <a:schemeClr val="tx1"/>
+              </a:solidFill>
+            </a:endParaRPr>
+          </a:p>
+        </p:txBody>
+      </p:sp>
+      <p:pic>
+        <p:nvPicPr>
+          <p:cNvPr id="5" name="Picture 4">
+            <a:extLst>
+              <a:ext uri="{FF2B5EF4-FFF2-40B4-BE49-F238E27FC236}">
+                <a16:creationId xmlns:a16="http://schemas.microsoft.com/office/drawing/2014/main" id="{F27EAB64-52E9-4F07-B4D9-407AD54431C9}"/>
+              </a:ext>
+            </a:extLst>
+          </p:cNvPr>
+          <p:cNvPicPr>
+            <a:picLocks noChangeAspect="1"/>
+          </p:cNvPicPr>
+          <p:nvPr/>
+        </p:nvPicPr>
+        <p:blipFill>
+          <a:blip r:embed="rId3"/>
+          <a:srcRect/>
+          <a:stretch/>
+        </p:blipFill>
+        <p:spPr>
+          <a:xfrm>
+            <a:off x="3684063" y="1017725"/>
+            <a:ext cx="5090714" cy="3451009"/>
+          </a:xfrm>
+          <a:prstGeom prst="rect">
+            <a:avLst/>
+          </a:prstGeom>
+        </p:spPr>
+      </p:pic>
+      <p:sp>
+        <p:nvSpPr>
+          <p:cNvPr id="3" name="Номер слайда 2">
+            <a:extLst>
+              <a:ext uri="{FF2B5EF4-FFF2-40B4-BE49-F238E27FC236}">
+                <a16:creationId xmlns:a16="http://schemas.microsoft.com/office/drawing/2014/main" id="{44D00E36-7C80-4724-BC89-DAF8BBC2E470}"/>
+              </a:ext>
+            </a:extLst>
+          </p:cNvPr>
+          <p:cNvSpPr>
+            <a:spLocks noGrp="1"/>
+          </p:cNvSpPr>
+          <p:nvPr>
+            <p:ph type="sldNum" idx="12"/>
+          </p:nvPr>
+        </p:nvSpPr>
+        <p:spPr/>
+        <p:txBody>
+          <a:bodyPr/>
+          <a:lstStyle/>
+          <a:p>
+            <a:pPr marL="0" lvl="0" indent="0" algn="r" rtl="0">
+              <a:spcBef>
+                <a:spcPts val="0"/>
+              </a:spcBef>
+              <a:spcAft>
+                <a:spcPts val="0"/>
+              </a:spcAft>
+              <a:buNone/>
+            </a:pPr>
+            <a:fld id="{00000000-1234-1234-1234-123412341234}" type="slidenum">
+              <a:rPr lang="en-GB" smtClean="0"/>
+              <a:t>7</a:t>
+            </a:fld>
+            <a:endParaRPr lang="en-GB"/>
+          </a:p>
+        </p:txBody>
+      </p:sp>
+    </p:spTree>
+    <p:extLst>
+      <p:ext uri="{BB962C8B-B14F-4D97-AF65-F5344CB8AC3E}">
+        <p14:creationId xmlns:p14="http://schemas.microsoft.com/office/powerpoint/2010/main" val="1911688575"/>
+      </p:ext>
+    </p:extLst>
+  </p:cSld>
+  <p:clrMapOvr>
+    <a:masterClrMapping/>
+  </p:clrMapOvr>
+</p:sld>
+</file>
+
+<file path=ppt/slides/slide8.xml><?xml version="1.0" encoding="utf-8"?>
+<p:sld xmlns:a="http://schemas.openxmlformats.org/drawingml/2006/main" xmlns:r="http://schemas.openxmlformats.org/officeDocument/2006/relationships" xmlns:p="http://schemas.openxmlformats.org/presentationml/2006/main">
+  <p:cSld>
+    <p:spTree>
+      <p:nvGrpSpPr>
+        <p:cNvPr id="1" name="Shape 83"/>
+        <p:cNvGrpSpPr/>
+        <p:nvPr/>
+      </p:nvGrpSpPr>
+      <p:grpSpPr>
+        <a:xfrm>
+          <a:off x="0" y="0"/>
+          <a:ext cx="0" cy="0"/>
+          <a:chOff x="0" y="0"/>
+          <a:chExt cx="0" cy="0"/>
+        </a:xfrm>
+      </p:grpSpPr>
+      <p:sp>
+        <p:nvSpPr>
+          <p:cNvPr id="84" name="Google Shape;84;p18"/>
+          <p:cNvSpPr txBox="1">
+            <a:spLocks noGrp="1"/>
+          </p:cNvSpPr>
+          <p:nvPr>
+            <p:ph type="title"/>
+          </p:nvPr>
+        </p:nvSpPr>
+        <p:spPr>
+          <a:xfrm>
+            <a:off x="311700" y="182807"/>
+            <a:ext cx="8520600" cy="572700"/>
+          </a:xfrm>
+          <a:prstGeom prst="rect">
+            <a:avLst/>
+          </a:prstGeom>
+        </p:spPr>
+        <p:txBody>
+          <a:bodyPr spcFirstLastPara="1" wrap="square" lIns="91425" tIns="91425" rIns="91425" bIns="91425" anchor="t" anchorCtr="0">
+            <a:noAutofit/>
+          </a:bodyPr>
+          <a:lstStyle/>
+          <a:p>
+            <a:r>
+              <a:rPr lang="en-GB" dirty="0">
+                <a:effectLst>
+                  <a:outerShdw blurRad="38100" dist="38100" dir="2700000" algn="tl">
+                    <a:srgbClr val="000000">
+                      <a:alpha val="43137"/>
+                    </a:srgbClr>
+                  </a:outerShdw>
+                </a:effectLst>
+              </a:rPr>
+              <a:t>API usage </a:t>
+            </a:r>
+            <a:r>
+              <a:rPr lang="en-US" b="1" dirty="0">
+                <a:effectLst>
+                  <a:outerShdw blurRad="38100" dist="38100" dir="2700000" algn="tl">
+                    <a:srgbClr val="000000">
+                      <a:alpha val="43137"/>
+                    </a:srgbClr>
+                  </a:outerShdw>
+                </a:effectLst>
+              </a:rPr>
+              <a:t>Authenticator</a:t>
+            </a:r>
+            <a:endParaRPr dirty="0">
+              <a:effectLst>
+                <a:outerShdw blurRad="38100" dist="38100" dir="2700000" algn="tl">
+                  <a:srgbClr val="000000">
+                    <a:alpha val="43137"/>
+                  </a:srgbClr>
+                </a:outerShdw>
+              </a:effectLst>
+            </a:endParaRPr>
+          </a:p>
+        </p:txBody>
+      </p:sp>
+      <p:sp>
+        <p:nvSpPr>
+          <p:cNvPr id="86" name="Google Shape;86;p18"/>
           <p:cNvSpPr txBox="1">
             <a:spLocks noGrp="1"/>
           </p:cNvSpPr>
@@ -7528,7 +8860,7 @@
         <p:spPr>
           <a:xfrm>
             <a:off x="311700" y="1152475"/>
-            <a:ext cx="8520600" cy="3416400"/>
+            <a:ext cx="3000300" cy="3416400"/>
           </a:xfrm>
           <a:prstGeom prst="rect">
             <a:avLst/>
@@ -7545,19 +8877,631 @@
                 <a:spcPts val="0"/>
               </a:spcBef>
               <a:spcAft>
-                <a:spcPts val="1200"/>
+                <a:spcPts val="0"/>
               </a:spcAft>
               <a:buNone/>
             </a:pPr>
             <a:r>
-              <a:rPr lang="en-GB"/>
-              <a:t>&lt;Who did which DB schema for which microservice&gt;</a:t>
+              <a:rPr lang="en-US" b="1" dirty="0">
+                <a:solidFill>
+                  <a:schemeClr val="tx1"/>
+                </a:solidFill>
+              </a:rPr>
+              <a:t>Use Case</a:t>
             </a:r>
-            <a:endParaRPr/>
+            <a:r>
+              <a:rPr lang="en-US" dirty="0">
+                <a:solidFill>
+                  <a:schemeClr val="tx1"/>
+                </a:solidFill>
+              </a:rPr>
+              <a:t>: Authenticate</a:t>
+            </a:r>
+          </a:p>
+          <a:p>
+            <a:pPr marL="0" lvl="0" indent="0" algn="l" rtl="0">
+              <a:spcBef>
+                <a:spcPts val="0"/>
+              </a:spcBef>
+              <a:spcAft>
+                <a:spcPts val="0"/>
+              </a:spcAft>
+              <a:buNone/>
+            </a:pPr>
+            <a:r>
+              <a:rPr lang="en-US" b="1" dirty="0">
+                <a:solidFill>
+                  <a:schemeClr val="tx1"/>
+                </a:solidFill>
+              </a:rPr>
+              <a:t>Scenario</a:t>
+            </a:r>
+            <a:r>
+              <a:rPr lang="en-US" dirty="0">
+                <a:solidFill>
+                  <a:schemeClr val="tx1"/>
+                </a:solidFill>
+              </a:rPr>
+              <a:t>:</a:t>
+            </a:r>
+          </a:p>
+          <a:p>
+            <a:pPr marL="0" lvl="0" indent="0" algn="l" rtl="0">
+              <a:spcBef>
+                <a:spcPts val="0"/>
+              </a:spcBef>
+              <a:spcAft>
+                <a:spcPts val="0"/>
+              </a:spcAft>
+              <a:buNone/>
+            </a:pPr>
+            <a:r>
+              <a:rPr lang="en-US" dirty="0">
+                <a:solidFill>
+                  <a:schemeClr val="tx1"/>
+                </a:solidFill>
+              </a:rPr>
+              <a:t>User sends request</a:t>
+            </a:r>
+          </a:p>
+          <a:p>
+            <a:pPr marL="0" lvl="0" indent="0" algn="l" rtl="0">
+              <a:spcBef>
+                <a:spcPts val="0"/>
+              </a:spcBef>
+              <a:spcAft>
+                <a:spcPts val="0"/>
+              </a:spcAft>
+              <a:buNone/>
+            </a:pPr>
+            <a:r>
+              <a:rPr lang="en-US" dirty="0">
+                <a:solidFill>
+                  <a:schemeClr val="tx1"/>
+                </a:solidFill>
+              </a:rPr>
+              <a:t>Request is sent to authentication</a:t>
+            </a:r>
+          </a:p>
+          <a:p>
+            <a:pPr marL="0" lvl="0" indent="0" algn="l" rtl="0">
+              <a:spcBef>
+                <a:spcPts val="0"/>
+              </a:spcBef>
+              <a:spcAft>
+                <a:spcPts val="0"/>
+              </a:spcAft>
+              <a:buNone/>
+            </a:pPr>
+            <a:r>
+              <a:rPr lang="en-US" dirty="0">
+                <a:solidFill>
+                  <a:schemeClr val="tx1"/>
+                </a:solidFill>
+              </a:rPr>
+              <a:t>Request is checked for SSO authentication possibility</a:t>
+            </a:r>
+            <a:endParaRPr dirty="0">
+              <a:solidFill>
+                <a:schemeClr val="tx1"/>
+              </a:solidFill>
+            </a:endParaRPr>
+          </a:p>
+        </p:txBody>
+      </p:sp>
+      <p:pic>
+        <p:nvPicPr>
+          <p:cNvPr id="5" name="Picture 4">
+            <a:extLst>
+              <a:ext uri="{FF2B5EF4-FFF2-40B4-BE49-F238E27FC236}">
+                <a16:creationId xmlns:a16="http://schemas.microsoft.com/office/drawing/2014/main" id="{F27EAB64-52E9-4F07-B4D9-407AD54431C9}"/>
+              </a:ext>
+            </a:extLst>
+          </p:cNvPr>
+          <p:cNvPicPr>
+            <a:picLocks noChangeAspect="1"/>
+          </p:cNvPicPr>
+          <p:nvPr/>
+        </p:nvPicPr>
+        <p:blipFill>
+          <a:blip r:embed="rId3"/>
+          <a:srcRect/>
+          <a:stretch/>
+        </p:blipFill>
+        <p:spPr>
+          <a:xfrm>
+            <a:off x="3626541" y="2207056"/>
+            <a:ext cx="5205759" cy="1072347"/>
+          </a:xfrm>
+          <a:prstGeom prst="rect">
+            <a:avLst/>
+          </a:prstGeom>
+        </p:spPr>
+      </p:pic>
+      <p:sp>
+        <p:nvSpPr>
+          <p:cNvPr id="2" name="Rectangle 1">
+            <a:extLst>
+              <a:ext uri="{FF2B5EF4-FFF2-40B4-BE49-F238E27FC236}">
+                <a16:creationId xmlns:a16="http://schemas.microsoft.com/office/drawing/2014/main" id="{575A1C00-12C6-44D1-8DDB-5947204B7660}"/>
+              </a:ext>
+            </a:extLst>
+          </p:cNvPr>
+          <p:cNvSpPr>
+            <a:spLocks noChangeArrowheads="1"/>
+          </p:cNvSpPr>
+          <p:nvPr/>
+        </p:nvSpPr>
+        <p:spPr bwMode="auto">
+          <a:xfrm>
+            <a:off x="0" y="0"/>
+            <a:ext cx="9144000" cy="0"/>
+          </a:xfrm>
+          <a:prstGeom prst="rect">
+            <a:avLst/>
+          </a:prstGeom>
+          <a:noFill/>
+          <a:ln>
+            <a:noFill/>
+          </a:ln>
+          <a:effectLst/>
+          <a:extLst>
+            <a:ext uri="{909E8E84-426E-40DD-AFC4-6F175D3DCCD1}">
+              <a14:hiddenFill xmlns:a14="http://schemas.microsoft.com/office/drawing/2010/main">
+                <a:solidFill>
+                  <a:schemeClr val="accent1"/>
+                </a:solidFill>
+              </a14:hiddenFill>
+            </a:ext>
+            <a:ext uri="{91240B29-F687-4F45-9708-019B960494DF}">
+              <a14:hiddenLine xmlns:a14="http://schemas.microsoft.com/office/drawing/2010/main" w="9525">
+                <a:solidFill>
+                  <a:schemeClr val="tx1"/>
+                </a:solidFill>
+                <a:miter lim="800000"/>
+                <a:headEnd/>
+                <a:tailEnd/>
+              </a14:hiddenLine>
+            </a:ext>
+            <a:ext uri="{AF507438-7753-43E0-B8FC-AC1667EBCBE1}">
+              <a14:hiddenEffects xmlns:a14="http://schemas.microsoft.com/office/drawing/2010/main">
+                <a:effectLst>
+                  <a:outerShdw dist="35921" dir="2700000" algn="ctr" rotWithShape="0">
+                    <a:schemeClr val="bg2"/>
+                  </a:outerShdw>
+                </a:effectLst>
+              </a14:hiddenEffects>
+            </a:ext>
+          </a:extLst>
+        </p:spPr>
+        <p:txBody>
+          <a:bodyPr vert="horz" wrap="none" lIns="91440" tIns="45720" rIns="91440" bIns="45720" numCol="1" anchor="ctr" anchorCtr="0" compatLnSpc="1">
+            <a:prstTxWarp prst="textNoShape">
+              <a:avLst/>
+            </a:prstTxWarp>
+            <a:spAutoFit/>
+          </a:bodyPr>
+          <a:lstStyle/>
+          <a:p>
+            <a:pPr marL="0" marR="0" lvl="0" indent="0" algn="l" defTabSz="914400" rtl="0" eaLnBrk="0" fontAlgn="base" latinLnBrk="0" hangingPunct="0">
+              <a:lnSpc>
+                <a:spcPct val="100000"/>
+              </a:lnSpc>
+              <a:spcBef>
+                <a:spcPct val="0"/>
+              </a:spcBef>
+              <a:spcAft>
+                <a:spcPct val="0"/>
+              </a:spcAft>
+              <a:buClrTx/>
+              <a:buSzTx/>
+              <a:buFontTx/>
+              <a:buNone/>
+              <a:tabLst/>
+            </a:pPr>
+            <a:r>
+              <a:rPr kumimoji="0" lang="ru-RU" altLang="ru-RU" sz="300" b="1" i="0" u="none" strike="noStrike" cap="none" normalizeH="0" baseline="0">
+                <a:ln>
+                  <a:noFill/>
+                </a:ln>
+                <a:solidFill>
+                  <a:schemeClr val="tx1"/>
+                </a:solidFill>
+                <a:effectLst/>
+                <a:latin typeface="Arial" panose="020B0604020202020204" pitchFamily="34" charset="0"/>
+              </a:rPr>
+              <a:t>Authenticator</a:t>
+            </a:r>
+            <a:endParaRPr kumimoji="0" lang="ru-RU" altLang="ru-RU" sz="200" b="1" i="0" u="none" strike="noStrike" cap="none" normalizeH="0" baseline="0">
+              <a:ln>
+                <a:noFill/>
+              </a:ln>
+              <a:solidFill>
+                <a:schemeClr val="tx1"/>
+              </a:solidFill>
+              <a:effectLst/>
+              <a:latin typeface="Arial" panose="020B0604020202020204" pitchFamily="34" charset="0"/>
+            </a:endParaRPr>
+          </a:p>
+          <a:p>
+            <a:pPr marL="0" marR="0" lvl="0" indent="0" algn="l" defTabSz="914400" rtl="0" eaLnBrk="0" fontAlgn="base" latinLnBrk="0" hangingPunct="0">
+              <a:lnSpc>
+                <a:spcPct val="100000"/>
+              </a:lnSpc>
+              <a:spcBef>
+                <a:spcPct val="0"/>
+              </a:spcBef>
+              <a:spcAft>
+                <a:spcPct val="0"/>
+              </a:spcAft>
+              <a:buClrTx/>
+              <a:buSzTx/>
+              <a:buFontTx/>
+              <a:buNone/>
+              <a:tabLst/>
+            </a:pPr>
+            <a:endParaRPr kumimoji="0" lang="ru-RU" altLang="ru-RU" sz="1800" b="0" i="0" u="none" strike="noStrike" cap="none" normalizeH="0" baseline="0">
+              <a:ln>
+                <a:noFill/>
+              </a:ln>
+              <a:solidFill>
+                <a:schemeClr val="tx1"/>
+              </a:solidFill>
+              <a:effectLst/>
+              <a:latin typeface="Arial" panose="020B0604020202020204" pitchFamily="34" charset="0"/>
+            </a:endParaRPr>
+          </a:p>
+        </p:txBody>
+      </p:sp>
+      <p:sp>
+        <p:nvSpPr>
+          <p:cNvPr id="4" name="Номер слайда 3">
+            <a:extLst>
+              <a:ext uri="{FF2B5EF4-FFF2-40B4-BE49-F238E27FC236}">
+                <a16:creationId xmlns:a16="http://schemas.microsoft.com/office/drawing/2014/main" id="{B6084F2C-D079-4A3E-B51D-2E8680415742}"/>
+              </a:ext>
+            </a:extLst>
+          </p:cNvPr>
+          <p:cNvSpPr>
+            <a:spLocks noGrp="1"/>
+          </p:cNvSpPr>
+          <p:nvPr>
+            <p:ph type="sldNum" idx="12"/>
+          </p:nvPr>
+        </p:nvSpPr>
+        <p:spPr/>
+        <p:txBody>
+          <a:bodyPr/>
+          <a:lstStyle/>
+          <a:p>
+            <a:pPr marL="0" lvl="0" indent="0" algn="r" rtl="0">
+              <a:spcBef>
+                <a:spcPts val="0"/>
+              </a:spcBef>
+              <a:spcAft>
+                <a:spcPts val="0"/>
+              </a:spcAft>
+              <a:buNone/>
+            </a:pPr>
+            <a:fld id="{00000000-1234-1234-1234-123412341234}" type="slidenum">
+              <a:rPr lang="en-GB" smtClean="0"/>
+              <a:t>8</a:t>
+            </a:fld>
+            <a:endParaRPr lang="en-GB"/>
           </a:p>
         </p:txBody>
       </p:sp>
     </p:spTree>
+    <p:extLst>
+      <p:ext uri="{BB962C8B-B14F-4D97-AF65-F5344CB8AC3E}">
+        <p14:creationId xmlns:p14="http://schemas.microsoft.com/office/powerpoint/2010/main" val="3404193546"/>
+      </p:ext>
+    </p:extLst>
+  </p:cSld>
+  <p:clrMapOvr>
+    <a:masterClrMapping/>
+  </p:clrMapOvr>
+</p:sld>
+</file>
+
+<file path=ppt/slides/slide9.xml><?xml version="1.0" encoding="utf-8"?>
+<p:sld xmlns:a="http://schemas.openxmlformats.org/drawingml/2006/main" xmlns:r="http://schemas.openxmlformats.org/officeDocument/2006/relationships" xmlns:p="http://schemas.openxmlformats.org/presentationml/2006/main">
+  <p:cSld>
+    <p:spTree>
+      <p:nvGrpSpPr>
+        <p:cNvPr id="1" name="Shape 83"/>
+        <p:cNvGrpSpPr/>
+        <p:nvPr/>
+      </p:nvGrpSpPr>
+      <p:grpSpPr>
+        <a:xfrm>
+          <a:off x="0" y="0"/>
+          <a:ext cx="0" cy="0"/>
+          <a:chOff x="0" y="0"/>
+          <a:chExt cx="0" cy="0"/>
+        </a:xfrm>
+      </p:grpSpPr>
+      <p:sp>
+        <p:nvSpPr>
+          <p:cNvPr id="84" name="Google Shape;84;p18"/>
+          <p:cNvSpPr txBox="1">
+            <a:spLocks noGrp="1"/>
+          </p:cNvSpPr>
+          <p:nvPr>
+            <p:ph type="title"/>
+          </p:nvPr>
+        </p:nvSpPr>
+        <p:spPr>
+          <a:xfrm>
+            <a:off x="251188" y="288275"/>
+            <a:ext cx="8520600" cy="572700"/>
+          </a:xfrm>
+          <a:prstGeom prst="rect">
+            <a:avLst/>
+          </a:prstGeom>
+        </p:spPr>
+        <p:txBody>
+          <a:bodyPr spcFirstLastPara="1" wrap="square" lIns="91425" tIns="91425" rIns="91425" bIns="91425" anchor="t" anchorCtr="0">
+            <a:noAutofit/>
+          </a:bodyPr>
+          <a:lstStyle/>
+          <a:p>
+            <a:r>
+              <a:rPr lang="en-GB" dirty="0">
+                <a:effectLst>
+                  <a:outerShdw blurRad="38100" dist="38100" dir="2700000" algn="tl">
+                    <a:srgbClr val="000000">
+                      <a:alpha val="43137"/>
+                    </a:srgbClr>
+                  </a:outerShdw>
+                </a:effectLst>
+              </a:rPr>
+              <a:t>API usage </a:t>
+            </a:r>
+            <a:r>
+              <a:rPr lang="en-US" b="1" dirty="0" err="1">
+                <a:effectLst>
+                  <a:outerShdw blurRad="38100" dist="38100" dir="2700000" algn="tl">
+                    <a:srgbClr val="000000">
+                      <a:alpha val="43137"/>
+                    </a:srgbClr>
+                  </a:outerShdw>
+                </a:effectLst>
+              </a:rPr>
+              <a:t>OpenAPIGenerator</a:t>
+            </a:r>
+            <a:endParaRPr dirty="0">
+              <a:effectLst>
+                <a:outerShdw blurRad="38100" dist="38100" dir="2700000" algn="tl">
+                  <a:srgbClr val="000000">
+                    <a:alpha val="43137"/>
+                  </a:srgbClr>
+                </a:outerShdw>
+              </a:effectLst>
+            </a:endParaRPr>
+          </a:p>
+        </p:txBody>
+      </p:sp>
+      <p:sp>
+        <p:nvSpPr>
+          <p:cNvPr id="86" name="Google Shape;86;p18"/>
+          <p:cNvSpPr txBox="1">
+            <a:spLocks noGrp="1"/>
+          </p:cNvSpPr>
+          <p:nvPr>
+            <p:ph type="body" idx="1"/>
+          </p:nvPr>
+        </p:nvSpPr>
+        <p:spPr>
+          <a:xfrm>
+            <a:off x="311700" y="1152475"/>
+            <a:ext cx="3000300" cy="3416400"/>
+          </a:xfrm>
+          <a:prstGeom prst="rect">
+            <a:avLst/>
+          </a:prstGeom>
+        </p:spPr>
+        <p:txBody>
+          <a:bodyPr spcFirstLastPara="1" wrap="square" lIns="91425" tIns="91425" rIns="91425" bIns="91425" anchor="t" anchorCtr="0">
+            <a:noAutofit/>
+          </a:bodyPr>
+          <a:lstStyle/>
+          <a:p>
+            <a:pPr marL="0" lvl="0" indent="0" algn="l" rtl="0">
+              <a:spcBef>
+                <a:spcPts val="0"/>
+              </a:spcBef>
+              <a:spcAft>
+                <a:spcPts val="0"/>
+              </a:spcAft>
+              <a:buNone/>
+            </a:pPr>
+            <a:r>
+              <a:rPr lang="en-US" b="1" dirty="0">
+                <a:solidFill>
+                  <a:schemeClr val="tx1"/>
+                </a:solidFill>
+              </a:rPr>
+              <a:t>Use Case</a:t>
+            </a:r>
+            <a:r>
+              <a:rPr lang="en-US" dirty="0">
+                <a:solidFill>
+                  <a:schemeClr val="tx1"/>
+                </a:solidFill>
+              </a:rPr>
+              <a:t>: Generate </a:t>
+            </a:r>
+            <a:r>
+              <a:rPr lang="en-US" dirty="0" err="1">
+                <a:solidFill>
+                  <a:schemeClr val="tx1"/>
+                </a:solidFill>
+              </a:rPr>
+              <a:t>OpenAPI</a:t>
+            </a:r>
+            <a:r>
+              <a:rPr lang="en-US" dirty="0">
+                <a:solidFill>
+                  <a:schemeClr val="tx1"/>
+                </a:solidFill>
+              </a:rPr>
+              <a:t> Schema</a:t>
+            </a:r>
+          </a:p>
+          <a:p>
+            <a:pPr marL="0" lvl="0" indent="0" algn="l" rtl="0">
+              <a:spcBef>
+                <a:spcPts val="0"/>
+              </a:spcBef>
+              <a:spcAft>
+                <a:spcPts val="0"/>
+              </a:spcAft>
+              <a:buNone/>
+            </a:pPr>
+            <a:r>
+              <a:rPr lang="en-US" b="1" dirty="0">
+                <a:solidFill>
+                  <a:schemeClr val="tx1"/>
+                </a:solidFill>
+              </a:rPr>
+              <a:t>Scenario</a:t>
+            </a:r>
+            <a:r>
+              <a:rPr lang="en-US" dirty="0">
+                <a:solidFill>
+                  <a:schemeClr val="tx1"/>
+                </a:solidFill>
+              </a:rPr>
+              <a:t>: </a:t>
+            </a:r>
+          </a:p>
+          <a:p>
+            <a:pPr marL="0" lvl="0" indent="0" algn="l" rtl="0">
+              <a:spcBef>
+                <a:spcPts val="0"/>
+              </a:spcBef>
+              <a:spcAft>
+                <a:spcPts val="0"/>
+              </a:spcAft>
+              <a:buNone/>
+            </a:pPr>
+            <a:r>
+              <a:rPr lang="en-US" dirty="0">
+                <a:solidFill>
+                  <a:schemeClr val="tx1"/>
+                </a:solidFill>
+              </a:rPr>
+              <a:t>User sends request to get schema</a:t>
+            </a:r>
+          </a:p>
+          <a:p>
+            <a:pPr marL="0" lvl="0" indent="0" algn="l" rtl="0">
+              <a:spcBef>
+                <a:spcPts val="0"/>
+              </a:spcBef>
+              <a:spcAft>
+                <a:spcPts val="0"/>
+              </a:spcAft>
+              <a:buNone/>
+            </a:pPr>
+            <a:r>
+              <a:rPr lang="en-US" dirty="0" err="1">
+                <a:solidFill>
+                  <a:schemeClr val="tx1"/>
+                </a:solidFill>
+              </a:rPr>
+              <a:t>OpenApi</a:t>
+            </a:r>
+            <a:r>
+              <a:rPr lang="en-US" dirty="0">
+                <a:solidFill>
+                  <a:schemeClr val="tx1"/>
+                </a:solidFill>
+              </a:rPr>
+              <a:t> Generator checks if schema is present, if not – creates it, returns actual schema</a:t>
+            </a:r>
+            <a:endParaRPr dirty="0">
+              <a:solidFill>
+                <a:schemeClr val="tx1"/>
+              </a:solidFill>
+            </a:endParaRPr>
+          </a:p>
+        </p:txBody>
+      </p:sp>
+      <p:pic>
+        <p:nvPicPr>
+          <p:cNvPr id="5" name="Picture 4">
+            <a:extLst>
+              <a:ext uri="{FF2B5EF4-FFF2-40B4-BE49-F238E27FC236}">
+                <a16:creationId xmlns:a16="http://schemas.microsoft.com/office/drawing/2014/main" id="{F27EAB64-52E9-4F07-B4D9-407AD54431C9}"/>
+              </a:ext>
+            </a:extLst>
+          </p:cNvPr>
+          <p:cNvPicPr>
+            <a:picLocks noChangeAspect="1"/>
+          </p:cNvPicPr>
+          <p:nvPr/>
+        </p:nvPicPr>
+        <p:blipFill>
+          <a:blip r:embed="rId3"/>
+          <a:srcRect/>
+          <a:stretch/>
+        </p:blipFill>
+        <p:spPr>
+          <a:xfrm>
+            <a:off x="3626541" y="2203806"/>
+            <a:ext cx="5205759" cy="1078846"/>
+          </a:xfrm>
+          <a:prstGeom prst="rect">
+            <a:avLst/>
+          </a:prstGeom>
+        </p:spPr>
+      </p:pic>
+      <p:sp>
+        <p:nvSpPr>
+          <p:cNvPr id="3" name="Номер слайда 2">
+            <a:extLst>
+              <a:ext uri="{FF2B5EF4-FFF2-40B4-BE49-F238E27FC236}">
+                <a16:creationId xmlns:a16="http://schemas.microsoft.com/office/drawing/2014/main" id="{E92DA808-A119-4BC5-BB0C-E1F78E2DD16E}"/>
+              </a:ext>
+            </a:extLst>
+          </p:cNvPr>
+          <p:cNvSpPr>
+            <a:spLocks noGrp="1"/>
+          </p:cNvSpPr>
+          <p:nvPr>
+            <p:ph type="sldNum" idx="12"/>
+          </p:nvPr>
+        </p:nvSpPr>
+        <p:spPr/>
+        <p:txBody>
+          <a:bodyPr/>
+          <a:lstStyle/>
+          <a:p>
+            <a:pPr marL="0" lvl="0" indent="0" algn="r" rtl="0">
+              <a:spcBef>
+                <a:spcPts val="0"/>
+              </a:spcBef>
+              <a:spcAft>
+                <a:spcPts val="0"/>
+              </a:spcAft>
+              <a:buNone/>
+            </a:pPr>
+            <a:fld id="{00000000-1234-1234-1234-123412341234}" type="slidenum">
+              <a:rPr lang="en-GB" smtClean="0"/>
+              <a:t>9</a:t>
+            </a:fld>
+            <a:endParaRPr lang="en-GB"/>
+          </a:p>
+        </p:txBody>
+      </p:sp>
+    </p:spTree>
+    <p:extLst>
+      <p:ext uri="{BB962C8B-B14F-4D97-AF65-F5344CB8AC3E}">
+        <p14:creationId xmlns:p14="http://schemas.microsoft.com/office/powerpoint/2010/main" val="2388190616"/>
+      </p:ext>
+    </p:extLst>
   </p:cSld>
   <p:clrMapOvr>
     <a:masterClrMapping/>

--- a/PracticeTasks/Module2/Task_11/Task_11.pptx
+++ b/PracticeTasks/Module2/Task_11/Task_11.pptx
@@ -5,7 +5,7 @@
     <p:sldMasterId id="2147483659" r:id="rId1"/>
   </p:sldMasterIdLst>
   <p:notesMasterIdLst>
-    <p:notesMasterId r:id="rId13"/>
+    <p:notesMasterId r:id="rId15"/>
   </p:notesMasterIdLst>
   <p:sldIdLst>
     <p:sldId id="256" r:id="rId2"/>
@@ -15,10 +15,12 @@
     <p:sldId id="260" r:id="rId6"/>
     <p:sldId id="261" r:id="rId7"/>
     <p:sldId id="272" r:id="rId8"/>
-    <p:sldId id="270" r:id="rId9"/>
-    <p:sldId id="271" r:id="rId10"/>
-    <p:sldId id="269" r:id="rId11"/>
-    <p:sldId id="262" r:id="rId12"/>
+    <p:sldId id="273" r:id="rId9"/>
+    <p:sldId id="274" r:id="rId10"/>
+    <p:sldId id="270" r:id="rId11"/>
+    <p:sldId id="271" r:id="rId12"/>
+    <p:sldId id="269" r:id="rId13"/>
+    <p:sldId id="262" r:id="rId14"/>
   </p:sldIdLst>
   <p:sldSz cx="9144000" cy="5143500" type="screen16x9"/>
   <p:notesSz cx="6858000" cy="9144000"/>
@@ -912,6 +914,11 @@
         </p:txBody>
       </p:sp>
     </p:spTree>
+    <p:extLst>
+      <p:ext uri="{BB962C8B-B14F-4D97-AF65-F5344CB8AC3E}">
+        <p14:creationId xmlns:p14="http://schemas.microsoft.com/office/powerpoint/2010/main" val="265012011"/>
+      </p:ext>
+    </p:extLst>
   </p:cSld>
   <p:clrMapOvr>
     <a:masterClrMapping/>
@@ -920,6 +927,219 @@
 </file>
 
 <file path=ppt/notesSlides/notesSlide11.xml><?xml version="1.0" encoding="utf-8"?>
+<p:notes xmlns:a="http://schemas.openxmlformats.org/drawingml/2006/main" xmlns:r="http://schemas.openxmlformats.org/officeDocument/2006/relationships" xmlns:p="http://schemas.openxmlformats.org/presentationml/2006/main" showMasterSp="0" showMasterPhAnim="0">
+  <p:cSld>
+    <p:spTree>
+      <p:nvGrpSpPr>
+        <p:cNvPr id="1" name="Shape 80"/>
+        <p:cNvGrpSpPr/>
+        <p:nvPr/>
+      </p:nvGrpSpPr>
+      <p:grpSpPr>
+        <a:xfrm>
+          <a:off x="0" y="0"/>
+          <a:ext cx="0" cy="0"/>
+          <a:chOff x="0" y="0"/>
+          <a:chExt cx="0" cy="0"/>
+        </a:xfrm>
+      </p:grpSpPr>
+      <p:sp>
+        <p:nvSpPr>
+          <p:cNvPr id="81" name="Google Shape;81;g100adce3cd7_0_50:notes"/>
+          <p:cNvSpPr>
+            <a:spLocks noGrp="1" noRot="1" noChangeAspect="1"/>
+          </p:cNvSpPr>
+          <p:nvPr>
+            <p:ph type="sldImg" idx="2"/>
+          </p:nvPr>
+        </p:nvSpPr>
+        <p:spPr>
+          <a:xfrm>
+            <a:off x="381000" y="685800"/>
+            <a:ext cx="6096000" cy="3429000"/>
+          </a:xfrm>
+          <a:custGeom>
+            <a:avLst/>
+            <a:gdLst/>
+            <a:ahLst/>
+            <a:cxnLst/>
+            <a:rect l="l" t="t" r="r" b="b"/>
+            <a:pathLst>
+              <a:path w="120000" h="120000" extrusionOk="0">
+                <a:moveTo>
+                  <a:pt x="0" y="0"/>
+                </a:moveTo>
+                <a:lnTo>
+                  <a:pt x="120000" y="0"/>
+                </a:lnTo>
+                <a:lnTo>
+                  <a:pt x="120000" y="120000"/>
+                </a:lnTo>
+                <a:lnTo>
+                  <a:pt x="0" y="120000"/>
+                </a:lnTo>
+                <a:close/>
+              </a:path>
+            </a:pathLst>
+          </a:custGeom>
+        </p:spPr>
+      </p:sp>
+      <p:sp>
+        <p:nvSpPr>
+          <p:cNvPr id="82" name="Google Shape;82;g100adce3cd7_0_50:notes"/>
+          <p:cNvSpPr txBox="1">
+            <a:spLocks noGrp="1"/>
+          </p:cNvSpPr>
+          <p:nvPr>
+            <p:ph type="body" idx="1"/>
+          </p:nvPr>
+        </p:nvSpPr>
+        <p:spPr>
+          <a:xfrm>
+            <a:off x="685800" y="4343400"/>
+            <a:ext cx="5486400" cy="4114800"/>
+          </a:xfrm>
+          <a:prstGeom prst="rect">
+            <a:avLst/>
+          </a:prstGeom>
+        </p:spPr>
+        <p:txBody>
+          <a:bodyPr spcFirstLastPara="1" wrap="square" lIns="91425" tIns="91425" rIns="91425" bIns="91425" anchor="t" anchorCtr="0">
+            <a:noAutofit/>
+          </a:bodyPr>
+          <a:lstStyle/>
+          <a:p>
+            <a:pPr marL="0" lvl="0" indent="0" algn="l" rtl="0">
+              <a:spcBef>
+                <a:spcPts val="0"/>
+              </a:spcBef>
+              <a:spcAft>
+                <a:spcPts val="0"/>
+              </a:spcAft>
+              <a:buNone/>
+            </a:pPr>
+            <a:endParaRPr/>
+          </a:p>
+        </p:txBody>
+      </p:sp>
+    </p:spTree>
+    <p:extLst>
+      <p:ext uri="{BB962C8B-B14F-4D97-AF65-F5344CB8AC3E}">
+        <p14:creationId xmlns:p14="http://schemas.microsoft.com/office/powerpoint/2010/main" val="1537165346"/>
+      </p:ext>
+    </p:extLst>
+  </p:cSld>
+  <p:clrMapOvr>
+    <a:masterClrMapping/>
+  </p:clrMapOvr>
+</p:notes>
+</file>
+
+<file path=ppt/notesSlides/notesSlide12.xml><?xml version="1.0" encoding="utf-8"?>
+<p:notes xmlns:a="http://schemas.openxmlformats.org/drawingml/2006/main" xmlns:r="http://schemas.openxmlformats.org/officeDocument/2006/relationships" xmlns:p="http://schemas.openxmlformats.org/presentationml/2006/main" showMasterSp="0" showMasterPhAnim="0">
+  <p:cSld>
+    <p:spTree>
+      <p:nvGrpSpPr>
+        <p:cNvPr id="1" name="Shape 80"/>
+        <p:cNvGrpSpPr/>
+        <p:nvPr/>
+      </p:nvGrpSpPr>
+      <p:grpSpPr>
+        <a:xfrm>
+          <a:off x="0" y="0"/>
+          <a:ext cx="0" cy="0"/>
+          <a:chOff x="0" y="0"/>
+          <a:chExt cx="0" cy="0"/>
+        </a:xfrm>
+      </p:grpSpPr>
+      <p:sp>
+        <p:nvSpPr>
+          <p:cNvPr id="81" name="Google Shape;81;g100adce3cd7_0_50:notes"/>
+          <p:cNvSpPr>
+            <a:spLocks noGrp="1" noRot="1" noChangeAspect="1"/>
+          </p:cNvSpPr>
+          <p:nvPr>
+            <p:ph type="sldImg" idx="2"/>
+          </p:nvPr>
+        </p:nvSpPr>
+        <p:spPr>
+          <a:xfrm>
+            <a:off x="381000" y="685800"/>
+            <a:ext cx="6096000" cy="3429000"/>
+          </a:xfrm>
+          <a:custGeom>
+            <a:avLst/>
+            <a:gdLst/>
+            <a:ahLst/>
+            <a:cxnLst/>
+            <a:rect l="l" t="t" r="r" b="b"/>
+            <a:pathLst>
+              <a:path w="120000" h="120000" extrusionOk="0">
+                <a:moveTo>
+                  <a:pt x="0" y="0"/>
+                </a:moveTo>
+                <a:lnTo>
+                  <a:pt x="120000" y="0"/>
+                </a:lnTo>
+                <a:lnTo>
+                  <a:pt x="120000" y="120000"/>
+                </a:lnTo>
+                <a:lnTo>
+                  <a:pt x="0" y="120000"/>
+                </a:lnTo>
+                <a:close/>
+              </a:path>
+            </a:pathLst>
+          </a:custGeom>
+        </p:spPr>
+      </p:sp>
+      <p:sp>
+        <p:nvSpPr>
+          <p:cNvPr id="82" name="Google Shape;82;g100adce3cd7_0_50:notes"/>
+          <p:cNvSpPr txBox="1">
+            <a:spLocks noGrp="1"/>
+          </p:cNvSpPr>
+          <p:nvPr>
+            <p:ph type="body" idx="1"/>
+          </p:nvPr>
+        </p:nvSpPr>
+        <p:spPr>
+          <a:xfrm>
+            <a:off x="685800" y="4343400"/>
+            <a:ext cx="5486400" cy="4114800"/>
+          </a:xfrm>
+          <a:prstGeom prst="rect">
+            <a:avLst/>
+          </a:prstGeom>
+        </p:spPr>
+        <p:txBody>
+          <a:bodyPr spcFirstLastPara="1" wrap="square" lIns="91425" tIns="91425" rIns="91425" bIns="91425" anchor="t" anchorCtr="0">
+            <a:noAutofit/>
+          </a:bodyPr>
+          <a:lstStyle/>
+          <a:p>
+            <a:pPr marL="0" lvl="0" indent="0" algn="l" rtl="0">
+              <a:spcBef>
+                <a:spcPts val="0"/>
+              </a:spcBef>
+              <a:spcAft>
+                <a:spcPts val="0"/>
+              </a:spcAft>
+              <a:buNone/>
+            </a:pPr>
+            <a:endParaRPr/>
+          </a:p>
+        </p:txBody>
+      </p:sp>
+    </p:spTree>
+  </p:cSld>
+  <p:clrMapOvr>
+    <a:masterClrMapping/>
+  </p:clrMapOvr>
+</p:notes>
+</file>
+
+<file path=ppt/notesSlides/notesSlide13.xml><?xml version="1.0" encoding="utf-8"?>
 <p:notes xmlns:a="http://schemas.openxmlformats.org/drawingml/2006/main" xmlns:r="http://schemas.openxmlformats.org/officeDocument/2006/relationships" xmlns:p="http://schemas.openxmlformats.org/presentationml/2006/main" showMasterSp="0" showMasterPhAnim="0">
   <p:cSld>
     <p:spTree>
@@ -1756,7 +1976,7 @@
     </p:spTree>
     <p:extLst>
       <p:ext uri="{BB962C8B-B14F-4D97-AF65-F5344CB8AC3E}">
-        <p14:creationId xmlns:p14="http://schemas.microsoft.com/office/powerpoint/2010/main" val="265012011"/>
+        <p14:creationId xmlns:p14="http://schemas.microsoft.com/office/powerpoint/2010/main" val="105014010"/>
       </p:ext>
     </p:extLst>
   </p:cSld>
@@ -1865,7 +2085,7 @@
     </p:spTree>
     <p:extLst>
       <p:ext uri="{BB962C8B-B14F-4D97-AF65-F5344CB8AC3E}">
-        <p14:creationId xmlns:p14="http://schemas.microsoft.com/office/powerpoint/2010/main" val="1537165346"/>
+        <p14:creationId xmlns:p14="http://schemas.microsoft.com/office/powerpoint/2010/main" val="1513690627"/>
       </p:ext>
     </p:extLst>
   </p:cSld>
@@ -6762,6 +6982,746 @@
         </p:nvSpPr>
         <p:spPr>
           <a:xfrm>
+            <a:off x="311700" y="182807"/>
+            <a:ext cx="8520600" cy="572700"/>
+          </a:xfrm>
+          <a:prstGeom prst="rect">
+            <a:avLst/>
+          </a:prstGeom>
+        </p:spPr>
+        <p:txBody>
+          <a:bodyPr spcFirstLastPara="1" wrap="square" lIns="91425" tIns="91425" rIns="91425" bIns="91425" anchor="t" anchorCtr="0">
+            <a:noAutofit/>
+          </a:bodyPr>
+          <a:lstStyle/>
+          <a:p>
+            <a:r>
+              <a:rPr lang="en-GB" dirty="0">
+                <a:effectLst>
+                  <a:outerShdw blurRad="38100" dist="38100" dir="2700000" algn="tl">
+                    <a:srgbClr val="000000">
+                      <a:alpha val="43137"/>
+                    </a:srgbClr>
+                  </a:outerShdw>
+                </a:effectLst>
+              </a:rPr>
+              <a:t>API usage </a:t>
+            </a:r>
+            <a:r>
+              <a:rPr lang="en-US" b="1" dirty="0">
+                <a:effectLst>
+                  <a:outerShdw blurRad="38100" dist="38100" dir="2700000" algn="tl">
+                    <a:srgbClr val="000000">
+                      <a:alpha val="43137"/>
+                    </a:srgbClr>
+                  </a:outerShdw>
+                </a:effectLst>
+              </a:rPr>
+              <a:t>Authenticator</a:t>
+            </a:r>
+            <a:endParaRPr dirty="0">
+              <a:effectLst>
+                <a:outerShdw blurRad="38100" dist="38100" dir="2700000" algn="tl">
+                  <a:srgbClr val="000000">
+                    <a:alpha val="43137"/>
+                  </a:srgbClr>
+                </a:outerShdw>
+              </a:effectLst>
+            </a:endParaRPr>
+          </a:p>
+        </p:txBody>
+      </p:sp>
+      <p:sp>
+        <p:nvSpPr>
+          <p:cNvPr id="86" name="Google Shape;86;p18"/>
+          <p:cNvSpPr txBox="1">
+            <a:spLocks noGrp="1"/>
+          </p:cNvSpPr>
+          <p:nvPr>
+            <p:ph type="body" idx="1"/>
+          </p:nvPr>
+        </p:nvSpPr>
+        <p:spPr>
+          <a:xfrm>
+            <a:off x="311700" y="1152475"/>
+            <a:ext cx="3000300" cy="3416400"/>
+          </a:xfrm>
+          <a:prstGeom prst="rect">
+            <a:avLst/>
+          </a:prstGeom>
+        </p:spPr>
+        <p:txBody>
+          <a:bodyPr spcFirstLastPara="1" wrap="square" lIns="91425" tIns="91425" rIns="91425" bIns="91425" anchor="t" anchorCtr="0">
+            <a:noAutofit/>
+          </a:bodyPr>
+          <a:lstStyle/>
+          <a:p>
+            <a:pPr marL="0" lvl="0" indent="0" algn="l" rtl="0">
+              <a:spcBef>
+                <a:spcPts val="0"/>
+              </a:spcBef>
+              <a:spcAft>
+                <a:spcPts val="0"/>
+              </a:spcAft>
+              <a:buNone/>
+            </a:pPr>
+            <a:r>
+              <a:rPr lang="en-US" b="1" dirty="0">
+                <a:solidFill>
+                  <a:schemeClr val="tx1"/>
+                </a:solidFill>
+              </a:rPr>
+              <a:t>Use Case</a:t>
+            </a:r>
+            <a:r>
+              <a:rPr lang="en-US" dirty="0">
+                <a:solidFill>
+                  <a:schemeClr val="tx1"/>
+                </a:solidFill>
+              </a:rPr>
+              <a:t>: Authenticate</a:t>
+            </a:r>
+          </a:p>
+          <a:p>
+            <a:pPr marL="0" lvl="0" indent="0" algn="l" rtl="0">
+              <a:spcBef>
+                <a:spcPts val="0"/>
+              </a:spcBef>
+              <a:spcAft>
+                <a:spcPts val="0"/>
+              </a:spcAft>
+              <a:buNone/>
+            </a:pPr>
+            <a:r>
+              <a:rPr lang="en-US" b="1" dirty="0">
+                <a:solidFill>
+                  <a:schemeClr val="tx1"/>
+                </a:solidFill>
+              </a:rPr>
+              <a:t>Scenario</a:t>
+            </a:r>
+            <a:r>
+              <a:rPr lang="en-US" dirty="0">
+                <a:solidFill>
+                  <a:schemeClr val="tx1"/>
+                </a:solidFill>
+              </a:rPr>
+              <a:t>:</a:t>
+            </a:r>
+          </a:p>
+          <a:p>
+            <a:pPr marL="0" lvl="0" indent="0" algn="l" rtl="0">
+              <a:spcBef>
+                <a:spcPts val="0"/>
+              </a:spcBef>
+              <a:spcAft>
+                <a:spcPts val="0"/>
+              </a:spcAft>
+              <a:buNone/>
+            </a:pPr>
+            <a:r>
+              <a:rPr lang="en-US" dirty="0">
+                <a:solidFill>
+                  <a:schemeClr val="tx1"/>
+                </a:solidFill>
+              </a:rPr>
+              <a:t>User sends request</a:t>
+            </a:r>
+          </a:p>
+          <a:p>
+            <a:pPr marL="0" lvl="0" indent="0" algn="l" rtl="0">
+              <a:spcBef>
+                <a:spcPts val="0"/>
+              </a:spcBef>
+              <a:spcAft>
+                <a:spcPts val="0"/>
+              </a:spcAft>
+              <a:buNone/>
+            </a:pPr>
+            <a:r>
+              <a:rPr lang="en-US" dirty="0">
+                <a:solidFill>
+                  <a:schemeClr val="tx1"/>
+                </a:solidFill>
+              </a:rPr>
+              <a:t>Request is sent to authentication</a:t>
+            </a:r>
+          </a:p>
+          <a:p>
+            <a:pPr marL="0" lvl="0" indent="0" algn="l" rtl="0">
+              <a:spcBef>
+                <a:spcPts val="0"/>
+              </a:spcBef>
+              <a:spcAft>
+                <a:spcPts val="0"/>
+              </a:spcAft>
+              <a:buNone/>
+            </a:pPr>
+            <a:r>
+              <a:rPr lang="en-US" dirty="0">
+                <a:solidFill>
+                  <a:schemeClr val="tx1"/>
+                </a:solidFill>
+              </a:rPr>
+              <a:t>Request is checked for SSO authentication possibility</a:t>
+            </a:r>
+            <a:endParaRPr dirty="0">
+              <a:solidFill>
+                <a:schemeClr val="tx1"/>
+              </a:solidFill>
+            </a:endParaRPr>
+          </a:p>
+        </p:txBody>
+      </p:sp>
+      <p:pic>
+        <p:nvPicPr>
+          <p:cNvPr id="5" name="Picture 4">
+            <a:extLst>
+              <a:ext uri="{FF2B5EF4-FFF2-40B4-BE49-F238E27FC236}">
+                <a16:creationId xmlns:a16="http://schemas.microsoft.com/office/drawing/2014/main" id="{F27EAB64-52E9-4F07-B4D9-407AD54431C9}"/>
+              </a:ext>
+            </a:extLst>
+          </p:cNvPr>
+          <p:cNvPicPr>
+            <a:picLocks noChangeAspect="1"/>
+          </p:cNvPicPr>
+          <p:nvPr/>
+        </p:nvPicPr>
+        <p:blipFill>
+          <a:blip r:embed="rId3"/>
+          <a:srcRect/>
+          <a:stretch/>
+        </p:blipFill>
+        <p:spPr>
+          <a:xfrm>
+            <a:off x="3626541" y="2207056"/>
+            <a:ext cx="5205759" cy="1072347"/>
+          </a:xfrm>
+          <a:prstGeom prst="rect">
+            <a:avLst/>
+          </a:prstGeom>
+        </p:spPr>
+      </p:pic>
+      <p:sp>
+        <p:nvSpPr>
+          <p:cNvPr id="2" name="Rectangle 1">
+            <a:extLst>
+              <a:ext uri="{FF2B5EF4-FFF2-40B4-BE49-F238E27FC236}">
+                <a16:creationId xmlns:a16="http://schemas.microsoft.com/office/drawing/2014/main" id="{575A1C00-12C6-44D1-8DDB-5947204B7660}"/>
+              </a:ext>
+            </a:extLst>
+          </p:cNvPr>
+          <p:cNvSpPr>
+            <a:spLocks noChangeArrowheads="1"/>
+          </p:cNvSpPr>
+          <p:nvPr/>
+        </p:nvSpPr>
+        <p:spPr bwMode="auto">
+          <a:xfrm>
+            <a:off x="0" y="0"/>
+            <a:ext cx="9144000" cy="0"/>
+          </a:xfrm>
+          <a:prstGeom prst="rect">
+            <a:avLst/>
+          </a:prstGeom>
+          <a:noFill/>
+          <a:ln>
+            <a:noFill/>
+          </a:ln>
+          <a:effectLst/>
+          <a:extLst>
+            <a:ext uri="{909E8E84-426E-40DD-AFC4-6F175D3DCCD1}">
+              <a14:hiddenFill xmlns:a14="http://schemas.microsoft.com/office/drawing/2010/main">
+                <a:solidFill>
+                  <a:schemeClr val="accent1"/>
+                </a:solidFill>
+              </a14:hiddenFill>
+            </a:ext>
+            <a:ext uri="{91240B29-F687-4F45-9708-019B960494DF}">
+              <a14:hiddenLine xmlns:a14="http://schemas.microsoft.com/office/drawing/2010/main" w="9525">
+                <a:solidFill>
+                  <a:schemeClr val="tx1"/>
+                </a:solidFill>
+                <a:miter lim="800000"/>
+                <a:headEnd/>
+                <a:tailEnd/>
+              </a14:hiddenLine>
+            </a:ext>
+            <a:ext uri="{AF507438-7753-43E0-B8FC-AC1667EBCBE1}">
+              <a14:hiddenEffects xmlns:a14="http://schemas.microsoft.com/office/drawing/2010/main">
+                <a:effectLst>
+                  <a:outerShdw dist="35921" dir="2700000" algn="ctr" rotWithShape="0">
+                    <a:schemeClr val="bg2"/>
+                  </a:outerShdw>
+                </a:effectLst>
+              </a14:hiddenEffects>
+            </a:ext>
+          </a:extLst>
+        </p:spPr>
+        <p:txBody>
+          <a:bodyPr vert="horz" wrap="none" lIns="91440" tIns="45720" rIns="91440" bIns="45720" numCol="1" anchor="ctr" anchorCtr="0" compatLnSpc="1">
+            <a:prstTxWarp prst="textNoShape">
+              <a:avLst/>
+            </a:prstTxWarp>
+            <a:spAutoFit/>
+          </a:bodyPr>
+          <a:lstStyle/>
+          <a:p>
+            <a:pPr marL="0" marR="0" lvl="0" indent="0" algn="l" defTabSz="914400" rtl="0" eaLnBrk="0" fontAlgn="base" latinLnBrk="0" hangingPunct="0">
+              <a:lnSpc>
+                <a:spcPct val="100000"/>
+              </a:lnSpc>
+              <a:spcBef>
+                <a:spcPct val="0"/>
+              </a:spcBef>
+              <a:spcAft>
+                <a:spcPct val="0"/>
+              </a:spcAft>
+              <a:buClrTx/>
+              <a:buSzTx/>
+              <a:buFontTx/>
+              <a:buNone/>
+              <a:tabLst/>
+            </a:pPr>
+            <a:r>
+              <a:rPr kumimoji="0" lang="ru-RU" altLang="ru-RU" sz="300" b="1" i="0" u="none" strike="noStrike" cap="none" normalizeH="0" baseline="0">
+                <a:ln>
+                  <a:noFill/>
+                </a:ln>
+                <a:solidFill>
+                  <a:schemeClr val="tx1"/>
+                </a:solidFill>
+                <a:effectLst/>
+                <a:latin typeface="Arial" panose="020B0604020202020204" pitchFamily="34" charset="0"/>
+              </a:rPr>
+              <a:t>Authenticator</a:t>
+            </a:r>
+            <a:endParaRPr kumimoji="0" lang="ru-RU" altLang="ru-RU" sz="200" b="1" i="0" u="none" strike="noStrike" cap="none" normalizeH="0" baseline="0">
+              <a:ln>
+                <a:noFill/>
+              </a:ln>
+              <a:solidFill>
+                <a:schemeClr val="tx1"/>
+              </a:solidFill>
+              <a:effectLst/>
+              <a:latin typeface="Arial" panose="020B0604020202020204" pitchFamily="34" charset="0"/>
+            </a:endParaRPr>
+          </a:p>
+          <a:p>
+            <a:pPr marL="0" marR="0" lvl="0" indent="0" algn="l" defTabSz="914400" rtl="0" eaLnBrk="0" fontAlgn="base" latinLnBrk="0" hangingPunct="0">
+              <a:lnSpc>
+                <a:spcPct val="100000"/>
+              </a:lnSpc>
+              <a:spcBef>
+                <a:spcPct val="0"/>
+              </a:spcBef>
+              <a:spcAft>
+                <a:spcPct val="0"/>
+              </a:spcAft>
+              <a:buClrTx/>
+              <a:buSzTx/>
+              <a:buFontTx/>
+              <a:buNone/>
+              <a:tabLst/>
+            </a:pPr>
+            <a:endParaRPr kumimoji="0" lang="ru-RU" altLang="ru-RU" sz="1800" b="0" i="0" u="none" strike="noStrike" cap="none" normalizeH="0" baseline="0">
+              <a:ln>
+                <a:noFill/>
+              </a:ln>
+              <a:solidFill>
+                <a:schemeClr val="tx1"/>
+              </a:solidFill>
+              <a:effectLst/>
+              <a:latin typeface="Arial" panose="020B0604020202020204" pitchFamily="34" charset="0"/>
+            </a:endParaRPr>
+          </a:p>
+        </p:txBody>
+      </p:sp>
+      <p:sp>
+        <p:nvSpPr>
+          <p:cNvPr id="4" name="Номер слайда 3">
+            <a:extLst>
+              <a:ext uri="{FF2B5EF4-FFF2-40B4-BE49-F238E27FC236}">
+                <a16:creationId xmlns:a16="http://schemas.microsoft.com/office/drawing/2014/main" id="{B6084F2C-D079-4A3E-B51D-2E8680415742}"/>
+              </a:ext>
+            </a:extLst>
+          </p:cNvPr>
+          <p:cNvSpPr>
+            <a:spLocks noGrp="1"/>
+          </p:cNvSpPr>
+          <p:nvPr>
+            <p:ph type="sldNum" idx="12"/>
+          </p:nvPr>
+        </p:nvSpPr>
+        <p:spPr/>
+        <p:txBody>
+          <a:bodyPr/>
+          <a:lstStyle/>
+          <a:p>
+            <a:pPr marL="0" lvl="0" indent="0" algn="r" rtl="0">
+              <a:spcBef>
+                <a:spcPts val="0"/>
+              </a:spcBef>
+              <a:spcAft>
+                <a:spcPts val="0"/>
+              </a:spcAft>
+              <a:buNone/>
+            </a:pPr>
+            <a:fld id="{00000000-1234-1234-1234-123412341234}" type="slidenum">
+              <a:rPr lang="en-GB" smtClean="0"/>
+              <a:t>10</a:t>
+            </a:fld>
+            <a:endParaRPr lang="en-GB"/>
+          </a:p>
+        </p:txBody>
+      </p:sp>
+    </p:spTree>
+    <p:extLst>
+      <p:ext uri="{BB962C8B-B14F-4D97-AF65-F5344CB8AC3E}">
+        <p14:creationId xmlns:p14="http://schemas.microsoft.com/office/powerpoint/2010/main" val="3404193546"/>
+      </p:ext>
+    </p:extLst>
+  </p:cSld>
+  <p:clrMapOvr>
+    <a:masterClrMapping/>
+  </p:clrMapOvr>
+</p:sld>
+</file>
+
+<file path=ppt/slides/slide11.xml><?xml version="1.0" encoding="utf-8"?>
+<p:sld xmlns:a="http://schemas.openxmlformats.org/drawingml/2006/main" xmlns:r="http://schemas.openxmlformats.org/officeDocument/2006/relationships" xmlns:p="http://schemas.openxmlformats.org/presentationml/2006/main">
+  <p:cSld>
+    <p:spTree>
+      <p:nvGrpSpPr>
+        <p:cNvPr id="1" name="Shape 83"/>
+        <p:cNvGrpSpPr/>
+        <p:nvPr/>
+      </p:nvGrpSpPr>
+      <p:grpSpPr>
+        <a:xfrm>
+          <a:off x="0" y="0"/>
+          <a:ext cx="0" cy="0"/>
+          <a:chOff x="0" y="0"/>
+          <a:chExt cx="0" cy="0"/>
+        </a:xfrm>
+      </p:grpSpPr>
+      <p:sp>
+        <p:nvSpPr>
+          <p:cNvPr id="84" name="Google Shape;84;p18"/>
+          <p:cNvSpPr txBox="1">
+            <a:spLocks noGrp="1"/>
+          </p:cNvSpPr>
+          <p:nvPr>
+            <p:ph type="title"/>
+          </p:nvPr>
+        </p:nvSpPr>
+        <p:spPr>
+          <a:xfrm>
+            <a:off x="251188" y="288275"/>
+            <a:ext cx="8520600" cy="572700"/>
+          </a:xfrm>
+          <a:prstGeom prst="rect">
+            <a:avLst/>
+          </a:prstGeom>
+        </p:spPr>
+        <p:txBody>
+          <a:bodyPr spcFirstLastPara="1" wrap="square" lIns="91425" tIns="91425" rIns="91425" bIns="91425" anchor="t" anchorCtr="0">
+            <a:noAutofit/>
+          </a:bodyPr>
+          <a:lstStyle/>
+          <a:p>
+            <a:r>
+              <a:rPr lang="en-GB" dirty="0">
+                <a:effectLst>
+                  <a:outerShdw blurRad="38100" dist="38100" dir="2700000" algn="tl">
+                    <a:srgbClr val="000000">
+                      <a:alpha val="43137"/>
+                    </a:srgbClr>
+                  </a:outerShdw>
+                </a:effectLst>
+              </a:rPr>
+              <a:t>API usage </a:t>
+            </a:r>
+            <a:r>
+              <a:rPr lang="en-US" b="1" dirty="0" err="1">
+                <a:effectLst>
+                  <a:outerShdw blurRad="38100" dist="38100" dir="2700000" algn="tl">
+                    <a:srgbClr val="000000">
+                      <a:alpha val="43137"/>
+                    </a:srgbClr>
+                  </a:outerShdw>
+                </a:effectLst>
+              </a:rPr>
+              <a:t>OpenAPIGenerator</a:t>
+            </a:r>
+            <a:endParaRPr dirty="0">
+              <a:effectLst>
+                <a:outerShdw blurRad="38100" dist="38100" dir="2700000" algn="tl">
+                  <a:srgbClr val="000000">
+                    <a:alpha val="43137"/>
+                  </a:srgbClr>
+                </a:outerShdw>
+              </a:effectLst>
+            </a:endParaRPr>
+          </a:p>
+        </p:txBody>
+      </p:sp>
+      <p:sp>
+        <p:nvSpPr>
+          <p:cNvPr id="86" name="Google Shape;86;p18"/>
+          <p:cNvSpPr txBox="1">
+            <a:spLocks noGrp="1"/>
+          </p:cNvSpPr>
+          <p:nvPr>
+            <p:ph type="body" idx="1"/>
+          </p:nvPr>
+        </p:nvSpPr>
+        <p:spPr>
+          <a:xfrm>
+            <a:off x="311700" y="1152475"/>
+            <a:ext cx="3000300" cy="3416400"/>
+          </a:xfrm>
+          <a:prstGeom prst="rect">
+            <a:avLst/>
+          </a:prstGeom>
+        </p:spPr>
+        <p:txBody>
+          <a:bodyPr spcFirstLastPara="1" wrap="square" lIns="91425" tIns="91425" rIns="91425" bIns="91425" anchor="t" anchorCtr="0">
+            <a:noAutofit/>
+          </a:bodyPr>
+          <a:lstStyle/>
+          <a:p>
+            <a:pPr marL="0" lvl="0" indent="0" algn="l" rtl="0">
+              <a:spcBef>
+                <a:spcPts val="0"/>
+              </a:spcBef>
+              <a:spcAft>
+                <a:spcPts val="0"/>
+              </a:spcAft>
+              <a:buNone/>
+            </a:pPr>
+            <a:r>
+              <a:rPr lang="en-US" b="1" dirty="0">
+                <a:solidFill>
+                  <a:schemeClr val="tx1"/>
+                </a:solidFill>
+              </a:rPr>
+              <a:t>Use Case</a:t>
+            </a:r>
+            <a:r>
+              <a:rPr lang="en-US" dirty="0">
+                <a:solidFill>
+                  <a:schemeClr val="tx1"/>
+                </a:solidFill>
+              </a:rPr>
+              <a:t>: Generate </a:t>
+            </a:r>
+            <a:r>
+              <a:rPr lang="en-US" dirty="0" err="1">
+                <a:solidFill>
+                  <a:schemeClr val="tx1"/>
+                </a:solidFill>
+              </a:rPr>
+              <a:t>OpenAPI</a:t>
+            </a:r>
+            <a:r>
+              <a:rPr lang="en-US" dirty="0">
+                <a:solidFill>
+                  <a:schemeClr val="tx1"/>
+                </a:solidFill>
+              </a:rPr>
+              <a:t> Schema</a:t>
+            </a:r>
+          </a:p>
+          <a:p>
+            <a:pPr marL="0" lvl="0" indent="0" algn="l" rtl="0">
+              <a:spcBef>
+                <a:spcPts val="0"/>
+              </a:spcBef>
+              <a:spcAft>
+                <a:spcPts val="0"/>
+              </a:spcAft>
+              <a:buNone/>
+            </a:pPr>
+            <a:r>
+              <a:rPr lang="en-US" b="1" dirty="0">
+                <a:solidFill>
+                  <a:schemeClr val="tx1"/>
+                </a:solidFill>
+              </a:rPr>
+              <a:t>Scenario</a:t>
+            </a:r>
+            <a:r>
+              <a:rPr lang="en-US" dirty="0">
+                <a:solidFill>
+                  <a:schemeClr val="tx1"/>
+                </a:solidFill>
+              </a:rPr>
+              <a:t>: </a:t>
+            </a:r>
+          </a:p>
+          <a:p>
+            <a:pPr marL="0" lvl="0" indent="0" algn="l" rtl="0">
+              <a:spcBef>
+                <a:spcPts val="0"/>
+              </a:spcBef>
+              <a:spcAft>
+                <a:spcPts val="0"/>
+              </a:spcAft>
+              <a:buNone/>
+            </a:pPr>
+            <a:r>
+              <a:rPr lang="en-US" dirty="0">
+                <a:solidFill>
+                  <a:schemeClr val="tx1"/>
+                </a:solidFill>
+              </a:rPr>
+              <a:t>User sends request to get schema</a:t>
+            </a:r>
+          </a:p>
+          <a:p>
+            <a:pPr marL="0" lvl="0" indent="0" algn="l" rtl="0">
+              <a:spcBef>
+                <a:spcPts val="0"/>
+              </a:spcBef>
+              <a:spcAft>
+                <a:spcPts val="0"/>
+              </a:spcAft>
+              <a:buNone/>
+            </a:pPr>
+            <a:r>
+              <a:rPr lang="en-US" dirty="0" err="1">
+                <a:solidFill>
+                  <a:schemeClr val="tx1"/>
+                </a:solidFill>
+              </a:rPr>
+              <a:t>OpenApi</a:t>
+            </a:r>
+            <a:r>
+              <a:rPr lang="en-US" dirty="0">
+                <a:solidFill>
+                  <a:schemeClr val="tx1"/>
+                </a:solidFill>
+              </a:rPr>
+              <a:t> Generator checks if schema is present, if not – creates it, returns actual schema</a:t>
+            </a:r>
+            <a:endParaRPr dirty="0">
+              <a:solidFill>
+                <a:schemeClr val="tx1"/>
+              </a:solidFill>
+            </a:endParaRPr>
+          </a:p>
+        </p:txBody>
+      </p:sp>
+      <p:pic>
+        <p:nvPicPr>
+          <p:cNvPr id="5" name="Picture 4">
+            <a:extLst>
+              <a:ext uri="{FF2B5EF4-FFF2-40B4-BE49-F238E27FC236}">
+                <a16:creationId xmlns:a16="http://schemas.microsoft.com/office/drawing/2014/main" id="{F27EAB64-52E9-4F07-B4D9-407AD54431C9}"/>
+              </a:ext>
+            </a:extLst>
+          </p:cNvPr>
+          <p:cNvPicPr>
+            <a:picLocks noChangeAspect="1"/>
+          </p:cNvPicPr>
+          <p:nvPr/>
+        </p:nvPicPr>
+        <p:blipFill>
+          <a:blip r:embed="rId3"/>
+          <a:srcRect/>
+          <a:stretch/>
+        </p:blipFill>
+        <p:spPr>
+          <a:xfrm>
+            <a:off x="3626541" y="2203806"/>
+            <a:ext cx="5205759" cy="1078846"/>
+          </a:xfrm>
+          <a:prstGeom prst="rect">
+            <a:avLst/>
+          </a:prstGeom>
+        </p:spPr>
+      </p:pic>
+      <p:sp>
+        <p:nvSpPr>
+          <p:cNvPr id="3" name="Номер слайда 2">
+            <a:extLst>
+              <a:ext uri="{FF2B5EF4-FFF2-40B4-BE49-F238E27FC236}">
+                <a16:creationId xmlns:a16="http://schemas.microsoft.com/office/drawing/2014/main" id="{E92DA808-A119-4BC5-BB0C-E1F78E2DD16E}"/>
+              </a:ext>
+            </a:extLst>
+          </p:cNvPr>
+          <p:cNvSpPr>
+            <a:spLocks noGrp="1"/>
+          </p:cNvSpPr>
+          <p:nvPr>
+            <p:ph type="sldNum" idx="12"/>
+          </p:nvPr>
+        </p:nvSpPr>
+        <p:spPr/>
+        <p:txBody>
+          <a:bodyPr/>
+          <a:lstStyle/>
+          <a:p>
+            <a:pPr marL="0" lvl="0" indent="0" algn="r" rtl="0">
+              <a:spcBef>
+                <a:spcPts val="0"/>
+              </a:spcBef>
+              <a:spcAft>
+                <a:spcPts val="0"/>
+              </a:spcAft>
+              <a:buNone/>
+            </a:pPr>
+            <a:fld id="{00000000-1234-1234-1234-123412341234}" type="slidenum">
+              <a:rPr lang="en-GB" smtClean="0"/>
+              <a:t>11</a:t>
+            </a:fld>
+            <a:endParaRPr lang="en-GB"/>
+          </a:p>
+        </p:txBody>
+      </p:sp>
+    </p:spTree>
+    <p:extLst>
+      <p:ext uri="{BB962C8B-B14F-4D97-AF65-F5344CB8AC3E}">
+        <p14:creationId xmlns:p14="http://schemas.microsoft.com/office/powerpoint/2010/main" val="2388190616"/>
+      </p:ext>
+    </p:extLst>
+  </p:cSld>
+  <p:clrMapOvr>
+    <a:masterClrMapping/>
+  </p:clrMapOvr>
+</p:sld>
+</file>
+
+<file path=ppt/slides/slide12.xml><?xml version="1.0" encoding="utf-8"?>
+<p:sld xmlns:a="http://schemas.openxmlformats.org/drawingml/2006/main" xmlns:r="http://schemas.openxmlformats.org/officeDocument/2006/relationships" xmlns:p="http://schemas.openxmlformats.org/presentationml/2006/main">
+  <p:cSld>
+    <p:spTree>
+      <p:nvGrpSpPr>
+        <p:cNvPr id="1" name="Shape 83"/>
+        <p:cNvGrpSpPr/>
+        <p:nvPr/>
+      </p:nvGrpSpPr>
+      <p:grpSpPr>
+        <a:xfrm>
+          <a:off x="0" y="0"/>
+          <a:ext cx="0" cy="0"/>
+          <a:chOff x="0" y="0"/>
+          <a:chExt cx="0" cy="0"/>
+        </a:xfrm>
+      </p:grpSpPr>
+      <p:sp>
+        <p:nvSpPr>
+          <p:cNvPr id="84" name="Google Shape;84;p18"/>
+          <p:cNvSpPr txBox="1">
+            <a:spLocks noGrp="1"/>
+          </p:cNvSpPr>
+          <p:nvPr>
+            <p:ph type="title"/>
+          </p:nvPr>
+        </p:nvSpPr>
+        <p:spPr>
+          <a:xfrm>
             <a:off x="311700" y="209702"/>
             <a:ext cx="8520600" cy="572700"/>
           </a:xfrm>
@@ -7010,7 +7970,7 @@
             </a:pPr>
             <a:fld id="{00000000-1234-1234-1234-123412341234}" type="slidenum">
               <a:rPr lang="en-GB" smtClean="0"/>
-              <a:t>10</a:t>
+              <a:t>12</a:t>
             </a:fld>
             <a:endParaRPr lang="en-GB"/>
           </a:p>
@@ -7024,7 +7984,7 @@
 </p:sld>
 </file>
 
-<file path=ppt/slides/slide11.xml><?xml version="1.0" encoding="utf-8"?>
+<file path=ppt/slides/slide13.xml><?xml version="1.0" encoding="utf-8"?>
 <p:sld xmlns:a="http://schemas.openxmlformats.org/drawingml/2006/main" xmlns:r="http://schemas.openxmlformats.org/officeDocument/2006/relationships" xmlns:p="http://schemas.openxmlformats.org/presentationml/2006/main">
   <p:cSld>
     <p:spTree>
@@ -7078,7 +8038,7 @@
             <a:r>
               <a:rPr lang="en-GB" b="1" dirty="0">
                 <a:solidFill>
-                  <a:srgbClr val="FF0000"/>
+                  <a:schemeClr val="tx1"/>
                 </a:solidFill>
                 <a:effectLst>
                   <a:outerShdw blurRad="38100" dist="38100" dir="2700000" algn="tl">
@@ -7092,7 +8052,7 @@
             </a:r>
             <a:endParaRPr b="1" dirty="0">
               <a:solidFill>
-                <a:srgbClr val="FF0000"/>
+                <a:schemeClr val="tx1"/>
               </a:solidFill>
               <a:effectLst>
                 <a:outerShdw blurRad="38100" dist="38100" dir="2700000" algn="tl">
@@ -8406,10 +9366,10 @@
               <a:buNone/>
             </a:pPr>
             <a:r>
-              <a:rPr lang="en-GB"/>
+              <a:rPr lang="en-GB" dirty="0"/>
               <a:t>For NoSQL - selection of keys, and explain how requests are served using keys</a:t>
             </a:r>
-            <a:endParaRPr/>
+            <a:endParaRPr dirty="0"/>
           </a:p>
           <a:p>
             <a:pPr marL="0" lvl="0" indent="0" algn="l" rtl="0">
@@ -8422,10 +9382,10 @@
               <a:buNone/>
             </a:pPr>
             <a:r>
-              <a:rPr lang="en-GB"/>
+              <a:rPr lang="en-GB" dirty="0"/>
               <a:t>For RDBMS - physical schema (crow-foot (app.diagrams.net) or SQL dump)</a:t>
             </a:r>
-            <a:endParaRPr/>
+            <a:endParaRPr dirty="0"/>
           </a:p>
           <a:p>
             <a:pPr marL="0" lvl="0" indent="0" algn="l" rtl="0">
@@ -8438,10 +9398,10 @@
               <a:buNone/>
             </a:pPr>
             <a:r>
-              <a:rPr lang="en-GB"/>
+              <a:rPr lang="en-GB" dirty="0"/>
               <a:t>&lt;for each DB in each microservice&gt;</a:t>
             </a:r>
-            <a:endParaRPr/>
+            <a:endParaRPr dirty="0"/>
           </a:p>
         </p:txBody>
       </p:sp>
@@ -8505,6 +9465,182 @@
                   </a:outerShdw>
                 </a:effectLst>
               </a:rPr>
+              <a:t>Logical data model </a:t>
+            </a:r>
+            <a:r>
+              <a:rPr lang="en-US" b="1" dirty="0" err="1">
+                <a:effectLst>
+                  <a:outerShdw blurRad="38100" dist="38100" dir="2700000" algn="tl">
+                    <a:srgbClr val="000000">
+                      <a:alpha val="43137"/>
+                    </a:srgbClr>
+                  </a:outerShdw>
+                </a:effectLst>
+              </a:rPr>
+              <a:t>RequestRouter</a:t>
+            </a:r>
+            <a:endParaRPr dirty="0">
+              <a:effectLst>
+                <a:outerShdw blurRad="38100" dist="38100" dir="2700000" algn="tl">
+                  <a:srgbClr val="000000">
+                    <a:alpha val="43137"/>
+                  </a:srgbClr>
+                </a:outerShdw>
+              </a:effectLst>
+            </a:endParaRPr>
+          </a:p>
+        </p:txBody>
+      </p:sp>
+      <p:sp>
+        <p:nvSpPr>
+          <p:cNvPr id="3" name="Номер слайда 2">
+            <a:extLst>
+              <a:ext uri="{FF2B5EF4-FFF2-40B4-BE49-F238E27FC236}">
+                <a16:creationId xmlns:a16="http://schemas.microsoft.com/office/drawing/2014/main" id="{44D00E36-7C80-4724-BC89-DAF8BBC2E470}"/>
+              </a:ext>
+            </a:extLst>
+          </p:cNvPr>
+          <p:cNvSpPr>
+            <a:spLocks noGrp="1"/>
+          </p:cNvSpPr>
+          <p:nvPr>
+            <p:ph type="sldNum" idx="12"/>
+          </p:nvPr>
+        </p:nvSpPr>
+        <p:spPr/>
+        <p:txBody>
+          <a:bodyPr/>
+          <a:lstStyle/>
+          <a:p>
+            <a:pPr marL="0" lvl="0" indent="0" algn="r" rtl="0">
+              <a:spcBef>
+                <a:spcPts val="0"/>
+              </a:spcBef>
+              <a:spcAft>
+                <a:spcPts val="0"/>
+              </a:spcAft>
+              <a:buNone/>
+            </a:pPr>
+            <a:fld id="{00000000-1234-1234-1234-123412341234}" type="slidenum">
+              <a:rPr lang="en-GB" smtClean="0"/>
+              <a:t>7</a:t>
+            </a:fld>
+            <a:endParaRPr lang="en-GB"/>
+          </a:p>
+        </p:txBody>
+      </p:sp>
+      <p:pic>
+        <p:nvPicPr>
+          <p:cNvPr id="1026" name="Picture 2">
+            <a:extLst>
+              <a:ext uri="{FF2B5EF4-FFF2-40B4-BE49-F238E27FC236}">
+                <a16:creationId xmlns:a16="http://schemas.microsoft.com/office/drawing/2014/main" id="{33BD0D6E-8412-4F3D-8C4A-633C42F1E6AA}"/>
+              </a:ext>
+            </a:extLst>
+          </p:cNvPr>
+          <p:cNvPicPr>
+            <a:picLocks noChangeAspect="1" noChangeArrowheads="1"/>
+          </p:cNvPicPr>
+          <p:nvPr/>
+        </p:nvPicPr>
+        <p:blipFill>
+          <a:blip r:embed="rId3">
+            <a:extLst>
+              <a:ext uri="{28A0092B-C50C-407E-A947-70E740481C1C}">
+                <a14:useLocalDpi xmlns:a14="http://schemas.microsoft.com/office/drawing/2010/main" val="0"/>
+              </a:ext>
+            </a:extLst>
+          </a:blip>
+          <a:srcRect/>
+          <a:stretch>
+            <a:fillRect/>
+          </a:stretch>
+        </p:blipFill>
+        <p:spPr bwMode="auto">
+          <a:xfrm>
+            <a:off x="1156447" y="1027226"/>
+            <a:ext cx="6946217" cy="3941461"/>
+          </a:xfrm>
+          <a:prstGeom prst="rect">
+            <a:avLst/>
+          </a:prstGeom>
+          <a:noFill/>
+          <a:extLst>
+            <a:ext uri="{909E8E84-426E-40DD-AFC4-6F175D3DCCD1}">
+              <a14:hiddenFill xmlns:a14="http://schemas.microsoft.com/office/drawing/2010/main">
+                <a:solidFill>
+                  <a:srgbClr val="FFFFFF"/>
+                </a:solidFill>
+              </a14:hiddenFill>
+            </a:ext>
+          </a:extLst>
+        </p:spPr>
+      </p:pic>
+    </p:spTree>
+    <p:extLst>
+      <p:ext uri="{BB962C8B-B14F-4D97-AF65-F5344CB8AC3E}">
+        <p14:creationId xmlns:p14="http://schemas.microsoft.com/office/powerpoint/2010/main" val="1911688575"/>
+      </p:ext>
+    </p:extLst>
+  </p:cSld>
+  <p:clrMapOvr>
+    <a:masterClrMapping/>
+  </p:clrMapOvr>
+</p:sld>
+</file>
+
+<file path=ppt/slides/slide8.xml><?xml version="1.0" encoding="utf-8"?>
+<p:sld xmlns:a="http://schemas.openxmlformats.org/drawingml/2006/main" xmlns:r="http://schemas.openxmlformats.org/officeDocument/2006/relationships" xmlns:p="http://schemas.openxmlformats.org/presentationml/2006/main">
+  <p:cSld>
+    <p:spTree>
+      <p:nvGrpSpPr>
+        <p:cNvPr id="1" name="Shape 83"/>
+        <p:cNvGrpSpPr/>
+        <p:nvPr/>
+      </p:nvGrpSpPr>
+      <p:grpSpPr>
+        <a:xfrm>
+          <a:off x="0" y="0"/>
+          <a:ext cx="0" cy="0"/>
+          <a:chOff x="0" y="0"/>
+          <a:chExt cx="0" cy="0"/>
+        </a:xfrm>
+      </p:grpSpPr>
+      <p:sp>
+        <p:nvSpPr>
+          <p:cNvPr id="84" name="Google Shape;84;p18"/>
+          <p:cNvSpPr txBox="1">
+            <a:spLocks noGrp="1"/>
+          </p:cNvSpPr>
+          <p:nvPr>
+            <p:ph type="title"/>
+          </p:nvPr>
+        </p:nvSpPr>
+        <p:spPr>
+          <a:xfrm>
+            <a:off x="311700" y="288275"/>
+            <a:ext cx="8520600" cy="572700"/>
+          </a:xfrm>
+          <a:prstGeom prst="rect">
+            <a:avLst/>
+          </a:prstGeom>
+        </p:spPr>
+        <p:txBody>
+          <a:bodyPr spcFirstLastPara="1" wrap="square" lIns="91425" tIns="91425" rIns="91425" bIns="91425" anchor="t" anchorCtr="0">
+            <a:noAutofit/>
+          </a:bodyPr>
+          <a:lstStyle/>
+          <a:p>
+            <a:r>
+              <a:rPr lang="en-GB" dirty="0">
+                <a:effectLst>
+                  <a:outerShdw blurRad="38100" dist="38100" dir="2700000" algn="tl">
+                    <a:srgbClr val="000000">
+                      <a:alpha val="43137"/>
+                    </a:srgbClr>
+                  </a:outerShdw>
+                </a:effectLst>
+              </a:rPr>
               <a:t>API usage </a:t>
             </a:r>
             <a:r>
@@ -8750,7 +9886,7 @@
             </a:pPr>
             <a:fld id="{00000000-1234-1234-1234-123412341234}" type="slidenum">
               <a:rPr lang="en-GB" smtClean="0"/>
-              <a:t>7</a:t>
+              <a:t>8</a:t>
             </a:fld>
             <a:endParaRPr lang="en-GB"/>
           </a:p>
@@ -8759,442 +9895,7 @@
     </p:spTree>
     <p:extLst>
       <p:ext uri="{BB962C8B-B14F-4D97-AF65-F5344CB8AC3E}">
-        <p14:creationId xmlns:p14="http://schemas.microsoft.com/office/powerpoint/2010/main" val="1911688575"/>
-      </p:ext>
-    </p:extLst>
-  </p:cSld>
-  <p:clrMapOvr>
-    <a:masterClrMapping/>
-  </p:clrMapOvr>
-</p:sld>
-</file>
-
-<file path=ppt/slides/slide8.xml><?xml version="1.0" encoding="utf-8"?>
-<p:sld xmlns:a="http://schemas.openxmlformats.org/drawingml/2006/main" xmlns:r="http://schemas.openxmlformats.org/officeDocument/2006/relationships" xmlns:p="http://schemas.openxmlformats.org/presentationml/2006/main">
-  <p:cSld>
-    <p:spTree>
-      <p:nvGrpSpPr>
-        <p:cNvPr id="1" name="Shape 83"/>
-        <p:cNvGrpSpPr/>
-        <p:nvPr/>
-      </p:nvGrpSpPr>
-      <p:grpSpPr>
-        <a:xfrm>
-          <a:off x="0" y="0"/>
-          <a:ext cx="0" cy="0"/>
-          <a:chOff x="0" y="0"/>
-          <a:chExt cx="0" cy="0"/>
-        </a:xfrm>
-      </p:grpSpPr>
-      <p:sp>
-        <p:nvSpPr>
-          <p:cNvPr id="84" name="Google Shape;84;p18"/>
-          <p:cNvSpPr txBox="1">
-            <a:spLocks noGrp="1"/>
-          </p:cNvSpPr>
-          <p:nvPr>
-            <p:ph type="title"/>
-          </p:nvPr>
-        </p:nvSpPr>
-        <p:spPr>
-          <a:xfrm>
-            <a:off x="311700" y="182807"/>
-            <a:ext cx="8520600" cy="572700"/>
-          </a:xfrm>
-          <a:prstGeom prst="rect">
-            <a:avLst/>
-          </a:prstGeom>
-        </p:spPr>
-        <p:txBody>
-          <a:bodyPr spcFirstLastPara="1" wrap="square" lIns="91425" tIns="91425" rIns="91425" bIns="91425" anchor="t" anchorCtr="0">
-            <a:noAutofit/>
-          </a:bodyPr>
-          <a:lstStyle/>
-          <a:p>
-            <a:r>
-              <a:rPr lang="en-GB" dirty="0">
-                <a:effectLst>
-                  <a:outerShdw blurRad="38100" dist="38100" dir="2700000" algn="tl">
-                    <a:srgbClr val="000000">
-                      <a:alpha val="43137"/>
-                    </a:srgbClr>
-                  </a:outerShdw>
-                </a:effectLst>
-              </a:rPr>
-              <a:t>API usage </a:t>
-            </a:r>
-            <a:r>
-              <a:rPr lang="en-US" b="1" dirty="0">
-                <a:effectLst>
-                  <a:outerShdw blurRad="38100" dist="38100" dir="2700000" algn="tl">
-                    <a:srgbClr val="000000">
-                      <a:alpha val="43137"/>
-                    </a:srgbClr>
-                  </a:outerShdw>
-                </a:effectLst>
-              </a:rPr>
-              <a:t>Authenticator</a:t>
-            </a:r>
-            <a:endParaRPr dirty="0">
-              <a:effectLst>
-                <a:outerShdw blurRad="38100" dist="38100" dir="2700000" algn="tl">
-                  <a:srgbClr val="000000">
-                    <a:alpha val="43137"/>
-                  </a:srgbClr>
-                </a:outerShdw>
-              </a:effectLst>
-            </a:endParaRPr>
-          </a:p>
-        </p:txBody>
-      </p:sp>
-      <p:sp>
-        <p:nvSpPr>
-          <p:cNvPr id="86" name="Google Shape;86;p18"/>
-          <p:cNvSpPr txBox="1">
-            <a:spLocks noGrp="1"/>
-          </p:cNvSpPr>
-          <p:nvPr>
-            <p:ph type="body" idx="1"/>
-          </p:nvPr>
-        </p:nvSpPr>
-        <p:spPr>
-          <a:xfrm>
-            <a:off x="311700" y="1152475"/>
-            <a:ext cx="3000300" cy="3416400"/>
-          </a:xfrm>
-          <a:prstGeom prst="rect">
-            <a:avLst/>
-          </a:prstGeom>
-        </p:spPr>
-        <p:txBody>
-          <a:bodyPr spcFirstLastPara="1" wrap="square" lIns="91425" tIns="91425" rIns="91425" bIns="91425" anchor="t" anchorCtr="0">
-            <a:noAutofit/>
-          </a:bodyPr>
-          <a:lstStyle/>
-          <a:p>
-            <a:pPr marL="0" lvl="0" indent="0" algn="l" rtl="0">
-              <a:spcBef>
-                <a:spcPts val="0"/>
-              </a:spcBef>
-              <a:spcAft>
-                <a:spcPts val="0"/>
-              </a:spcAft>
-              <a:buNone/>
-            </a:pPr>
-            <a:r>
-              <a:rPr lang="en-US" b="1" dirty="0">
-                <a:solidFill>
-                  <a:schemeClr val="tx1"/>
-                </a:solidFill>
-              </a:rPr>
-              <a:t>Use Case</a:t>
-            </a:r>
-            <a:r>
-              <a:rPr lang="en-US" dirty="0">
-                <a:solidFill>
-                  <a:schemeClr val="tx1"/>
-                </a:solidFill>
-              </a:rPr>
-              <a:t>: Authenticate</a:t>
-            </a:r>
-          </a:p>
-          <a:p>
-            <a:pPr marL="0" lvl="0" indent="0" algn="l" rtl="0">
-              <a:spcBef>
-                <a:spcPts val="0"/>
-              </a:spcBef>
-              <a:spcAft>
-                <a:spcPts val="0"/>
-              </a:spcAft>
-              <a:buNone/>
-            </a:pPr>
-            <a:r>
-              <a:rPr lang="en-US" b="1" dirty="0">
-                <a:solidFill>
-                  <a:schemeClr val="tx1"/>
-                </a:solidFill>
-              </a:rPr>
-              <a:t>Scenario</a:t>
-            </a:r>
-            <a:r>
-              <a:rPr lang="en-US" dirty="0">
-                <a:solidFill>
-                  <a:schemeClr val="tx1"/>
-                </a:solidFill>
-              </a:rPr>
-              <a:t>:</a:t>
-            </a:r>
-          </a:p>
-          <a:p>
-            <a:pPr marL="0" lvl="0" indent="0" algn="l" rtl="0">
-              <a:spcBef>
-                <a:spcPts val="0"/>
-              </a:spcBef>
-              <a:spcAft>
-                <a:spcPts val="0"/>
-              </a:spcAft>
-              <a:buNone/>
-            </a:pPr>
-            <a:r>
-              <a:rPr lang="en-US" dirty="0">
-                <a:solidFill>
-                  <a:schemeClr val="tx1"/>
-                </a:solidFill>
-              </a:rPr>
-              <a:t>User sends request</a:t>
-            </a:r>
-          </a:p>
-          <a:p>
-            <a:pPr marL="0" lvl="0" indent="0" algn="l" rtl="0">
-              <a:spcBef>
-                <a:spcPts val="0"/>
-              </a:spcBef>
-              <a:spcAft>
-                <a:spcPts val="0"/>
-              </a:spcAft>
-              <a:buNone/>
-            </a:pPr>
-            <a:r>
-              <a:rPr lang="en-US" dirty="0">
-                <a:solidFill>
-                  <a:schemeClr val="tx1"/>
-                </a:solidFill>
-              </a:rPr>
-              <a:t>Request is sent to authentication</a:t>
-            </a:r>
-          </a:p>
-          <a:p>
-            <a:pPr marL="0" lvl="0" indent="0" algn="l" rtl="0">
-              <a:spcBef>
-                <a:spcPts val="0"/>
-              </a:spcBef>
-              <a:spcAft>
-                <a:spcPts val="0"/>
-              </a:spcAft>
-              <a:buNone/>
-            </a:pPr>
-            <a:r>
-              <a:rPr lang="en-US" dirty="0">
-                <a:solidFill>
-                  <a:schemeClr val="tx1"/>
-                </a:solidFill>
-              </a:rPr>
-              <a:t>Request is checked for SSO authentication possibility</a:t>
-            </a:r>
-            <a:endParaRPr dirty="0">
-              <a:solidFill>
-                <a:schemeClr val="tx1"/>
-              </a:solidFill>
-            </a:endParaRPr>
-          </a:p>
-        </p:txBody>
-      </p:sp>
-      <p:pic>
-        <p:nvPicPr>
-          <p:cNvPr id="5" name="Picture 4">
-            <a:extLst>
-              <a:ext uri="{FF2B5EF4-FFF2-40B4-BE49-F238E27FC236}">
-                <a16:creationId xmlns:a16="http://schemas.microsoft.com/office/drawing/2014/main" id="{F27EAB64-52E9-4F07-B4D9-407AD54431C9}"/>
-              </a:ext>
-            </a:extLst>
-          </p:cNvPr>
-          <p:cNvPicPr>
-            <a:picLocks noChangeAspect="1"/>
-          </p:cNvPicPr>
-          <p:nvPr/>
-        </p:nvPicPr>
-        <p:blipFill>
-          <a:blip r:embed="rId3"/>
-          <a:srcRect/>
-          <a:stretch/>
-        </p:blipFill>
-        <p:spPr>
-          <a:xfrm>
-            <a:off x="3626541" y="2207056"/>
-            <a:ext cx="5205759" cy="1072347"/>
-          </a:xfrm>
-          <a:prstGeom prst="rect">
-            <a:avLst/>
-          </a:prstGeom>
-        </p:spPr>
-      </p:pic>
-      <p:sp>
-        <p:nvSpPr>
-          <p:cNvPr id="2" name="Rectangle 1">
-            <a:extLst>
-              <a:ext uri="{FF2B5EF4-FFF2-40B4-BE49-F238E27FC236}">
-                <a16:creationId xmlns:a16="http://schemas.microsoft.com/office/drawing/2014/main" id="{575A1C00-12C6-44D1-8DDB-5947204B7660}"/>
-              </a:ext>
-            </a:extLst>
-          </p:cNvPr>
-          <p:cNvSpPr>
-            <a:spLocks noChangeArrowheads="1"/>
-          </p:cNvSpPr>
-          <p:nvPr/>
-        </p:nvSpPr>
-        <p:spPr bwMode="auto">
-          <a:xfrm>
-            <a:off x="0" y="0"/>
-            <a:ext cx="9144000" cy="0"/>
-          </a:xfrm>
-          <a:prstGeom prst="rect">
-            <a:avLst/>
-          </a:prstGeom>
-          <a:noFill/>
-          <a:ln>
-            <a:noFill/>
-          </a:ln>
-          <a:effectLst/>
-          <a:extLst>
-            <a:ext uri="{909E8E84-426E-40DD-AFC4-6F175D3DCCD1}">
-              <a14:hiddenFill xmlns:a14="http://schemas.microsoft.com/office/drawing/2010/main">
-                <a:solidFill>
-                  <a:schemeClr val="accent1"/>
-                </a:solidFill>
-              </a14:hiddenFill>
-            </a:ext>
-            <a:ext uri="{91240B29-F687-4F45-9708-019B960494DF}">
-              <a14:hiddenLine xmlns:a14="http://schemas.microsoft.com/office/drawing/2010/main" w="9525">
-                <a:solidFill>
-                  <a:schemeClr val="tx1"/>
-                </a:solidFill>
-                <a:miter lim="800000"/>
-                <a:headEnd/>
-                <a:tailEnd/>
-              </a14:hiddenLine>
-            </a:ext>
-            <a:ext uri="{AF507438-7753-43E0-B8FC-AC1667EBCBE1}">
-              <a14:hiddenEffects xmlns:a14="http://schemas.microsoft.com/office/drawing/2010/main">
-                <a:effectLst>
-                  <a:outerShdw dist="35921" dir="2700000" algn="ctr" rotWithShape="0">
-                    <a:schemeClr val="bg2"/>
-                  </a:outerShdw>
-                </a:effectLst>
-              </a14:hiddenEffects>
-            </a:ext>
-          </a:extLst>
-        </p:spPr>
-        <p:txBody>
-          <a:bodyPr vert="horz" wrap="none" lIns="91440" tIns="45720" rIns="91440" bIns="45720" numCol="1" anchor="ctr" anchorCtr="0" compatLnSpc="1">
-            <a:prstTxWarp prst="textNoShape">
-              <a:avLst/>
-            </a:prstTxWarp>
-            <a:spAutoFit/>
-          </a:bodyPr>
-          <a:lstStyle/>
-          <a:p>
-            <a:pPr marL="0" marR="0" lvl="0" indent="0" algn="l" defTabSz="914400" rtl="0" eaLnBrk="0" fontAlgn="base" latinLnBrk="0" hangingPunct="0">
-              <a:lnSpc>
-                <a:spcPct val="100000"/>
-              </a:lnSpc>
-              <a:spcBef>
-                <a:spcPct val="0"/>
-              </a:spcBef>
-              <a:spcAft>
-                <a:spcPct val="0"/>
-              </a:spcAft>
-              <a:buClrTx/>
-              <a:buSzTx/>
-              <a:buFontTx/>
-              <a:buNone/>
-              <a:tabLst/>
-            </a:pPr>
-            <a:r>
-              <a:rPr kumimoji="0" lang="ru-RU" altLang="ru-RU" sz="300" b="1" i="0" u="none" strike="noStrike" cap="none" normalizeH="0" baseline="0">
-                <a:ln>
-                  <a:noFill/>
-                </a:ln>
-                <a:solidFill>
-                  <a:schemeClr val="tx1"/>
-                </a:solidFill>
-                <a:effectLst/>
-                <a:latin typeface="Arial" panose="020B0604020202020204" pitchFamily="34" charset="0"/>
-              </a:rPr>
-              <a:t>Authenticator</a:t>
-            </a:r>
-            <a:endParaRPr kumimoji="0" lang="ru-RU" altLang="ru-RU" sz="200" b="1" i="0" u="none" strike="noStrike" cap="none" normalizeH="0" baseline="0">
-              <a:ln>
-                <a:noFill/>
-              </a:ln>
-              <a:solidFill>
-                <a:schemeClr val="tx1"/>
-              </a:solidFill>
-              <a:effectLst/>
-              <a:latin typeface="Arial" panose="020B0604020202020204" pitchFamily="34" charset="0"/>
-            </a:endParaRPr>
-          </a:p>
-          <a:p>
-            <a:pPr marL="0" marR="0" lvl="0" indent="0" algn="l" defTabSz="914400" rtl="0" eaLnBrk="0" fontAlgn="base" latinLnBrk="0" hangingPunct="0">
-              <a:lnSpc>
-                <a:spcPct val="100000"/>
-              </a:lnSpc>
-              <a:spcBef>
-                <a:spcPct val="0"/>
-              </a:spcBef>
-              <a:spcAft>
-                <a:spcPct val="0"/>
-              </a:spcAft>
-              <a:buClrTx/>
-              <a:buSzTx/>
-              <a:buFontTx/>
-              <a:buNone/>
-              <a:tabLst/>
-            </a:pPr>
-            <a:endParaRPr kumimoji="0" lang="ru-RU" altLang="ru-RU" sz="1800" b="0" i="0" u="none" strike="noStrike" cap="none" normalizeH="0" baseline="0">
-              <a:ln>
-                <a:noFill/>
-              </a:ln>
-              <a:solidFill>
-                <a:schemeClr val="tx1"/>
-              </a:solidFill>
-              <a:effectLst/>
-              <a:latin typeface="Arial" panose="020B0604020202020204" pitchFamily="34" charset="0"/>
-            </a:endParaRPr>
-          </a:p>
-        </p:txBody>
-      </p:sp>
-      <p:sp>
-        <p:nvSpPr>
-          <p:cNvPr id="4" name="Номер слайда 3">
-            <a:extLst>
-              <a:ext uri="{FF2B5EF4-FFF2-40B4-BE49-F238E27FC236}">
-                <a16:creationId xmlns:a16="http://schemas.microsoft.com/office/drawing/2014/main" id="{B6084F2C-D079-4A3E-B51D-2E8680415742}"/>
-              </a:ext>
-            </a:extLst>
-          </p:cNvPr>
-          <p:cNvSpPr>
-            <a:spLocks noGrp="1"/>
-          </p:cNvSpPr>
-          <p:nvPr>
-            <p:ph type="sldNum" idx="12"/>
-          </p:nvPr>
-        </p:nvSpPr>
-        <p:spPr/>
-        <p:txBody>
-          <a:bodyPr/>
-          <a:lstStyle/>
-          <a:p>
-            <a:pPr marL="0" lvl="0" indent="0" algn="r" rtl="0">
-              <a:spcBef>
-                <a:spcPts val="0"/>
-              </a:spcBef>
-              <a:spcAft>
-                <a:spcPts val="0"/>
-              </a:spcAft>
-              <a:buNone/>
-            </a:pPr>
-            <a:fld id="{00000000-1234-1234-1234-123412341234}" type="slidenum">
-              <a:rPr lang="en-GB" smtClean="0"/>
-              <a:t>8</a:t>
-            </a:fld>
-            <a:endParaRPr lang="en-GB"/>
-          </a:p>
-        </p:txBody>
-      </p:sp>
-    </p:spTree>
-    <p:extLst>
-      <p:ext uri="{BB962C8B-B14F-4D97-AF65-F5344CB8AC3E}">
-        <p14:creationId xmlns:p14="http://schemas.microsoft.com/office/powerpoint/2010/main" val="3404193546"/>
+        <p14:creationId xmlns:p14="http://schemas.microsoft.com/office/powerpoint/2010/main" val="3338700152"/>
       </p:ext>
     </p:extLst>
   </p:cSld>
@@ -9233,7 +9934,7 @@
         </p:nvSpPr>
         <p:spPr>
           <a:xfrm>
-            <a:off x="251188" y="288275"/>
+            <a:off x="311700" y="288275"/>
             <a:ext cx="8520600" cy="572700"/>
           </a:xfrm>
           <a:prstGeom prst="rect">
@@ -9256,7 +9957,7 @@
                   </a:outerShdw>
                 </a:effectLst>
               </a:rPr>
-              <a:t>API usage </a:t>
+              <a:t>Physical schema </a:t>
             </a:r>
             <a:r>
               <a:rPr lang="en-US" b="1" dirty="0" err="1">
@@ -9268,7 +9969,7 @@
                   </a:outerShdw>
                 </a:effectLst>
               </a:rPr>
-              <a:t>OpenAPIGenerator</a:t>
+              <a:t>RequestRouter</a:t>
             </a:r>
             <a:endParaRPr dirty="0">
               <a:effectLst>
@@ -9284,186 +9985,10 @@
       </p:sp>
       <p:sp>
         <p:nvSpPr>
-          <p:cNvPr id="86" name="Google Shape;86;p18"/>
-          <p:cNvSpPr txBox="1">
-            <a:spLocks noGrp="1"/>
-          </p:cNvSpPr>
-          <p:nvPr>
-            <p:ph type="body" idx="1"/>
-          </p:nvPr>
-        </p:nvSpPr>
-        <p:spPr>
-          <a:xfrm>
-            <a:off x="311700" y="1152475"/>
-            <a:ext cx="3000300" cy="3416400"/>
-          </a:xfrm>
-          <a:prstGeom prst="rect">
-            <a:avLst/>
-          </a:prstGeom>
-        </p:spPr>
-        <p:txBody>
-          <a:bodyPr spcFirstLastPara="1" wrap="square" lIns="91425" tIns="91425" rIns="91425" bIns="91425" anchor="t" anchorCtr="0">
-            <a:noAutofit/>
-          </a:bodyPr>
-          <a:lstStyle/>
-          <a:p>
-            <a:pPr marL="0" lvl="0" indent="0" algn="l" rtl="0">
-              <a:spcBef>
-                <a:spcPts val="0"/>
-              </a:spcBef>
-              <a:spcAft>
-                <a:spcPts val="0"/>
-              </a:spcAft>
-              <a:buNone/>
-            </a:pPr>
-            <a:r>
-              <a:rPr lang="en-US" b="1" dirty="0">
-                <a:solidFill>
-                  <a:schemeClr val="tx1"/>
-                </a:solidFill>
-              </a:rPr>
-              <a:t>Use Case</a:t>
-            </a:r>
-            <a:r>
-              <a:rPr lang="en-US" dirty="0">
-                <a:solidFill>
-                  <a:schemeClr val="tx1"/>
-                </a:solidFill>
-              </a:rPr>
-              <a:t>: Generate </a:t>
-            </a:r>
-            <a:r>
-              <a:rPr lang="en-US" dirty="0" err="1">
-                <a:solidFill>
-                  <a:schemeClr val="tx1"/>
-                </a:solidFill>
-              </a:rPr>
-              <a:t>OpenAPI</a:t>
-            </a:r>
-            <a:r>
-              <a:rPr lang="en-US" dirty="0">
-                <a:solidFill>
-                  <a:schemeClr val="tx1"/>
-                </a:solidFill>
-              </a:rPr>
-              <a:t> Schema</a:t>
-            </a:r>
-          </a:p>
-          <a:p>
-            <a:pPr marL="0" lvl="0" indent="0" algn="l" rtl="0">
-              <a:spcBef>
-                <a:spcPts val="0"/>
-              </a:spcBef>
-              <a:spcAft>
-                <a:spcPts val="0"/>
-              </a:spcAft>
-              <a:buNone/>
-            </a:pPr>
-            <a:r>
-              <a:rPr lang="en-US" b="1" dirty="0">
-                <a:solidFill>
-                  <a:schemeClr val="tx1"/>
-                </a:solidFill>
-              </a:rPr>
-              <a:t>Scenario</a:t>
-            </a:r>
-            <a:r>
-              <a:rPr lang="en-US" dirty="0">
-                <a:solidFill>
-                  <a:schemeClr val="tx1"/>
-                </a:solidFill>
-              </a:rPr>
-              <a:t>: </a:t>
-            </a:r>
-          </a:p>
-          <a:p>
-            <a:pPr marL="0" lvl="0" indent="0" algn="l" rtl="0">
-              <a:spcBef>
-                <a:spcPts val="0"/>
-              </a:spcBef>
-              <a:spcAft>
-                <a:spcPts val="0"/>
-              </a:spcAft>
-              <a:buNone/>
-            </a:pPr>
-            <a:r>
-              <a:rPr lang="en-US" dirty="0">
-                <a:solidFill>
-                  <a:schemeClr val="tx1"/>
-                </a:solidFill>
-              </a:rPr>
-              <a:t>User sends request to get schema</a:t>
-            </a:r>
-          </a:p>
-          <a:p>
-            <a:pPr marL="0" lvl="0" indent="0" algn="l" rtl="0">
-              <a:spcBef>
-                <a:spcPts val="0"/>
-              </a:spcBef>
-              <a:spcAft>
-                <a:spcPts val="0"/>
-              </a:spcAft>
-              <a:buNone/>
-            </a:pPr>
-            <a:r>
-              <a:rPr lang="en-US" dirty="0" err="1">
-                <a:solidFill>
-                  <a:schemeClr val="tx1"/>
-                </a:solidFill>
-              </a:rPr>
-              <a:t>OpenApi</a:t>
-            </a:r>
-            <a:r>
-              <a:rPr lang="en-US" dirty="0">
-                <a:solidFill>
-                  <a:schemeClr val="tx1"/>
-                </a:solidFill>
-              </a:rPr>
-              <a:t> Generator checks if schema is present, if not – creates it, returns actual schema</a:t>
-            </a:r>
-            <a:endParaRPr dirty="0">
-              <a:solidFill>
-                <a:schemeClr val="tx1"/>
-              </a:solidFill>
-            </a:endParaRPr>
-          </a:p>
-        </p:txBody>
-      </p:sp>
-      <p:pic>
-        <p:nvPicPr>
-          <p:cNvPr id="5" name="Picture 4">
-            <a:extLst>
-              <a:ext uri="{FF2B5EF4-FFF2-40B4-BE49-F238E27FC236}">
-                <a16:creationId xmlns:a16="http://schemas.microsoft.com/office/drawing/2014/main" id="{F27EAB64-52E9-4F07-B4D9-407AD54431C9}"/>
-              </a:ext>
-            </a:extLst>
-          </p:cNvPr>
-          <p:cNvPicPr>
-            <a:picLocks noChangeAspect="1"/>
-          </p:cNvPicPr>
-          <p:nvPr/>
-        </p:nvPicPr>
-        <p:blipFill>
-          <a:blip r:embed="rId3"/>
-          <a:srcRect/>
-          <a:stretch/>
-        </p:blipFill>
-        <p:spPr>
-          <a:xfrm>
-            <a:off x="3626541" y="2203806"/>
-            <a:ext cx="5205759" cy="1078846"/>
-          </a:xfrm>
-          <a:prstGeom prst="rect">
-            <a:avLst/>
-          </a:prstGeom>
-        </p:spPr>
-      </p:pic>
-      <p:sp>
-        <p:nvSpPr>
           <p:cNvPr id="3" name="Номер слайда 2">
             <a:extLst>
               <a:ext uri="{FF2B5EF4-FFF2-40B4-BE49-F238E27FC236}">
-                <a16:creationId xmlns:a16="http://schemas.microsoft.com/office/drawing/2014/main" id="{E92DA808-A119-4BC5-BB0C-E1F78E2DD16E}"/>
+                <a16:creationId xmlns:a16="http://schemas.microsoft.com/office/drawing/2014/main" id="{44D00E36-7C80-4724-BC89-DAF8BBC2E470}"/>
               </a:ext>
             </a:extLst>
           </p:cNvPr>
@@ -9496,10 +10021,49 @@
           </a:p>
         </p:txBody>
       </p:sp>
+      <p:pic>
+        <p:nvPicPr>
+          <p:cNvPr id="1026" name="Picture 2">
+            <a:extLst>
+              <a:ext uri="{FF2B5EF4-FFF2-40B4-BE49-F238E27FC236}">
+                <a16:creationId xmlns:a16="http://schemas.microsoft.com/office/drawing/2014/main" id="{33BD0D6E-8412-4F3D-8C4A-633C42F1E6AA}"/>
+              </a:ext>
+            </a:extLst>
+          </p:cNvPr>
+          <p:cNvPicPr>
+            <a:picLocks noChangeAspect="1" noChangeArrowheads="1"/>
+          </p:cNvPicPr>
+          <p:nvPr/>
+        </p:nvPicPr>
+        <p:blipFill>
+          <a:blip r:embed="rId3"/>
+          <a:srcRect/>
+          <a:stretch/>
+        </p:blipFill>
+        <p:spPr bwMode="auto">
+          <a:xfrm>
+            <a:off x="1156447" y="1289870"/>
+            <a:ext cx="6946217" cy="3416172"/>
+          </a:xfrm>
+          <a:prstGeom prst="rect">
+            <a:avLst/>
+          </a:prstGeom>
+          <a:noFill/>
+          <a:extLst>
+            <a:ext uri="{909E8E84-426E-40DD-AFC4-6F175D3DCCD1}">
+              <a14:hiddenFill xmlns:a14="http://schemas.microsoft.com/office/drawing/2010/main">
+                <a:solidFill>
+                  <a:srgbClr val="FFFFFF"/>
+                </a:solidFill>
+              </a14:hiddenFill>
+            </a:ext>
+          </a:extLst>
+        </p:spPr>
+      </p:pic>
     </p:spTree>
     <p:extLst>
       <p:ext uri="{BB962C8B-B14F-4D97-AF65-F5344CB8AC3E}">
-        <p14:creationId xmlns:p14="http://schemas.microsoft.com/office/powerpoint/2010/main" val="2388190616"/>
+        <p14:creationId xmlns:p14="http://schemas.microsoft.com/office/powerpoint/2010/main" val="1720435275"/>
       </p:ext>
     </p:extLst>
   </p:cSld>

--- a/PracticeTasks/Module2/Task_11/Task_11.pptx
+++ b/PracticeTasks/Module2/Task_11/Task_11.pptx
@@ -5,7 +5,7 @@
     <p:sldMasterId id="2147483659" r:id="rId1"/>
   </p:sldMasterIdLst>
   <p:notesMasterIdLst>
-    <p:notesMasterId r:id="rId15"/>
+    <p:notesMasterId r:id="rId21"/>
   </p:notesMasterIdLst>
   <p:sldIdLst>
     <p:sldId id="256" r:id="rId2"/>
@@ -17,10 +17,16 @@
     <p:sldId id="272" r:id="rId8"/>
     <p:sldId id="273" r:id="rId9"/>
     <p:sldId id="274" r:id="rId10"/>
-    <p:sldId id="270" r:id="rId11"/>
-    <p:sldId id="271" r:id="rId12"/>
-    <p:sldId id="269" r:id="rId13"/>
-    <p:sldId id="262" r:id="rId14"/>
+    <p:sldId id="275" r:id="rId11"/>
+    <p:sldId id="270" r:id="rId12"/>
+    <p:sldId id="276" r:id="rId13"/>
+    <p:sldId id="277" r:id="rId14"/>
+    <p:sldId id="271" r:id="rId15"/>
+    <p:sldId id="278" r:id="rId16"/>
+    <p:sldId id="280" r:id="rId17"/>
+    <p:sldId id="269" r:id="rId18"/>
+    <p:sldId id="279" r:id="rId19"/>
+    <p:sldId id="262" r:id="rId20"/>
   </p:sldIdLst>
   <p:sldSz cx="9144000" cy="5143500" type="screen16x9"/>
   <p:notesSz cx="6858000" cy="9144000"/>
@@ -916,7 +922,7 @@
     </p:spTree>
     <p:extLst>
       <p:ext uri="{BB962C8B-B14F-4D97-AF65-F5344CB8AC3E}">
-        <p14:creationId xmlns:p14="http://schemas.microsoft.com/office/powerpoint/2010/main" val="265012011"/>
+        <p14:creationId xmlns:p14="http://schemas.microsoft.com/office/powerpoint/2010/main" val="998138686"/>
       </p:ext>
     </p:extLst>
   </p:cSld>
@@ -1025,7 +1031,7 @@
     </p:spTree>
     <p:extLst>
       <p:ext uri="{BB962C8B-B14F-4D97-AF65-F5344CB8AC3E}">
-        <p14:creationId xmlns:p14="http://schemas.microsoft.com/office/powerpoint/2010/main" val="1537165346"/>
+        <p14:creationId xmlns:p14="http://schemas.microsoft.com/office/powerpoint/2010/main" val="265012011"/>
       </p:ext>
     </p:extLst>
   </p:cSld>
@@ -1132,6 +1138,11 @@
         </p:txBody>
       </p:sp>
     </p:spTree>
+    <p:extLst>
+      <p:ext uri="{BB962C8B-B14F-4D97-AF65-F5344CB8AC3E}">
+        <p14:creationId xmlns:p14="http://schemas.microsoft.com/office/powerpoint/2010/main" val="2591687656"/>
+      </p:ext>
+    </p:extLst>
   </p:cSld>
   <p:clrMapOvr>
     <a:masterClrMapping/>
@@ -1140,6 +1151,655 @@
 </file>
 
 <file path=ppt/notesSlides/notesSlide13.xml><?xml version="1.0" encoding="utf-8"?>
+<p:notes xmlns:a="http://schemas.openxmlformats.org/drawingml/2006/main" xmlns:r="http://schemas.openxmlformats.org/officeDocument/2006/relationships" xmlns:p="http://schemas.openxmlformats.org/presentationml/2006/main" showMasterSp="0" showMasterPhAnim="0">
+  <p:cSld>
+    <p:spTree>
+      <p:nvGrpSpPr>
+        <p:cNvPr id="1" name="Shape 80"/>
+        <p:cNvGrpSpPr/>
+        <p:nvPr/>
+      </p:nvGrpSpPr>
+      <p:grpSpPr>
+        <a:xfrm>
+          <a:off x="0" y="0"/>
+          <a:ext cx="0" cy="0"/>
+          <a:chOff x="0" y="0"/>
+          <a:chExt cx="0" cy="0"/>
+        </a:xfrm>
+      </p:grpSpPr>
+      <p:sp>
+        <p:nvSpPr>
+          <p:cNvPr id="81" name="Google Shape;81;g100adce3cd7_0_50:notes"/>
+          <p:cNvSpPr>
+            <a:spLocks noGrp="1" noRot="1" noChangeAspect="1"/>
+          </p:cNvSpPr>
+          <p:nvPr>
+            <p:ph type="sldImg" idx="2"/>
+          </p:nvPr>
+        </p:nvSpPr>
+        <p:spPr>
+          <a:xfrm>
+            <a:off x="381000" y="685800"/>
+            <a:ext cx="6096000" cy="3429000"/>
+          </a:xfrm>
+          <a:custGeom>
+            <a:avLst/>
+            <a:gdLst/>
+            <a:ahLst/>
+            <a:cxnLst/>
+            <a:rect l="l" t="t" r="r" b="b"/>
+            <a:pathLst>
+              <a:path w="120000" h="120000" extrusionOk="0">
+                <a:moveTo>
+                  <a:pt x="0" y="0"/>
+                </a:moveTo>
+                <a:lnTo>
+                  <a:pt x="120000" y="0"/>
+                </a:lnTo>
+                <a:lnTo>
+                  <a:pt x="120000" y="120000"/>
+                </a:lnTo>
+                <a:lnTo>
+                  <a:pt x="0" y="120000"/>
+                </a:lnTo>
+                <a:close/>
+              </a:path>
+            </a:pathLst>
+          </a:custGeom>
+        </p:spPr>
+      </p:sp>
+      <p:sp>
+        <p:nvSpPr>
+          <p:cNvPr id="82" name="Google Shape;82;g100adce3cd7_0_50:notes"/>
+          <p:cNvSpPr txBox="1">
+            <a:spLocks noGrp="1"/>
+          </p:cNvSpPr>
+          <p:nvPr>
+            <p:ph type="body" idx="1"/>
+          </p:nvPr>
+        </p:nvSpPr>
+        <p:spPr>
+          <a:xfrm>
+            <a:off x="685800" y="4343400"/>
+            <a:ext cx="5486400" cy="4114800"/>
+          </a:xfrm>
+          <a:prstGeom prst="rect">
+            <a:avLst/>
+          </a:prstGeom>
+        </p:spPr>
+        <p:txBody>
+          <a:bodyPr spcFirstLastPara="1" wrap="square" lIns="91425" tIns="91425" rIns="91425" bIns="91425" anchor="t" anchorCtr="0">
+            <a:noAutofit/>
+          </a:bodyPr>
+          <a:lstStyle/>
+          <a:p>
+            <a:pPr marL="0" lvl="0" indent="0" algn="l" rtl="0">
+              <a:spcBef>
+                <a:spcPts val="0"/>
+              </a:spcBef>
+              <a:spcAft>
+                <a:spcPts val="0"/>
+              </a:spcAft>
+              <a:buNone/>
+            </a:pPr>
+            <a:endParaRPr/>
+          </a:p>
+        </p:txBody>
+      </p:sp>
+    </p:spTree>
+    <p:extLst>
+      <p:ext uri="{BB962C8B-B14F-4D97-AF65-F5344CB8AC3E}">
+        <p14:creationId xmlns:p14="http://schemas.microsoft.com/office/powerpoint/2010/main" val="2791080323"/>
+      </p:ext>
+    </p:extLst>
+  </p:cSld>
+  <p:clrMapOvr>
+    <a:masterClrMapping/>
+  </p:clrMapOvr>
+</p:notes>
+</file>
+
+<file path=ppt/notesSlides/notesSlide14.xml><?xml version="1.0" encoding="utf-8"?>
+<p:notes xmlns:a="http://schemas.openxmlformats.org/drawingml/2006/main" xmlns:r="http://schemas.openxmlformats.org/officeDocument/2006/relationships" xmlns:p="http://schemas.openxmlformats.org/presentationml/2006/main" showMasterSp="0" showMasterPhAnim="0">
+  <p:cSld>
+    <p:spTree>
+      <p:nvGrpSpPr>
+        <p:cNvPr id="1" name="Shape 80"/>
+        <p:cNvGrpSpPr/>
+        <p:nvPr/>
+      </p:nvGrpSpPr>
+      <p:grpSpPr>
+        <a:xfrm>
+          <a:off x="0" y="0"/>
+          <a:ext cx="0" cy="0"/>
+          <a:chOff x="0" y="0"/>
+          <a:chExt cx="0" cy="0"/>
+        </a:xfrm>
+      </p:grpSpPr>
+      <p:sp>
+        <p:nvSpPr>
+          <p:cNvPr id="81" name="Google Shape;81;g100adce3cd7_0_50:notes"/>
+          <p:cNvSpPr>
+            <a:spLocks noGrp="1" noRot="1" noChangeAspect="1"/>
+          </p:cNvSpPr>
+          <p:nvPr>
+            <p:ph type="sldImg" idx="2"/>
+          </p:nvPr>
+        </p:nvSpPr>
+        <p:spPr>
+          <a:xfrm>
+            <a:off x="381000" y="685800"/>
+            <a:ext cx="6096000" cy="3429000"/>
+          </a:xfrm>
+          <a:custGeom>
+            <a:avLst/>
+            <a:gdLst/>
+            <a:ahLst/>
+            <a:cxnLst/>
+            <a:rect l="l" t="t" r="r" b="b"/>
+            <a:pathLst>
+              <a:path w="120000" h="120000" extrusionOk="0">
+                <a:moveTo>
+                  <a:pt x="0" y="0"/>
+                </a:moveTo>
+                <a:lnTo>
+                  <a:pt x="120000" y="0"/>
+                </a:lnTo>
+                <a:lnTo>
+                  <a:pt x="120000" y="120000"/>
+                </a:lnTo>
+                <a:lnTo>
+                  <a:pt x="0" y="120000"/>
+                </a:lnTo>
+                <a:close/>
+              </a:path>
+            </a:pathLst>
+          </a:custGeom>
+        </p:spPr>
+      </p:sp>
+      <p:sp>
+        <p:nvSpPr>
+          <p:cNvPr id="82" name="Google Shape;82;g100adce3cd7_0_50:notes"/>
+          <p:cNvSpPr txBox="1">
+            <a:spLocks noGrp="1"/>
+          </p:cNvSpPr>
+          <p:nvPr>
+            <p:ph type="body" idx="1"/>
+          </p:nvPr>
+        </p:nvSpPr>
+        <p:spPr>
+          <a:xfrm>
+            <a:off x="685800" y="4343400"/>
+            <a:ext cx="5486400" cy="4114800"/>
+          </a:xfrm>
+          <a:prstGeom prst="rect">
+            <a:avLst/>
+          </a:prstGeom>
+        </p:spPr>
+        <p:txBody>
+          <a:bodyPr spcFirstLastPara="1" wrap="square" lIns="91425" tIns="91425" rIns="91425" bIns="91425" anchor="t" anchorCtr="0">
+            <a:noAutofit/>
+          </a:bodyPr>
+          <a:lstStyle/>
+          <a:p>
+            <a:pPr marL="0" lvl="0" indent="0" algn="l" rtl="0">
+              <a:spcBef>
+                <a:spcPts val="0"/>
+              </a:spcBef>
+              <a:spcAft>
+                <a:spcPts val="0"/>
+              </a:spcAft>
+              <a:buNone/>
+            </a:pPr>
+            <a:endParaRPr/>
+          </a:p>
+        </p:txBody>
+      </p:sp>
+    </p:spTree>
+    <p:extLst>
+      <p:ext uri="{BB962C8B-B14F-4D97-AF65-F5344CB8AC3E}">
+        <p14:creationId xmlns:p14="http://schemas.microsoft.com/office/powerpoint/2010/main" val="1537165346"/>
+      </p:ext>
+    </p:extLst>
+  </p:cSld>
+  <p:clrMapOvr>
+    <a:masterClrMapping/>
+  </p:clrMapOvr>
+</p:notes>
+</file>
+
+<file path=ppt/notesSlides/notesSlide15.xml><?xml version="1.0" encoding="utf-8"?>
+<p:notes xmlns:a="http://schemas.openxmlformats.org/drawingml/2006/main" xmlns:r="http://schemas.openxmlformats.org/officeDocument/2006/relationships" xmlns:p="http://schemas.openxmlformats.org/presentationml/2006/main" showMasterSp="0" showMasterPhAnim="0">
+  <p:cSld>
+    <p:spTree>
+      <p:nvGrpSpPr>
+        <p:cNvPr id="1" name="Shape 80"/>
+        <p:cNvGrpSpPr/>
+        <p:nvPr/>
+      </p:nvGrpSpPr>
+      <p:grpSpPr>
+        <a:xfrm>
+          <a:off x="0" y="0"/>
+          <a:ext cx="0" cy="0"/>
+          <a:chOff x="0" y="0"/>
+          <a:chExt cx="0" cy="0"/>
+        </a:xfrm>
+      </p:grpSpPr>
+      <p:sp>
+        <p:nvSpPr>
+          <p:cNvPr id="81" name="Google Shape;81;g100adce3cd7_0_50:notes"/>
+          <p:cNvSpPr>
+            <a:spLocks noGrp="1" noRot="1" noChangeAspect="1"/>
+          </p:cNvSpPr>
+          <p:nvPr>
+            <p:ph type="sldImg" idx="2"/>
+          </p:nvPr>
+        </p:nvSpPr>
+        <p:spPr>
+          <a:xfrm>
+            <a:off x="381000" y="685800"/>
+            <a:ext cx="6096000" cy="3429000"/>
+          </a:xfrm>
+          <a:custGeom>
+            <a:avLst/>
+            <a:gdLst/>
+            <a:ahLst/>
+            <a:cxnLst/>
+            <a:rect l="l" t="t" r="r" b="b"/>
+            <a:pathLst>
+              <a:path w="120000" h="120000" extrusionOk="0">
+                <a:moveTo>
+                  <a:pt x="0" y="0"/>
+                </a:moveTo>
+                <a:lnTo>
+                  <a:pt x="120000" y="0"/>
+                </a:lnTo>
+                <a:lnTo>
+                  <a:pt x="120000" y="120000"/>
+                </a:lnTo>
+                <a:lnTo>
+                  <a:pt x="0" y="120000"/>
+                </a:lnTo>
+                <a:close/>
+              </a:path>
+            </a:pathLst>
+          </a:custGeom>
+        </p:spPr>
+      </p:sp>
+      <p:sp>
+        <p:nvSpPr>
+          <p:cNvPr id="82" name="Google Shape;82;g100adce3cd7_0_50:notes"/>
+          <p:cNvSpPr txBox="1">
+            <a:spLocks noGrp="1"/>
+          </p:cNvSpPr>
+          <p:nvPr>
+            <p:ph type="body" idx="1"/>
+          </p:nvPr>
+        </p:nvSpPr>
+        <p:spPr>
+          <a:xfrm>
+            <a:off x="685800" y="4343400"/>
+            <a:ext cx="5486400" cy="4114800"/>
+          </a:xfrm>
+          <a:prstGeom prst="rect">
+            <a:avLst/>
+          </a:prstGeom>
+        </p:spPr>
+        <p:txBody>
+          <a:bodyPr spcFirstLastPara="1" wrap="square" lIns="91425" tIns="91425" rIns="91425" bIns="91425" anchor="t" anchorCtr="0">
+            <a:noAutofit/>
+          </a:bodyPr>
+          <a:lstStyle/>
+          <a:p>
+            <a:pPr marL="0" lvl="0" indent="0" algn="l" rtl="0">
+              <a:spcBef>
+                <a:spcPts val="0"/>
+              </a:spcBef>
+              <a:spcAft>
+                <a:spcPts val="0"/>
+              </a:spcAft>
+              <a:buNone/>
+            </a:pPr>
+            <a:endParaRPr/>
+          </a:p>
+        </p:txBody>
+      </p:sp>
+    </p:spTree>
+    <p:extLst>
+      <p:ext uri="{BB962C8B-B14F-4D97-AF65-F5344CB8AC3E}">
+        <p14:creationId xmlns:p14="http://schemas.microsoft.com/office/powerpoint/2010/main" val="3658365480"/>
+      </p:ext>
+    </p:extLst>
+  </p:cSld>
+  <p:clrMapOvr>
+    <a:masterClrMapping/>
+  </p:clrMapOvr>
+</p:notes>
+</file>
+
+<file path=ppt/notesSlides/notesSlide16.xml><?xml version="1.0" encoding="utf-8"?>
+<p:notes xmlns:a="http://schemas.openxmlformats.org/drawingml/2006/main" xmlns:r="http://schemas.openxmlformats.org/officeDocument/2006/relationships" xmlns:p="http://schemas.openxmlformats.org/presentationml/2006/main" showMasterSp="0" showMasterPhAnim="0">
+  <p:cSld>
+    <p:spTree>
+      <p:nvGrpSpPr>
+        <p:cNvPr id="1" name="Shape 80"/>
+        <p:cNvGrpSpPr/>
+        <p:nvPr/>
+      </p:nvGrpSpPr>
+      <p:grpSpPr>
+        <a:xfrm>
+          <a:off x="0" y="0"/>
+          <a:ext cx="0" cy="0"/>
+          <a:chOff x="0" y="0"/>
+          <a:chExt cx="0" cy="0"/>
+        </a:xfrm>
+      </p:grpSpPr>
+      <p:sp>
+        <p:nvSpPr>
+          <p:cNvPr id="81" name="Google Shape;81;g100adce3cd7_0_50:notes"/>
+          <p:cNvSpPr>
+            <a:spLocks noGrp="1" noRot="1" noChangeAspect="1"/>
+          </p:cNvSpPr>
+          <p:nvPr>
+            <p:ph type="sldImg" idx="2"/>
+          </p:nvPr>
+        </p:nvSpPr>
+        <p:spPr>
+          <a:xfrm>
+            <a:off x="381000" y="685800"/>
+            <a:ext cx="6096000" cy="3429000"/>
+          </a:xfrm>
+          <a:custGeom>
+            <a:avLst/>
+            <a:gdLst/>
+            <a:ahLst/>
+            <a:cxnLst/>
+            <a:rect l="l" t="t" r="r" b="b"/>
+            <a:pathLst>
+              <a:path w="120000" h="120000" extrusionOk="0">
+                <a:moveTo>
+                  <a:pt x="0" y="0"/>
+                </a:moveTo>
+                <a:lnTo>
+                  <a:pt x="120000" y="0"/>
+                </a:lnTo>
+                <a:lnTo>
+                  <a:pt x="120000" y="120000"/>
+                </a:lnTo>
+                <a:lnTo>
+                  <a:pt x="0" y="120000"/>
+                </a:lnTo>
+                <a:close/>
+              </a:path>
+            </a:pathLst>
+          </a:custGeom>
+        </p:spPr>
+      </p:sp>
+      <p:sp>
+        <p:nvSpPr>
+          <p:cNvPr id="82" name="Google Shape;82;g100adce3cd7_0_50:notes"/>
+          <p:cNvSpPr txBox="1">
+            <a:spLocks noGrp="1"/>
+          </p:cNvSpPr>
+          <p:nvPr>
+            <p:ph type="body" idx="1"/>
+          </p:nvPr>
+        </p:nvSpPr>
+        <p:spPr>
+          <a:xfrm>
+            <a:off x="685800" y="4343400"/>
+            <a:ext cx="5486400" cy="4114800"/>
+          </a:xfrm>
+          <a:prstGeom prst="rect">
+            <a:avLst/>
+          </a:prstGeom>
+        </p:spPr>
+        <p:txBody>
+          <a:bodyPr spcFirstLastPara="1" wrap="square" lIns="91425" tIns="91425" rIns="91425" bIns="91425" anchor="t" anchorCtr="0">
+            <a:noAutofit/>
+          </a:bodyPr>
+          <a:lstStyle/>
+          <a:p>
+            <a:pPr marL="0" lvl="0" indent="0" algn="l" rtl="0">
+              <a:spcBef>
+                <a:spcPts val="0"/>
+              </a:spcBef>
+              <a:spcAft>
+                <a:spcPts val="0"/>
+              </a:spcAft>
+              <a:buNone/>
+            </a:pPr>
+            <a:endParaRPr/>
+          </a:p>
+        </p:txBody>
+      </p:sp>
+    </p:spTree>
+    <p:extLst>
+      <p:ext uri="{BB962C8B-B14F-4D97-AF65-F5344CB8AC3E}">
+        <p14:creationId xmlns:p14="http://schemas.microsoft.com/office/powerpoint/2010/main" val="848184850"/>
+      </p:ext>
+    </p:extLst>
+  </p:cSld>
+  <p:clrMapOvr>
+    <a:masterClrMapping/>
+  </p:clrMapOvr>
+</p:notes>
+</file>
+
+<file path=ppt/notesSlides/notesSlide17.xml><?xml version="1.0" encoding="utf-8"?>
+<p:notes xmlns:a="http://schemas.openxmlformats.org/drawingml/2006/main" xmlns:r="http://schemas.openxmlformats.org/officeDocument/2006/relationships" xmlns:p="http://schemas.openxmlformats.org/presentationml/2006/main" showMasterSp="0" showMasterPhAnim="0">
+  <p:cSld>
+    <p:spTree>
+      <p:nvGrpSpPr>
+        <p:cNvPr id="1" name="Shape 80"/>
+        <p:cNvGrpSpPr/>
+        <p:nvPr/>
+      </p:nvGrpSpPr>
+      <p:grpSpPr>
+        <a:xfrm>
+          <a:off x="0" y="0"/>
+          <a:ext cx="0" cy="0"/>
+          <a:chOff x="0" y="0"/>
+          <a:chExt cx="0" cy="0"/>
+        </a:xfrm>
+      </p:grpSpPr>
+      <p:sp>
+        <p:nvSpPr>
+          <p:cNvPr id="81" name="Google Shape;81;g100adce3cd7_0_50:notes"/>
+          <p:cNvSpPr>
+            <a:spLocks noGrp="1" noRot="1" noChangeAspect="1"/>
+          </p:cNvSpPr>
+          <p:nvPr>
+            <p:ph type="sldImg" idx="2"/>
+          </p:nvPr>
+        </p:nvSpPr>
+        <p:spPr>
+          <a:xfrm>
+            <a:off x="381000" y="685800"/>
+            <a:ext cx="6096000" cy="3429000"/>
+          </a:xfrm>
+          <a:custGeom>
+            <a:avLst/>
+            <a:gdLst/>
+            <a:ahLst/>
+            <a:cxnLst/>
+            <a:rect l="l" t="t" r="r" b="b"/>
+            <a:pathLst>
+              <a:path w="120000" h="120000" extrusionOk="0">
+                <a:moveTo>
+                  <a:pt x="0" y="0"/>
+                </a:moveTo>
+                <a:lnTo>
+                  <a:pt x="120000" y="0"/>
+                </a:lnTo>
+                <a:lnTo>
+                  <a:pt x="120000" y="120000"/>
+                </a:lnTo>
+                <a:lnTo>
+                  <a:pt x="0" y="120000"/>
+                </a:lnTo>
+                <a:close/>
+              </a:path>
+            </a:pathLst>
+          </a:custGeom>
+        </p:spPr>
+      </p:sp>
+      <p:sp>
+        <p:nvSpPr>
+          <p:cNvPr id="82" name="Google Shape;82;g100adce3cd7_0_50:notes"/>
+          <p:cNvSpPr txBox="1">
+            <a:spLocks noGrp="1"/>
+          </p:cNvSpPr>
+          <p:nvPr>
+            <p:ph type="body" idx="1"/>
+          </p:nvPr>
+        </p:nvSpPr>
+        <p:spPr>
+          <a:xfrm>
+            <a:off x="685800" y="4343400"/>
+            <a:ext cx="5486400" cy="4114800"/>
+          </a:xfrm>
+          <a:prstGeom prst="rect">
+            <a:avLst/>
+          </a:prstGeom>
+        </p:spPr>
+        <p:txBody>
+          <a:bodyPr spcFirstLastPara="1" wrap="square" lIns="91425" tIns="91425" rIns="91425" bIns="91425" anchor="t" anchorCtr="0">
+            <a:noAutofit/>
+          </a:bodyPr>
+          <a:lstStyle/>
+          <a:p>
+            <a:pPr marL="0" lvl="0" indent="0" algn="l" rtl="0">
+              <a:spcBef>
+                <a:spcPts val="0"/>
+              </a:spcBef>
+              <a:spcAft>
+                <a:spcPts val="0"/>
+              </a:spcAft>
+              <a:buNone/>
+            </a:pPr>
+            <a:endParaRPr/>
+          </a:p>
+        </p:txBody>
+      </p:sp>
+    </p:spTree>
+  </p:cSld>
+  <p:clrMapOvr>
+    <a:masterClrMapping/>
+  </p:clrMapOvr>
+</p:notes>
+</file>
+
+<file path=ppt/notesSlides/notesSlide18.xml><?xml version="1.0" encoding="utf-8"?>
+<p:notes xmlns:a="http://schemas.openxmlformats.org/drawingml/2006/main" xmlns:r="http://schemas.openxmlformats.org/officeDocument/2006/relationships" xmlns:p="http://schemas.openxmlformats.org/presentationml/2006/main" showMasterSp="0" showMasterPhAnim="0">
+  <p:cSld>
+    <p:spTree>
+      <p:nvGrpSpPr>
+        <p:cNvPr id="1" name="Shape 80"/>
+        <p:cNvGrpSpPr/>
+        <p:nvPr/>
+      </p:nvGrpSpPr>
+      <p:grpSpPr>
+        <a:xfrm>
+          <a:off x="0" y="0"/>
+          <a:ext cx="0" cy="0"/>
+          <a:chOff x="0" y="0"/>
+          <a:chExt cx="0" cy="0"/>
+        </a:xfrm>
+      </p:grpSpPr>
+      <p:sp>
+        <p:nvSpPr>
+          <p:cNvPr id="81" name="Google Shape;81;g100adce3cd7_0_50:notes"/>
+          <p:cNvSpPr>
+            <a:spLocks noGrp="1" noRot="1" noChangeAspect="1"/>
+          </p:cNvSpPr>
+          <p:nvPr>
+            <p:ph type="sldImg" idx="2"/>
+          </p:nvPr>
+        </p:nvSpPr>
+        <p:spPr>
+          <a:xfrm>
+            <a:off x="381000" y="685800"/>
+            <a:ext cx="6096000" cy="3429000"/>
+          </a:xfrm>
+          <a:custGeom>
+            <a:avLst/>
+            <a:gdLst/>
+            <a:ahLst/>
+            <a:cxnLst/>
+            <a:rect l="l" t="t" r="r" b="b"/>
+            <a:pathLst>
+              <a:path w="120000" h="120000" extrusionOk="0">
+                <a:moveTo>
+                  <a:pt x="0" y="0"/>
+                </a:moveTo>
+                <a:lnTo>
+                  <a:pt x="120000" y="0"/>
+                </a:lnTo>
+                <a:lnTo>
+                  <a:pt x="120000" y="120000"/>
+                </a:lnTo>
+                <a:lnTo>
+                  <a:pt x="0" y="120000"/>
+                </a:lnTo>
+                <a:close/>
+              </a:path>
+            </a:pathLst>
+          </a:custGeom>
+        </p:spPr>
+      </p:sp>
+      <p:sp>
+        <p:nvSpPr>
+          <p:cNvPr id="82" name="Google Shape;82;g100adce3cd7_0_50:notes"/>
+          <p:cNvSpPr txBox="1">
+            <a:spLocks noGrp="1"/>
+          </p:cNvSpPr>
+          <p:nvPr>
+            <p:ph type="body" idx="1"/>
+          </p:nvPr>
+        </p:nvSpPr>
+        <p:spPr>
+          <a:xfrm>
+            <a:off x="685800" y="4343400"/>
+            <a:ext cx="5486400" cy="4114800"/>
+          </a:xfrm>
+          <a:prstGeom prst="rect">
+            <a:avLst/>
+          </a:prstGeom>
+        </p:spPr>
+        <p:txBody>
+          <a:bodyPr spcFirstLastPara="1" wrap="square" lIns="91425" tIns="91425" rIns="91425" bIns="91425" anchor="t" anchorCtr="0">
+            <a:noAutofit/>
+          </a:bodyPr>
+          <a:lstStyle/>
+          <a:p>
+            <a:pPr marL="0" lvl="0" indent="0" algn="l" rtl="0">
+              <a:spcBef>
+                <a:spcPts val="0"/>
+              </a:spcBef>
+              <a:spcAft>
+                <a:spcPts val="0"/>
+              </a:spcAft>
+              <a:buNone/>
+            </a:pPr>
+            <a:endParaRPr/>
+          </a:p>
+        </p:txBody>
+      </p:sp>
+    </p:spTree>
+    <p:extLst>
+      <p:ext uri="{BB962C8B-B14F-4D97-AF65-F5344CB8AC3E}">
+        <p14:creationId xmlns:p14="http://schemas.microsoft.com/office/powerpoint/2010/main" val="1077059965"/>
+      </p:ext>
+    </p:extLst>
+  </p:cSld>
+  <p:clrMapOvr>
+    <a:masterClrMapping/>
+  </p:clrMapOvr>
+</p:notes>
+</file>
+
+<file path=ppt/notesSlides/notesSlide19.xml><?xml version="1.0" encoding="utf-8"?>
 <p:notes xmlns:a="http://schemas.openxmlformats.org/drawingml/2006/main" xmlns:r="http://schemas.openxmlformats.org/officeDocument/2006/relationships" xmlns:p="http://schemas.openxmlformats.org/presentationml/2006/main" showMasterSp="0" showMasterPhAnim="0">
   <p:cSld>
     <p:spTree>
@@ -7005,6 +7665,317 @@
                   </a:outerShdw>
                 </a:effectLst>
               </a:rPr>
+              <a:t>Logical data model </a:t>
+            </a:r>
+            <a:r>
+              <a:rPr lang="en-US" b="1" dirty="0">
+                <a:effectLst>
+                  <a:outerShdw blurRad="38100" dist="38100" dir="2700000" algn="tl">
+                    <a:srgbClr val="000000">
+                      <a:alpha val="43137"/>
+                    </a:srgbClr>
+                  </a:outerShdw>
+                </a:effectLst>
+              </a:rPr>
+              <a:t>Authenticator</a:t>
+            </a:r>
+            <a:endParaRPr dirty="0">
+              <a:effectLst>
+                <a:outerShdw blurRad="38100" dist="38100" dir="2700000" algn="tl">
+                  <a:srgbClr val="000000">
+                    <a:alpha val="43137"/>
+                  </a:srgbClr>
+                </a:outerShdw>
+              </a:effectLst>
+            </a:endParaRPr>
+          </a:p>
+        </p:txBody>
+      </p:sp>
+      <p:sp>
+        <p:nvSpPr>
+          <p:cNvPr id="2" name="Rectangle 1">
+            <a:extLst>
+              <a:ext uri="{FF2B5EF4-FFF2-40B4-BE49-F238E27FC236}">
+                <a16:creationId xmlns:a16="http://schemas.microsoft.com/office/drawing/2014/main" id="{575A1C00-12C6-44D1-8DDB-5947204B7660}"/>
+              </a:ext>
+            </a:extLst>
+          </p:cNvPr>
+          <p:cNvSpPr>
+            <a:spLocks noChangeArrowheads="1"/>
+          </p:cNvSpPr>
+          <p:nvPr/>
+        </p:nvSpPr>
+        <p:spPr bwMode="auto">
+          <a:xfrm>
+            <a:off x="0" y="0"/>
+            <a:ext cx="9144000" cy="0"/>
+          </a:xfrm>
+          <a:prstGeom prst="rect">
+            <a:avLst/>
+          </a:prstGeom>
+          <a:noFill/>
+          <a:ln>
+            <a:noFill/>
+          </a:ln>
+          <a:effectLst/>
+          <a:extLst>
+            <a:ext uri="{909E8E84-426E-40DD-AFC4-6F175D3DCCD1}">
+              <a14:hiddenFill xmlns:a14="http://schemas.microsoft.com/office/drawing/2010/main">
+                <a:solidFill>
+                  <a:schemeClr val="accent1"/>
+                </a:solidFill>
+              </a14:hiddenFill>
+            </a:ext>
+            <a:ext uri="{91240B29-F687-4F45-9708-019B960494DF}">
+              <a14:hiddenLine xmlns:a14="http://schemas.microsoft.com/office/drawing/2010/main" w="9525">
+                <a:solidFill>
+                  <a:schemeClr val="tx1"/>
+                </a:solidFill>
+                <a:miter lim="800000"/>
+                <a:headEnd/>
+                <a:tailEnd/>
+              </a14:hiddenLine>
+            </a:ext>
+            <a:ext uri="{AF507438-7753-43E0-B8FC-AC1667EBCBE1}">
+              <a14:hiddenEffects xmlns:a14="http://schemas.microsoft.com/office/drawing/2010/main">
+                <a:effectLst>
+                  <a:outerShdw dist="35921" dir="2700000" algn="ctr" rotWithShape="0">
+                    <a:schemeClr val="bg2"/>
+                  </a:outerShdw>
+                </a:effectLst>
+              </a14:hiddenEffects>
+            </a:ext>
+          </a:extLst>
+        </p:spPr>
+        <p:txBody>
+          <a:bodyPr vert="horz" wrap="none" lIns="91440" tIns="45720" rIns="91440" bIns="45720" numCol="1" anchor="ctr" anchorCtr="0" compatLnSpc="1">
+            <a:prstTxWarp prst="textNoShape">
+              <a:avLst/>
+            </a:prstTxWarp>
+            <a:spAutoFit/>
+          </a:bodyPr>
+          <a:lstStyle/>
+          <a:p>
+            <a:pPr marL="0" marR="0" lvl="0" indent="0" algn="l" defTabSz="914400" rtl="0" eaLnBrk="0" fontAlgn="base" latinLnBrk="0" hangingPunct="0">
+              <a:lnSpc>
+                <a:spcPct val="100000"/>
+              </a:lnSpc>
+              <a:spcBef>
+                <a:spcPct val="0"/>
+              </a:spcBef>
+              <a:spcAft>
+                <a:spcPct val="0"/>
+              </a:spcAft>
+              <a:buClrTx/>
+              <a:buSzTx/>
+              <a:buFontTx/>
+              <a:buNone/>
+              <a:tabLst/>
+            </a:pPr>
+            <a:r>
+              <a:rPr kumimoji="0" lang="ru-RU" altLang="ru-RU" sz="300" b="1" i="0" u="none" strike="noStrike" cap="none" normalizeH="0" baseline="0">
+                <a:ln>
+                  <a:noFill/>
+                </a:ln>
+                <a:solidFill>
+                  <a:schemeClr val="tx1"/>
+                </a:solidFill>
+                <a:effectLst/>
+                <a:latin typeface="Arial" panose="020B0604020202020204" pitchFamily="34" charset="0"/>
+              </a:rPr>
+              <a:t>Authenticator</a:t>
+            </a:r>
+            <a:endParaRPr kumimoji="0" lang="ru-RU" altLang="ru-RU" sz="200" b="1" i="0" u="none" strike="noStrike" cap="none" normalizeH="0" baseline="0">
+              <a:ln>
+                <a:noFill/>
+              </a:ln>
+              <a:solidFill>
+                <a:schemeClr val="tx1"/>
+              </a:solidFill>
+              <a:effectLst/>
+              <a:latin typeface="Arial" panose="020B0604020202020204" pitchFamily="34" charset="0"/>
+            </a:endParaRPr>
+          </a:p>
+          <a:p>
+            <a:pPr marL="0" marR="0" lvl="0" indent="0" algn="l" defTabSz="914400" rtl="0" eaLnBrk="0" fontAlgn="base" latinLnBrk="0" hangingPunct="0">
+              <a:lnSpc>
+                <a:spcPct val="100000"/>
+              </a:lnSpc>
+              <a:spcBef>
+                <a:spcPct val="0"/>
+              </a:spcBef>
+              <a:spcAft>
+                <a:spcPct val="0"/>
+              </a:spcAft>
+              <a:buClrTx/>
+              <a:buSzTx/>
+              <a:buFontTx/>
+              <a:buNone/>
+              <a:tabLst/>
+            </a:pPr>
+            <a:endParaRPr kumimoji="0" lang="ru-RU" altLang="ru-RU" sz="1800" b="0" i="0" u="none" strike="noStrike" cap="none" normalizeH="0" baseline="0">
+              <a:ln>
+                <a:noFill/>
+              </a:ln>
+              <a:solidFill>
+                <a:schemeClr val="tx1"/>
+              </a:solidFill>
+              <a:effectLst/>
+              <a:latin typeface="Arial" panose="020B0604020202020204" pitchFamily="34" charset="0"/>
+            </a:endParaRPr>
+          </a:p>
+        </p:txBody>
+      </p:sp>
+      <p:sp>
+        <p:nvSpPr>
+          <p:cNvPr id="4" name="Номер слайда 3">
+            <a:extLst>
+              <a:ext uri="{FF2B5EF4-FFF2-40B4-BE49-F238E27FC236}">
+                <a16:creationId xmlns:a16="http://schemas.microsoft.com/office/drawing/2014/main" id="{B6084F2C-D079-4A3E-B51D-2E8680415742}"/>
+              </a:ext>
+            </a:extLst>
+          </p:cNvPr>
+          <p:cNvSpPr>
+            <a:spLocks noGrp="1"/>
+          </p:cNvSpPr>
+          <p:nvPr>
+            <p:ph type="sldNum" idx="12"/>
+          </p:nvPr>
+        </p:nvSpPr>
+        <p:spPr/>
+        <p:txBody>
+          <a:bodyPr/>
+          <a:lstStyle/>
+          <a:p>
+            <a:pPr marL="0" lvl="0" indent="0" algn="r" rtl="0">
+              <a:spcBef>
+                <a:spcPts val="0"/>
+              </a:spcBef>
+              <a:spcAft>
+                <a:spcPts val="0"/>
+              </a:spcAft>
+              <a:buNone/>
+            </a:pPr>
+            <a:fld id="{00000000-1234-1234-1234-123412341234}" type="slidenum">
+              <a:rPr lang="en-GB" smtClean="0"/>
+              <a:t>10</a:t>
+            </a:fld>
+            <a:endParaRPr lang="en-GB"/>
+          </a:p>
+        </p:txBody>
+      </p:sp>
+      <p:pic>
+        <p:nvPicPr>
+          <p:cNvPr id="1026" name="Picture 2">
+            <a:extLst>
+              <a:ext uri="{FF2B5EF4-FFF2-40B4-BE49-F238E27FC236}">
+                <a16:creationId xmlns:a16="http://schemas.microsoft.com/office/drawing/2014/main" id="{67B68EE8-31AC-49AB-8310-25835036F063}"/>
+              </a:ext>
+            </a:extLst>
+          </p:cNvPr>
+          <p:cNvPicPr>
+            <a:picLocks noChangeAspect="1" noChangeArrowheads="1"/>
+          </p:cNvPicPr>
+          <p:nvPr/>
+        </p:nvPicPr>
+        <p:blipFill>
+          <a:blip r:embed="rId3">
+            <a:extLst>
+              <a:ext uri="{28A0092B-C50C-407E-A947-70E740481C1C}">
+                <a14:useLocalDpi xmlns:a14="http://schemas.microsoft.com/office/drawing/2010/main" val="0"/>
+              </a:ext>
+            </a:extLst>
+          </a:blip>
+          <a:srcRect/>
+          <a:stretch>
+            <a:fillRect/>
+          </a:stretch>
+        </p:blipFill>
+        <p:spPr bwMode="auto">
+          <a:xfrm>
+            <a:off x="3133725" y="1228725"/>
+            <a:ext cx="2876550" cy="2686050"/>
+          </a:xfrm>
+          <a:prstGeom prst="rect">
+            <a:avLst/>
+          </a:prstGeom>
+          <a:noFill/>
+          <a:extLst>
+            <a:ext uri="{909E8E84-426E-40DD-AFC4-6F175D3DCCD1}">
+              <a14:hiddenFill xmlns:a14="http://schemas.microsoft.com/office/drawing/2010/main">
+                <a:solidFill>
+                  <a:srgbClr val="FFFFFF"/>
+                </a:solidFill>
+              </a14:hiddenFill>
+            </a:ext>
+          </a:extLst>
+        </p:spPr>
+      </p:pic>
+    </p:spTree>
+    <p:extLst>
+      <p:ext uri="{BB962C8B-B14F-4D97-AF65-F5344CB8AC3E}">
+        <p14:creationId xmlns:p14="http://schemas.microsoft.com/office/powerpoint/2010/main" val="2771592030"/>
+      </p:ext>
+    </p:extLst>
+  </p:cSld>
+  <p:clrMapOvr>
+    <a:masterClrMapping/>
+  </p:clrMapOvr>
+</p:sld>
+</file>
+
+<file path=ppt/slides/slide11.xml><?xml version="1.0" encoding="utf-8"?>
+<p:sld xmlns:a="http://schemas.openxmlformats.org/drawingml/2006/main" xmlns:r="http://schemas.openxmlformats.org/officeDocument/2006/relationships" xmlns:p="http://schemas.openxmlformats.org/presentationml/2006/main">
+  <p:cSld>
+    <p:spTree>
+      <p:nvGrpSpPr>
+        <p:cNvPr id="1" name="Shape 83"/>
+        <p:cNvGrpSpPr/>
+        <p:nvPr/>
+      </p:nvGrpSpPr>
+      <p:grpSpPr>
+        <a:xfrm>
+          <a:off x="0" y="0"/>
+          <a:ext cx="0" cy="0"/>
+          <a:chOff x="0" y="0"/>
+          <a:chExt cx="0" cy="0"/>
+        </a:xfrm>
+      </p:grpSpPr>
+      <p:sp>
+        <p:nvSpPr>
+          <p:cNvPr id="84" name="Google Shape;84;p18"/>
+          <p:cNvSpPr txBox="1">
+            <a:spLocks noGrp="1"/>
+          </p:cNvSpPr>
+          <p:nvPr>
+            <p:ph type="title"/>
+          </p:nvPr>
+        </p:nvSpPr>
+        <p:spPr>
+          <a:xfrm>
+            <a:off x="311700" y="182807"/>
+            <a:ext cx="8520600" cy="572700"/>
+          </a:xfrm>
+          <a:prstGeom prst="rect">
+            <a:avLst/>
+          </a:prstGeom>
+        </p:spPr>
+        <p:txBody>
+          <a:bodyPr spcFirstLastPara="1" wrap="square" lIns="91425" tIns="91425" rIns="91425" bIns="91425" anchor="t" anchorCtr="0">
+            <a:noAutofit/>
+          </a:bodyPr>
+          <a:lstStyle/>
+          <a:p>
+            <a:r>
+              <a:rPr lang="en-GB" dirty="0">
+                <a:effectLst>
+                  <a:outerShdw blurRad="38100" dist="38100" dir="2700000" algn="tl">
+                    <a:srgbClr val="000000">
+                      <a:alpha val="43137"/>
+                    </a:srgbClr>
+                  </a:outerShdw>
+                </a:effectLst>
+              </a:rPr>
               <a:t>API usage </a:t>
             </a:r>
             <a:r>
@@ -7369,7 +8340,7 @@
             </a:pPr>
             <a:fld id="{00000000-1234-1234-1234-123412341234}" type="slidenum">
               <a:rPr lang="en-GB" smtClean="0"/>
-              <a:t>10</a:t>
+              <a:t>11</a:t>
             </a:fld>
             <a:endParaRPr lang="en-GB"/>
           </a:p>
@@ -7388,7 +8359,535 @@
 </p:sld>
 </file>
 
-<file path=ppt/slides/slide11.xml><?xml version="1.0" encoding="utf-8"?>
+<file path=ppt/slides/slide12.xml><?xml version="1.0" encoding="utf-8"?>
+<p:sld xmlns:a="http://schemas.openxmlformats.org/drawingml/2006/main" xmlns:r="http://schemas.openxmlformats.org/officeDocument/2006/relationships" xmlns:p="http://schemas.openxmlformats.org/presentationml/2006/main">
+  <p:cSld>
+    <p:spTree>
+      <p:nvGrpSpPr>
+        <p:cNvPr id="1" name="Shape 83"/>
+        <p:cNvGrpSpPr/>
+        <p:nvPr/>
+      </p:nvGrpSpPr>
+      <p:grpSpPr>
+        <a:xfrm>
+          <a:off x="0" y="0"/>
+          <a:ext cx="0" cy="0"/>
+          <a:chOff x="0" y="0"/>
+          <a:chExt cx="0" cy="0"/>
+        </a:xfrm>
+      </p:grpSpPr>
+      <p:sp>
+        <p:nvSpPr>
+          <p:cNvPr id="84" name="Google Shape;84;p18"/>
+          <p:cNvSpPr txBox="1">
+            <a:spLocks noGrp="1"/>
+          </p:cNvSpPr>
+          <p:nvPr>
+            <p:ph type="title"/>
+          </p:nvPr>
+        </p:nvSpPr>
+        <p:spPr>
+          <a:xfrm>
+            <a:off x="311700" y="182807"/>
+            <a:ext cx="8520600" cy="572700"/>
+          </a:xfrm>
+          <a:prstGeom prst="rect">
+            <a:avLst/>
+          </a:prstGeom>
+        </p:spPr>
+        <p:txBody>
+          <a:bodyPr spcFirstLastPara="1" wrap="square" lIns="91425" tIns="91425" rIns="91425" bIns="91425" anchor="t" anchorCtr="0">
+            <a:noAutofit/>
+          </a:bodyPr>
+          <a:lstStyle/>
+          <a:p>
+            <a:r>
+              <a:rPr lang="en-GB" dirty="0">
+                <a:effectLst>
+                  <a:outerShdw blurRad="38100" dist="38100" dir="2700000" algn="tl">
+                    <a:srgbClr val="000000">
+                      <a:alpha val="43137"/>
+                    </a:srgbClr>
+                  </a:outerShdw>
+                </a:effectLst>
+              </a:rPr>
+              <a:t>Physical schema </a:t>
+            </a:r>
+            <a:r>
+              <a:rPr lang="en-US" b="1" dirty="0">
+                <a:effectLst>
+                  <a:outerShdw blurRad="38100" dist="38100" dir="2700000" algn="tl">
+                    <a:srgbClr val="000000">
+                      <a:alpha val="43137"/>
+                    </a:srgbClr>
+                  </a:outerShdw>
+                </a:effectLst>
+              </a:rPr>
+              <a:t>Authenticator</a:t>
+            </a:r>
+            <a:endParaRPr dirty="0">
+              <a:effectLst>
+                <a:outerShdw blurRad="38100" dist="38100" dir="2700000" algn="tl">
+                  <a:srgbClr val="000000">
+                    <a:alpha val="43137"/>
+                  </a:srgbClr>
+                </a:outerShdw>
+              </a:effectLst>
+            </a:endParaRPr>
+          </a:p>
+        </p:txBody>
+      </p:sp>
+      <p:sp>
+        <p:nvSpPr>
+          <p:cNvPr id="2" name="Rectangle 1">
+            <a:extLst>
+              <a:ext uri="{FF2B5EF4-FFF2-40B4-BE49-F238E27FC236}">
+                <a16:creationId xmlns:a16="http://schemas.microsoft.com/office/drawing/2014/main" id="{575A1C00-12C6-44D1-8DDB-5947204B7660}"/>
+              </a:ext>
+            </a:extLst>
+          </p:cNvPr>
+          <p:cNvSpPr>
+            <a:spLocks noChangeArrowheads="1"/>
+          </p:cNvSpPr>
+          <p:nvPr/>
+        </p:nvSpPr>
+        <p:spPr bwMode="auto">
+          <a:xfrm>
+            <a:off x="0" y="0"/>
+            <a:ext cx="9144000" cy="0"/>
+          </a:xfrm>
+          <a:prstGeom prst="rect">
+            <a:avLst/>
+          </a:prstGeom>
+          <a:noFill/>
+          <a:ln>
+            <a:noFill/>
+          </a:ln>
+          <a:effectLst/>
+          <a:extLst>
+            <a:ext uri="{909E8E84-426E-40DD-AFC4-6F175D3DCCD1}">
+              <a14:hiddenFill xmlns:a14="http://schemas.microsoft.com/office/drawing/2010/main">
+                <a:solidFill>
+                  <a:schemeClr val="accent1"/>
+                </a:solidFill>
+              </a14:hiddenFill>
+            </a:ext>
+            <a:ext uri="{91240B29-F687-4F45-9708-019B960494DF}">
+              <a14:hiddenLine xmlns:a14="http://schemas.microsoft.com/office/drawing/2010/main" w="9525">
+                <a:solidFill>
+                  <a:schemeClr val="tx1"/>
+                </a:solidFill>
+                <a:miter lim="800000"/>
+                <a:headEnd/>
+                <a:tailEnd/>
+              </a14:hiddenLine>
+            </a:ext>
+            <a:ext uri="{AF507438-7753-43E0-B8FC-AC1667EBCBE1}">
+              <a14:hiddenEffects xmlns:a14="http://schemas.microsoft.com/office/drawing/2010/main">
+                <a:effectLst>
+                  <a:outerShdw dist="35921" dir="2700000" algn="ctr" rotWithShape="0">
+                    <a:schemeClr val="bg2"/>
+                  </a:outerShdw>
+                </a:effectLst>
+              </a14:hiddenEffects>
+            </a:ext>
+          </a:extLst>
+        </p:spPr>
+        <p:txBody>
+          <a:bodyPr vert="horz" wrap="none" lIns="91440" tIns="45720" rIns="91440" bIns="45720" numCol="1" anchor="ctr" anchorCtr="0" compatLnSpc="1">
+            <a:prstTxWarp prst="textNoShape">
+              <a:avLst/>
+            </a:prstTxWarp>
+            <a:spAutoFit/>
+          </a:bodyPr>
+          <a:lstStyle/>
+          <a:p>
+            <a:pPr marL="0" marR="0" lvl="0" indent="0" algn="l" defTabSz="914400" rtl="0" eaLnBrk="0" fontAlgn="base" latinLnBrk="0" hangingPunct="0">
+              <a:lnSpc>
+                <a:spcPct val="100000"/>
+              </a:lnSpc>
+              <a:spcBef>
+                <a:spcPct val="0"/>
+              </a:spcBef>
+              <a:spcAft>
+                <a:spcPct val="0"/>
+              </a:spcAft>
+              <a:buClrTx/>
+              <a:buSzTx/>
+              <a:buFontTx/>
+              <a:buNone/>
+              <a:tabLst/>
+            </a:pPr>
+            <a:r>
+              <a:rPr kumimoji="0" lang="ru-RU" altLang="ru-RU" sz="300" b="1" i="0" u="none" strike="noStrike" cap="none" normalizeH="0" baseline="0">
+                <a:ln>
+                  <a:noFill/>
+                </a:ln>
+                <a:solidFill>
+                  <a:schemeClr val="tx1"/>
+                </a:solidFill>
+                <a:effectLst/>
+                <a:latin typeface="Arial" panose="020B0604020202020204" pitchFamily="34" charset="0"/>
+              </a:rPr>
+              <a:t>Authenticator</a:t>
+            </a:r>
+            <a:endParaRPr kumimoji="0" lang="ru-RU" altLang="ru-RU" sz="200" b="1" i="0" u="none" strike="noStrike" cap="none" normalizeH="0" baseline="0">
+              <a:ln>
+                <a:noFill/>
+              </a:ln>
+              <a:solidFill>
+                <a:schemeClr val="tx1"/>
+              </a:solidFill>
+              <a:effectLst/>
+              <a:latin typeface="Arial" panose="020B0604020202020204" pitchFamily="34" charset="0"/>
+            </a:endParaRPr>
+          </a:p>
+          <a:p>
+            <a:pPr marL="0" marR="0" lvl="0" indent="0" algn="l" defTabSz="914400" rtl="0" eaLnBrk="0" fontAlgn="base" latinLnBrk="0" hangingPunct="0">
+              <a:lnSpc>
+                <a:spcPct val="100000"/>
+              </a:lnSpc>
+              <a:spcBef>
+                <a:spcPct val="0"/>
+              </a:spcBef>
+              <a:spcAft>
+                <a:spcPct val="0"/>
+              </a:spcAft>
+              <a:buClrTx/>
+              <a:buSzTx/>
+              <a:buFontTx/>
+              <a:buNone/>
+              <a:tabLst/>
+            </a:pPr>
+            <a:endParaRPr kumimoji="0" lang="ru-RU" altLang="ru-RU" sz="1800" b="0" i="0" u="none" strike="noStrike" cap="none" normalizeH="0" baseline="0">
+              <a:ln>
+                <a:noFill/>
+              </a:ln>
+              <a:solidFill>
+                <a:schemeClr val="tx1"/>
+              </a:solidFill>
+              <a:effectLst/>
+              <a:latin typeface="Arial" panose="020B0604020202020204" pitchFamily="34" charset="0"/>
+            </a:endParaRPr>
+          </a:p>
+        </p:txBody>
+      </p:sp>
+      <p:sp>
+        <p:nvSpPr>
+          <p:cNvPr id="4" name="Номер слайда 3">
+            <a:extLst>
+              <a:ext uri="{FF2B5EF4-FFF2-40B4-BE49-F238E27FC236}">
+                <a16:creationId xmlns:a16="http://schemas.microsoft.com/office/drawing/2014/main" id="{B6084F2C-D079-4A3E-B51D-2E8680415742}"/>
+              </a:ext>
+            </a:extLst>
+          </p:cNvPr>
+          <p:cNvSpPr>
+            <a:spLocks noGrp="1"/>
+          </p:cNvSpPr>
+          <p:nvPr>
+            <p:ph type="sldNum" idx="12"/>
+          </p:nvPr>
+        </p:nvSpPr>
+        <p:spPr/>
+        <p:txBody>
+          <a:bodyPr/>
+          <a:lstStyle/>
+          <a:p>
+            <a:pPr marL="0" lvl="0" indent="0" algn="r" rtl="0">
+              <a:spcBef>
+                <a:spcPts val="0"/>
+              </a:spcBef>
+              <a:spcAft>
+                <a:spcPts val="0"/>
+              </a:spcAft>
+              <a:buNone/>
+            </a:pPr>
+            <a:fld id="{00000000-1234-1234-1234-123412341234}" type="slidenum">
+              <a:rPr lang="en-GB" smtClean="0"/>
+              <a:t>12</a:t>
+            </a:fld>
+            <a:endParaRPr lang="en-GB"/>
+          </a:p>
+        </p:txBody>
+      </p:sp>
+    </p:spTree>
+    <p:extLst>
+      <p:ext uri="{BB962C8B-B14F-4D97-AF65-F5344CB8AC3E}">
+        <p14:creationId xmlns:p14="http://schemas.microsoft.com/office/powerpoint/2010/main" val="3112943061"/>
+      </p:ext>
+    </p:extLst>
+  </p:cSld>
+  <p:clrMapOvr>
+    <a:masterClrMapping/>
+  </p:clrMapOvr>
+</p:sld>
+</file>
+
+<file path=ppt/slides/slide13.xml><?xml version="1.0" encoding="utf-8"?>
+<p:sld xmlns:a="http://schemas.openxmlformats.org/drawingml/2006/main" xmlns:r="http://schemas.openxmlformats.org/officeDocument/2006/relationships" xmlns:p="http://schemas.openxmlformats.org/presentationml/2006/main">
+  <p:cSld>
+    <p:spTree>
+      <p:nvGrpSpPr>
+        <p:cNvPr id="1" name="Shape 83"/>
+        <p:cNvGrpSpPr/>
+        <p:nvPr/>
+      </p:nvGrpSpPr>
+      <p:grpSpPr>
+        <a:xfrm>
+          <a:off x="0" y="0"/>
+          <a:ext cx="0" cy="0"/>
+          <a:chOff x="0" y="0"/>
+          <a:chExt cx="0" cy="0"/>
+        </a:xfrm>
+      </p:grpSpPr>
+      <p:sp>
+        <p:nvSpPr>
+          <p:cNvPr id="84" name="Google Shape;84;p18"/>
+          <p:cNvSpPr txBox="1">
+            <a:spLocks noGrp="1"/>
+          </p:cNvSpPr>
+          <p:nvPr>
+            <p:ph type="title"/>
+          </p:nvPr>
+        </p:nvSpPr>
+        <p:spPr>
+          <a:xfrm>
+            <a:off x="311700" y="182807"/>
+            <a:ext cx="8520600" cy="572700"/>
+          </a:xfrm>
+          <a:prstGeom prst="rect">
+            <a:avLst/>
+          </a:prstGeom>
+        </p:spPr>
+        <p:txBody>
+          <a:bodyPr spcFirstLastPara="1" wrap="square" lIns="91425" tIns="91425" rIns="91425" bIns="91425" anchor="t" anchorCtr="0">
+            <a:noAutofit/>
+          </a:bodyPr>
+          <a:lstStyle/>
+          <a:p>
+            <a:r>
+              <a:rPr lang="en-GB">
+                <a:effectLst>
+                  <a:outerShdw blurRad="38100" dist="38100" dir="2700000" algn="tl">
+                    <a:srgbClr val="000000">
+                      <a:alpha val="43137"/>
+                    </a:srgbClr>
+                  </a:outerShdw>
+                </a:effectLst>
+              </a:rPr>
+              <a:t>Logical data model </a:t>
+            </a:r>
+            <a:r>
+              <a:rPr lang="en-US" b="1">
+                <a:effectLst>
+                  <a:outerShdw blurRad="38100" dist="38100" dir="2700000" algn="tl">
+                    <a:srgbClr val="000000">
+                      <a:alpha val="43137"/>
+                    </a:srgbClr>
+                  </a:outerShdw>
+                </a:effectLst>
+              </a:rPr>
+              <a:t>OpenAPIGenerator</a:t>
+            </a:r>
+            <a:endParaRPr dirty="0">
+              <a:effectLst>
+                <a:outerShdw blurRad="38100" dist="38100" dir="2700000" algn="tl">
+                  <a:srgbClr val="000000">
+                    <a:alpha val="43137"/>
+                  </a:srgbClr>
+                </a:outerShdw>
+              </a:effectLst>
+            </a:endParaRPr>
+          </a:p>
+        </p:txBody>
+      </p:sp>
+      <p:sp>
+        <p:nvSpPr>
+          <p:cNvPr id="2" name="Rectangle 1">
+            <a:extLst>
+              <a:ext uri="{FF2B5EF4-FFF2-40B4-BE49-F238E27FC236}">
+                <a16:creationId xmlns:a16="http://schemas.microsoft.com/office/drawing/2014/main" id="{575A1C00-12C6-44D1-8DDB-5947204B7660}"/>
+              </a:ext>
+            </a:extLst>
+          </p:cNvPr>
+          <p:cNvSpPr>
+            <a:spLocks noChangeArrowheads="1"/>
+          </p:cNvSpPr>
+          <p:nvPr/>
+        </p:nvSpPr>
+        <p:spPr bwMode="auto">
+          <a:xfrm>
+            <a:off x="0" y="0"/>
+            <a:ext cx="9144000" cy="0"/>
+          </a:xfrm>
+          <a:prstGeom prst="rect">
+            <a:avLst/>
+          </a:prstGeom>
+          <a:noFill/>
+          <a:ln>
+            <a:noFill/>
+          </a:ln>
+          <a:effectLst/>
+          <a:extLst>
+            <a:ext uri="{909E8E84-426E-40DD-AFC4-6F175D3DCCD1}">
+              <a14:hiddenFill xmlns:a14="http://schemas.microsoft.com/office/drawing/2010/main">
+                <a:solidFill>
+                  <a:schemeClr val="accent1"/>
+                </a:solidFill>
+              </a14:hiddenFill>
+            </a:ext>
+            <a:ext uri="{91240B29-F687-4F45-9708-019B960494DF}">
+              <a14:hiddenLine xmlns:a14="http://schemas.microsoft.com/office/drawing/2010/main" w="9525">
+                <a:solidFill>
+                  <a:schemeClr val="tx1"/>
+                </a:solidFill>
+                <a:miter lim="800000"/>
+                <a:headEnd/>
+                <a:tailEnd/>
+              </a14:hiddenLine>
+            </a:ext>
+            <a:ext uri="{AF507438-7753-43E0-B8FC-AC1667EBCBE1}">
+              <a14:hiddenEffects xmlns:a14="http://schemas.microsoft.com/office/drawing/2010/main">
+                <a:effectLst>
+                  <a:outerShdw dist="35921" dir="2700000" algn="ctr" rotWithShape="0">
+                    <a:schemeClr val="bg2"/>
+                  </a:outerShdw>
+                </a:effectLst>
+              </a14:hiddenEffects>
+            </a:ext>
+          </a:extLst>
+        </p:spPr>
+        <p:txBody>
+          <a:bodyPr vert="horz" wrap="none" lIns="91440" tIns="45720" rIns="91440" bIns="45720" numCol="1" anchor="ctr" anchorCtr="0" compatLnSpc="1">
+            <a:prstTxWarp prst="textNoShape">
+              <a:avLst/>
+            </a:prstTxWarp>
+            <a:spAutoFit/>
+          </a:bodyPr>
+          <a:lstStyle/>
+          <a:p>
+            <a:pPr marL="0" marR="0" lvl="0" indent="0" algn="l" defTabSz="914400" rtl="0" eaLnBrk="0" fontAlgn="base" latinLnBrk="0" hangingPunct="0">
+              <a:lnSpc>
+                <a:spcPct val="100000"/>
+              </a:lnSpc>
+              <a:spcBef>
+                <a:spcPct val="0"/>
+              </a:spcBef>
+              <a:spcAft>
+                <a:spcPct val="0"/>
+              </a:spcAft>
+              <a:buClrTx/>
+              <a:buSzTx/>
+              <a:buFontTx/>
+              <a:buNone/>
+              <a:tabLst/>
+            </a:pPr>
+            <a:r>
+              <a:rPr kumimoji="0" lang="ru-RU" altLang="ru-RU" sz="300" b="1" i="0" u="none" strike="noStrike" cap="none" normalizeH="0" baseline="0">
+                <a:ln>
+                  <a:noFill/>
+                </a:ln>
+                <a:solidFill>
+                  <a:schemeClr val="tx1"/>
+                </a:solidFill>
+                <a:effectLst/>
+                <a:latin typeface="Arial" panose="020B0604020202020204" pitchFamily="34" charset="0"/>
+              </a:rPr>
+              <a:t>Authenticator</a:t>
+            </a:r>
+            <a:endParaRPr kumimoji="0" lang="ru-RU" altLang="ru-RU" sz="200" b="1" i="0" u="none" strike="noStrike" cap="none" normalizeH="0" baseline="0">
+              <a:ln>
+                <a:noFill/>
+              </a:ln>
+              <a:solidFill>
+                <a:schemeClr val="tx1"/>
+              </a:solidFill>
+              <a:effectLst/>
+              <a:latin typeface="Arial" panose="020B0604020202020204" pitchFamily="34" charset="0"/>
+            </a:endParaRPr>
+          </a:p>
+          <a:p>
+            <a:pPr marL="0" marR="0" lvl="0" indent="0" algn="l" defTabSz="914400" rtl="0" eaLnBrk="0" fontAlgn="base" latinLnBrk="0" hangingPunct="0">
+              <a:lnSpc>
+                <a:spcPct val="100000"/>
+              </a:lnSpc>
+              <a:spcBef>
+                <a:spcPct val="0"/>
+              </a:spcBef>
+              <a:spcAft>
+                <a:spcPct val="0"/>
+              </a:spcAft>
+              <a:buClrTx/>
+              <a:buSzTx/>
+              <a:buFontTx/>
+              <a:buNone/>
+              <a:tabLst/>
+            </a:pPr>
+            <a:endParaRPr kumimoji="0" lang="ru-RU" altLang="ru-RU" sz="1800" b="0" i="0" u="none" strike="noStrike" cap="none" normalizeH="0" baseline="0">
+              <a:ln>
+                <a:noFill/>
+              </a:ln>
+              <a:solidFill>
+                <a:schemeClr val="tx1"/>
+              </a:solidFill>
+              <a:effectLst/>
+              <a:latin typeface="Arial" panose="020B0604020202020204" pitchFamily="34" charset="0"/>
+            </a:endParaRPr>
+          </a:p>
+        </p:txBody>
+      </p:sp>
+      <p:sp>
+        <p:nvSpPr>
+          <p:cNvPr id="4" name="Номер слайда 3">
+            <a:extLst>
+              <a:ext uri="{FF2B5EF4-FFF2-40B4-BE49-F238E27FC236}">
+                <a16:creationId xmlns:a16="http://schemas.microsoft.com/office/drawing/2014/main" id="{B6084F2C-D079-4A3E-B51D-2E8680415742}"/>
+              </a:ext>
+            </a:extLst>
+          </p:cNvPr>
+          <p:cNvSpPr>
+            <a:spLocks noGrp="1"/>
+          </p:cNvSpPr>
+          <p:nvPr>
+            <p:ph type="sldNum" idx="12"/>
+          </p:nvPr>
+        </p:nvSpPr>
+        <p:spPr/>
+        <p:txBody>
+          <a:bodyPr/>
+          <a:lstStyle/>
+          <a:p>
+            <a:pPr marL="0" lvl="0" indent="0" algn="r" rtl="0">
+              <a:spcBef>
+                <a:spcPts val="0"/>
+              </a:spcBef>
+              <a:spcAft>
+                <a:spcPts val="0"/>
+              </a:spcAft>
+              <a:buNone/>
+            </a:pPr>
+            <a:fld id="{00000000-1234-1234-1234-123412341234}" type="slidenum">
+              <a:rPr lang="en-GB" smtClean="0"/>
+              <a:t>13</a:t>
+            </a:fld>
+            <a:endParaRPr lang="en-GB"/>
+          </a:p>
+        </p:txBody>
+      </p:sp>
+    </p:spTree>
+    <p:extLst>
+      <p:ext uri="{BB962C8B-B14F-4D97-AF65-F5344CB8AC3E}">
+        <p14:creationId xmlns:p14="http://schemas.microsoft.com/office/powerpoint/2010/main" val="1020538254"/>
+      </p:ext>
+    </p:extLst>
+  </p:cSld>
+  <p:clrMapOvr>
+    <a:masterClrMapping/>
+  </p:clrMapOvr>
+</p:sld>
+</file>
+
+<file path=ppt/slides/slide14.xml><?xml version="1.0" encoding="utf-8"?>
 <p:sld xmlns:a="http://schemas.openxmlformats.org/drawingml/2006/main" xmlns:r="http://schemas.openxmlformats.org/officeDocument/2006/relationships" xmlns:p="http://schemas.openxmlformats.org/presentationml/2006/main">
   <p:cSld>
     <p:spTree>
@@ -7674,7 +9173,7 @@
             </a:pPr>
             <a:fld id="{00000000-1234-1234-1234-123412341234}" type="slidenum">
               <a:rPr lang="en-GB" smtClean="0"/>
-              <a:t>11</a:t>
+              <a:t>14</a:t>
             </a:fld>
             <a:endParaRPr lang="en-GB"/>
           </a:p>
@@ -7693,7 +9192,535 @@
 </p:sld>
 </file>
 
-<file path=ppt/slides/slide12.xml><?xml version="1.0" encoding="utf-8"?>
+<file path=ppt/slides/slide15.xml><?xml version="1.0" encoding="utf-8"?>
+<p:sld xmlns:a="http://schemas.openxmlformats.org/drawingml/2006/main" xmlns:r="http://schemas.openxmlformats.org/officeDocument/2006/relationships" xmlns:p="http://schemas.openxmlformats.org/presentationml/2006/main">
+  <p:cSld>
+    <p:spTree>
+      <p:nvGrpSpPr>
+        <p:cNvPr id="1" name="Shape 83"/>
+        <p:cNvGrpSpPr/>
+        <p:nvPr/>
+      </p:nvGrpSpPr>
+      <p:grpSpPr>
+        <a:xfrm>
+          <a:off x="0" y="0"/>
+          <a:ext cx="0" cy="0"/>
+          <a:chOff x="0" y="0"/>
+          <a:chExt cx="0" cy="0"/>
+        </a:xfrm>
+      </p:grpSpPr>
+      <p:sp>
+        <p:nvSpPr>
+          <p:cNvPr id="84" name="Google Shape;84;p18"/>
+          <p:cNvSpPr txBox="1">
+            <a:spLocks noGrp="1"/>
+          </p:cNvSpPr>
+          <p:nvPr>
+            <p:ph type="title"/>
+          </p:nvPr>
+        </p:nvSpPr>
+        <p:spPr>
+          <a:xfrm>
+            <a:off x="311700" y="182807"/>
+            <a:ext cx="8520600" cy="572700"/>
+          </a:xfrm>
+          <a:prstGeom prst="rect">
+            <a:avLst/>
+          </a:prstGeom>
+        </p:spPr>
+        <p:txBody>
+          <a:bodyPr spcFirstLastPara="1" wrap="square" lIns="91425" tIns="91425" rIns="91425" bIns="91425" anchor="t" anchorCtr="0">
+            <a:noAutofit/>
+          </a:bodyPr>
+          <a:lstStyle/>
+          <a:p>
+            <a:r>
+              <a:rPr lang="en-GB" dirty="0">
+                <a:effectLst>
+                  <a:outerShdw blurRad="38100" dist="38100" dir="2700000" algn="tl">
+                    <a:srgbClr val="000000">
+                      <a:alpha val="43137"/>
+                    </a:srgbClr>
+                  </a:outerShdw>
+                </a:effectLst>
+              </a:rPr>
+              <a:t>Physical schema </a:t>
+            </a:r>
+            <a:r>
+              <a:rPr lang="en-US" b="1" dirty="0" err="1">
+                <a:effectLst>
+                  <a:outerShdw blurRad="38100" dist="38100" dir="2700000" algn="tl">
+                    <a:srgbClr val="000000">
+                      <a:alpha val="43137"/>
+                    </a:srgbClr>
+                  </a:outerShdw>
+                </a:effectLst>
+              </a:rPr>
+              <a:t>OpenAPIGenerator</a:t>
+            </a:r>
+            <a:endParaRPr dirty="0">
+              <a:effectLst>
+                <a:outerShdw blurRad="38100" dist="38100" dir="2700000" algn="tl">
+                  <a:srgbClr val="000000">
+                    <a:alpha val="43137"/>
+                  </a:srgbClr>
+                </a:outerShdw>
+              </a:effectLst>
+            </a:endParaRPr>
+          </a:p>
+        </p:txBody>
+      </p:sp>
+      <p:sp>
+        <p:nvSpPr>
+          <p:cNvPr id="2" name="Rectangle 1">
+            <a:extLst>
+              <a:ext uri="{FF2B5EF4-FFF2-40B4-BE49-F238E27FC236}">
+                <a16:creationId xmlns:a16="http://schemas.microsoft.com/office/drawing/2014/main" id="{575A1C00-12C6-44D1-8DDB-5947204B7660}"/>
+              </a:ext>
+            </a:extLst>
+          </p:cNvPr>
+          <p:cNvSpPr>
+            <a:spLocks noChangeArrowheads="1"/>
+          </p:cNvSpPr>
+          <p:nvPr/>
+        </p:nvSpPr>
+        <p:spPr bwMode="auto">
+          <a:xfrm>
+            <a:off x="0" y="0"/>
+            <a:ext cx="9144000" cy="0"/>
+          </a:xfrm>
+          <a:prstGeom prst="rect">
+            <a:avLst/>
+          </a:prstGeom>
+          <a:noFill/>
+          <a:ln>
+            <a:noFill/>
+          </a:ln>
+          <a:effectLst/>
+          <a:extLst>
+            <a:ext uri="{909E8E84-426E-40DD-AFC4-6F175D3DCCD1}">
+              <a14:hiddenFill xmlns:a14="http://schemas.microsoft.com/office/drawing/2010/main">
+                <a:solidFill>
+                  <a:schemeClr val="accent1"/>
+                </a:solidFill>
+              </a14:hiddenFill>
+            </a:ext>
+            <a:ext uri="{91240B29-F687-4F45-9708-019B960494DF}">
+              <a14:hiddenLine xmlns:a14="http://schemas.microsoft.com/office/drawing/2010/main" w="9525">
+                <a:solidFill>
+                  <a:schemeClr val="tx1"/>
+                </a:solidFill>
+                <a:miter lim="800000"/>
+                <a:headEnd/>
+                <a:tailEnd/>
+              </a14:hiddenLine>
+            </a:ext>
+            <a:ext uri="{AF507438-7753-43E0-B8FC-AC1667EBCBE1}">
+              <a14:hiddenEffects xmlns:a14="http://schemas.microsoft.com/office/drawing/2010/main">
+                <a:effectLst>
+                  <a:outerShdw dist="35921" dir="2700000" algn="ctr" rotWithShape="0">
+                    <a:schemeClr val="bg2"/>
+                  </a:outerShdw>
+                </a:effectLst>
+              </a14:hiddenEffects>
+            </a:ext>
+          </a:extLst>
+        </p:spPr>
+        <p:txBody>
+          <a:bodyPr vert="horz" wrap="none" lIns="91440" tIns="45720" rIns="91440" bIns="45720" numCol="1" anchor="ctr" anchorCtr="0" compatLnSpc="1">
+            <a:prstTxWarp prst="textNoShape">
+              <a:avLst/>
+            </a:prstTxWarp>
+            <a:spAutoFit/>
+          </a:bodyPr>
+          <a:lstStyle/>
+          <a:p>
+            <a:pPr marL="0" marR="0" lvl="0" indent="0" algn="l" defTabSz="914400" rtl="0" eaLnBrk="0" fontAlgn="base" latinLnBrk="0" hangingPunct="0">
+              <a:lnSpc>
+                <a:spcPct val="100000"/>
+              </a:lnSpc>
+              <a:spcBef>
+                <a:spcPct val="0"/>
+              </a:spcBef>
+              <a:spcAft>
+                <a:spcPct val="0"/>
+              </a:spcAft>
+              <a:buClrTx/>
+              <a:buSzTx/>
+              <a:buFontTx/>
+              <a:buNone/>
+              <a:tabLst/>
+            </a:pPr>
+            <a:r>
+              <a:rPr kumimoji="0" lang="ru-RU" altLang="ru-RU" sz="300" b="1" i="0" u="none" strike="noStrike" cap="none" normalizeH="0" baseline="0">
+                <a:ln>
+                  <a:noFill/>
+                </a:ln>
+                <a:solidFill>
+                  <a:schemeClr val="tx1"/>
+                </a:solidFill>
+                <a:effectLst/>
+                <a:latin typeface="Arial" panose="020B0604020202020204" pitchFamily="34" charset="0"/>
+              </a:rPr>
+              <a:t>Authenticator</a:t>
+            </a:r>
+            <a:endParaRPr kumimoji="0" lang="ru-RU" altLang="ru-RU" sz="200" b="1" i="0" u="none" strike="noStrike" cap="none" normalizeH="0" baseline="0">
+              <a:ln>
+                <a:noFill/>
+              </a:ln>
+              <a:solidFill>
+                <a:schemeClr val="tx1"/>
+              </a:solidFill>
+              <a:effectLst/>
+              <a:latin typeface="Arial" panose="020B0604020202020204" pitchFamily="34" charset="0"/>
+            </a:endParaRPr>
+          </a:p>
+          <a:p>
+            <a:pPr marL="0" marR="0" lvl="0" indent="0" algn="l" defTabSz="914400" rtl="0" eaLnBrk="0" fontAlgn="base" latinLnBrk="0" hangingPunct="0">
+              <a:lnSpc>
+                <a:spcPct val="100000"/>
+              </a:lnSpc>
+              <a:spcBef>
+                <a:spcPct val="0"/>
+              </a:spcBef>
+              <a:spcAft>
+                <a:spcPct val="0"/>
+              </a:spcAft>
+              <a:buClrTx/>
+              <a:buSzTx/>
+              <a:buFontTx/>
+              <a:buNone/>
+              <a:tabLst/>
+            </a:pPr>
+            <a:endParaRPr kumimoji="0" lang="ru-RU" altLang="ru-RU" sz="1800" b="0" i="0" u="none" strike="noStrike" cap="none" normalizeH="0" baseline="0">
+              <a:ln>
+                <a:noFill/>
+              </a:ln>
+              <a:solidFill>
+                <a:schemeClr val="tx1"/>
+              </a:solidFill>
+              <a:effectLst/>
+              <a:latin typeface="Arial" panose="020B0604020202020204" pitchFamily="34" charset="0"/>
+            </a:endParaRPr>
+          </a:p>
+        </p:txBody>
+      </p:sp>
+      <p:sp>
+        <p:nvSpPr>
+          <p:cNvPr id="4" name="Номер слайда 3">
+            <a:extLst>
+              <a:ext uri="{FF2B5EF4-FFF2-40B4-BE49-F238E27FC236}">
+                <a16:creationId xmlns:a16="http://schemas.microsoft.com/office/drawing/2014/main" id="{B6084F2C-D079-4A3E-B51D-2E8680415742}"/>
+              </a:ext>
+            </a:extLst>
+          </p:cNvPr>
+          <p:cNvSpPr>
+            <a:spLocks noGrp="1"/>
+          </p:cNvSpPr>
+          <p:nvPr>
+            <p:ph type="sldNum" idx="12"/>
+          </p:nvPr>
+        </p:nvSpPr>
+        <p:spPr/>
+        <p:txBody>
+          <a:bodyPr/>
+          <a:lstStyle/>
+          <a:p>
+            <a:pPr marL="0" lvl="0" indent="0" algn="r" rtl="0">
+              <a:spcBef>
+                <a:spcPts val="0"/>
+              </a:spcBef>
+              <a:spcAft>
+                <a:spcPts val="0"/>
+              </a:spcAft>
+              <a:buNone/>
+            </a:pPr>
+            <a:fld id="{00000000-1234-1234-1234-123412341234}" type="slidenum">
+              <a:rPr lang="en-GB" smtClean="0"/>
+              <a:t>15</a:t>
+            </a:fld>
+            <a:endParaRPr lang="en-GB"/>
+          </a:p>
+        </p:txBody>
+      </p:sp>
+    </p:spTree>
+    <p:extLst>
+      <p:ext uri="{BB962C8B-B14F-4D97-AF65-F5344CB8AC3E}">
+        <p14:creationId xmlns:p14="http://schemas.microsoft.com/office/powerpoint/2010/main" val="4200662447"/>
+      </p:ext>
+    </p:extLst>
+  </p:cSld>
+  <p:clrMapOvr>
+    <a:masterClrMapping/>
+  </p:clrMapOvr>
+</p:sld>
+</file>
+
+<file path=ppt/slides/slide16.xml><?xml version="1.0" encoding="utf-8"?>
+<p:sld xmlns:a="http://schemas.openxmlformats.org/drawingml/2006/main" xmlns:r="http://schemas.openxmlformats.org/officeDocument/2006/relationships" xmlns:p="http://schemas.openxmlformats.org/presentationml/2006/main">
+  <p:cSld>
+    <p:spTree>
+      <p:nvGrpSpPr>
+        <p:cNvPr id="1" name="Shape 83"/>
+        <p:cNvGrpSpPr/>
+        <p:nvPr/>
+      </p:nvGrpSpPr>
+      <p:grpSpPr>
+        <a:xfrm>
+          <a:off x="0" y="0"/>
+          <a:ext cx="0" cy="0"/>
+          <a:chOff x="0" y="0"/>
+          <a:chExt cx="0" cy="0"/>
+        </a:xfrm>
+      </p:grpSpPr>
+      <p:sp>
+        <p:nvSpPr>
+          <p:cNvPr id="84" name="Google Shape;84;p18"/>
+          <p:cNvSpPr txBox="1">
+            <a:spLocks noGrp="1"/>
+          </p:cNvSpPr>
+          <p:nvPr>
+            <p:ph type="title"/>
+          </p:nvPr>
+        </p:nvSpPr>
+        <p:spPr>
+          <a:xfrm>
+            <a:off x="311700" y="182807"/>
+            <a:ext cx="8520600" cy="572700"/>
+          </a:xfrm>
+          <a:prstGeom prst="rect">
+            <a:avLst/>
+          </a:prstGeom>
+        </p:spPr>
+        <p:txBody>
+          <a:bodyPr spcFirstLastPara="1" wrap="square" lIns="91425" tIns="91425" rIns="91425" bIns="91425" anchor="t" anchorCtr="0">
+            <a:noAutofit/>
+          </a:bodyPr>
+          <a:lstStyle/>
+          <a:p>
+            <a:r>
+              <a:rPr lang="en-GB" dirty="0">
+                <a:effectLst>
+                  <a:outerShdw blurRad="38100" dist="38100" dir="2700000" algn="tl">
+                    <a:srgbClr val="000000">
+                      <a:alpha val="43137"/>
+                    </a:srgbClr>
+                  </a:outerShdw>
+                </a:effectLst>
+              </a:rPr>
+              <a:t>Logical data model </a:t>
+            </a:r>
+            <a:r>
+              <a:rPr lang="en-US" b="1" dirty="0" err="1">
+                <a:effectLst>
+                  <a:outerShdw blurRad="38100" dist="38100" dir="2700000" algn="tl">
+                    <a:srgbClr val="000000">
+                      <a:alpha val="43137"/>
+                    </a:srgbClr>
+                  </a:outerShdw>
+                </a:effectLst>
+              </a:rPr>
+              <a:t>ServiceDeployer</a:t>
+            </a:r>
+            <a:endParaRPr dirty="0">
+              <a:effectLst>
+                <a:outerShdw blurRad="38100" dist="38100" dir="2700000" algn="tl">
+                  <a:srgbClr val="000000">
+                    <a:alpha val="43137"/>
+                  </a:srgbClr>
+                </a:outerShdw>
+              </a:effectLst>
+            </a:endParaRPr>
+          </a:p>
+        </p:txBody>
+      </p:sp>
+      <p:sp>
+        <p:nvSpPr>
+          <p:cNvPr id="2" name="Rectangle 1">
+            <a:extLst>
+              <a:ext uri="{FF2B5EF4-FFF2-40B4-BE49-F238E27FC236}">
+                <a16:creationId xmlns:a16="http://schemas.microsoft.com/office/drawing/2014/main" id="{575A1C00-12C6-44D1-8DDB-5947204B7660}"/>
+              </a:ext>
+            </a:extLst>
+          </p:cNvPr>
+          <p:cNvSpPr>
+            <a:spLocks noChangeArrowheads="1"/>
+          </p:cNvSpPr>
+          <p:nvPr/>
+        </p:nvSpPr>
+        <p:spPr bwMode="auto">
+          <a:xfrm>
+            <a:off x="0" y="0"/>
+            <a:ext cx="9144000" cy="0"/>
+          </a:xfrm>
+          <a:prstGeom prst="rect">
+            <a:avLst/>
+          </a:prstGeom>
+          <a:noFill/>
+          <a:ln>
+            <a:noFill/>
+          </a:ln>
+          <a:effectLst/>
+          <a:extLst>
+            <a:ext uri="{909E8E84-426E-40DD-AFC4-6F175D3DCCD1}">
+              <a14:hiddenFill xmlns:a14="http://schemas.microsoft.com/office/drawing/2010/main">
+                <a:solidFill>
+                  <a:schemeClr val="accent1"/>
+                </a:solidFill>
+              </a14:hiddenFill>
+            </a:ext>
+            <a:ext uri="{91240B29-F687-4F45-9708-019B960494DF}">
+              <a14:hiddenLine xmlns:a14="http://schemas.microsoft.com/office/drawing/2010/main" w="9525">
+                <a:solidFill>
+                  <a:schemeClr val="tx1"/>
+                </a:solidFill>
+                <a:miter lim="800000"/>
+                <a:headEnd/>
+                <a:tailEnd/>
+              </a14:hiddenLine>
+            </a:ext>
+            <a:ext uri="{AF507438-7753-43E0-B8FC-AC1667EBCBE1}">
+              <a14:hiddenEffects xmlns:a14="http://schemas.microsoft.com/office/drawing/2010/main">
+                <a:effectLst>
+                  <a:outerShdw dist="35921" dir="2700000" algn="ctr" rotWithShape="0">
+                    <a:schemeClr val="bg2"/>
+                  </a:outerShdw>
+                </a:effectLst>
+              </a14:hiddenEffects>
+            </a:ext>
+          </a:extLst>
+        </p:spPr>
+        <p:txBody>
+          <a:bodyPr vert="horz" wrap="none" lIns="91440" tIns="45720" rIns="91440" bIns="45720" numCol="1" anchor="ctr" anchorCtr="0" compatLnSpc="1">
+            <a:prstTxWarp prst="textNoShape">
+              <a:avLst/>
+            </a:prstTxWarp>
+            <a:spAutoFit/>
+          </a:bodyPr>
+          <a:lstStyle/>
+          <a:p>
+            <a:pPr marL="0" marR="0" lvl="0" indent="0" algn="l" defTabSz="914400" rtl="0" eaLnBrk="0" fontAlgn="base" latinLnBrk="0" hangingPunct="0">
+              <a:lnSpc>
+                <a:spcPct val="100000"/>
+              </a:lnSpc>
+              <a:spcBef>
+                <a:spcPct val="0"/>
+              </a:spcBef>
+              <a:spcAft>
+                <a:spcPct val="0"/>
+              </a:spcAft>
+              <a:buClrTx/>
+              <a:buSzTx/>
+              <a:buFontTx/>
+              <a:buNone/>
+              <a:tabLst/>
+            </a:pPr>
+            <a:r>
+              <a:rPr kumimoji="0" lang="ru-RU" altLang="ru-RU" sz="300" b="1" i="0" u="none" strike="noStrike" cap="none" normalizeH="0" baseline="0">
+                <a:ln>
+                  <a:noFill/>
+                </a:ln>
+                <a:solidFill>
+                  <a:schemeClr val="tx1"/>
+                </a:solidFill>
+                <a:effectLst/>
+                <a:latin typeface="Arial" panose="020B0604020202020204" pitchFamily="34" charset="0"/>
+              </a:rPr>
+              <a:t>Authenticator</a:t>
+            </a:r>
+            <a:endParaRPr kumimoji="0" lang="ru-RU" altLang="ru-RU" sz="200" b="1" i="0" u="none" strike="noStrike" cap="none" normalizeH="0" baseline="0">
+              <a:ln>
+                <a:noFill/>
+              </a:ln>
+              <a:solidFill>
+                <a:schemeClr val="tx1"/>
+              </a:solidFill>
+              <a:effectLst/>
+              <a:latin typeface="Arial" panose="020B0604020202020204" pitchFamily="34" charset="0"/>
+            </a:endParaRPr>
+          </a:p>
+          <a:p>
+            <a:pPr marL="0" marR="0" lvl="0" indent="0" algn="l" defTabSz="914400" rtl="0" eaLnBrk="0" fontAlgn="base" latinLnBrk="0" hangingPunct="0">
+              <a:lnSpc>
+                <a:spcPct val="100000"/>
+              </a:lnSpc>
+              <a:spcBef>
+                <a:spcPct val="0"/>
+              </a:spcBef>
+              <a:spcAft>
+                <a:spcPct val="0"/>
+              </a:spcAft>
+              <a:buClrTx/>
+              <a:buSzTx/>
+              <a:buFontTx/>
+              <a:buNone/>
+              <a:tabLst/>
+            </a:pPr>
+            <a:endParaRPr kumimoji="0" lang="ru-RU" altLang="ru-RU" sz="1800" b="0" i="0" u="none" strike="noStrike" cap="none" normalizeH="0" baseline="0">
+              <a:ln>
+                <a:noFill/>
+              </a:ln>
+              <a:solidFill>
+                <a:schemeClr val="tx1"/>
+              </a:solidFill>
+              <a:effectLst/>
+              <a:latin typeface="Arial" panose="020B0604020202020204" pitchFamily="34" charset="0"/>
+            </a:endParaRPr>
+          </a:p>
+        </p:txBody>
+      </p:sp>
+      <p:sp>
+        <p:nvSpPr>
+          <p:cNvPr id="4" name="Номер слайда 3">
+            <a:extLst>
+              <a:ext uri="{FF2B5EF4-FFF2-40B4-BE49-F238E27FC236}">
+                <a16:creationId xmlns:a16="http://schemas.microsoft.com/office/drawing/2014/main" id="{B6084F2C-D079-4A3E-B51D-2E8680415742}"/>
+              </a:ext>
+            </a:extLst>
+          </p:cNvPr>
+          <p:cNvSpPr>
+            <a:spLocks noGrp="1"/>
+          </p:cNvSpPr>
+          <p:nvPr>
+            <p:ph type="sldNum" idx="12"/>
+          </p:nvPr>
+        </p:nvSpPr>
+        <p:spPr/>
+        <p:txBody>
+          <a:bodyPr/>
+          <a:lstStyle/>
+          <a:p>
+            <a:pPr marL="0" lvl="0" indent="0" algn="r" rtl="0">
+              <a:spcBef>
+                <a:spcPts val="0"/>
+              </a:spcBef>
+              <a:spcAft>
+                <a:spcPts val="0"/>
+              </a:spcAft>
+              <a:buNone/>
+            </a:pPr>
+            <a:fld id="{00000000-1234-1234-1234-123412341234}" type="slidenum">
+              <a:rPr lang="en-GB" smtClean="0"/>
+              <a:t>16</a:t>
+            </a:fld>
+            <a:endParaRPr lang="en-GB"/>
+          </a:p>
+        </p:txBody>
+      </p:sp>
+    </p:spTree>
+    <p:extLst>
+      <p:ext uri="{BB962C8B-B14F-4D97-AF65-F5344CB8AC3E}">
+        <p14:creationId xmlns:p14="http://schemas.microsoft.com/office/powerpoint/2010/main" val="1547399202"/>
+      </p:ext>
+    </p:extLst>
+  </p:cSld>
+  <p:clrMapOvr>
+    <a:masterClrMapping/>
+  </p:clrMapOvr>
+</p:sld>
+</file>
+
+<file path=ppt/slides/slide17.xml><?xml version="1.0" encoding="utf-8"?>
 <p:sld xmlns:a="http://schemas.openxmlformats.org/drawingml/2006/main" xmlns:r="http://schemas.openxmlformats.org/officeDocument/2006/relationships" xmlns:p="http://schemas.openxmlformats.org/presentationml/2006/main">
   <p:cSld>
     <p:spTree>
@@ -7970,7 +9997,7 @@
             </a:pPr>
             <a:fld id="{00000000-1234-1234-1234-123412341234}" type="slidenum">
               <a:rPr lang="en-GB" smtClean="0"/>
-              <a:t>12</a:t>
+              <a:t>17</a:t>
             </a:fld>
             <a:endParaRPr lang="en-GB"/>
           </a:p>
@@ -7984,7 +10011,271 @@
 </p:sld>
 </file>
 
-<file path=ppt/slides/slide13.xml><?xml version="1.0" encoding="utf-8"?>
+<file path=ppt/slides/slide18.xml><?xml version="1.0" encoding="utf-8"?>
+<p:sld xmlns:a="http://schemas.openxmlformats.org/drawingml/2006/main" xmlns:r="http://schemas.openxmlformats.org/officeDocument/2006/relationships" xmlns:p="http://schemas.openxmlformats.org/presentationml/2006/main">
+  <p:cSld>
+    <p:spTree>
+      <p:nvGrpSpPr>
+        <p:cNvPr id="1" name="Shape 83"/>
+        <p:cNvGrpSpPr/>
+        <p:nvPr/>
+      </p:nvGrpSpPr>
+      <p:grpSpPr>
+        <a:xfrm>
+          <a:off x="0" y="0"/>
+          <a:ext cx="0" cy="0"/>
+          <a:chOff x="0" y="0"/>
+          <a:chExt cx="0" cy="0"/>
+        </a:xfrm>
+      </p:grpSpPr>
+      <p:sp>
+        <p:nvSpPr>
+          <p:cNvPr id="84" name="Google Shape;84;p18"/>
+          <p:cNvSpPr txBox="1">
+            <a:spLocks noGrp="1"/>
+          </p:cNvSpPr>
+          <p:nvPr>
+            <p:ph type="title"/>
+          </p:nvPr>
+        </p:nvSpPr>
+        <p:spPr>
+          <a:xfrm>
+            <a:off x="311700" y="182807"/>
+            <a:ext cx="8520600" cy="572700"/>
+          </a:xfrm>
+          <a:prstGeom prst="rect">
+            <a:avLst/>
+          </a:prstGeom>
+        </p:spPr>
+        <p:txBody>
+          <a:bodyPr spcFirstLastPara="1" wrap="square" lIns="91425" tIns="91425" rIns="91425" bIns="91425" anchor="t" anchorCtr="0">
+            <a:noAutofit/>
+          </a:bodyPr>
+          <a:lstStyle/>
+          <a:p>
+            <a:r>
+              <a:rPr lang="en-GB" dirty="0">
+                <a:effectLst>
+                  <a:outerShdw blurRad="38100" dist="38100" dir="2700000" algn="tl">
+                    <a:srgbClr val="000000">
+                      <a:alpha val="43137"/>
+                    </a:srgbClr>
+                  </a:outerShdw>
+                </a:effectLst>
+              </a:rPr>
+              <a:t>Physical schema </a:t>
+            </a:r>
+            <a:r>
+              <a:rPr lang="en-US" b="1" dirty="0" err="1">
+                <a:effectLst>
+                  <a:outerShdw blurRad="38100" dist="38100" dir="2700000" algn="tl">
+                    <a:srgbClr val="000000">
+                      <a:alpha val="43137"/>
+                    </a:srgbClr>
+                  </a:outerShdw>
+                </a:effectLst>
+              </a:rPr>
+              <a:t>ServiceDeployer</a:t>
+            </a:r>
+            <a:endParaRPr dirty="0">
+              <a:effectLst>
+                <a:outerShdw blurRad="38100" dist="38100" dir="2700000" algn="tl">
+                  <a:srgbClr val="000000">
+                    <a:alpha val="43137"/>
+                  </a:srgbClr>
+                </a:outerShdw>
+              </a:effectLst>
+            </a:endParaRPr>
+          </a:p>
+        </p:txBody>
+      </p:sp>
+      <p:sp>
+        <p:nvSpPr>
+          <p:cNvPr id="2" name="Rectangle 1">
+            <a:extLst>
+              <a:ext uri="{FF2B5EF4-FFF2-40B4-BE49-F238E27FC236}">
+                <a16:creationId xmlns:a16="http://schemas.microsoft.com/office/drawing/2014/main" id="{575A1C00-12C6-44D1-8DDB-5947204B7660}"/>
+              </a:ext>
+            </a:extLst>
+          </p:cNvPr>
+          <p:cNvSpPr>
+            <a:spLocks noChangeArrowheads="1"/>
+          </p:cNvSpPr>
+          <p:nvPr/>
+        </p:nvSpPr>
+        <p:spPr bwMode="auto">
+          <a:xfrm>
+            <a:off x="0" y="0"/>
+            <a:ext cx="9144000" cy="0"/>
+          </a:xfrm>
+          <a:prstGeom prst="rect">
+            <a:avLst/>
+          </a:prstGeom>
+          <a:noFill/>
+          <a:ln>
+            <a:noFill/>
+          </a:ln>
+          <a:effectLst/>
+          <a:extLst>
+            <a:ext uri="{909E8E84-426E-40DD-AFC4-6F175D3DCCD1}">
+              <a14:hiddenFill xmlns:a14="http://schemas.microsoft.com/office/drawing/2010/main">
+                <a:solidFill>
+                  <a:schemeClr val="accent1"/>
+                </a:solidFill>
+              </a14:hiddenFill>
+            </a:ext>
+            <a:ext uri="{91240B29-F687-4F45-9708-019B960494DF}">
+              <a14:hiddenLine xmlns:a14="http://schemas.microsoft.com/office/drawing/2010/main" w="9525">
+                <a:solidFill>
+                  <a:schemeClr val="tx1"/>
+                </a:solidFill>
+                <a:miter lim="800000"/>
+                <a:headEnd/>
+                <a:tailEnd/>
+              </a14:hiddenLine>
+            </a:ext>
+            <a:ext uri="{AF507438-7753-43E0-B8FC-AC1667EBCBE1}">
+              <a14:hiddenEffects xmlns:a14="http://schemas.microsoft.com/office/drawing/2010/main">
+                <a:effectLst>
+                  <a:outerShdw dist="35921" dir="2700000" algn="ctr" rotWithShape="0">
+                    <a:schemeClr val="bg2"/>
+                  </a:outerShdw>
+                </a:effectLst>
+              </a14:hiddenEffects>
+            </a:ext>
+          </a:extLst>
+        </p:spPr>
+        <p:txBody>
+          <a:bodyPr vert="horz" wrap="none" lIns="91440" tIns="45720" rIns="91440" bIns="45720" numCol="1" anchor="ctr" anchorCtr="0" compatLnSpc="1">
+            <a:prstTxWarp prst="textNoShape">
+              <a:avLst/>
+            </a:prstTxWarp>
+            <a:spAutoFit/>
+          </a:bodyPr>
+          <a:lstStyle/>
+          <a:p>
+            <a:pPr marL="0" marR="0" lvl="0" indent="0" algn="l" defTabSz="914400" rtl="0" eaLnBrk="0" fontAlgn="base" latinLnBrk="0" hangingPunct="0">
+              <a:lnSpc>
+                <a:spcPct val="100000"/>
+              </a:lnSpc>
+              <a:spcBef>
+                <a:spcPct val="0"/>
+              </a:spcBef>
+              <a:spcAft>
+                <a:spcPct val="0"/>
+              </a:spcAft>
+              <a:buClrTx/>
+              <a:buSzTx/>
+              <a:buFontTx/>
+              <a:buNone/>
+              <a:tabLst/>
+            </a:pPr>
+            <a:r>
+              <a:rPr kumimoji="0" lang="ru-RU" altLang="ru-RU" sz="300" b="1" i="0" u="none" strike="noStrike" cap="none" normalizeH="0" baseline="0">
+                <a:ln>
+                  <a:noFill/>
+                </a:ln>
+                <a:solidFill>
+                  <a:schemeClr val="tx1"/>
+                </a:solidFill>
+                <a:effectLst/>
+                <a:latin typeface="Arial" panose="020B0604020202020204" pitchFamily="34" charset="0"/>
+              </a:rPr>
+              <a:t>Authenticator</a:t>
+            </a:r>
+            <a:endParaRPr kumimoji="0" lang="ru-RU" altLang="ru-RU" sz="200" b="1" i="0" u="none" strike="noStrike" cap="none" normalizeH="0" baseline="0">
+              <a:ln>
+                <a:noFill/>
+              </a:ln>
+              <a:solidFill>
+                <a:schemeClr val="tx1"/>
+              </a:solidFill>
+              <a:effectLst/>
+              <a:latin typeface="Arial" panose="020B0604020202020204" pitchFamily="34" charset="0"/>
+            </a:endParaRPr>
+          </a:p>
+          <a:p>
+            <a:pPr marL="0" marR="0" lvl="0" indent="0" algn="l" defTabSz="914400" rtl="0" eaLnBrk="0" fontAlgn="base" latinLnBrk="0" hangingPunct="0">
+              <a:lnSpc>
+                <a:spcPct val="100000"/>
+              </a:lnSpc>
+              <a:spcBef>
+                <a:spcPct val="0"/>
+              </a:spcBef>
+              <a:spcAft>
+                <a:spcPct val="0"/>
+              </a:spcAft>
+              <a:buClrTx/>
+              <a:buSzTx/>
+              <a:buFontTx/>
+              <a:buNone/>
+              <a:tabLst/>
+            </a:pPr>
+            <a:endParaRPr kumimoji="0" lang="ru-RU" altLang="ru-RU" sz="1800" b="0" i="0" u="none" strike="noStrike" cap="none" normalizeH="0" baseline="0">
+              <a:ln>
+                <a:noFill/>
+              </a:ln>
+              <a:solidFill>
+                <a:schemeClr val="tx1"/>
+              </a:solidFill>
+              <a:effectLst/>
+              <a:latin typeface="Arial" panose="020B0604020202020204" pitchFamily="34" charset="0"/>
+            </a:endParaRPr>
+          </a:p>
+        </p:txBody>
+      </p:sp>
+      <p:sp>
+        <p:nvSpPr>
+          <p:cNvPr id="4" name="Номер слайда 3">
+            <a:extLst>
+              <a:ext uri="{FF2B5EF4-FFF2-40B4-BE49-F238E27FC236}">
+                <a16:creationId xmlns:a16="http://schemas.microsoft.com/office/drawing/2014/main" id="{B6084F2C-D079-4A3E-B51D-2E8680415742}"/>
+              </a:ext>
+            </a:extLst>
+          </p:cNvPr>
+          <p:cNvSpPr>
+            <a:spLocks noGrp="1"/>
+          </p:cNvSpPr>
+          <p:nvPr>
+            <p:ph type="sldNum" idx="12"/>
+          </p:nvPr>
+        </p:nvSpPr>
+        <p:spPr/>
+        <p:txBody>
+          <a:bodyPr/>
+          <a:lstStyle/>
+          <a:p>
+            <a:pPr marL="0" lvl="0" indent="0" algn="r" rtl="0">
+              <a:spcBef>
+                <a:spcPts val="0"/>
+              </a:spcBef>
+              <a:spcAft>
+                <a:spcPts val="0"/>
+              </a:spcAft>
+              <a:buNone/>
+            </a:pPr>
+            <a:fld id="{00000000-1234-1234-1234-123412341234}" type="slidenum">
+              <a:rPr lang="en-GB" smtClean="0"/>
+              <a:t>18</a:t>
+            </a:fld>
+            <a:endParaRPr lang="en-GB"/>
+          </a:p>
+        </p:txBody>
+      </p:sp>
+    </p:spTree>
+    <p:extLst>
+      <p:ext uri="{BB962C8B-B14F-4D97-AF65-F5344CB8AC3E}">
+        <p14:creationId xmlns:p14="http://schemas.microsoft.com/office/powerpoint/2010/main" val="4245926538"/>
+      </p:ext>
+    </p:extLst>
+  </p:cSld>
+  <p:clrMapOvr>
+    <a:masterClrMapping/>
+  </p:clrMapOvr>
+</p:sld>
+</file>
+
+<file path=ppt/slides/slide19.xml><?xml version="1.0" encoding="utf-8"?>
 <p:sld xmlns:a="http://schemas.openxmlformats.org/drawingml/2006/main" xmlns:r="http://schemas.openxmlformats.org/officeDocument/2006/relationships" xmlns:p="http://schemas.openxmlformats.org/presentationml/2006/main">
   <p:cSld>
     <p:spTree>

--- a/PracticeTasks/Module2/Task_11/Task_11.pptx
+++ b/PracticeTasks/Module2/Task_11/Task_11.pptx
@@ -8610,6 +8610,45 @@
           </a:p>
         </p:txBody>
       </p:sp>
+      <p:pic>
+        <p:nvPicPr>
+          <p:cNvPr id="3074" name="Picture 2">
+            <a:extLst>
+              <a:ext uri="{FF2B5EF4-FFF2-40B4-BE49-F238E27FC236}">
+                <a16:creationId xmlns:a16="http://schemas.microsoft.com/office/drawing/2014/main" id="{5D2FF8E0-6D0F-4510-9785-65161A36C93D}"/>
+              </a:ext>
+            </a:extLst>
+          </p:cNvPr>
+          <p:cNvPicPr>
+            <a:picLocks noChangeAspect="1" noChangeArrowheads="1"/>
+          </p:cNvPicPr>
+          <p:nvPr/>
+        </p:nvPicPr>
+        <p:blipFill>
+          <a:blip r:embed="rId3"/>
+          <a:srcRect/>
+          <a:stretch/>
+        </p:blipFill>
+        <p:spPr bwMode="auto">
+          <a:xfrm>
+            <a:off x="3014662" y="1216959"/>
+            <a:ext cx="3114675" cy="3314700"/>
+          </a:xfrm>
+          <a:prstGeom prst="rect">
+            <a:avLst/>
+          </a:prstGeom>
+          <a:noFill/>
+          <a:extLst>
+            <a:ext uri="{909E8E84-426E-40DD-AFC4-6F175D3DCCD1}">
+              <a14:hiddenFill xmlns:a14="http://schemas.microsoft.com/office/drawing/2010/main">
+                <a:solidFill>
+                  <a:srgbClr val="FFFFFF"/>
+                </a:solidFill>
+              </a14:hiddenFill>
+            </a:ext>
+          </a:extLst>
+        </p:spPr>
+      </p:pic>
     </p:spTree>
     <p:extLst>
       <p:ext uri="{BB962C8B-B14F-4D97-AF65-F5344CB8AC3E}">
@@ -8874,6 +8913,53 @@
           </a:p>
         </p:txBody>
       </p:sp>
+      <p:pic>
+        <p:nvPicPr>
+          <p:cNvPr id="1026" name="Picture 2">
+            <a:extLst>
+              <a:ext uri="{FF2B5EF4-FFF2-40B4-BE49-F238E27FC236}">
+                <a16:creationId xmlns:a16="http://schemas.microsoft.com/office/drawing/2014/main" id="{99D0A118-5B5D-4B8C-B2D0-526638A5D1F9}"/>
+              </a:ext>
+            </a:extLst>
+          </p:cNvPr>
+          <p:cNvPicPr>
+            <a:picLocks noChangeAspect="1" noChangeArrowheads="1"/>
+          </p:cNvPicPr>
+          <p:nvPr/>
+        </p:nvPicPr>
+        <p:blipFill>
+          <a:blip r:embed="rId3">
+            <a:extLst>
+              <a:ext uri="{28A0092B-C50C-407E-A947-70E740481C1C}">
+                <a14:useLocalDpi xmlns:a14="http://schemas.microsoft.com/office/drawing/2010/main" val="0"/>
+              </a:ext>
+            </a:extLst>
+          </a:blip>
+          <a:srcRect/>
+          <a:stretch>
+            <a:fillRect/>
+          </a:stretch>
+        </p:blipFill>
+        <p:spPr bwMode="auto">
+          <a:xfrm>
+            <a:off x="2773415" y="938313"/>
+            <a:ext cx="3318383" cy="3848000"/>
+          </a:xfrm>
+          <a:prstGeom prst="rect">
+            <a:avLst/>
+          </a:prstGeom>
+          <a:noFill/>
+          <a:extLst>
+            <a:ext uri="{909E8E84-426E-40DD-AFC4-6F175D3DCCD1}">
+              <a14:hiddenFill xmlns:a14="http://schemas.microsoft.com/office/drawing/2010/main">
+                <a:solidFill>
+                  <a:srgbClr val="FFFFFF"/>
+                </a:solidFill>
+              </a14:hiddenFill>
+            </a:ext>
+          </a:extLst>
+        </p:spPr>
+      </p:pic>
     </p:spTree>
     <p:extLst>
       <p:ext uri="{BB962C8B-B14F-4D97-AF65-F5344CB8AC3E}">
@@ -9443,6 +9529,53 @@
           </a:p>
         </p:txBody>
       </p:sp>
+      <p:pic>
+        <p:nvPicPr>
+          <p:cNvPr id="1026" name="Picture 2" descr="PlantUML Diagram">
+            <a:extLst>
+              <a:ext uri="{FF2B5EF4-FFF2-40B4-BE49-F238E27FC236}">
+                <a16:creationId xmlns:a16="http://schemas.microsoft.com/office/drawing/2014/main" id="{6F03BB53-227E-4C4F-8AE1-B18B9E84CA4E}"/>
+              </a:ext>
+            </a:extLst>
+          </p:cNvPr>
+          <p:cNvPicPr>
+            <a:picLocks noChangeAspect="1" noChangeArrowheads="1"/>
+          </p:cNvPicPr>
+          <p:nvPr/>
+        </p:nvPicPr>
+        <p:blipFill>
+          <a:blip r:embed="rId3">
+            <a:extLst>
+              <a:ext uri="{28A0092B-C50C-407E-A947-70E740481C1C}">
+                <a14:useLocalDpi xmlns:a14="http://schemas.microsoft.com/office/drawing/2010/main" val="0"/>
+              </a:ext>
+            </a:extLst>
+          </a:blip>
+          <a:srcRect/>
+          <a:stretch>
+            <a:fillRect/>
+          </a:stretch>
+        </p:blipFill>
+        <p:spPr bwMode="auto">
+          <a:xfrm>
+            <a:off x="3024188" y="1143000"/>
+            <a:ext cx="3095625" cy="2857500"/>
+          </a:xfrm>
+          <a:prstGeom prst="rect">
+            <a:avLst/>
+          </a:prstGeom>
+          <a:noFill/>
+          <a:extLst>
+            <a:ext uri="{909E8E84-426E-40DD-AFC4-6F175D3DCCD1}">
+              <a14:hiddenFill xmlns:a14="http://schemas.microsoft.com/office/drawing/2010/main">
+                <a:solidFill>
+                  <a:srgbClr val="FFFFFF"/>
+                </a:solidFill>
+              </a14:hiddenFill>
+            </a:ext>
+          </a:extLst>
+        </p:spPr>
+      </p:pic>
     </p:spTree>
     <p:extLst>
       <p:ext uri="{BB962C8B-B14F-4D97-AF65-F5344CB8AC3E}">
@@ -9707,6 +9840,53 @@
           </a:p>
         </p:txBody>
       </p:sp>
+      <p:pic>
+        <p:nvPicPr>
+          <p:cNvPr id="2050" name="Picture 2" descr="PlantUML Diagram">
+            <a:extLst>
+              <a:ext uri="{FF2B5EF4-FFF2-40B4-BE49-F238E27FC236}">
+                <a16:creationId xmlns:a16="http://schemas.microsoft.com/office/drawing/2014/main" id="{19CF0A55-CF2D-4861-9449-655585CE1D0B}"/>
+              </a:ext>
+            </a:extLst>
+          </p:cNvPr>
+          <p:cNvPicPr>
+            <a:picLocks noChangeAspect="1" noChangeArrowheads="1"/>
+          </p:cNvPicPr>
+          <p:nvPr/>
+        </p:nvPicPr>
+        <p:blipFill>
+          <a:blip r:embed="rId3">
+            <a:extLst>
+              <a:ext uri="{28A0092B-C50C-407E-A947-70E740481C1C}">
+                <a14:useLocalDpi xmlns:a14="http://schemas.microsoft.com/office/drawing/2010/main" val="0"/>
+              </a:ext>
+            </a:extLst>
+          </a:blip>
+          <a:srcRect/>
+          <a:stretch>
+            <a:fillRect/>
+          </a:stretch>
+        </p:blipFill>
+        <p:spPr bwMode="auto">
+          <a:xfrm>
+            <a:off x="2090737" y="1047249"/>
+            <a:ext cx="4962525" cy="3324225"/>
+          </a:xfrm>
+          <a:prstGeom prst="rect">
+            <a:avLst/>
+          </a:prstGeom>
+          <a:noFill/>
+          <a:extLst>
+            <a:ext uri="{909E8E84-426E-40DD-AFC4-6F175D3DCCD1}">
+              <a14:hiddenFill xmlns:a14="http://schemas.microsoft.com/office/drawing/2010/main">
+                <a:solidFill>
+                  <a:srgbClr val="FFFFFF"/>
+                </a:solidFill>
+              </a14:hiddenFill>
+            </a:ext>
+          </a:extLst>
+        </p:spPr>
+      </p:pic>
     </p:spTree>
     <p:extLst>
       <p:ext uri="{BB962C8B-B14F-4D97-AF65-F5344CB8AC3E}">
@@ -10262,6 +10442,53 @@
           </a:p>
         </p:txBody>
       </p:sp>
+      <p:pic>
+        <p:nvPicPr>
+          <p:cNvPr id="3074" name="Picture 2" descr="PlantUML Diagram">
+            <a:extLst>
+              <a:ext uri="{FF2B5EF4-FFF2-40B4-BE49-F238E27FC236}">
+                <a16:creationId xmlns:a16="http://schemas.microsoft.com/office/drawing/2014/main" id="{85D032A9-1CA6-4893-9797-0787E9862734}"/>
+              </a:ext>
+            </a:extLst>
+          </p:cNvPr>
+          <p:cNvPicPr>
+            <a:picLocks noChangeAspect="1" noChangeArrowheads="1"/>
+          </p:cNvPicPr>
+          <p:nvPr/>
+        </p:nvPicPr>
+        <p:blipFill>
+          <a:blip r:embed="rId3">
+            <a:extLst>
+              <a:ext uri="{28A0092B-C50C-407E-A947-70E740481C1C}">
+                <a14:useLocalDpi xmlns:a14="http://schemas.microsoft.com/office/drawing/2010/main" val="0"/>
+              </a:ext>
+            </a:extLst>
+          </a:blip>
+          <a:srcRect/>
+          <a:stretch>
+            <a:fillRect/>
+          </a:stretch>
+        </p:blipFill>
+        <p:spPr bwMode="auto">
+          <a:xfrm>
+            <a:off x="3024187" y="1062038"/>
+            <a:ext cx="3095625" cy="3476625"/>
+          </a:xfrm>
+          <a:prstGeom prst="rect">
+            <a:avLst/>
+          </a:prstGeom>
+          <a:noFill/>
+          <a:extLst>
+            <a:ext uri="{909E8E84-426E-40DD-AFC4-6F175D3DCCD1}">
+              <a14:hiddenFill xmlns:a14="http://schemas.microsoft.com/office/drawing/2010/main">
+                <a:solidFill>
+                  <a:srgbClr val="FFFFFF"/>
+                </a:solidFill>
+              </a14:hiddenFill>
+            </a:ext>
+          </a:extLst>
+        </p:spPr>
+      </p:pic>
     </p:spTree>
     <p:extLst>
       <p:ext uri="{BB962C8B-B14F-4D97-AF65-F5344CB8AC3E}">
@@ -11822,10 +12049,10 @@
       </p:sp>
       <p:pic>
         <p:nvPicPr>
-          <p:cNvPr id="1026" name="Picture 2">
+          <p:cNvPr id="2052" name="Picture 4">
             <a:extLst>
               <a:ext uri="{FF2B5EF4-FFF2-40B4-BE49-F238E27FC236}">
-                <a16:creationId xmlns:a16="http://schemas.microsoft.com/office/drawing/2014/main" id="{33BD0D6E-8412-4F3D-8C4A-633C42F1E6AA}"/>
+                <a16:creationId xmlns:a16="http://schemas.microsoft.com/office/drawing/2014/main" id="{73CA7B9E-2D89-40C2-AD0B-4434A982A53A}"/>
               </a:ext>
             </a:extLst>
           </p:cNvPr>
@@ -11849,8 +12076,8 @@
         </p:blipFill>
         <p:spPr bwMode="auto">
           <a:xfrm>
-            <a:off x="1156447" y="1027226"/>
-            <a:ext cx="6946217" cy="3941461"/>
+            <a:off x="2142175" y="1196152"/>
+            <a:ext cx="4386371" cy="3659073"/>
           </a:xfrm>
           <a:prstGeom prst="rect">
             <a:avLst/>
@@ -12333,8 +12560,8 @@
         </p:blipFill>
         <p:spPr bwMode="auto">
           <a:xfrm>
-            <a:off x="1156447" y="1289870"/>
-            <a:ext cx="6946217" cy="3416172"/>
+            <a:off x="1233253" y="1337983"/>
+            <a:ext cx="6677494" cy="3139888"/>
           </a:xfrm>
           <a:prstGeom prst="rect">
             <a:avLst/>

--- a/PracticeTasks/Module2/Task_11/Task_11.pptx
+++ b/PracticeTasks/Module2/Task_11/Task_11.pptx
@@ -11,22 +11,22 @@
     <p:sldId id="256" r:id="rId2"/>
     <p:sldId id="267" r:id="rId3"/>
     <p:sldId id="268" r:id="rId4"/>
-    <p:sldId id="259" r:id="rId5"/>
-    <p:sldId id="260" r:id="rId6"/>
-    <p:sldId id="261" r:id="rId7"/>
-    <p:sldId id="272" r:id="rId8"/>
-    <p:sldId id="273" r:id="rId9"/>
-    <p:sldId id="274" r:id="rId10"/>
-    <p:sldId id="275" r:id="rId11"/>
-    <p:sldId id="270" r:id="rId12"/>
-    <p:sldId id="276" r:id="rId13"/>
-    <p:sldId id="277" r:id="rId14"/>
-    <p:sldId id="271" r:id="rId15"/>
-    <p:sldId id="278" r:id="rId16"/>
-    <p:sldId id="280" r:id="rId17"/>
-    <p:sldId id="269" r:id="rId18"/>
-    <p:sldId id="279" r:id="rId19"/>
-    <p:sldId id="262" r:id="rId20"/>
+    <p:sldId id="272" r:id="rId5"/>
+    <p:sldId id="273" r:id="rId6"/>
+    <p:sldId id="274" r:id="rId7"/>
+    <p:sldId id="275" r:id="rId8"/>
+    <p:sldId id="270" r:id="rId9"/>
+    <p:sldId id="276" r:id="rId10"/>
+    <p:sldId id="277" r:id="rId11"/>
+    <p:sldId id="271" r:id="rId12"/>
+    <p:sldId id="278" r:id="rId13"/>
+    <p:sldId id="280" r:id="rId14"/>
+    <p:sldId id="269" r:id="rId15"/>
+    <p:sldId id="279" r:id="rId16"/>
+    <p:sldId id="262" r:id="rId17"/>
+    <p:sldId id="259" r:id="rId18"/>
+    <p:sldId id="260" r:id="rId19"/>
+    <p:sldId id="261" r:id="rId20"/>
   </p:sldIdLst>
   <p:sldSz cx="9144000" cy="5143500" type="screen16x9"/>
   <p:notesSz cx="6858000" cy="9144000"/>
@@ -922,7 +922,7 @@
     </p:spTree>
     <p:extLst>
       <p:ext uri="{BB962C8B-B14F-4D97-AF65-F5344CB8AC3E}">
-        <p14:creationId xmlns:p14="http://schemas.microsoft.com/office/powerpoint/2010/main" val="998138686"/>
+        <p14:creationId xmlns:p14="http://schemas.microsoft.com/office/powerpoint/2010/main" val="2791080323"/>
       </p:ext>
     </p:extLst>
   </p:cSld>
@@ -1031,7 +1031,7 @@
     </p:spTree>
     <p:extLst>
       <p:ext uri="{BB962C8B-B14F-4D97-AF65-F5344CB8AC3E}">
-        <p14:creationId xmlns:p14="http://schemas.microsoft.com/office/powerpoint/2010/main" val="265012011"/>
+        <p14:creationId xmlns:p14="http://schemas.microsoft.com/office/powerpoint/2010/main" val="1537165346"/>
       </p:ext>
     </p:extLst>
   </p:cSld>
@@ -1140,7 +1140,7 @@
     </p:spTree>
     <p:extLst>
       <p:ext uri="{BB962C8B-B14F-4D97-AF65-F5344CB8AC3E}">
-        <p14:creationId xmlns:p14="http://schemas.microsoft.com/office/powerpoint/2010/main" val="2591687656"/>
+        <p14:creationId xmlns:p14="http://schemas.microsoft.com/office/powerpoint/2010/main" val="3658365480"/>
       </p:ext>
     </p:extLst>
   </p:cSld>
@@ -1249,7 +1249,7 @@
     </p:spTree>
     <p:extLst>
       <p:ext uri="{BB962C8B-B14F-4D97-AF65-F5344CB8AC3E}">
-        <p14:creationId xmlns:p14="http://schemas.microsoft.com/office/powerpoint/2010/main" val="2791080323"/>
+        <p14:creationId xmlns:p14="http://schemas.microsoft.com/office/powerpoint/2010/main" val="848184850"/>
       </p:ext>
     </p:extLst>
   </p:cSld>
@@ -1356,11 +1356,6 @@
         </p:txBody>
       </p:sp>
     </p:spTree>
-    <p:extLst>
-      <p:ext uri="{BB962C8B-B14F-4D97-AF65-F5344CB8AC3E}">
-        <p14:creationId xmlns:p14="http://schemas.microsoft.com/office/powerpoint/2010/main" val="1537165346"/>
-      </p:ext>
-    </p:extLst>
   </p:cSld>
   <p:clrMapOvr>
     <a:masterClrMapping/>
@@ -1467,7 +1462,7 @@
     </p:spTree>
     <p:extLst>
       <p:ext uri="{BB962C8B-B14F-4D97-AF65-F5344CB8AC3E}">
-        <p14:creationId xmlns:p14="http://schemas.microsoft.com/office/powerpoint/2010/main" val="3658365480"/>
+        <p14:creationId xmlns:p14="http://schemas.microsoft.com/office/powerpoint/2010/main" val="1077059965"/>
       </p:ext>
     </p:extLst>
   </p:cSld>
@@ -1478,328 +1473,6 @@
 </file>
 
 <file path=ppt/notesSlides/notesSlide16.xml><?xml version="1.0" encoding="utf-8"?>
-<p:notes xmlns:a="http://schemas.openxmlformats.org/drawingml/2006/main" xmlns:r="http://schemas.openxmlformats.org/officeDocument/2006/relationships" xmlns:p="http://schemas.openxmlformats.org/presentationml/2006/main" showMasterSp="0" showMasterPhAnim="0">
-  <p:cSld>
-    <p:spTree>
-      <p:nvGrpSpPr>
-        <p:cNvPr id="1" name="Shape 80"/>
-        <p:cNvGrpSpPr/>
-        <p:nvPr/>
-      </p:nvGrpSpPr>
-      <p:grpSpPr>
-        <a:xfrm>
-          <a:off x="0" y="0"/>
-          <a:ext cx="0" cy="0"/>
-          <a:chOff x="0" y="0"/>
-          <a:chExt cx="0" cy="0"/>
-        </a:xfrm>
-      </p:grpSpPr>
-      <p:sp>
-        <p:nvSpPr>
-          <p:cNvPr id="81" name="Google Shape;81;g100adce3cd7_0_50:notes"/>
-          <p:cNvSpPr>
-            <a:spLocks noGrp="1" noRot="1" noChangeAspect="1"/>
-          </p:cNvSpPr>
-          <p:nvPr>
-            <p:ph type="sldImg" idx="2"/>
-          </p:nvPr>
-        </p:nvSpPr>
-        <p:spPr>
-          <a:xfrm>
-            <a:off x="381000" y="685800"/>
-            <a:ext cx="6096000" cy="3429000"/>
-          </a:xfrm>
-          <a:custGeom>
-            <a:avLst/>
-            <a:gdLst/>
-            <a:ahLst/>
-            <a:cxnLst/>
-            <a:rect l="l" t="t" r="r" b="b"/>
-            <a:pathLst>
-              <a:path w="120000" h="120000" extrusionOk="0">
-                <a:moveTo>
-                  <a:pt x="0" y="0"/>
-                </a:moveTo>
-                <a:lnTo>
-                  <a:pt x="120000" y="0"/>
-                </a:lnTo>
-                <a:lnTo>
-                  <a:pt x="120000" y="120000"/>
-                </a:lnTo>
-                <a:lnTo>
-                  <a:pt x="0" y="120000"/>
-                </a:lnTo>
-                <a:close/>
-              </a:path>
-            </a:pathLst>
-          </a:custGeom>
-        </p:spPr>
-      </p:sp>
-      <p:sp>
-        <p:nvSpPr>
-          <p:cNvPr id="82" name="Google Shape;82;g100adce3cd7_0_50:notes"/>
-          <p:cNvSpPr txBox="1">
-            <a:spLocks noGrp="1"/>
-          </p:cNvSpPr>
-          <p:nvPr>
-            <p:ph type="body" idx="1"/>
-          </p:nvPr>
-        </p:nvSpPr>
-        <p:spPr>
-          <a:xfrm>
-            <a:off x="685800" y="4343400"/>
-            <a:ext cx="5486400" cy="4114800"/>
-          </a:xfrm>
-          <a:prstGeom prst="rect">
-            <a:avLst/>
-          </a:prstGeom>
-        </p:spPr>
-        <p:txBody>
-          <a:bodyPr spcFirstLastPara="1" wrap="square" lIns="91425" tIns="91425" rIns="91425" bIns="91425" anchor="t" anchorCtr="0">
-            <a:noAutofit/>
-          </a:bodyPr>
-          <a:lstStyle/>
-          <a:p>
-            <a:pPr marL="0" lvl="0" indent="0" algn="l" rtl="0">
-              <a:spcBef>
-                <a:spcPts val="0"/>
-              </a:spcBef>
-              <a:spcAft>
-                <a:spcPts val="0"/>
-              </a:spcAft>
-              <a:buNone/>
-            </a:pPr>
-            <a:endParaRPr/>
-          </a:p>
-        </p:txBody>
-      </p:sp>
-    </p:spTree>
-    <p:extLst>
-      <p:ext uri="{BB962C8B-B14F-4D97-AF65-F5344CB8AC3E}">
-        <p14:creationId xmlns:p14="http://schemas.microsoft.com/office/powerpoint/2010/main" val="848184850"/>
-      </p:ext>
-    </p:extLst>
-  </p:cSld>
-  <p:clrMapOvr>
-    <a:masterClrMapping/>
-  </p:clrMapOvr>
-</p:notes>
-</file>
-
-<file path=ppt/notesSlides/notesSlide17.xml><?xml version="1.0" encoding="utf-8"?>
-<p:notes xmlns:a="http://schemas.openxmlformats.org/drawingml/2006/main" xmlns:r="http://schemas.openxmlformats.org/officeDocument/2006/relationships" xmlns:p="http://schemas.openxmlformats.org/presentationml/2006/main" showMasterSp="0" showMasterPhAnim="0">
-  <p:cSld>
-    <p:spTree>
-      <p:nvGrpSpPr>
-        <p:cNvPr id="1" name="Shape 80"/>
-        <p:cNvGrpSpPr/>
-        <p:nvPr/>
-      </p:nvGrpSpPr>
-      <p:grpSpPr>
-        <a:xfrm>
-          <a:off x="0" y="0"/>
-          <a:ext cx="0" cy="0"/>
-          <a:chOff x="0" y="0"/>
-          <a:chExt cx="0" cy="0"/>
-        </a:xfrm>
-      </p:grpSpPr>
-      <p:sp>
-        <p:nvSpPr>
-          <p:cNvPr id="81" name="Google Shape;81;g100adce3cd7_0_50:notes"/>
-          <p:cNvSpPr>
-            <a:spLocks noGrp="1" noRot="1" noChangeAspect="1"/>
-          </p:cNvSpPr>
-          <p:nvPr>
-            <p:ph type="sldImg" idx="2"/>
-          </p:nvPr>
-        </p:nvSpPr>
-        <p:spPr>
-          <a:xfrm>
-            <a:off x="381000" y="685800"/>
-            <a:ext cx="6096000" cy="3429000"/>
-          </a:xfrm>
-          <a:custGeom>
-            <a:avLst/>
-            <a:gdLst/>
-            <a:ahLst/>
-            <a:cxnLst/>
-            <a:rect l="l" t="t" r="r" b="b"/>
-            <a:pathLst>
-              <a:path w="120000" h="120000" extrusionOk="0">
-                <a:moveTo>
-                  <a:pt x="0" y="0"/>
-                </a:moveTo>
-                <a:lnTo>
-                  <a:pt x="120000" y="0"/>
-                </a:lnTo>
-                <a:lnTo>
-                  <a:pt x="120000" y="120000"/>
-                </a:lnTo>
-                <a:lnTo>
-                  <a:pt x="0" y="120000"/>
-                </a:lnTo>
-                <a:close/>
-              </a:path>
-            </a:pathLst>
-          </a:custGeom>
-        </p:spPr>
-      </p:sp>
-      <p:sp>
-        <p:nvSpPr>
-          <p:cNvPr id="82" name="Google Shape;82;g100adce3cd7_0_50:notes"/>
-          <p:cNvSpPr txBox="1">
-            <a:spLocks noGrp="1"/>
-          </p:cNvSpPr>
-          <p:nvPr>
-            <p:ph type="body" idx="1"/>
-          </p:nvPr>
-        </p:nvSpPr>
-        <p:spPr>
-          <a:xfrm>
-            <a:off x="685800" y="4343400"/>
-            <a:ext cx="5486400" cy="4114800"/>
-          </a:xfrm>
-          <a:prstGeom prst="rect">
-            <a:avLst/>
-          </a:prstGeom>
-        </p:spPr>
-        <p:txBody>
-          <a:bodyPr spcFirstLastPara="1" wrap="square" lIns="91425" tIns="91425" rIns="91425" bIns="91425" anchor="t" anchorCtr="0">
-            <a:noAutofit/>
-          </a:bodyPr>
-          <a:lstStyle/>
-          <a:p>
-            <a:pPr marL="0" lvl="0" indent="0" algn="l" rtl="0">
-              <a:spcBef>
-                <a:spcPts val="0"/>
-              </a:spcBef>
-              <a:spcAft>
-                <a:spcPts val="0"/>
-              </a:spcAft>
-              <a:buNone/>
-            </a:pPr>
-            <a:endParaRPr/>
-          </a:p>
-        </p:txBody>
-      </p:sp>
-    </p:spTree>
-  </p:cSld>
-  <p:clrMapOvr>
-    <a:masterClrMapping/>
-  </p:clrMapOvr>
-</p:notes>
-</file>
-
-<file path=ppt/notesSlides/notesSlide18.xml><?xml version="1.0" encoding="utf-8"?>
-<p:notes xmlns:a="http://schemas.openxmlformats.org/drawingml/2006/main" xmlns:r="http://schemas.openxmlformats.org/officeDocument/2006/relationships" xmlns:p="http://schemas.openxmlformats.org/presentationml/2006/main" showMasterSp="0" showMasterPhAnim="0">
-  <p:cSld>
-    <p:spTree>
-      <p:nvGrpSpPr>
-        <p:cNvPr id="1" name="Shape 80"/>
-        <p:cNvGrpSpPr/>
-        <p:nvPr/>
-      </p:nvGrpSpPr>
-      <p:grpSpPr>
-        <a:xfrm>
-          <a:off x="0" y="0"/>
-          <a:ext cx="0" cy="0"/>
-          <a:chOff x="0" y="0"/>
-          <a:chExt cx="0" cy="0"/>
-        </a:xfrm>
-      </p:grpSpPr>
-      <p:sp>
-        <p:nvSpPr>
-          <p:cNvPr id="81" name="Google Shape;81;g100adce3cd7_0_50:notes"/>
-          <p:cNvSpPr>
-            <a:spLocks noGrp="1" noRot="1" noChangeAspect="1"/>
-          </p:cNvSpPr>
-          <p:nvPr>
-            <p:ph type="sldImg" idx="2"/>
-          </p:nvPr>
-        </p:nvSpPr>
-        <p:spPr>
-          <a:xfrm>
-            <a:off x="381000" y="685800"/>
-            <a:ext cx="6096000" cy="3429000"/>
-          </a:xfrm>
-          <a:custGeom>
-            <a:avLst/>
-            <a:gdLst/>
-            <a:ahLst/>
-            <a:cxnLst/>
-            <a:rect l="l" t="t" r="r" b="b"/>
-            <a:pathLst>
-              <a:path w="120000" h="120000" extrusionOk="0">
-                <a:moveTo>
-                  <a:pt x="0" y="0"/>
-                </a:moveTo>
-                <a:lnTo>
-                  <a:pt x="120000" y="0"/>
-                </a:lnTo>
-                <a:lnTo>
-                  <a:pt x="120000" y="120000"/>
-                </a:lnTo>
-                <a:lnTo>
-                  <a:pt x="0" y="120000"/>
-                </a:lnTo>
-                <a:close/>
-              </a:path>
-            </a:pathLst>
-          </a:custGeom>
-        </p:spPr>
-      </p:sp>
-      <p:sp>
-        <p:nvSpPr>
-          <p:cNvPr id="82" name="Google Shape;82;g100adce3cd7_0_50:notes"/>
-          <p:cNvSpPr txBox="1">
-            <a:spLocks noGrp="1"/>
-          </p:cNvSpPr>
-          <p:nvPr>
-            <p:ph type="body" idx="1"/>
-          </p:nvPr>
-        </p:nvSpPr>
-        <p:spPr>
-          <a:xfrm>
-            <a:off x="685800" y="4343400"/>
-            <a:ext cx="5486400" cy="4114800"/>
-          </a:xfrm>
-          <a:prstGeom prst="rect">
-            <a:avLst/>
-          </a:prstGeom>
-        </p:spPr>
-        <p:txBody>
-          <a:bodyPr spcFirstLastPara="1" wrap="square" lIns="91425" tIns="91425" rIns="91425" bIns="91425" anchor="t" anchorCtr="0">
-            <a:noAutofit/>
-          </a:bodyPr>
-          <a:lstStyle/>
-          <a:p>
-            <a:pPr marL="0" lvl="0" indent="0" algn="l" rtl="0">
-              <a:spcBef>
-                <a:spcPts val="0"/>
-              </a:spcBef>
-              <a:spcAft>
-                <a:spcPts val="0"/>
-              </a:spcAft>
-              <a:buNone/>
-            </a:pPr>
-            <a:endParaRPr/>
-          </a:p>
-        </p:txBody>
-      </p:sp>
-    </p:spTree>
-    <p:extLst>
-      <p:ext uri="{BB962C8B-B14F-4D97-AF65-F5344CB8AC3E}">
-        <p14:creationId xmlns:p14="http://schemas.microsoft.com/office/powerpoint/2010/main" val="1077059965"/>
-      </p:ext>
-    </p:extLst>
-  </p:cSld>
-  <p:clrMapOvr>
-    <a:masterClrMapping/>
-  </p:clrMapOvr>
-</p:notes>
-</file>
-
-<file path=ppt/notesSlides/notesSlide19.xml><?xml version="1.0" encoding="utf-8"?>
 <p:notes xmlns:a="http://schemas.openxmlformats.org/drawingml/2006/main" xmlns:r="http://schemas.openxmlformats.org/officeDocument/2006/relationships" xmlns:p="http://schemas.openxmlformats.org/presentationml/2006/main" showMasterSp="0" showMasterPhAnim="0">
   <p:cSld>
     <p:spTree>
@@ -1860,6 +1533,318 @@
       <p:sp>
         <p:nvSpPr>
           <p:cNvPr id="91" name="Google Shape;91;g10396302928_0_8:notes"/>
+          <p:cNvSpPr txBox="1">
+            <a:spLocks noGrp="1"/>
+          </p:cNvSpPr>
+          <p:nvPr>
+            <p:ph type="body" idx="1"/>
+          </p:nvPr>
+        </p:nvSpPr>
+        <p:spPr>
+          <a:xfrm>
+            <a:off x="685800" y="4343400"/>
+            <a:ext cx="5486400" cy="4114800"/>
+          </a:xfrm>
+          <a:prstGeom prst="rect">
+            <a:avLst/>
+          </a:prstGeom>
+        </p:spPr>
+        <p:txBody>
+          <a:bodyPr spcFirstLastPara="1" wrap="square" lIns="91425" tIns="91425" rIns="91425" bIns="91425" anchor="t" anchorCtr="0">
+            <a:noAutofit/>
+          </a:bodyPr>
+          <a:lstStyle/>
+          <a:p>
+            <a:pPr marL="0" lvl="0" indent="0" algn="l" rtl="0">
+              <a:spcBef>
+                <a:spcPts val="0"/>
+              </a:spcBef>
+              <a:spcAft>
+                <a:spcPts val="0"/>
+              </a:spcAft>
+              <a:buNone/>
+            </a:pPr>
+            <a:endParaRPr/>
+          </a:p>
+        </p:txBody>
+      </p:sp>
+    </p:spTree>
+  </p:cSld>
+  <p:clrMapOvr>
+    <a:masterClrMapping/>
+  </p:clrMapOvr>
+</p:notes>
+</file>
+
+<file path=ppt/notesSlides/notesSlide17.xml><?xml version="1.0" encoding="utf-8"?>
+<p:notes xmlns:a="http://schemas.openxmlformats.org/drawingml/2006/main" xmlns:r="http://schemas.openxmlformats.org/officeDocument/2006/relationships" xmlns:p="http://schemas.openxmlformats.org/presentationml/2006/main" showMasterSp="0" showMasterPhAnim="0">
+  <p:cSld>
+    <p:spTree>
+      <p:nvGrpSpPr>
+        <p:cNvPr id="1" name="Shape 68"/>
+        <p:cNvGrpSpPr/>
+        <p:nvPr/>
+      </p:nvGrpSpPr>
+      <p:grpSpPr>
+        <a:xfrm>
+          <a:off x="0" y="0"/>
+          <a:ext cx="0" cy="0"/>
+          <a:chOff x="0" y="0"/>
+          <a:chExt cx="0" cy="0"/>
+        </a:xfrm>
+      </p:grpSpPr>
+      <p:sp>
+        <p:nvSpPr>
+          <p:cNvPr id="69" name="Google Shape;69;gedd9ff9bd3_0_10:notes"/>
+          <p:cNvSpPr>
+            <a:spLocks noGrp="1" noRot="1" noChangeAspect="1"/>
+          </p:cNvSpPr>
+          <p:nvPr>
+            <p:ph type="sldImg" idx="2"/>
+          </p:nvPr>
+        </p:nvSpPr>
+        <p:spPr>
+          <a:xfrm>
+            <a:off x="381000" y="685800"/>
+            <a:ext cx="6096000" cy="3429000"/>
+          </a:xfrm>
+          <a:custGeom>
+            <a:avLst/>
+            <a:gdLst/>
+            <a:ahLst/>
+            <a:cxnLst/>
+            <a:rect l="l" t="t" r="r" b="b"/>
+            <a:pathLst>
+              <a:path w="120000" h="120000" extrusionOk="0">
+                <a:moveTo>
+                  <a:pt x="0" y="0"/>
+                </a:moveTo>
+                <a:lnTo>
+                  <a:pt x="120000" y="0"/>
+                </a:lnTo>
+                <a:lnTo>
+                  <a:pt x="120000" y="120000"/>
+                </a:lnTo>
+                <a:lnTo>
+                  <a:pt x="0" y="120000"/>
+                </a:lnTo>
+                <a:close/>
+              </a:path>
+            </a:pathLst>
+          </a:custGeom>
+        </p:spPr>
+      </p:sp>
+      <p:sp>
+        <p:nvSpPr>
+          <p:cNvPr id="70" name="Google Shape;70;gedd9ff9bd3_0_10:notes"/>
+          <p:cNvSpPr txBox="1">
+            <a:spLocks noGrp="1"/>
+          </p:cNvSpPr>
+          <p:nvPr>
+            <p:ph type="body" idx="1"/>
+          </p:nvPr>
+        </p:nvSpPr>
+        <p:spPr>
+          <a:xfrm>
+            <a:off x="685800" y="4343400"/>
+            <a:ext cx="5486400" cy="4114800"/>
+          </a:xfrm>
+          <a:prstGeom prst="rect">
+            <a:avLst/>
+          </a:prstGeom>
+        </p:spPr>
+        <p:txBody>
+          <a:bodyPr spcFirstLastPara="1" wrap="square" lIns="91425" tIns="91425" rIns="91425" bIns="91425" anchor="t" anchorCtr="0">
+            <a:noAutofit/>
+          </a:bodyPr>
+          <a:lstStyle/>
+          <a:p>
+            <a:pPr marL="0" lvl="0" indent="0" algn="l" rtl="0">
+              <a:spcBef>
+                <a:spcPts val="0"/>
+              </a:spcBef>
+              <a:spcAft>
+                <a:spcPts val="0"/>
+              </a:spcAft>
+              <a:buNone/>
+            </a:pPr>
+            <a:endParaRPr/>
+          </a:p>
+        </p:txBody>
+      </p:sp>
+    </p:spTree>
+  </p:cSld>
+  <p:clrMapOvr>
+    <a:masterClrMapping/>
+  </p:clrMapOvr>
+</p:notes>
+</file>
+
+<file path=ppt/notesSlides/notesSlide18.xml><?xml version="1.0" encoding="utf-8"?>
+<p:notes xmlns:a="http://schemas.openxmlformats.org/drawingml/2006/main" xmlns:r="http://schemas.openxmlformats.org/officeDocument/2006/relationships" xmlns:p="http://schemas.openxmlformats.org/presentationml/2006/main" showMasterSp="0" showMasterPhAnim="0">
+  <p:cSld>
+    <p:spTree>
+      <p:nvGrpSpPr>
+        <p:cNvPr id="1" name="Shape 76"/>
+        <p:cNvGrpSpPr/>
+        <p:nvPr/>
+      </p:nvGrpSpPr>
+      <p:grpSpPr>
+        <a:xfrm>
+          <a:off x="0" y="0"/>
+          <a:ext cx="0" cy="0"/>
+          <a:chOff x="0" y="0"/>
+          <a:chExt cx="0" cy="0"/>
+        </a:xfrm>
+      </p:grpSpPr>
+      <p:sp>
+        <p:nvSpPr>
+          <p:cNvPr id="77" name="Google Shape;77;g100adce3cd7_0_0:notes"/>
+          <p:cNvSpPr>
+            <a:spLocks noGrp="1" noRot="1" noChangeAspect="1"/>
+          </p:cNvSpPr>
+          <p:nvPr>
+            <p:ph type="sldImg" idx="2"/>
+          </p:nvPr>
+        </p:nvSpPr>
+        <p:spPr>
+          <a:xfrm>
+            <a:off x="381000" y="685800"/>
+            <a:ext cx="6096000" cy="3429000"/>
+          </a:xfrm>
+          <a:custGeom>
+            <a:avLst/>
+            <a:gdLst/>
+            <a:ahLst/>
+            <a:cxnLst/>
+            <a:rect l="l" t="t" r="r" b="b"/>
+            <a:pathLst>
+              <a:path w="120000" h="120000" extrusionOk="0">
+                <a:moveTo>
+                  <a:pt x="0" y="0"/>
+                </a:moveTo>
+                <a:lnTo>
+                  <a:pt x="120000" y="0"/>
+                </a:lnTo>
+                <a:lnTo>
+                  <a:pt x="120000" y="120000"/>
+                </a:lnTo>
+                <a:lnTo>
+                  <a:pt x="0" y="120000"/>
+                </a:lnTo>
+                <a:close/>
+              </a:path>
+            </a:pathLst>
+          </a:custGeom>
+        </p:spPr>
+      </p:sp>
+      <p:sp>
+        <p:nvSpPr>
+          <p:cNvPr id="78" name="Google Shape;78;g100adce3cd7_0_0:notes"/>
+          <p:cNvSpPr txBox="1">
+            <a:spLocks noGrp="1"/>
+          </p:cNvSpPr>
+          <p:nvPr>
+            <p:ph type="body" idx="1"/>
+          </p:nvPr>
+        </p:nvSpPr>
+        <p:spPr>
+          <a:xfrm>
+            <a:off x="685800" y="4343400"/>
+            <a:ext cx="5486400" cy="4114800"/>
+          </a:xfrm>
+          <a:prstGeom prst="rect">
+            <a:avLst/>
+          </a:prstGeom>
+        </p:spPr>
+        <p:txBody>
+          <a:bodyPr spcFirstLastPara="1" wrap="square" lIns="91425" tIns="91425" rIns="91425" bIns="91425" anchor="t" anchorCtr="0">
+            <a:noAutofit/>
+          </a:bodyPr>
+          <a:lstStyle/>
+          <a:p>
+            <a:pPr marL="0" lvl="0" indent="0" algn="l" rtl="0">
+              <a:spcBef>
+                <a:spcPts val="0"/>
+              </a:spcBef>
+              <a:spcAft>
+                <a:spcPts val="0"/>
+              </a:spcAft>
+              <a:buNone/>
+            </a:pPr>
+            <a:endParaRPr/>
+          </a:p>
+        </p:txBody>
+      </p:sp>
+    </p:spTree>
+  </p:cSld>
+  <p:clrMapOvr>
+    <a:masterClrMapping/>
+  </p:clrMapOvr>
+</p:notes>
+</file>
+
+<file path=ppt/notesSlides/notesSlide19.xml><?xml version="1.0" encoding="utf-8"?>
+<p:notes xmlns:a="http://schemas.openxmlformats.org/drawingml/2006/main" xmlns:r="http://schemas.openxmlformats.org/officeDocument/2006/relationships" xmlns:p="http://schemas.openxmlformats.org/presentationml/2006/main" showMasterSp="0" showMasterPhAnim="0">
+  <p:cSld>
+    <p:spTree>
+      <p:nvGrpSpPr>
+        <p:cNvPr id="1" name="Shape 83"/>
+        <p:cNvGrpSpPr/>
+        <p:nvPr/>
+      </p:nvGrpSpPr>
+      <p:grpSpPr>
+        <a:xfrm>
+          <a:off x="0" y="0"/>
+          <a:ext cx="0" cy="0"/>
+          <a:chOff x="0" y="0"/>
+          <a:chExt cx="0" cy="0"/>
+        </a:xfrm>
+      </p:grpSpPr>
+      <p:sp>
+        <p:nvSpPr>
+          <p:cNvPr id="84" name="Google Shape;84;g10396302928_0_1:notes"/>
+          <p:cNvSpPr>
+            <a:spLocks noGrp="1" noRot="1" noChangeAspect="1"/>
+          </p:cNvSpPr>
+          <p:nvPr>
+            <p:ph type="sldImg" idx="2"/>
+          </p:nvPr>
+        </p:nvSpPr>
+        <p:spPr>
+          <a:xfrm>
+            <a:off x="381000" y="685800"/>
+            <a:ext cx="6096000" cy="3429000"/>
+          </a:xfrm>
+          <a:custGeom>
+            <a:avLst/>
+            <a:gdLst/>
+            <a:ahLst/>
+            <a:cxnLst/>
+            <a:rect l="l" t="t" r="r" b="b"/>
+            <a:pathLst>
+              <a:path w="120000" h="120000" extrusionOk="0">
+                <a:moveTo>
+                  <a:pt x="0" y="0"/>
+                </a:moveTo>
+                <a:lnTo>
+                  <a:pt x="120000" y="0"/>
+                </a:lnTo>
+                <a:lnTo>
+                  <a:pt x="120000" y="120000"/>
+                </a:lnTo>
+                <a:lnTo>
+                  <a:pt x="0" y="120000"/>
+                </a:lnTo>
+                <a:close/>
+              </a:path>
+            </a:pathLst>
+          </a:custGeom>
+        </p:spPr>
+      </p:sp>
+      <p:sp>
+        <p:nvSpPr>
+          <p:cNvPr id="85" name="Google Shape;85;g10396302928_0_1:notes"/>
           <p:cNvSpPr txBox="1">
             <a:spLocks noGrp="1"/>
           </p:cNvSpPr>
@@ -2121,7 +2106,7 @@
   <p:cSld>
     <p:spTree>
       <p:nvGrpSpPr>
-        <p:cNvPr id="1" name="Shape 68"/>
+        <p:cNvPr id="1" name="Shape 80"/>
         <p:cNvGrpSpPr/>
         <p:nvPr/>
       </p:nvGrpSpPr>
@@ -2135,7 +2120,7 @@
       </p:grpSpPr>
       <p:sp>
         <p:nvSpPr>
-          <p:cNvPr id="69" name="Google Shape;69;gedd9ff9bd3_0_10:notes"/>
+          <p:cNvPr id="81" name="Google Shape;81;g100adce3cd7_0_50:notes"/>
           <p:cNvSpPr>
             <a:spLocks noGrp="1" noRot="1" noChangeAspect="1"/>
           </p:cNvSpPr>
@@ -2176,7 +2161,7 @@
       </p:sp>
       <p:sp>
         <p:nvSpPr>
-          <p:cNvPr id="70" name="Google Shape;70;gedd9ff9bd3_0_10:notes"/>
+          <p:cNvPr id="82" name="Google Shape;82;g100adce3cd7_0_50:notes"/>
           <p:cNvSpPr txBox="1">
             <a:spLocks noGrp="1"/>
           </p:cNvSpPr>
@@ -2213,6 +2198,11 @@
         </p:txBody>
       </p:sp>
     </p:spTree>
+    <p:extLst>
+      <p:ext uri="{BB962C8B-B14F-4D97-AF65-F5344CB8AC3E}">
+        <p14:creationId xmlns:p14="http://schemas.microsoft.com/office/powerpoint/2010/main" val="1520451257"/>
+      </p:ext>
+    </p:extLst>
   </p:cSld>
   <p:clrMapOvr>
     <a:masterClrMapping/>
@@ -2225,7 +2215,7 @@
   <p:cSld>
     <p:spTree>
       <p:nvGrpSpPr>
-        <p:cNvPr id="1" name="Shape 76"/>
+        <p:cNvPr id="1" name="Shape 80"/>
         <p:cNvGrpSpPr/>
         <p:nvPr/>
       </p:nvGrpSpPr>
@@ -2239,7 +2229,7 @@
       </p:grpSpPr>
       <p:sp>
         <p:nvSpPr>
-          <p:cNvPr id="77" name="Google Shape;77;g100adce3cd7_0_0:notes"/>
+          <p:cNvPr id="81" name="Google Shape;81;g100adce3cd7_0_50:notes"/>
           <p:cNvSpPr>
             <a:spLocks noGrp="1" noRot="1" noChangeAspect="1"/>
           </p:cNvSpPr>
@@ -2280,7 +2270,7 @@
       </p:sp>
       <p:sp>
         <p:nvSpPr>
-          <p:cNvPr id="78" name="Google Shape;78;g100adce3cd7_0_0:notes"/>
+          <p:cNvPr id="82" name="Google Shape;82;g100adce3cd7_0_50:notes"/>
           <p:cNvSpPr txBox="1">
             <a:spLocks noGrp="1"/>
           </p:cNvSpPr>
@@ -2317,6 +2307,11 @@
         </p:txBody>
       </p:sp>
     </p:spTree>
+    <p:extLst>
+      <p:ext uri="{BB962C8B-B14F-4D97-AF65-F5344CB8AC3E}">
+        <p14:creationId xmlns:p14="http://schemas.microsoft.com/office/powerpoint/2010/main" val="105014010"/>
+      </p:ext>
+    </p:extLst>
   </p:cSld>
   <p:clrMapOvr>
     <a:masterClrMapping/>
@@ -2329,7 +2324,7 @@
   <p:cSld>
     <p:spTree>
       <p:nvGrpSpPr>
-        <p:cNvPr id="1" name="Shape 83"/>
+        <p:cNvPr id="1" name="Shape 80"/>
         <p:cNvGrpSpPr/>
         <p:nvPr/>
       </p:nvGrpSpPr>
@@ -2343,7 +2338,7 @@
       </p:grpSpPr>
       <p:sp>
         <p:nvSpPr>
-          <p:cNvPr id="84" name="Google Shape;84;g10396302928_0_1:notes"/>
+          <p:cNvPr id="81" name="Google Shape;81;g100adce3cd7_0_50:notes"/>
           <p:cNvSpPr>
             <a:spLocks noGrp="1" noRot="1" noChangeAspect="1"/>
           </p:cNvSpPr>
@@ -2384,7 +2379,7 @@
       </p:sp>
       <p:sp>
         <p:nvSpPr>
-          <p:cNvPr id="85" name="Google Shape;85;g10396302928_0_1:notes"/>
+          <p:cNvPr id="82" name="Google Shape;82;g100adce3cd7_0_50:notes"/>
           <p:cNvSpPr txBox="1">
             <a:spLocks noGrp="1"/>
           </p:cNvSpPr>
@@ -2421,6 +2416,11 @@
         </p:txBody>
       </p:sp>
     </p:spTree>
+    <p:extLst>
+      <p:ext uri="{BB962C8B-B14F-4D97-AF65-F5344CB8AC3E}">
+        <p14:creationId xmlns:p14="http://schemas.microsoft.com/office/powerpoint/2010/main" val="1513690627"/>
+      </p:ext>
+    </p:extLst>
   </p:cSld>
   <p:clrMapOvr>
     <a:masterClrMapping/>
@@ -2527,7 +2527,7 @@
     </p:spTree>
     <p:extLst>
       <p:ext uri="{BB962C8B-B14F-4D97-AF65-F5344CB8AC3E}">
-        <p14:creationId xmlns:p14="http://schemas.microsoft.com/office/powerpoint/2010/main" val="1520451257"/>
+        <p14:creationId xmlns:p14="http://schemas.microsoft.com/office/powerpoint/2010/main" val="998138686"/>
       </p:ext>
     </p:extLst>
   </p:cSld>
@@ -2636,7 +2636,7 @@
     </p:spTree>
     <p:extLst>
       <p:ext uri="{BB962C8B-B14F-4D97-AF65-F5344CB8AC3E}">
-        <p14:creationId xmlns:p14="http://schemas.microsoft.com/office/powerpoint/2010/main" val="105014010"/>
+        <p14:creationId xmlns:p14="http://schemas.microsoft.com/office/powerpoint/2010/main" val="265012011"/>
       </p:ext>
     </p:extLst>
   </p:cSld>
@@ -2745,7 +2745,7 @@
     </p:spTree>
     <p:extLst>
       <p:ext uri="{BB962C8B-B14F-4D97-AF65-F5344CB8AC3E}">
-        <p14:creationId xmlns:p14="http://schemas.microsoft.com/office/powerpoint/2010/main" val="1513690627"/>
+        <p14:creationId xmlns:p14="http://schemas.microsoft.com/office/powerpoint/2010/main" val="2591687656"/>
       </p:ext>
     </p:extLst>
   </p:cSld>
@@ -7656,7 +7656,7 @@
           <a:lstStyle/>
           <a:p>
             <a:r>
-              <a:rPr lang="en-GB" dirty="0">
+              <a:rPr lang="en-GB">
                 <a:effectLst>
                   <a:outerShdw blurRad="38100" dist="38100" dir="2700000" algn="tl">
                     <a:srgbClr val="000000">
@@ -7668,7 +7668,7 @@
               <a:t>Logical data model </a:t>
             </a:r>
             <a:r>
-              <a:rPr lang="en-US" b="1" dirty="0">
+              <a:rPr lang="en-US" b="1">
                 <a:effectLst>
                   <a:outerShdw blurRad="38100" dist="38100" dir="2700000" algn="tl">
                     <a:srgbClr val="000000">
@@ -7677,7 +7677,7 @@
                   </a:outerShdw>
                 </a:effectLst>
               </a:rPr>
-              <a:t>Authenticator</a:t>
+              <a:t>OpenAPIGenerator</a:t>
             </a:r>
             <a:endParaRPr dirty="0">
               <a:effectLst>
@@ -7869,6 +7869,3935 @@
           <p:cNvPr id="1026" name="Picture 2">
             <a:extLst>
               <a:ext uri="{FF2B5EF4-FFF2-40B4-BE49-F238E27FC236}">
+                <a16:creationId xmlns:a16="http://schemas.microsoft.com/office/drawing/2014/main" id="{99D0A118-5B5D-4B8C-B2D0-526638A5D1F9}"/>
+              </a:ext>
+            </a:extLst>
+          </p:cNvPr>
+          <p:cNvPicPr>
+            <a:picLocks noChangeAspect="1" noChangeArrowheads="1"/>
+          </p:cNvPicPr>
+          <p:nvPr/>
+        </p:nvPicPr>
+        <p:blipFill>
+          <a:blip r:embed="rId3">
+            <a:extLst>
+              <a:ext uri="{28A0092B-C50C-407E-A947-70E740481C1C}">
+                <a14:useLocalDpi xmlns:a14="http://schemas.microsoft.com/office/drawing/2010/main" val="0"/>
+              </a:ext>
+            </a:extLst>
+          </a:blip>
+          <a:srcRect/>
+          <a:stretch>
+            <a:fillRect/>
+          </a:stretch>
+        </p:blipFill>
+        <p:spPr bwMode="auto">
+          <a:xfrm>
+            <a:off x="2773415" y="938313"/>
+            <a:ext cx="3318383" cy="3848000"/>
+          </a:xfrm>
+          <a:prstGeom prst="rect">
+            <a:avLst/>
+          </a:prstGeom>
+          <a:noFill/>
+          <a:extLst>
+            <a:ext uri="{909E8E84-426E-40DD-AFC4-6F175D3DCCD1}">
+              <a14:hiddenFill xmlns:a14="http://schemas.microsoft.com/office/drawing/2010/main">
+                <a:solidFill>
+                  <a:srgbClr val="FFFFFF"/>
+                </a:solidFill>
+              </a14:hiddenFill>
+            </a:ext>
+          </a:extLst>
+        </p:spPr>
+      </p:pic>
+    </p:spTree>
+    <p:extLst>
+      <p:ext uri="{BB962C8B-B14F-4D97-AF65-F5344CB8AC3E}">
+        <p14:creationId xmlns:p14="http://schemas.microsoft.com/office/powerpoint/2010/main" val="1020538254"/>
+      </p:ext>
+    </p:extLst>
+  </p:cSld>
+  <p:clrMapOvr>
+    <a:masterClrMapping/>
+  </p:clrMapOvr>
+</p:sld>
+</file>
+
+<file path=ppt/slides/slide11.xml><?xml version="1.0" encoding="utf-8"?>
+<p:sld xmlns:a="http://schemas.openxmlformats.org/drawingml/2006/main" xmlns:r="http://schemas.openxmlformats.org/officeDocument/2006/relationships" xmlns:p="http://schemas.openxmlformats.org/presentationml/2006/main">
+  <p:cSld>
+    <p:spTree>
+      <p:nvGrpSpPr>
+        <p:cNvPr id="1" name="Shape 83"/>
+        <p:cNvGrpSpPr/>
+        <p:nvPr/>
+      </p:nvGrpSpPr>
+      <p:grpSpPr>
+        <a:xfrm>
+          <a:off x="0" y="0"/>
+          <a:ext cx="0" cy="0"/>
+          <a:chOff x="0" y="0"/>
+          <a:chExt cx="0" cy="0"/>
+        </a:xfrm>
+      </p:grpSpPr>
+      <p:sp>
+        <p:nvSpPr>
+          <p:cNvPr id="84" name="Google Shape;84;p18"/>
+          <p:cNvSpPr txBox="1">
+            <a:spLocks noGrp="1"/>
+          </p:cNvSpPr>
+          <p:nvPr>
+            <p:ph type="title"/>
+          </p:nvPr>
+        </p:nvSpPr>
+        <p:spPr>
+          <a:xfrm>
+            <a:off x="251188" y="288275"/>
+            <a:ext cx="8520600" cy="572700"/>
+          </a:xfrm>
+          <a:prstGeom prst="rect">
+            <a:avLst/>
+          </a:prstGeom>
+        </p:spPr>
+        <p:txBody>
+          <a:bodyPr spcFirstLastPara="1" wrap="square" lIns="91425" tIns="91425" rIns="91425" bIns="91425" anchor="t" anchorCtr="0">
+            <a:noAutofit/>
+          </a:bodyPr>
+          <a:lstStyle/>
+          <a:p>
+            <a:r>
+              <a:rPr lang="en-GB" dirty="0">
+                <a:effectLst>
+                  <a:outerShdw blurRad="38100" dist="38100" dir="2700000" algn="tl">
+                    <a:srgbClr val="000000">
+                      <a:alpha val="43137"/>
+                    </a:srgbClr>
+                  </a:outerShdw>
+                </a:effectLst>
+              </a:rPr>
+              <a:t>API usage </a:t>
+            </a:r>
+            <a:r>
+              <a:rPr lang="en-US" b="1" dirty="0" err="1">
+                <a:effectLst>
+                  <a:outerShdw blurRad="38100" dist="38100" dir="2700000" algn="tl">
+                    <a:srgbClr val="000000">
+                      <a:alpha val="43137"/>
+                    </a:srgbClr>
+                  </a:outerShdw>
+                </a:effectLst>
+              </a:rPr>
+              <a:t>OpenAPIGenerator</a:t>
+            </a:r>
+            <a:endParaRPr dirty="0">
+              <a:effectLst>
+                <a:outerShdw blurRad="38100" dist="38100" dir="2700000" algn="tl">
+                  <a:srgbClr val="000000">
+                    <a:alpha val="43137"/>
+                  </a:srgbClr>
+                </a:outerShdw>
+              </a:effectLst>
+            </a:endParaRPr>
+          </a:p>
+        </p:txBody>
+      </p:sp>
+      <p:sp>
+        <p:nvSpPr>
+          <p:cNvPr id="86" name="Google Shape;86;p18"/>
+          <p:cNvSpPr txBox="1">
+            <a:spLocks noGrp="1"/>
+          </p:cNvSpPr>
+          <p:nvPr>
+            <p:ph type="body" idx="1"/>
+          </p:nvPr>
+        </p:nvSpPr>
+        <p:spPr>
+          <a:xfrm>
+            <a:off x="311700" y="1152475"/>
+            <a:ext cx="3000300" cy="3416400"/>
+          </a:xfrm>
+          <a:prstGeom prst="rect">
+            <a:avLst/>
+          </a:prstGeom>
+        </p:spPr>
+        <p:txBody>
+          <a:bodyPr spcFirstLastPara="1" wrap="square" lIns="91425" tIns="91425" rIns="91425" bIns="91425" anchor="t" anchorCtr="0">
+            <a:noAutofit/>
+          </a:bodyPr>
+          <a:lstStyle/>
+          <a:p>
+            <a:pPr marL="0" lvl="0" indent="0" algn="l" rtl="0">
+              <a:spcBef>
+                <a:spcPts val="0"/>
+              </a:spcBef>
+              <a:spcAft>
+                <a:spcPts val="0"/>
+              </a:spcAft>
+              <a:buNone/>
+            </a:pPr>
+            <a:r>
+              <a:rPr lang="en-US" b="1" dirty="0">
+                <a:solidFill>
+                  <a:schemeClr val="tx1"/>
+                </a:solidFill>
+              </a:rPr>
+              <a:t>Use Case</a:t>
+            </a:r>
+            <a:r>
+              <a:rPr lang="en-US" dirty="0">
+                <a:solidFill>
+                  <a:schemeClr val="tx1"/>
+                </a:solidFill>
+              </a:rPr>
+              <a:t>: Generate </a:t>
+            </a:r>
+            <a:r>
+              <a:rPr lang="en-US" dirty="0" err="1">
+                <a:solidFill>
+                  <a:schemeClr val="tx1"/>
+                </a:solidFill>
+              </a:rPr>
+              <a:t>OpenAPI</a:t>
+            </a:r>
+            <a:r>
+              <a:rPr lang="en-US" dirty="0">
+                <a:solidFill>
+                  <a:schemeClr val="tx1"/>
+                </a:solidFill>
+              </a:rPr>
+              <a:t> Schema</a:t>
+            </a:r>
+          </a:p>
+          <a:p>
+            <a:pPr marL="0" lvl="0" indent="0" algn="l" rtl="0">
+              <a:spcBef>
+                <a:spcPts val="0"/>
+              </a:spcBef>
+              <a:spcAft>
+                <a:spcPts val="0"/>
+              </a:spcAft>
+              <a:buNone/>
+            </a:pPr>
+            <a:r>
+              <a:rPr lang="en-US" b="1" dirty="0">
+                <a:solidFill>
+                  <a:schemeClr val="tx1"/>
+                </a:solidFill>
+              </a:rPr>
+              <a:t>Scenario</a:t>
+            </a:r>
+            <a:r>
+              <a:rPr lang="en-US" dirty="0">
+                <a:solidFill>
+                  <a:schemeClr val="tx1"/>
+                </a:solidFill>
+              </a:rPr>
+              <a:t>: </a:t>
+            </a:r>
+          </a:p>
+          <a:p>
+            <a:pPr marL="0" lvl="0" indent="0" algn="l" rtl="0">
+              <a:spcBef>
+                <a:spcPts val="0"/>
+              </a:spcBef>
+              <a:spcAft>
+                <a:spcPts val="0"/>
+              </a:spcAft>
+              <a:buNone/>
+            </a:pPr>
+            <a:r>
+              <a:rPr lang="en-US" dirty="0">
+                <a:solidFill>
+                  <a:schemeClr val="tx1"/>
+                </a:solidFill>
+              </a:rPr>
+              <a:t>User sends request to get schema</a:t>
+            </a:r>
+          </a:p>
+          <a:p>
+            <a:pPr marL="0" lvl="0" indent="0" algn="l" rtl="0">
+              <a:spcBef>
+                <a:spcPts val="0"/>
+              </a:spcBef>
+              <a:spcAft>
+                <a:spcPts val="0"/>
+              </a:spcAft>
+              <a:buNone/>
+            </a:pPr>
+            <a:r>
+              <a:rPr lang="en-US" dirty="0" err="1">
+                <a:solidFill>
+                  <a:schemeClr val="tx1"/>
+                </a:solidFill>
+              </a:rPr>
+              <a:t>OpenApi</a:t>
+            </a:r>
+            <a:r>
+              <a:rPr lang="en-US" dirty="0">
+                <a:solidFill>
+                  <a:schemeClr val="tx1"/>
+                </a:solidFill>
+              </a:rPr>
+              <a:t> Generator checks if schema is present, if not – creates it, returns actual schema</a:t>
+            </a:r>
+            <a:endParaRPr dirty="0">
+              <a:solidFill>
+                <a:schemeClr val="tx1"/>
+              </a:solidFill>
+            </a:endParaRPr>
+          </a:p>
+        </p:txBody>
+      </p:sp>
+      <p:pic>
+        <p:nvPicPr>
+          <p:cNvPr id="5" name="Picture 4">
+            <a:extLst>
+              <a:ext uri="{FF2B5EF4-FFF2-40B4-BE49-F238E27FC236}">
+                <a16:creationId xmlns:a16="http://schemas.microsoft.com/office/drawing/2014/main" id="{F27EAB64-52E9-4F07-B4D9-407AD54431C9}"/>
+              </a:ext>
+            </a:extLst>
+          </p:cNvPr>
+          <p:cNvPicPr>
+            <a:picLocks noChangeAspect="1"/>
+          </p:cNvPicPr>
+          <p:nvPr/>
+        </p:nvPicPr>
+        <p:blipFill>
+          <a:blip r:embed="rId3"/>
+          <a:srcRect/>
+          <a:stretch/>
+        </p:blipFill>
+        <p:spPr>
+          <a:xfrm>
+            <a:off x="3626541" y="2203806"/>
+            <a:ext cx="5205759" cy="1078846"/>
+          </a:xfrm>
+          <a:prstGeom prst="rect">
+            <a:avLst/>
+          </a:prstGeom>
+        </p:spPr>
+      </p:pic>
+      <p:sp>
+        <p:nvSpPr>
+          <p:cNvPr id="3" name="Номер слайда 2">
+            <a:extLst>
+              <a:ext uri="{FF2B5EF4-FFF2-40B4-BE49-F238E27FC236}">
+                <a16:creationId xmlns:a16="http://schemas.microsoft.com/office/drawing/2014/main" id="{E92DA808-A119-4BC5-BB0C-E1F78E2DD16E}"/>
+              </a:ext>
+            </a:extLst>
+          </p:cNvPr>
+          <p:cNvSpPr>
+            <a:spLocks noGrp="1"/>
+          </p:cNvSpPr>
+          <p:nvPr>
+            <p:ph type="sldNum" idx="12"/>
+          </p:nvPr>
+        </p:nvSpPr>
+        <p:spPr/>
+        <p:txBody>
+          <a:bodyPr/>
+          <a:lstStyle/>
+          <a:p>
+            <a:pPr marL="0" lvl="0" indent="0" algn="r" rtl="0">
+              <a:spcBef>
+                <a:spcPts val="0"/>
+              </a:spcBef>
+              <a:spcAft>
+                <a:spcPts val="0"/>
+              </a:spcAft>
+              <a:buNone/>
+            </a:pPr>
+            <a:fld id="{00000000-1234-1234-1234-123412341234}" type="slidenum">
+              <a:rPr lang="en-GB" smtClean="0"/>
+              <a:t>11</a:t>
+            </a:fld>
+            <a:endParaRPr lang="en-GB"/>
+          </a:p>
+        </p:txBody>
+      </p:sp>
+    </p:spTree>
+    <p:extLst>
+      <p:ext uri="{BB962C8B-B14F-4D97-AF65-F5344CB8AC3E}">
+        <p14:creationId xmlns:p14="http://schemas.microsoft.com/office/powerpoint/2010/main" val="2388190616"/>
+      </p:ext>
+    </p:extLst>
+  </p:cSld>
+  <p:clrMapOvr>
+    <a:masterClrMapping/>
+  </p:clrMapOvr>
+</p:sld>
+</file>
+
+<file path=ppt/slides/slide12.xml><?xml version="1.0" encoding="utf-8"?>
+<p:sld xmlns:a="http://schemas.openxmlformats.org/drawingml/2006/main" xmlns:r="http://schemas.openxmlformats.org/officeDocument/2006/relationships" xmlns:p="http://schemas.openxmlformats.org/presentationml/2006/main">
+  <p:cSld>
+    <p:spTree>
+      <p:nvGrpSpPr>
+        <p:cNvPr id="1" name="Shape 83"/>
+        <p:cNvGrpSpPr/>
+        <p:nvPr/>
+      </p:nvGrpSpPr>
+      <p:grpSpPr>
+        <a:xfrm>
+          <a:off x="0" y="0"/>
+          <a:ext cx="0" cy="0"/>
+          <a:chOff x="0" y="0"/>
+          <a:chExt cx="0" cy="0"/>
+        </a:xfrm>
+      </p:grpSpPr>
+      <p:sp>
+        <p:nvSpPr>
+          <p:cNvPr id="84" name="Google Shape;84;p18"/>
+          <p:cNvSpPr txBox="1">
+            <a:spLocks noGrp="1"/>
+          </p:cNvSpPr>
+          <p:nvPr>
+            <p:ph type="title"/>
+          </p:nvPr>
+        </p:nvSpPr>
+        <p:spPr>
+          <a:xfrm>
+            <a:off x="311700" y="182807"/>
+            <a:ext cx="8520600" cy="572700"/>
+          </a:xfrm>
+          <a:prstGeom prst="rect">
+            <a:avLst/>
+          </a:prstGeom>
+        </p:spPr>
+        <p:txBody>
+          <a:bodyPr spcFirstLastPara="1" wrap="square" lIns="91425" tIns="91425" rIns="91425" bIns="91425" anchor="t" anchorCtr="0">
+            <a:noAutofit/>
+          </a:bodyPr>
+          <a:lstStyle/>
+          <a:p>
+            <a:r>
+              <a:rPr lang="en-GB" dirty="0">
+                <a:effectLst>
+                  <a:outerShdw blurRad="38100" dist="38100" dir="2700000" algn="tl">
+                    <a:srgbClr val="000000">
+                      <a:alpha val="43137"/>
+                    </a:srgbClr>
+                  </a:outerShdw>
+                </a:effectLst>
+              </a:rPr>
+              <a:t>Physical schema </a:t>
+            </a:r>
+            <a:r>
+              <a:rPr lang="en-US" b="1" dirty="0" err="1">
+                <a:effectLst>
+                  <a:outerShdw blurRad="38100" dist="38100" dir="2700000" algn="tl">
+                    <a:srgbClr val="000000">
+                      <a:alpha val="43137"/>
+                    </a:srgbClr>
+                  </a:outerShdw>
+                </a:effectLst>
+              </a:rPr>
+              <a:t>OpenAPIGenerator</a:t>
+            </a:r>
+            <a:endParaRPr dirty="0">
+              <a:effectLst>
+                <a:outerShdw blurRad="38100" dist="38100" dir="2700000" algn="tl">
+                  <a:srgbClr val="000000">
+                    <a:alpha val="43137"/>
+                  </a:srgbClr>
+                </a:outerShdw>
+              </a:effectLst>
+            </a:endParaRPr>
+          </a:p>
+        </p:txBody>
+      </p:sp>
+      <p:sp>
+        <p:nvSpPr>
+          <p:cNvPr id="2" name="Rectangle 1">
+            <a:extLst>
+              <a:ext uri="{FF2B5EF4-FFF2-40B4-BE49-F238E27FC236}">
+                <a16:creationId xmlns:a16="http://schemas.microsoft.com/office/drawing/2014/main" id="{575A1C00-12C6-44D1-8DDB-5947204B7660}"/>
+              </a:ext>
+            </a:extLst>
+          </p:cNvPr>
+          <p:cNvSpPr>
+            <a:spLocks noChangeArrowheads="1"/>
+          </p:cNvSpPr>
+          <p:nvPr/>
+        </p:nvSpPr>
+        <p:spPr bwMode="auto">
+          <a:xfrm>
+            <a:off x="0" y="0"/>
+            <a:ext cx="9144000" cy="0"/>
+          </a:xfrm>
+          <a:prstGeom prst="rect">
+            <a:avLst/>
+          </a:prstGeom>
+          <a:noFill/>
+          <a:ln>
+            <a:noFill/>
+          </a:ln>
+          <a:effectLst/>
+          <a:extLst>
+            <a:ext uri="{909E8E84-426E-40DD-AFC4-6F175D3DCCD1}">
+              <a14:hiddenFill xmlns:a14="http://schemas.microsoft.com/office/drawing/2010/main">
+                <a:solidFill>
+                  <a:schemeClr val="accent1"/>
+                </a:solidFill>
+              </a14:hiddenFill>
+            </a:ext>
+            <a:ext uri="{91240B29-F687-4F45-9708-019B960494DF}">
+              <a14:hiddenLine xmlns:a14="http://schemas.microsoft.com/office/drawing/2010/main" w="9525">
+                <a:solidFill>
+                  <a:schemeClr val="tx1"/>
+                </a:solidFill>
+                <a:miter lim="800000"/>
+                <a:headEnd/>
+                <a:tailEnd/>
+              </a14:hiddenLine>
+            </a:ext>
+            <a:ext uri="{AF507438-7753-43E0-B8FC-AC1667EBCBE1}">
+              <a14:hiddenEffects xmlns:a14="http://schemas.microsoft.com/office/drawing/2010/main">
+                <a:effectLst>
+                  <a:outerShdw dist="35921" dir="2700000" algn="ctr" rotWithShape="0">
+                    <a:schemeClr val="bg2"/>
+                  </a:outerShdw>
+                </a:effectLst>
+              </a14:hiddenEffects>
+            </a:ext>
+          </a:extLst>
+        </p:spPr>
+        <p:txBody>
+          <a:bodyPr vert="horz" wrap="none" lIns="91440" tIns="45720" rIns="91440" bIns="45720" numCol="1" anchor="ctr" anchorCtr="0" compatLnSpc="1">
+            <a:prstTxWarp prst="textNoShape">
+              <a:avLst/>
+            </a:prstTxWarp>
+            <a:spAutoFit/>
+          </a:bodyPr>
+          <a:lstStyle/>
+          <a:p>
+            <a:pPr marL="0" marR="0" lvl="0" indent="0" algn="l" defTabSz="914400" rtl="0" eaLnBrk="0" fontAlgn="base" latinLnBrk="0" hangingPunct="0">
+              <a:lnSpc>
+                <a:spcPct val="100000"/>
+              </a:lnSpc>
+              <a:spcBef>
+                <a:spcPct val="0"/>
+              </a:spcBef>
+              <a:spcAft>
+                <a:spcPct val="0"/>
+              </a:spcAft>
+              <a:buClrTx/>
+              <a:buSzTx/>
+              <a:buFontTx/>
+              <a:buNone/>
+              <a:tabLst/>
+            </a:pPr>
+            <a:r>
+              <a:rPr kumimoji="0" lang="ru-RU" altLang="ru-RU" sz="300" b="1" i="0" u="none" strike="noStrike" cap="none" normalizeH="0" baseline="0">
+                <a:ln>
+                  <a:noFill/>
+                </a:ln>
+                <a:solidFill>
+                  <a:schemeClr val="tx1"/>
+                </a:solidFill>
+                <a:effectLst/>
+                <a:latin typeface="Arial" panose="020B0604020202020204" pitchFamily="34" charset="0"/>
+              </a:rPr>
+              <a:t>Authenticator</a:t>
+            </a:r>
+            <a:endParaRPr kumimoji="0" lang="ru-RU" altLang="ru-RU" sz="200" b="1" i="0" u="none" strike="noStrike" cap="none" normalizeH="0" baseline="0">
+              <a:ln>
+                <a:noFill/>
+              </a:ln>
+              <a:solidFill>
+                <a:schemeClr val="tx1"/>
+              </a:solidFill>
+              <a:effectLst/>
+              <a:latin typeface="Arial" panose="020B0604020202020204" pitchFamily="34" charset="0"/>
+            </a:endParaRPr>
+          </a:p>
+          <a:p>
+            <a:pPr marL="0" marR="0" lvl="0" indent="0" algn="l" defTabSz="914400" rtl="0" eaLnBrk="0" fontAlgn="base" latinLnBrk="0" hangingPunct="0">
+              <a:lnSpc>
+                <a:spcPct val="100000"/>
+              </a:lnSpc>
+              <a:spcBef>
+                <a:spcPct val="0"/>
+              </a:spcBef>
+              <a:spcAft>
+                <a:spcPct val="0"/>
+              </a:spcAft>
+              <a:buClrTx/>
+              <a:buSzTx/>
+              <a:buFontTx/>
+              <a:buNone/>
+              <a:tabLst/>
+            </a:pPr>
+            <a:endParaRPr kumimoji="0" lang="ru-RU" altLang="ru-RU" sz="1800" b="0" i="0" u="none" strike="noStrike" cap="none" normalizeH="0" baseline="0">
+              <a:ln>
+                <a:noFill/>
+              </a:ln>
+              <a:solidFill>
+                <a:schemeClr val="tx1"/>
+              </a:solidFill>
+              <a:effectLst/>
+              <a:latin typeface="Arial" panose="020B0604020202020204" pitchFamily="34" charset="0"/>
+            </a:endParaRPr>
+          </a:p>
+        </p:txBody>
+      </p:sp>
+      <p:sp>
+        <p:nvSpPr>
+          <p:cNvPr id="4" name="Номер слайда 3">
+            <a:extLst>
+              <a:ext uri="{FF2B5EF4-FFF2-40B4-BE49-F238E27FC236}">
+                <a16:creationId xmlns:a16="http://schemas.microsoft.com/office/drawing/2014/main" id="{B6084F2C-D079-4A3E-B51D-2E8680415742}"/>
+              </a:ext>
+            </a:extLst>
+          </p:cNvPr>
+          <p:cNvSpPr>
+            <a:spLocks noGrp="1"/>
+          </p:cNvSpPr>
+          <p:nvPr>
+            <p:ph type="sldNum" idx="12"/>
+          </p:nvPr>
+        </p:nvSpPr>
+        <p:spPr/>
+        <p:txBody>
+          <a:bodyPr/>
+          <a:lstStyle/>
+          <a:p>
+            <a:pPr marL="0" lvl="0" indent="0" algn="r" rtl="0">
+              <a:spcBef>
+                <a:spcPts val="0"/>
+              </a:spcBef>
+              <a:spcAft>
+                <a:spcPts val="0"/>
+              </a:spcAft>
+              <a:buNone/>
+            </a:pPr>
+            <a:fld id="{00000000-1234-1234-1234-123412341234}" type="slidenum">
+              <a:rPr lang="en-GB" smtClean="0"/>
+              <a:t>12</a:t>
+            </a:fld>
+            <a:endParaRPr lang="en-GB"/>
+          </a:p>
+        </p:txBody>
+      </p:sp>
+      <p:pic>
+        <p:nvPicPr>
+          <p:cNvPr id="1026" name="Picture 2" descr="PlantUML Diagram">
+            <a:extLst>
+              <a:ext uri="{FF2B5EF4-FFF2-40B4-BE49-F238E27FC236}">
+                <a16:creationId xmlns:a16="http://schemas.microsoft.com/office/drawing/2014/main" id="{6F03BB53-227E-4C4F-8AE1-B18B9E84CA4E}"/>
+              </a:ext>
+            </a:extLst>
+          </p:cNvPr>
+          <p:cNvPicPr>
+            <a:picLocks noChangeAspect="1" noChangeArrowheads="1"/>
+          </p:cNvPicPr>
+          <p:nvPr/>
+        </p:nvPicPr>
+        <p:blipFill>
+          <a:blip r:embed="rId3">
+            <a:extLst>
+              <a:ext uri="{28A0092B-C50C-407E-A947-70E740481C1C}">
+                <a14:useLocalDpi xmlns:a14="http://schemas.microsoft.com/office/drawing/2010/main" val="0"/>
+              </a:ext>
+            </a:extLst>
+          </a:blip>
+          <a:srcRect/>
+          <a:stretch>
+            <a:fillRect/>
+          </a:stretch>
+        </p:blipFill>
+        <p:spPr bwMode="auto">
+          <a:xfrm>
+            <a:off x="3024188" y="1143000"/>
+            <a:ext cx="3095625" cy="2857500"/>
+          </a:xfrm>
+          <a:prstGeom prst="rect">
+            <a:avLst/>
+          </a:prstGeom>
+          <a:noFill/>
+          <a:extLst>
+            <a:ext uri="{909E8E84-426E-40DD-AFC4-6F175D3DCCD1}">
+              <a14:hiddenFill xmlns:a14="http://schemas.microsoft.com/office/drawing/2010/main">
+                <a:solidFill>
+                  <a:srgbClr val="FFFFFF"/>
+                </a:solidFill>
+              </a14:hiddenFill>
+            </a:ext>
+          </a:extLst>
+        </p:spPr>
+      </p:pic>
+    </p:spTree>
+    <p:extLst>
+      <p:ext uri="{BB962C8B-B14F-4D97-AF65-F5344CB8AC3E}">
+        <p14:creationId xmlns:p14="http://schemas.microsoft.com/office/powerpoint/2010/main" val="4200662447"/>
+      </p:ext>
+    </p:extLst>
+  </p:cSld>
+  <p:clrMapOvr>
+    <a:masterClrMapping/>
+  </p:clrMapOvr>
+</p:sld>
+</file>
+
+<file path=ppt/slides/slide13.xml><?xml version="1.0" encoding="utf-8"?>
+<p:sld xmlns:a="http://schemas.openxmlformats.org/drawingml/2006/main" xmlns:r="http://schemas.openxmlformats.org/officeDocument/2006/relationships" xmlns:p="http://schemas.openxmlformats.org/presentationml/2006/main">
+  <p:cSld>
+    <p:spTree>
+      <p:nvGrpSpPr>
+        <p:cNvPr id="1" name="Shape 83"/>
+        <p:cNvGrpSpPr/>
+        <p:nvPr/>
+      </p:nvGrpSpPr>
+      <p:grpSpPr>
+        <a:xfrm>
+          <a:off x="0" y="0"/>
+          <a:ext cx="0" cy="0"/>
+          <a:chOff x="0" y="0"/>
+          <a:chExt cx="0" cy="0"/>
+        </a:xfrm>
+      </p:grpSpPr>
+      <p:sp>
+        <p:nvSpPr>
+          <p:cNvPr id="84" name="Google Shape;84;p18"/>
+          <p:cNvSpPr txBox="1">
+            <a:spLocks noGrp="1"/>
+          </p:cNvSpPr>
+          <p:nvPr>
+            <p:ph type="title"/>
+          </p:nvPr>
+        </p:nvSpPr>
+        <p:spPr>
+          <a:xfrm>
+            <a:off x="311700" y="182807"/>
+            <a:ext cx="8520600" cy="572700"/>
+          </a:xfrm>
+          <a:prstGeom prst="rect">
+            <a:avLst/>
+          </a:prstGeom>
+        </p:spPr>
+        <p:txBody>
+          <a:bodyPr spcFirstLastPara="1" wrap="square" lIns="91425" tIns="91425" rIns="91425" bIns="91425" anchor="t" anchorCtr="0">
+            <a:noAutofit/>
+          </a:bodyPr>
+          <a:lstStyle/>
+          <a:p>
+            <a:r>
+              <a:rPr lang="en-GB" dirty="0">
+                <a:effectLst>
+                  <a:outerShdw blurRad="38100" dist="38100" dir="2700000" algn="tl">
+                    <a:srgbClr val="000000">
+                      <a:alpha val="43137"/>
+                    </a:srgbClr>
+                  </a:outerShdw>
+                </a:effectLst>
+              </a:rPr>
+              <a:t>Logical data model </a:t>
+            </a:r>
+            <a:r>
+              <a:rPr lang="en-US" b="1" dirty="0" err="1">
+                <a:effectLst>
+                  <a:outerShdw blurRad="38100" dist="38100" dir="2700000" algn="tl">
+                    <a:srgbClr val="000000">
+                      <a:alpha val="43137"/>
+                    </a:srgbClr>
+                  </a:outerShdw>
+                </a:effectLst>
+              </a:rPr>
+              <a:t>ServiceDeployer</a:t>
+            </a:r>
+            <a:endParaRPr dirty="0">
+              <a:effectLst>
+                <a:outerShdw blurRad="38100" dist="38100" dir="2700000" algn="tl">
+                  <a:srgbClr val="000000">
+                    <a:alpha val="43137"/>
+                  </a:srgbClr>
+                </a:outerShdw>
+              </a:effectLst>
+            </a:endParaRPr>
+          </a:p>
+        </p:txBody>
+      </p:sp>
+      <p:sp>
+        <p:nvSpPr>
+          <p:cNvPr id="2" name="Rectangle 1">
+            <a:extLst>
+              <a:ext uri="{FF2B5EF4-FFF2-40B4-BE49-F238E27FC236}">
+                <a16:creationId xmlns:a16="http://schemas.microsoft.com/office/drawing/2014/main" id="{575A1C00-12C6-44D1-8DDB-5947204B7660}"/>
+              </a:ext>
+            </a:extLst>
+          </p:cNvPr>
+          <p:cNvSpPr>
+            <a:spLocks noChangeArrowheads="1"/>
+          </p:cNvSpPr>
+          <p:nvPr/>
+        </p:nvSpPr>
+        <p:spPr bwMode="auto">
+          <a:xfrm>
+            <a:off x="0" y="0"/>
+            <a:ext cx="9144000" cy="0"/>
+          </a:xfrm>
+          <a:prstGeom prst="rect">
+            <a:avLst/>
+          </a:prstGeom>
+          <a:noFill/>
+          <a:ln>
+            <a:noFill/>
+          </a:ln>
+          <a:effectLst/>
+          <a:extLst>
+            <a:ext uri="{909E8E84-426E-40DD-AFC4-6F175D3DCCD1}">
+              <a14:hiddenFill xmlns:a14="http://schemas.microsoft.com/office/drawing/2010/main">
+                <a:solidFill>
+                  <a:schemeClr val="accent1"/>
+                </a:solidFill>
+              </a14:hiddenFill>
+            </a:ext>
+            <a:ext uri="{91240B29-F687-4F45-9708-019B960494DF}">
+              <a14:hiddenLine xmlns:a14="http://schemas.microsoft.com/office/drawing/2010/main" w="9525">
+                <a:solidFill>
+                  <a:schemeClr val="tx1"/>
+                </a:solidFill>
+                <a:miter lim="800000"/>
+                <a:headEnd/>
+                <a:tailEnd/>
+              </a14:hiddenLine>
+            </a:ext>
+            <a:ext uri="{AF507438-7753-43E0-B8FC-AC1667EBCBE1}">
+              <a14:hiddenEffects xmlns:a14="http://schemas.microsoft.com/office/drawing/2010/main">
+                <a:effectLst>
+                  <a:outerShdw dist="35921" dir="2700000" algn="ctr" rotWithShape="0">
+                    <a:schemeClr val="bg2"/>
+                  </a:outerShdw>
+                </a:effectLst>
+              </a14:hiddenEffects>
+            </a:ext>
+          </a:extLst>
+        </p:spPr>
+        <p:txBody>
+          <a:bodyPr vert="horz" wrap="none" lIns="91440" tIns="45720" rIns="91440" bIns="45720" numCol="1" anchor="ctr" anchorCtr="0" compatLnSpc="1">
+            <a:prstTxWarp prst="textNoShape">
+              <a:avLst/>
+            </a:prstTxWarp>
+            <a:spAutoFit/>
+          </a:bodyPr>
+          <a:lstStyle/>
+          <a:p>
+            <a:pPr marL="0" marR="0" lvl="0" indent="0" algn="l" defTabSz="914400" rtl="0" eaLnBrk="0" fontAlgn="base" latinLnBrk="0" hangingPunct="0">
+              <a:lnSpc>
+                <a:spcPct val="100000"/>
+              </a:lnSpc>
+              <a:spcBef>
+                <a:spcPct val="0"/>
+              </a:spcBef>
+              <a:spcAft>
+                <a:spcPct val="0"/>
+              </a:spcAft>
+              <a:buClrTx/>
+              <a:buSzTx/>
+              <a:buFontTx/>
+              <a:buNone/>
+              <a:tabLst/>
+            </a:pPr>
+            <a:r>
+              <a:rPr kumimoji="0" lang="ru-RU" altLang="ru-RU" sz="300" b="1" i="0" u="none" strike="noStrike" cap="none" normalizeH="0" baseline="0">
+                <a:ln>
+                  <a:noFill/>
+                </a:ln>
+                <a:solidFill>
+                  <a:schemeClr val="tx1"/>
+                </a:solidFill>
+                <a:effectLst/>
+                <a:latin typeface="Arial" panose="020B0604020202020204" pitchFamily="34" charset="0"/>
+              </a:rPr>
+              <a:t>Authenticator</a:t>
+            </a:r>
+            <a:endParaRPr kumimoji="0" lang="ru-RU" altLang="ru-RU" sz="200" b="1" i="0" u="none" strike="noStrike" cap="none" normalizeH="0" baseline="0">
+              <a:ln>
+                <a:noFill/>
+              </a:ln>
+              <a:solidFill>
+                <a:schemeClr val="tx1"/>
+              </a:solidFill>
+              <a:effectLst/>
+              <a:latin typeface="Arial" panose="020B0604020202020204" pitchFamily="34" charset="0"/>
+            </a:endParaRPr>
+          </a:p>
+          <a:p>
+            <a:pPr marL="0" marR="0" lvl="0" indent="0" algn="l" defTabSz="914400" rtl="0" eaLnBrk="0" fontAlgn="base" latinLnBrk="0" hangingPunct="0">
+              <a:lnSpc>
+                <a:spcPct val="100000"/>
+              </a:lnSpc>
+              <a:spcBef>
+                <a:spcPct val="0"/>
+              </a:spcBef>
+              <a:spcAft>
+                <a:spcPct val="0"/>
+              </a:spcAft>
+              <a:buClrTx/>
+              <a:buSzTx/>
+              <a:buFontTx/>
+              <a:buNone/>
+              <a:tabLst/>
+            </a:pPr>
+            <a:endParaRPr kumimoji="0" lang="ru-RU" altLang="ru-RU" sz="1800" b="0" i="0" u="none" strike="noStrike" cap="none" normalizeH="0" baseline="0">
+              <a:ln>
+                <a:noFill/>
+              </a:ln>
+              <a:solidFill>
+                <a:schemeClr val="tx1"/>
+              </a:solidFill>
+              <a:effectLst/>
+              <a:latin typeface="Arial" panose="020B0604020202020204" pitchFamily="34" charset="0"/>
+            </a:endParaRPr>
+          </a:p>
+        </p:txBody>
+      </p:sp>
+      <p:sp>
+        <p:nvSpPr>
+          <p:cNvPr id="4" name="Номер слайда 3">
+            <a:extLst>
+              <a:ext uri="{FF2B5EF4-FFF2-40B4-BE49-F238E27FC236}">
+                <a16:creationId xmlns:a16="http://schemas.microsoft.com/office/drawing/2014/main" id="{B6084F2C-D079-4A3E-B51D-2E8680415742}"/>
+              </a:ext>
+            </a:extLst>
+          </p:cNvPr>
+          <p:cNvSpPr>
+            <a:spLocks noGrp="1"/>
+          </p:cNvSpPr>
+          <p:nvPr>
+            <p:ph type="sldNum" idx="12"/>
+          </p:nvPr>
+        </p:nvSpPr>
+        <p:spPr/>
+        <p:txBody>
+          <a:bodyPr/>
+          <a:lstStyle/>
+          <a:p>
+            <a:pPr marL="0" lvl="0" indent="0" algn="r" rtl="0">
+              <a:spcBef>
+                <a:spcPts val="0"/>
+              </a:spcBef>
+              <a:spcAft>
+                <a:spcPts val="0"/>
+              </a:spcAft>
+              <a:buNone/>
+            </a:pPr>
+            <a:fld id="{00000000-1234-1234-1234-123412341234}" type="slidenum">
+              <a:rPr lang="en-GB" smtClean="0"/>
+              <a:t>13</a:t>
+            </a:fld>
+            <a:endParaRPr lang="en-GB"/>
+          </a:p>
+        </p:txBody>
+      </p:sp>
+      <p:pic>
+        <p:nvPicPr>
+          <p:cNvPr id="2050" name="Picture 2" descr="PlantUML Diagram">
+            <a:extLst>
+              <a:ext uri="{FF2B5EF4-FFF2-40B4-BE49-F238E27FC236}">
+                <a16:creationId xmlns:a16="http://schemas.microsoft.com/office/drawing/2014/main" id="{19CF0A55-CF2D-4861-9449-655585CE1D0B}"/>
+              </a:ext>
+            </a:extLst>
+          </p:cNvPr>
+          <p:cNvPicPr>
+            <a:picLocks noChangeAspect="1" noChangeArrowheads="1"/>
+          </p:cNvPicPr>
+          <p:nvPr/>
+        </p:nvPicPr>
+        <p:blipFill>
+          <a:blip r:embed="rId3">
+            <a:extLst>
+              <a:ext uri="{28A0092B-C50C-407E-A947-70E740481C1C}">
+                <a14:useLocalDpi xmlns:a14="http://schemas.microsoft.com/office/drawing/2010/main" val="0"/>
+              </a:ext>
+            </a:extLst>
+          </a:blip>
+          <a:srcRect/>
+          <a:stretch>
+            <a:fillRect/>
+          </a:stretch>
+        </p:blipFill>
+        <p:spPr bwMode="auto">
+          <a:xfrm>
+            <a:off x="2090737" y="1047249"/>
+            <a:ext cx="4962525" cy="3324225"/>
+          </a:xfrm>
+          <a:prstGeom prst="rect">
+            <a:avLst/>
+          </a:prstGeom>
+          <a:noFill/>
+          <a:extLst>
+            <a:ext uri="{909E8E84-426E-40DD-AFC4-6F175D3DCCD1}">
+              <a14:hiddenFill xmlns:a14="http://schemas.microsoft.com/office/drawing/2010/main">
+                <a:solidFill>
+                  <a:srgbClr val="FFFFFF"/>
+                </a:solidFill>
+              </a14:hiddenFill>
+            </a:ext>
+          </a:extLst>
+        </p:spPr>
+      </p:pic>
+    </p:spTree>
+    <p:extLst>
+      <p:ext uri="{BB962C8B-B14F-4D97-AF65-F5344CB8AC3E}">
+        <p14:creationId xmlns:p14="http://schemas.microsoft.com/office/powerpoint/2010/main" val="1547399202"/>
+      </p:ext>
+    </p:extLst>
+  </p:cSld>
+  <p:clrMapOvr>
+    <a:masterClrMapping/>
+  </p:clrMapOvr>
+</p:sld>
+</file>
+
+<file path=ppt/slides/slide14.xml><?xml version="1.0" encoding="utf-8"?>
+<p:sld xmlns:a="http://schemas.openxmlformats.org/drawingml/2006/main" xmlns:r="http://schemas.openxmlformats.org/officeDocument/2006/relationships" xmlns:p="http://schemas.openxmlformats.org/presentationml/2006/main">
+  <p:cSld>
+    <p:spTree>
+      <p:nvGrpSpPr>
+        <p:cNvPr id="1" name="Shape 83"/>
+        <p:cNvGrpSpPr/>
+        <p:nvPr/>
+      </p:nvGrpSpPr>
+      <p:grpSpPr>
+        <a:xfrm>
+          <a:off x="0" y="0"/>
+          <a:ext cx="0" cy="0"/>
+          <a:chOff x="0" y="0"/>
+          <a:chExt cx="0" cy="0"/>
+        </a:xfrm>
+      </p:grpSpPr>
+      <p:sp>
+        <p:nvSpPr>
+          <p:cNvPr id="84" name="Google Shape;84;p18"/>
+          <p:cNvSpPr txBox="1">
+            <a:spLocks noGrp="1"/>
+          </p:cNvSpPr>
+          <p:nvPr>
+            <p:ph type="title"/>
+          </p:nvPr>
+        </p:nvSpPr>
+        <p:spPr>
+          <a:xfrm>
+            <a:off x="311700" y="209702"/>
+            <a:ext cx="8520600" cy="572700"/>
+          </a:xfrm>
+          <a:prstGeom prst="rect">
+            <a:avLst/>
+          </a:prstGeom>
+        </p:spPr>
+        <p:txBody>
+          <a:bodyPr spcFirstLastPara="1" wrap="square" lIns="91425" tIns="91425" rIns="91425" bIns="91425" anchor="t" anchorCtr="0">
+            <a:noAutofit/>
+          </a:bodyPr>
+          <a:lstStyle/>
+          <a:p>
+            <a:r>
+              <a:rPr lang="en-GB" dirty="0">
+                <a:effectLst>
+                  <a:outerShdw blurRad="38100" dist="38100" dir="2700000" algn="tl">
+                    <a:srgbClr val="000000">
+                      <a:alpha val="43137"/>
+                    </a:srgbClr>
+                  </a:outerShdw>
+                </a:effectLst>
+              </a:rPr>
+              <a:t>API usage </a:t>
+            </a:r>
+            <a:r>
+              <a:rPr lang="en-US" b="1" dirty="0" err="1">
+                <a:effectLst>
+                  <a:outerShdw blurRad="38100" dist="38100" dir="2700000" algn="tl">
+                    <a:srgbClr val="000000">
+                      <a:alpha val="43137"/>
+                    </a:srgbClr>
+                  </a:outerShdw>
+                </a:effectLst>
+              </a:rPr>
+              <a:t>ServiceDeployer</a:t>
+            </a:r>
+            <a:endParaRPr dirty="0">
+              <a:effectLst>
+                <a:outerShdw blurRad="38100" dist="38100" dir="2700000" algn="tl">
+                  <a:srgbClr val="000000">
+                    <a:alpha val="43137"/>
+                  </a:srgbClr>
+                </a:outerShdw>
+              </a:effectLst>
+            </a:endParaRPr>
+          </a:p>
+        </p:txBody>
+      </p:sp>
+      <p:sp>
+        <p:nvSpPr>
+          <p:cNvPr id="86" name="Google Shape;86;p18"/>
+          <p:cNvSpPr txBox="1">
+            <a:spLocks noGrp="1"/>
+          </p:cNvSpPr>
+          <p:nvPr>
+            <p:ph type="body" idx="1"/>
+          </p:nvPr>
+        </p:nvSpPr>
+        <p:spPr>
+          <a:xfrm>
+            <a:off x="311700" y="1152475"/>
+            <a:ext cx="3000300" cy="3416400"/>
+          </a:xfrm>
+          <a:prstGeom prst="rect">
+            <a:avLst/>
+          </a:prstGeom>
+        </p:spPr>
+        <p:txBody>
+          <a:bodyPr spcFirstLastPara="1" wrap="square" lIns="91425" tIns="91425" rIns="91425" bIns="91425" anchor="t" anchorCtr="0">
+            <a:noAutofit/>
+          </a:bodyPr>
+          <a:lstStyle/>
+          <a:p>
+            <a:pPr marL="0" lvl="0" indent="0" algn="l" rtl="0">
+              <a:spcBef>
+                <a:spcPts val="0"/>
+              </a:spcBef>
+              <a:spcAft>
+                <a:spcPts val="0"/>
+              </a:spcAft>
+              <a:buNone/>
+            </a:pPr>
+            <a:r>
+              <a:rPr lang="en-US" b="1" dirty="0">
+                <a:solidFill>
+                  <a:schemeClr val="tx1"/>
+                </a:solidFill>
+              </a:rPr>
+              <a:t>Use Case</a:t>
+            </a:r>
+            <a:r>
+              <a:rPr lang="en-US" dirty="0">
+                <a:solidFill>
+                  <a:schemeClr val="tx1"/>
+                </a:solidFill>
+              </a:rPr>
+              <a:t>: Deploy Service</a:t>
+            </a:r>
+          </a:p>
+          <a:p>
+            <a:pPr marL="0" lvl="0" indent="0" algn="l" rtl="0">
+              <a:spcBef>
+                <a:spcPts val="0"/>
+              </a:spcBef>
+              <a:spcAft>
+                <a:spcPts val="0"/>
+              </a:spcAft>
+              <a:buNone/>
+            </a:pPr>
+            <a:r>
+              <a:rPr lang="en-US" b="1" dirty="0">
+                <a:solidFill>
+                  <a:schemeClr val="tx1"/>
+                </a:solidFill>
+              </a:rPr>
+              <a:t>Scenario</a:t>
+            </a:r>
+            <a:r>
+              <a:rPr lang="en-US" dirty="0">
+                <a:solidFill>
+                  <a:schemeClr val="tx1"/>
+                </a:solidFill>
+              </a:rPr>
+              <a:t>:</a:t>
+            </a:r>
+          </a:p>
+          <a:p>
+            <a:pPr marL="0" lvl="0" indent="0" algn="l" rtl="0">
+              <a:spcBef>
+                <a:spcPts val="0"/>
+              </a:spcBef>
+              <a:spcAft>
+                <a:spcPts val="0"/>
+              </a:spcAft>
+              <a:buNone/>
+            </a:pPr>
+            <a:r>
+              <a:rPr lang="en-US" dirty="0">
+                <a:solidFill>
+                  <a:schemeClr val="tx1"/>
+                </a:solidFill>
+              </a:rPr>
+              <a:t>User sends request to deploy ML Model</a:t>
+            </a:r>
+          </a:p>
+          <a:p>
+            <a:pPr marL="0" lvl="0" indent="0" algn="l" rtl="0">
+              <a:spcBef>
+                <a:spcPts val="0"/>
+              </a:spcBef>
+              <a:spcAft>
+                <a:spcPts val="0"/>
+              </a:spcAft>
+              <a:buNone/>
+            </a:pPr>
+            <a:r>
+              <a:rPr lang="en-US" dirty="0">
+                <a:solidFill>
+                  <a:schemeClr val="tx1"/>
+                </a:solidFill>
+              </a:rPr>
+              <a:t>ML Wrappers creates docker container</a:t>
+            </a:r>
+          </a:p>
+          <a:p>
+            <a:pPr marL="0" lvl="0" indent="0" algn="l" rtl="0">
+              <a:spcBef>
+                <a:spcPts val="0"/>
+              </a:spcBef>
+              <a:spcAft>
+                <a:spcPts val="0"/>
+              </a:spcAft>
+              <a:buNone/>
+            </a:pPr>
+            <a:r>
+              <a:rPr lang="en-US" dirty="0">
+                <a:solidFill>
+                  <a:schemeClr val="tx1"/>
+                </a:solidFill>
+              </a:rPr>
+              <a:t>Docker container is deployed via service into K8s</a:t>
+            </a:r>
+          </a:p>
+        </p:txBody>
+      </p:sp>
+      <p:pic>
+        <p:nvPicPr>
+          <p:cNvPr id="5" name="Picture 4">
+            <a:extLst>
+              <a:ext uri="{FF2B5EF4-FFF2-40B4-BE49-F238E27FC236}">
+                <a16:creationId xmlns:a16="http://schemas.microsoft.com/office/drawing/2014/main" id="{F27EAB64-52E9-4F07-B4D9-407AD54431C9}"/>
+              </a:ext>
+            </a:extLst>
+          </p:cNvPr>
+          <p:cNvPicPr>
+            <a:picLocks noChangeAspect="1"/>
+          </p:cNvPicPr>
+          <p:nvPr/>
+        </p:nvPicPr>
+        <p:blipFill>
+          <a:blip r:embed="rId3"/>
+          <a:stretch>
+            <a:fillRect/>
+          </a:stretch>
+        </p:blipFill>
+        <p:spPr>
+          <a:xfrm>
+            <a:off x="3626541" y="1017725"/>
+            <a:ext cx="5205759" cy="3451009"/>
+          </a:xfrm>
+          <a:prstGeom prst="rect">
+            <a:avLst/>
+          </a:prstGeom>
+        </p:spPr>
+      </p:pic>
+      <p:sp>
+        <p:nvSpPr>
+          <p:cNvPr id="3" name="Номер слайда 2">
+            <a:extLst>
+              <a:ext uri="{FF2B5EF4-FFF2-40B4-BE49-F238E27FC236}">
+                <a16:creationId xmlns:a16="http://schemas.microsoft.com/office/drawing/2014/main" id="{3863259A-7CEE-49BB-9562-F93C8BD5800E}"/>
+              </a:ext>
+            </a:extLst>
+          </p:cNvPr>
+          <p:cNvSpPr>
+            <a:spLocks noGrp="1"/>
+          </p:cNvSpPr>
+          <p:nvPr>
+            <p:ph type="sldNum" idx="12"/>
+          </p:nvPr>
+        </p:nvSpPr>
+        <p:spPr/>
+        <p:txBody>
+          <a:bodyPr/>
+          <a:lstStyle/>
+          <a:p>
+            <a:pPr marL="0" lvl="0" indent="0" algn="r" rtl="0">
+              <a:spcBef>
+                <a:spcPts val="0"/>
+              </a:spcBef>
+              <a:spcAft>
+                <a:spcPts val="0"/>
+              </a:spcAft>
+              <a:buNone/>
+            </a:pPr>
+            <a:fld id="{00000000-1234-1234-1234-123412341234}" type="slidenum">
+              <a:rPr lang="en-GB" smtClean="0"/>
+              <a:t>14</a:t>
+            </a:fld>
+            <a:endParaRPr lang="en-GB"/>
+          </a:p>
+        </p:txBody>
+      </p:sp>
+    </p:spTree>
+  </p:cSld>
+  <p:clrMapOvr>
+    <a:masterClrMapping/>
+  </p:clrMapOvr>
+</p:sld>
+</file>
+
+<file path=ppt/slides/slide15.xml><?xml version="1.0" encoding="utf-8"?>
+<p:sld xmlns:a="http://schemas.openxmlformats.org/drawingml/2006/main" xmlns:r="http://schemas.openxmlformats.org/officeDocument/2006/relationships" xmlns:p="http://schemas.openxmlformats.org/presentationml/2006/main">
+  <p:cSld>
+    <p:spTree>
+      <p:nvGrpSpPr>
+        <p:cNvPr id="1" name="Shape 83"/>
+        <p:cNvGrpSpPr/>
+        <p:nvPr/>
+      </p:nvGrpSpPr>
+      <p:grpSpPr>
+        <a:xfrm>
+          <a:off x="0" y="0"/>
+          <a:ext cx="0" cy="0"/>
+          <a:chOff x="0" y="0"/>
+          <a:chExt cx="0" cy="0"/>
+        </a:xfrm>
+      </p:grpSpPr>
+      <p:sp>
+        <p:nvSpPr>
+          <p:cNvPr id="84" name="Google Shape;84;p18"/>
+          <p:cNvSpPr txBox="1">
+            <a:spLocks noGrp="1"/>
+          </p:cNvSpPr>
+          <p:nvPr>
+            <p:ph type="title"/>
+          </p:nvPr>
+        </p:nvSpPr>
+        <p:spPr>
+          <a:xfrm>
+            <a:off x="311700" y="182807"/>
+            <a:ext cx="8520600" cy="572700"/>
+          </a:xfrm>
+          <a:prstGeom prst="rect">
+            <a:avLst/>
+          </a:prstGeom>
+        </p:spPr>
+        <p:txBody>
+          <a:bodyPr spcFirstLastPara="1" wrap="square" lIns="91425" tIns="91425" rIns="91425" bIns="91425" anchor="t" anchorCtr="0">
+            <a:noAutofit/>
+          </a:bodyPr>
+          <a:lstStyle/>
+          <a:p>
+            <a:r>
+              <a:rPr lang="en-GB" dirty="0">
+                <a:effectLst>
+                  <a:outerShdw blurRad="38100" dist="38100" dir="2700000" algn="tl">
+                    <a:srgbClr val="000000">
+                      <a:alpha val="43137"/>
+                    </a:srgbClr>
+                  </a:outerShdw>
+                </a:effectLst>
+              </a:rPr>
+              <a:t>Physical schema </a:t>
+            </a:r>
+            <a:r>
+              <a:rPr lang="en-US" b="1" dirty="0" err="1">
+                <a:effectLst>
+                  <a:outerShdw blurRad="38100" dist="38100" dir="2700000" algn="tl">
+                    <a:srgbClr val="000000">
+                      <a:alpha val="43137"/>
+                    </a:srgbClr>
+                  </a:outerShdw>
+                </a:effectLst>
+              </a:rPr>
+              <a:t>ServiceDeployer</a:t>
+            </a:r>
+            <a:endParaRPr dirty="0">
+              <a:effectLst>
+                <a:outerShdw blurRad="38100" dist="38100" dir="2700000" algn="tl">
+                  <a:srgbClr val="000000">
+                    <a:alpha val="43137"/>
+                  </a:srgbClr>
+                </a:outerShdw>
+              </a:effectLst>
+            </a:endParaRPr>
+          </a:p>
+        </p:txBody>
+      </p:sp>
+      <p:sp>
+        <p:nvSpPr>
+          <p:cNvPr id="2" name="Rectangle 1">
+            <a:extLst>
+              <a:ext uri="{FF2B5EF4-FFF2-40B4-BE49-F238E27FC236}">
+                <a16:creationId xmlns:a16="http://schemas.microsoft.com/office/drawing/2014/main" id="{575A1C00-12C6-44D1-8DDB-5947204B7660}"/>
+              </a:ext>
+            </a:extLst>
+          </p:cNvPr>
+          <p:cNvSpPr>
+            <a:spLocks noChangeArrowheads="1"/>
+          </p:cNvSpPr>
+          <p:nvPr/>
+        </p:nvSpPr>
+        <p:spPr bwMode="auto">
+          <a:xfrm>
+            <a:off x="0" y="0"/>
+            <a:ext cx="9144000" cy="0"/>
+          </a:xfrm>
+          <a:prstGeom prst="rect">
+            <a:avLst/>
+          </a:prstGeom>
+          <a:noFill/>
+          <a:ln>
+            <a:noFill/>
+          </a:ln>
+          <a:effectLst/>
+          <a:extLst>
+            <a:ext uri="{909E8E84-426E-40DD-AFC4-6F175D3DCCD1}">
+              <a14:hiddenFill xmlns:a14="http://schemas.microsoft.com/office/drawing/2010/main">
+                <a:solidFill>
+                  <a:schemeClr val="accent1"/>
+                </a:solidFill>
+              </a14:hiddenFill>
+            </a:ext>
+            <a:ext uri="{91240B29-F687-4F45-9708-019B960494DF}">
+              <a14:hiddenLine xmlns:a14="http://schemas.microsoft.com/office/drawing/2010/main" w="9525">
+                <a:solidFill>
+                  <a:schemeClr val="tx1"/>
+                </a:solidFill>
+                <a:miter lim="800000"/>
+                <a:headEnd/>
+                <a:tailEnd/>
+              </a14:hiddenLine>
+            </a:ext>
+            <a:ext uri="{AF507438-7753-43E0-B8FC-AC1667EBCBE1}">
+              <a14:hiddenEffects xmlns:a14="http://schemas.microsoft.com/office/drawing/2010/main">
+                <a:effectLst>
+                  <a:outerShdw dist="35921" dir="2700000" algn="ctr" rotWithShape="0">
+                    <a:schemeClr val="bg2"/>
+                  </a:outerShdw>
+                </a:effectLst>
+              </a14:hiddenEffects>
+            </a:ext>
+          </a:extLst>
+        </p:spPr>
+        <p:txBody>
+          <a:bodyPr vert="horz" wrap="none" lIns="91440" tIns="45720" rIns="91440" bIns="45720" numCol="1" anchor="ctr" anchorCtr="0" compatLnSpc="1">
+            <a:prstTxWarp prst="textNoShape">
+              <a:avLst/>
+            </a:prstTxWarp>
+            <a:spAutoFit/>
+          </a:bodyPr>
+          <a:lstStyle/>
+          <a:p>
+            <a:pPr marL="0" marR="0" lvl="0" indent="0" algn="l" defTabSz="914400" rtl="0" eaLnBrk="0" fontAlgn="base" latinLnBrk="0" hangingPunct="0">
+              <a:lnSpc>
+                <a:spcPct val="100000"/>
+              </a:lnSpc>
+              <a:spcBef>
+                <a:spcPct val="0"/>
+              </a:spcBef>
+              <a:spcAft>
+                <a:spcPct val="0"/>
+              </a:spcAft>
+              <a:buClrTx/>
+              <a:buSzTx/>
+              <a:buFontTx/>
+              <a:buNone/>
+              <a:tabLst/>
+            </a:pPr>
+            <a:r>
+              <a:rPr kumimoji="0" lang="ru-RU" altLang="ru-RU" sz="300" b="1" i="0" u="none" strike="noStrike" cap="none" normalizeH="0" baseline="0">
+                <a:ln>
+                  <a:noFill/>
+                </a:ln>
+                <a:solidFill>
+                  <a:schemeClr val="tx1"/>
+                </a:solidFill>
+                <a:effectLst/>
+                <a:latin typeface="Arial" panose="020B0604020202020204" pitchFamily="34" charset="0"/>
+              </a:rPr>
+              <a:t>Authenticator</a:t>
+            </a:r>
+            <a:endParaRPr kumimoji="0" lang="ru-RU" altLang="ru-RU" sz="200" b="1" i="0" u="none" strike="noStrike" cap="none" normalizeH="0" baseline="0">
+              <a:ln>
+                <a:noFill/>
+              </a:ln>
+              <a:solidFill>
+                <a:schemeClr val="tx1"/>
+              </a:solidFill>
+              <a:effectLst/>
+              <a:latin typeface="Arial" panose="020B0604020202020204" pitchFamily="34" charset="0"/>
+            </a:endParaRPr>
+          </a:p>
+          <a:p>
+            <a:pPr marL="0" marR="0" lvl="0" indent="0" algn="l" defTabSz="914400" rtl="0" eaLnBrk="0" fontAlgn="base" latinLnBrk="0" hangingPunct="0">
+              <a:lnSpc>
+                <a:spcPct val="100000"/>
+              </a:lnSpc>
+              <a:spcBef>
+                <a:spcPct val="0"/>
+              </a:spcBef>
+              <a:spcAft>
+                <a:spcPct val="0"/>
+              </a:spcAft>
+              <a:buClrTx/>
+              <a:buSzTx/>
+              <a:buFontTx/>
+              <a:buNone/>
+              <a:tabLst/>
+            </a:pPr>
+            <a:endParaRPr kumimoji="0" lang="ru-RU" altLang="ru-RU" sz="1800" b="0" i="0" u="none" strike="noStrike" cap="none" normalizeH="0" baseline="0">
+              <a:ln>
+                <a:noFill/>
+              </a:ln>
+              <a:solidFill>
+                <a:schemeClr val="tx1"/>
+              </a:solidFill>
+              <a:effectLst/>
+              <a:latin typeface="Arial" panose="020B0604020202020204" pitchFamily="34" charset="0"/>
+            </a:endParaRPr>
+          </a:p>
+        </p:txBody>
+      </p:sp>
+      <p:sp>
+        <p:nvSpPr>
+          <p:cNvPr id="4" name="Номер слайда 3">
+            <a:extLst>
+              <a:ext uri="{FF2B5EF4-FFF2-40B4-BE49-F238E27FC236}">
+                <a16:creationId xmlns:a16="http://schemas.microsoft.com/office/drawing/2014/main" id="{B6084F2C-D079-4A3E-B51D-2E8680415742}"/>
+              </a:ext>
+            </a:extLst>
+          </p:cNvPr>
+          <p:cNvSpPr>
+            <a:spLocks noGrp="1"/>
+          </p:cNvSpPr>
+          <p:nvPr>
+            <p:ph type="sldNum" idx="12"/>
+          </p:nvPr>
+        </p:nvSpPr>
+        <p:spPr/>
+        <p:txBody>
+          <a:bodyPr/>
+          <a:lstStyle/>
+          <a:p>
+            <a:pPr marL="0" lvl="0" indent="0" algn="r" rtl="0">
+              <a:spcBef>
+                <a:spcPts val="0"/>
+              </a:spcBef>
+              <a:spcAft>
+                <a:spcPts val="0"/>
+              </a:spcAft>
+              <a:buNone/>
+            </a:pPr>
+            <a:fld id="{00000000-1234-1234-1234-123412341234}" type="slidenum">
+              <a:rPr lang="en-GB" smtClean="0"/>
+              <a:t>15</a:t>
+            </a:fld>
+            <a:endParaRPr lang="en-GB"/>
+          </a:p>
+        </p:txBody>
+      </p:sp>
+      <p:pic>
+        <p:nvPicPr>
+          <p:cNvPr id="3074" name="Picture 2" descr="PlantUML Diagram">
+            <a:extLst>
+              <a:ext uri="{FF2B5EF4-FFF2-40B4-BE49-F238E27FC236}">
+                <a16:creationId xmlns:a16="http://schemas.microsoft.com/office/drawing/2014/main" id="{85D032A9-1CA6-4893-9797-0787E9862734}"/>
+              </a:ext>
+            </a:extLst>
+          </p:cNvPr>
+          <p:cNvPicPr>
+            <a:picLocks noChangeAspect="1" noChangeArrowheads="1"/>
+          </p:cNvPicPr>
+          <p:nvPr/>
+        </p:nvPicPr>
+        <p:blipFill>
+          <a:blip r:embed="rId3">
+            <a:extLst>
+              <a:ext uri="{28A0092B-C50C-407E-A947-70E740481C1C}">
+                <a14:useLocalDpi xmlns:a14="http://schemas.microsoft.com/office/drawing/2010/main" val="0"/>
+              </a:ext>
+            </a:extLst>
+          </a:blip>
+          <a:srcRect/>
+          <a:stretch>
+            <a:fillRect/>
+          </a:stretch>
+        </p:blipFill>
+        <p:spPr bwMode="auto">
+          <a:xfrm>
+            <a:off x="3024187" y="1062038"/>
+            <a:ext cx="3095625" cy="3476625"/>
+          </a:xfrm>
+          <a:prstGeom prst="rect">
+            <a:avLst/>
+          </a:prstGeom>
+          <a:noFill/>
+          <a:extLst>
+            <a:ext uri="{909E8E84-426E-40DD-AFC4-6F175D3DCCD1}">
+              <a14:hiddenFill xmlns:a14="http://schemas.microsoft.com/office/drawing/2010/main">
+                <a:solidFill>
+                  <a:srgbClr val="FFFFFF"/>
+                </a:solidFill>
+              </a14:hiddenFill>
+            </a:ext>
+          </a:extLst>
+        </p:spPr>
+      </p:pic>
+    </p:spTree>
+    <p:extLst>
+      <p:ext uri="{BB962C8B-B14F-4D97-AF65-F5344CB8AC3E}">
+        <p14:creationId xmlns:p14="http://schemas.microsoft.com/office/powerpoint/2010/main" val="4245926538"/>
+      </p:ext>
+    </p:extLst>
+  </p:cSld>
+  <p:clrMapOvr>
+    <a:masterClrMapping/>
+  </p:clrMapOvr>
+</p:sld>
+</file>
+
+<file path=ppt/slides/slide16.xml><?xml version="1.0" encoding="utf-8"?>
+<p:sld xmlns:a="http://schemas.openxmlformats.org/drawingml/2006/main" xmlns:r="http://schemas.openxmlformats.org/officeDocument/2006/relationships" xmlns:p="http://schemas.openxmlformats.org/presentationml/2006/main">
+  <p:cSld>
+    <p:spTree>
+      <p:nvGrpSpPr>
+        <p:cNvPr id="1" name="Shape 92"/>
+        <p:cNvGrpSpPr/>
+        <p:nvPr/>
+      </p:nvGrpSpPr>
+      <p:grpSpPr>
+        <a:xfrm>
+          <a:off x="0" y="0"/>
+          <a:ext cx="0" cy="0"/>
+          <a:chOff x="0" y="0"/>
+          <a:chExt cx="0" cy="0"/>
+        </a:xfrm>
+      </p:grpSpPr>
+      <p:sp>
+        <p:nvSpPr>
+          <p:cNvPr id="93" name="Google Shape;93;p19"/>
+          <p:cNvSpPr txBox="1">
+            <a:spLocks noGrp="1"/>
+          </p:cNvSpPr>
+          <p:nvPr>
+            <p:ph type="title"/>
+          </p:nvPr>
+        </p:nvSpPr>
+        <p:spPr>
+          <a:xfrm>
+            <a:off x="231018" y="182808"/>
+            <a:ext cx="8520600" cy="572700"/>
+          </a:xfrm>
+          <a:prstGeom prst="rect">
+            <a:avLst/>
+          </a:prstGeom>
+        </p:spPr>
+        <p:txBody>
+          <a:bodyPr spcFirstLastPara="1" wrap="square" lIns="91425" tIns="91425" rIns="91425" bIns="91425" anchor="t" anchorCtr="0">
+            <a:noAutofit/>
+          </a:bodyPr>
+          <a:lstStyle/>
+          <a:p>
+            <a:pPr marL="0" lvl="0" indent="0" algn="l" rtl="0">
+              <a:spcBef>
+                <a:spcPts val="0"/>
+              </a:spcBef>
+              <a:spcAft>
+                <a:spcPts val="0"/>
+              </a:spcAft>
+              <a:buNone/>
+            </a:pPr>
+            <a:r>
+              <a:rPr lang="en-GB" b="1" dirty="0">
+                <a:solidFill>
+                  <a:schemeClr val="tx1"/>
+                </a:solidFill>
+                <a:effectLst>
+                  <a:outerShdw blurRad="38100" dist="38100" dir="2700000" algn="tl">
+                    <a:srgbClr val="000000">
+                      <a:alpha val="43137"/>
+                    </a:srgbClr>
+                  </a:outerShdw>
+                </a:effectLst>
+              </a:rPr>
+              <a:t>Team work</a:t>
+            </a:r>
+            <a:endParaRPr b="1" dirty="0">
+              <a:solidFill>
+                <a:schemeClr val="tx1"/>
+              </a:solidFill>
+              <a:effectLst>
+                <a:outerShdw blurRad="38100" dist="38100" dir="2700000" algn="tl">
+                  <a:srgbClr val="000000">
+                    <a:alpha val="43137"/>
+                  </a:srgbClr>
+                </a:outerShdw>
+              </a:effectLst>
+            </a:endParaRPr>
+          </a:p>
+        </p:txBody>
+      </p:sp>
+      <p:sp>
+        <p:nvSpPr>
+          <p:cNvPr id="94" name="Google Shape;94;p19"/>
+          <p:cNvSpPr txBox="1">
+            <a:spLocks noGrp="1"/>
+          </p:cNvSpPr>
+          <p:nvPr>
+            <p:ph type="body" idx="1"/>
+          </p:nvPr>
+        </p:nvSpPr>
+        <p:spPr>
+          <a:xfrm>
+            <a:off x="311700" y="923875"/>
+            <a:ext cx="8520600" cy="3416400"/>
+          </a:xfrm>
+          <a:prstGeom prst="rect">
+            <a:avLst/>
+          </a:prstGeom>
+        </p:spPr>
+        <p:txBody>
+          <a:bodyPr spcFirstLastPara="1" wrap="square" lIns="91425" tIns="91425" rIns="91425" bIns="91425" anchor="t" anchorCtr="0">
+            <a:noAutofit/>
+          </a:bodyPr>
+          <a:lstStyle/>
+          <a:p>
+            <a:pPr marL="0" lvl="0" indent="0" algn="l" rtl="0">
+              <a:spcBef>
+                <a:spcPts val="0"/>
+              </a:spcBef>
+              <a:spcAft>
+                <a:spcPts val="1200"/>
+              </a:spcAft>
+              <a:buNone/>
+            </a:pPr>
+            <a:r>
+              <a:rPr lang="en-GB" dirty="0">
+                <a:solidFill>
+                  <a:schemeClr val="tx1"/>
+                </a:solidFill>
+              </a:rPr>
+              <a:t>Request Router – </a:t>
+            </a:r>
+            <a:r>
+              <a:rPr lang="en-GB" dirty="0" err="1">
+                <a:solidFill>
+                  <a:schemeClr val="tx1"/>
+                </a:solidFill>
+              </a:rPr>
+              <a:t>Tsaturyan</a:t>
+            </a:r>
+            <a:r>
+              <a:rPr lang="en-GB" dirty="0">
+                <a:solidFill>
+                  <a:schemeClr val="tx1"/>
+                </a:solidFill>
+              </a:rPr>
+              <a:t> Konstantin</a:t>
+            </a:r>
+          </a:p>
+          <a:p>
+            <a:pPr marL="0" lvl="0" indent="0" algn="l" rtl="0">
+              <a:spcBef>
+                <a:spcPts val="0"/>
+              </a:spcBef>
+              <a:spcAft>
+                <a:spcPts val="1200"/>
+              </a:spcAft>
+              <a:buNone/>
+            </a:pPr>
+            <a:r>
+              <a:rPr lang="en-GB" dirty="0">
+                <a:solidFill>
+                  <a:schemeClr val="tx1"/>
+                </a:solidFill>
+              </a:rPr>
+              <a:t>Authenticator – </a:t>
+            </a:r>
+            <a:r>
+              <a:rPr lang="en-GB" dirty="0" err="1">
+                <a:solidFill>
+                  <a:schemeClr val="tx1"/>
+                </a:solidFill>
+              </a:rPr>
+              <a:t>Dandamaev</a:t>
+            </a:r>
+            <a:r>
+              <a:rPr lang="en-GB" dirty="0">
+                <a:solidFill>
+                  <a:schemeClr val="tx1"/>
+                </a:solidFill>
+              </a:rPr>
+              <a:t> </a:t>
+            </a:r>
+            <a:r>
+              <a:rPr lang="en-GB" dirty="0" err="1">
+                <a:solidFill>
+                  <a:schemeClr val="tx1"/>
+                </a:solidFill>
+              </a:rPr>
+              <a:t>Gadji</a:t>
+            </a:r>
+            <a:endParaRPr lang="en-GB" dirty="0">
+              <a:solidFill>
+                <a:schemeClr val="tx1"/>
+              </a:solidFill>
+            </a:endParaRPr>
+          </a:p>
+          <a:p>
+            <a:pPr marL="0" lvl="0" indent="0" algn="l" rtl="0">
+              <a:spcBef>
+                <a:spcPts val="0"/>
+              </a:spcBef>
+              <a:spcAft>
+                <a:spcPts val="1200"/>
+              </a:spcAft>
+              <a:buNone/>
+            </a:pPr>
+            <a:r>
+              <a:rPr lang="en-GB" dirty="0" err="1">
+                <a:solidFill>
+                  <a:schemeClr val="tx1"/>
+                </a:solidFill>
+              </a:rPr>
+              <a:t>OpenAPI</a:t>
+            </a:r>
+            <a:r>
+              <a:rPr lang="en-GB" dirty="0">
+                <a:solidFill>
+                  <a:schemeClr val="tx1"/>
+                </a:solidFill>
+              </a:rPr>
+              <a:t> Generator – </a:t>
+            </a:r>
+            <a:r>
+              <a:rPr lang="en-GB" dirty="0" err="1">
+                <a:solidFill>
+                  <a:schemeClr val="tx1"/>
+                </a:solidFill>
+              </a:rPr>
+              <a:t>Tsurkan</a:t>
+            </a:r>
+            <a:r>
+              <a:rPr lang="en-GB" dirty="0">
+                <a:solidFill>
+                  <a:schemeClr val="tx1"/>
+                </a:solidFill>
+              </a:rPr>
+              <a:t> Daniel</a:t>
+            </a:r>
+          </a:p>
+          <a:p>
+            <a:pPr marL="0" lvl="0" indent="0" algn="l" rtl="0">
+              <a:spcBef>
+                <a:spcPts val="0"/>
+              </a:spcBef>
+              <a:spcAft>
+                <a:spcPts val="1200"/>
+              </a:spcAft>
+              <a:buNone/>
+            </a:pPr>
+            <a:r>
+              <a:rPr lang="en-GB" dirty="0">
+                <a:solidFill>
+                  <a:schemeClr val="tx1"/>
+                </a:solidFill>
+              </a:rPr>
+              <a:t>Service Deployer – </a:t>
+            </a:r>
+            <a:r>
+              <a:rPr lang="en-GB" dirty="0" err="1">
+                <a:solidFill>
+                  <a:schemeClr val="tx1"/>
+                </a:solidFill>
+              </a:rPr>
+              <a:t>Smolkin</a:t>
+            </a:r>
+            <a:r>
+              <a:rPr lang="en-GB" dirty="0">
+                <a:solidFill>
+                  <a:schemeClr val="tx1"/>
+                </a:solidFill>
+              </a:rPr>
+              <a:t> Mikhail</a:t>
+            </a:r>
+            <a:endParaRPr dirty="0">
+              <a:solidFill>
+                <a:schemeClr val="tx1"/>
+              </a:solidFill>
+            </a:endParaRPr>
+          </a:p>
+        </p:txBody>
+      </p:sp>
+    </p:spTree>
+  </p:cSld>
+  <p:clrMapOvr>
+    <a:masterClrMapping/>
+  </p:clrMapOvr>
+</p:sld>
+</file>
+
+<file path=ppt/slides/slide17.xml><?xml version="1.0" encoding="utf-8"?>
+<p:sld xmlns:a="http://schemas.openxmlformats.org/drawingml/2006/main" xmlns:r="http://schemas.openxmlformats.org/officeDocument/2006/relationships" xmlns:p="http://schemas.openxmlformats.org/presentationml/2006/main" show="0">
+  <p:cSld>
+    <p:spTree>
+      <p:nvGrpSpPr>
+        <p:cNvPr id="1" name="Shape 71"/>
+        <p:cNvGrpSpPr/>
+        <p:nvPr/>
+      </p:nvGrpSpPr>
+      <p:grpSpPr>
+        <a:xfrm>
+          <a:off x="0" y="0"/>
+          <a:ext cx="0" cy="0"/>
+          <a:chOff x="0" y="0"/>
+          <a:chExt cx="0" cy="0"/>
+        </a:xfrm>
+      </p:grpSpPr>
+      <p:sp>
+        <p:nvSpPr>
+          <p:cNvPr id="72" name="Google Shape;72;p16"/>
+          <p:cNvSpPr txBox="1">
+            <a:spLocks noGrp="1"/>
+          </p:cNvSpPr>
+          <p:nvPr>
+            <p:ph type="title"/>
+          </p:nvPr>
+        </p:nvSpPr>
+        <p:spPr>
+          <a:xfrm>
+            <a:off x="311700" y="445025"/>
+            <a:ext cx="8520600" cy="572700"/>
+          </a:xfrm>
+          <a:prstGeom prst="rect">
+            <a:avLst/>
+          </a:prstGeom>
+        </p:spPr>
+        <p:txBody>
+          <a:bodyPr spcFirstLastPara="1" wrap="square" lIns="91425" tIns="91425" rIns="91425" bIns="91425" anchor="t" anchorCtr="0">
+            <a:noAutofit/>
+          </a:bodyPr>
+          <a:lstStyle/>
+          <a:p>
+            <a:pPr marL="0" lvl="0" indent="0" algn="l" rtl="0">
+              <a:spcBef>
+                <a:spcPts val="0"/>
+              </a:spcBef>
+              <a:spcAft>
+                <a:spcPts val="0"/>
+              </a:spcAft>
+              <a:buNone/>
+            </a:pPr>
+            <a:r>
+              <a:rPr lang="en-GB" dirty="0">
+                <a:solidFill>
+                  <a:srgbClr val="FF0000"/>
+                </a:solidFill>
+              </a:rPr>
+              <a:t>Logical data model (class/ER diagram)</a:t>
+            </a:r>
+            <a:endParaRPr dirty="0">
+              <a:solidFill>
+                <a:srgbClr val="FF0000"/>
+              </a:solidFill>
+            </a:endParaRPr>
+          </a:p>
+        </p:txBody>
+      </p:sp>
+      <p:sp>
+        <p:nvSpPr>
+          <p:cNvPr id="73" name="Google Shape;73;p16"/>
+          <p:cNvSpPr txBox="1">
+            <a:spLocks noGrp="1"/>
+          </p:cNvSpPr>
+          <p:nvPr>
+            <p:ph type="body" idx="1"/>
+          </p:nvPr>
+        </p:nvSpPr>
+        <p:spPr>
+          <a:xfrm>
+            <a:off x="311700" y="1152475"/>
+            <a:ext cx="3226800" cy="3416400"/>
+          </a:xfrm>
+          <a:prstGeom prst="rect">
+            <a:avLst/>
+          </a:prstGeom>
+        </p:spPr>
+        <p:txBody>
+          <a:bodyPr spcFirstLastPara="1" wrap="square" lIns="91425" tIns="91425" rIns="91425" bIns="91425" anchor="t" anchorCtr="0">
+            <a:noAutofit/>
+          </a:bodyPr>
+          <a:lstStyle/>
+          <a:p>
+            <a:pPr marL="0" lvl="0" indent="0" algn="l" rtl="0">
+              <a:spcBef>
+                <a:spcPts val="0"/>
+              </a:spcBef>
+              <a:spcAft>
+                <a:spcPts val="0"/>
+              </a:spcAft>
+              <a:buNone/>
+            </a:pPr>
+            <a:r>
+              <a:rPr lang="en-GB"/>
+              <a:t>(from the previous task)</a:t>
+            </a:r>
+            <a:endParaRPr/>
+          </a:p>
+          <a:p>
+            <a:pPr marL="0" lvl="0" indent="0" algn="l" rtl="0">
+              <a:spcBef>
+                <a:spcPts val="1200"/>
+              </a:spcBef>
+              <a:spcAft>
+                <a:spcPts val="0"/>
+              </a:spcAft>
+              <a:buNone/>
+            </a:pPr>
+            <a:r>
+              <a:rPr lang="en-GB" b="1"/>
+              <a:t>&lt;for each microservice separately&gt;</a:t>
+            </a:r>
+            <a:endParaRPr b="1"/>
+          </a:p>
+          <a:p>
+            <a:pPr marL="0" lvl="0" indent="0" algn="l" rtl="0">
+              <a:spcBef>
+                <a:spcPts val="1200"/>
+              </a:spcBef>
+              <a:spcAft>
+                <a:spcPts val="1200"/>
+              </a:spcAft>
+              <a:buNone/>
+            </a:pPr>
+            <a:endParaRPr/>
+          </a:p>
+        </p:txBody>
+      </p:sp>
+      <p:pic>
+        <p:nvPicPr>
+          <p:cNvPr id="74" name="Google Shape;74;p16"/>
+          <p:cNvPicPr preferRelativeResize="0"/>
+          <p:nvPr/>
+        </p:nvPicPr>
+        <p:blipFill rotWithShape="1">
+          <a:blip r:embed="rId3">
+            <a:alphaModFix/>
+          </a:blip>
+          <a:srcRect l="34730" t="38994"/>
+          <a:stretch/>
+        </p:blipFill>
+        <p:spPr>
+          <a:xfrm>
+            <a:off x="4302425" y="1331700"/>
+            <a:ext cx="3483074" cy="1601725"/>
+          </a:xfrm>
+          <a:prstGeom prst="rect">
+            <a:avLst/>
+          </a:prstGeom>
+          <a:noFill/>
+          <a:ln>
+            <a:noFill/>
+          </a:ln>
+        </p:spPr>
+      </p:pic>
+      <p:pic>
+        <p:nvPicPr>
+          <p:cNvPr id="75" name="Google Shape;75;p16"/>
+          <p:cNvPicPr preferRelativeResize="0"/>
+          <p:nvPr/>
+        </p:nvPicPr>
+        <p:blipFill rotWithShape="1">
+          <a:blip r:embed="rId4">
+            <a:alphaModFix/>
+          </a:blip>
+          <a:srcRect l="1185"/>
+          <a:stretch/>
+        </p:blipFill>
+        <p:spPr>
+          <a:xfrm>
+            <a:off x="311700" y="2757200"/>
+            <a:ext cx="3833724" cy="2205125"/>
+          </a:xfrm>
+          <a:prstGeom prst="rect">
+            <a:avLst/>
+          </a:prstGeom>
+          <a:noFill/>
+          <a:ln>
+            <a:noFill/>
+          </a:ln>
+        </p:spPr>
+      </p:pic>
+    </p:spTree>
+  </p:cSld>
+  <p:clrMapOvr>
+    <a:masterClrMapping/>
+  </p:clrMapOvr>
+</p:sld>
+</file>
+
+<file path=ppt/slides/slide18.xml><?xml version="1.0" encoding="utf-8"?>
+<p:sld xmlns:a="http://schemas.openxmlformats.org/drawingml/2006/main" xmlns:r="http://schemas.openxmlformats.org/officeDocument/2006/relationships" xmlns:p="http://schemas.openxmlformats.org/presentationml/2006/main" show="0">
+  <p:cSld>
+    <p:spTree>
+      <p:nvGrpSpPr>
+        <p:cNvPr id="1" name="Shape 79"/>
+        <p:cNvGrpSpPr/>
+        <p:nvPr/>
+      </p:nvGrpSpPr>
+      <p:grpSpPr>
+        <a:xfrm>
+          <a:off x="0" y="0"/>
+          <a:ext cx="0" cy="0"/>
+          <a:chOff x="0" y="0"/>
+          <a:chExt cx="0" cy="0"/>
+        </a:xfrm>
+      </p:grpSpPr>
+      <p:sp>
+        <p:nvSpPr>
+          <p:cNvPr id="80" name="Google Shape;80;p17"/>
+          <p:cNvSpPr txBox="1">
+            <a:spLocks noGrp="1"/>
+          </p:cNvSpPr>
+          <p:nvPr>
+            <p:ph type="title"/>
+          </p:nvPr>
+        </p:nvSpPr>
+        <p:spPr>
+          <a:xfrm>
+            <a:off x="311700" y="445025"/>
+            <a:ext cx="8520600" cy="572700"/>
+          </a:xfrm>
+          <a:prstGeom prst="rect">
+            <a:avLst/>
+          </a:prstGeom>
+        </p:spPr>
+        <p:txBody>
+          <a:bodyPr spcFirstLastPara="1" wrap="square" lIns="91425" tIns="91425" rIns="91425" bIns="91425" anchor="t" anchorCtr="0">
+            <a:noAutofit/>
+          </a:bodyPr>
+          <a:lstStyle/>
+          <a:p>
+            <a:pPr marL="0" lvl="0" indent="0" algn="l" rtl="0">
+              <a:spcBef>
+                <a:spcPts val="0"/>
+              </a:spcBef>
+              <a:spcAft>
+                <a:spcPts val="0"/>
+              </a:spcAft>
+              <a:buNone/>
+            </a:pPr>
+            <a:r>
+              <a:rPr lang="en-GB" dirty="0">
+                <a:solidFill>
+                  <a:srgbClr val="FF0000"/>
+                </a:solidFill>
+              </a:rPr>
+              <a:t>API summary &lt;for each microservice separately&gt;</a:t>
+            </a:r>
+            <a:endParaRPr dirty="0">
+              <a:solidFill>
+                <a:srgbClr val="FF0000"/>
+              </a:solidFill>
+            </a:endParaRPr>
+          </a:p>
+        </p:txBody>
+      </p:sp>
+      <p:sp>
+        <p:nvSpPr>
+          <p:cNvPr id="81" name="Google Shape;81;p17"/>
+          <p:cNvSpPr txBox="1">
+            <a:spLocks noGrp="1"/>
+          </p:cNvSpPr>
+          <p:nvPr>
+            <p:ph type="body" idx="1"/>
+          </p:nvPr>
+        </p:nvSpPr>
+        <p:spPr>
+          <a:xfrm>
+            <a:off x="311700" y="1152475"/>
+            <a:ext cx="8520600" cy="3416400"/>
+          </a:xfrm>
+          <a:prstGeom prst="rect">
+            <a:avLst/>
+          </a:prstGeom>
+        </p:spPr>
+        <p:txBody>
+          <a:bodyPr spcFirstLastPara="1" wrap="square" lIns="91425" tIns="91425" rIns="91425" bIns="91425" anchor="t" anchorCtr="0">
+            <a:noAutofit/>
+          </a:bodyPr>
+          <a:lstStyle/>
+          <a:p>
+            <a:pPr marL="0" lvl="0" indent="0" algn="l" rtl="0">
+              <a:spcBef>
+                <a:spcPts val="0"/>
+              </a:spcBef>
+              <a:spcAft>
+                <a:spcPts val="0"/>
+              </a:spcAft>
+              <a:buNone/>
+            </a:pPr>
+            <a:r>
+              <a:rPr lang="en-GB"/>
+              <a:t>&lt; provide a summary of API you are going to use with DB design, use OpenAPI fragment if needed &gt;</a:t>
+            </a:r>
+            <a:endParaRPr/>
+          </a:p>
+          <a:p>
+            <a:pPr marL="0" lvl="0" indent="0" algn="l" rtl="0">
+              <a:spcBef>
+                <a:spcPts val="1200"/>
+              </a:spcBef>
+              <a:spcAft>
+                <a:spcPts val="0"/>
+              </a:spcAft>
+              <a:buNone/>
+            </a:pPr>
+            <a:r>
+              <a:rPr lang="en-GB" b="1"/>
+              <a:t>&lt;</a:t>
+            </a:r>
+            <a:r>
+              <a:rPr lang="en-GB"/>
+              <a:t> 5-7 most important API operations &gt;</a:t>
+            </a:r>
+            <a:endParaRPr/>
+          </a:p>
+          <a:p>
+            <a:pPr marL="0" lvl="0" indent="0" algn="l" rtl="0">
+              <a:spcBef>
+                <a:spcPts val="1200"/>
+              </a:spcBef>
+              <a:spcAft>
+                <a:spcPts val="1200"/>
+              </a:spcAft>
+              <a:buNone/>
+            </a:pPr>
+            <a:r>
+              <a:rPr lang="en-GB"/>
+              <a:t>&lt;e.g. In a form /dataset/{id} - GET  - get data for training - (Use case)&gt;</a:t>
+            </a:r>
+            <a:endParaRPr/>
+          </a:p>
+        </p:txBody>
+      </p:sp>
+      <p:pic>
+        <p:nvPicPr>
+          <p:cNvPr id="82" name="Google Shape;82;p17"/>
+          <p:cNvPicPr preferRelativeResize="0"/>
+          <p:nvPr/>
+        </p:nvPicPr>
+        <p:blipFill>
+          <a:blip r:embed="rId3">
+            <a:alphaModFix/>
+          </a:blip>
+          <a:stretch>
+            <a:fillRect/>
+          </a:stretch>
+        </p:blipFill>
+        <p:spPr>
+          <a:xfrm>
+            <a:off x="434050" y="3022350"/>
+            <a:ext cx="5357425" cy="1783750"/>
+          </a:xfrm>
+          <a:prstGeom prst="rect">
+            <a:avLst/>
+          </a:prstGeom>
+          <a:noFill/>
+          <a:ln>
+            <a:noFill/>
+          </a:ln>
+        </p:spPr>
+      </p:pic>
+    </p:spTree>
+  </p:cSld>
+  <p:clrMapOvr>
+    <a:masterClrMapping/>
+  </p:clrMapOvr>
+</p:sld>
+</file>
+
+<file path=ppt/slides/slide19.xml><?xml version="1.0" encoding="utf-8"?>
+<p:sld xmlns:a="http://schemas.openxmlformats.org/drawingml/2006/main" xmlns:r="http://schemas.openxmlformats.org/officeDocument/2006/relationships" xmlns:p="http://schemas.openxmlformats.org/presentationml/2006/main" show="0">
+  <p:cSld>
+    <p:spTree>
+      <p:nvGrpSpPr>
+        <p:cNvPr id="1" name="Shape 86"/>
+        <p:cNvGrpSpPr/>
+        <p:nvPr/>
+      </p:nvGrpSpPr>
+      <p:grpSpPr>
+        <a:xfrm>
+          <a:off x="0" y="0"/>
+          <a:ext cx="0" cy="0"/>
+          <a:chOff x="0" y="0"/>
+          <a:chExt cx="0" cy="0"/>
+        </a:xfrm>
+      </p:grpSpPr>
+      <p:sp>
+        <p:nvSpPr>
+          <p:cNvPr id="87" name="Google Shape;87;p18"/>
+          <p:cNvSpPr txBox="1">
+            <a:spLocks noGrp="1"/>
+          </p:cNvSpPr>
+          <p:nvPr>
+            <p:ph type="title"/>
+          </p:nvPr>
+        </p:nvSpPr>
+        <p:spPr>
+          <a:xfrm>
+            <a:off x="311700" y="445025"/>
+            <a:ext cx="8520600" cy="572700"/>
+          </a:xfrm>
+          <a:prstGeom prst="rect">
+            <a:avLst/>
+          </a:prstGeom>
+        </p:spPr>
+        <p:txBody>
+          <a:bodyPr spcFirstLastPara="1" wrap="square" lIns="91425" tIns="91425" rIns="91425" bIns="91425" anchor="t" anchorCtr="0">
+            <a:noAutofit/>
+          </a:bodyPr>
+          <a:lstStyle/>
+          <a:p>
+            <a:pPr marL="0" lvl="0" indent="0" algn="l" rtl="0">
+              <a:spcBef>
+                <a:spcPts val="0"/>
+              </a:spcBef>
+              <a:spcAft>
+                <a:spcPts val="0"/>
+              </a:spcAft>
+              <a:buNone/>
+            </a:pPr>
+            <a:r>
+              <a:rPr lang="en-GB" dirty="0">
+                <a:solidFill>
+                  <a:srgbClr val="FF0000"/>
+                </a:solidFill>
+              </a:rPr>
+              <a:t>Physical schema &lt;for each microservice separately&gt;</a:t>
+            </a:r>
+            <a:endParaRPr dirty="0">
+              <a:solidFill>
+                <a:srgbClr val="FF0000"/>
+              </a:solidFill>
+            </a:endParaRPr>
+          </a:p>
+        </p:txBody>
+      </p:sp>
+      <p:sp>
+        <p:nvSpPr>
+          <p:cNvPr id="88" name="Google Shape;88;p18"/>
+          <p:cNvSpPr txBox="1">
+            <a:spLocks noGrp="1"/>
+          </p:cNvSpPr>
+          <p:nvPr>
+            <p:ph type="body" idx="1"/>
+          </p:nvPr>
+        </p:nvSpPr>
+        <p:spPr>
+          <a:xfrm>
+            <a:off x="311700" y="1152475"/>
+            <a:ext cx="8520600" cy="3416400"/>
+          </a:xfrm>
+          <a:prstGeom prst="rect">
+            <a:avLst/>
+          </a:prstGeom>
+        </p:spPr>
+        <p:txBody>
+          <a:bodyPr spcFirstLastPara="1" wrap="square" lIns="91425" tIns="91425" rIns="91425" bIns="91425" anchor="t" anchorCtr="0">
+            <a:noAutofit/>
+          </a:bodyPr>
+          <a:lstStyle/>
+          <a:p>
+            <a:pPr marL="0" lvl="0" indent="0" algn="l" rtl="0">
+              <a:spcBef>
+                <a:spcPts val="0"/>
+              </a:spcBef>
+              <a:spcAft>
+                <a:spcPts val="0"/>
+              </a:spcAft>
+              <a:buNone/>
+            </a:pPr>
+            <a:r>
+              <a:rPr lang="en-GB" dirty="0"/>
+              <a:t>For NoSQL - selection of keys, and explain how requests are served using keys</a:t>
+            </a:r>
+            <a:endParaRPr dirty="0"/>
+          </a:p>
+          <a:p>
+            <a:pPr marL="0" lvl="0" indent="0" algn="l" rtl="0">
+              <a:spcBef>
+                <a:spcPts val="1200"/>
+              </a:spcBef>
+              <a:spcAft>
+                <a:spcPts val="0"/>
+              </a:spcAft>
+              <a:buNone/>
+            </a:pPr>
+            <a:r>
+              <a:rPr lang="en-GB" dirty="0"/>
+              <a:t>For RDBMS - physical schema (crow-foot (app.diagrams.net) or SQL dump)</a:t>
+            </a:r>
+            <a:endParaRPr dirty="0"/>
+          </a:p>
+          <a:p>
+            <a:pPr marL="0" lvl="0" indent="0" algn="l" rtl="0">
+              <a:spcBef>
+                <a:spcPts val="1200"/>
+              </a:spcBef>
+              <a:spcAft>
+                <a:spcPts val="1200"/>
+              </a:spcAft>
+              <a:buNone/>
+            </a:pPr>
+            <a:r>
+              <a:rPr lang="en-GB" dirty="0"/>
+              <a:t>&lt;for each DB in each microservice&gt;</a:t>
+            </a:r>
+            <a:endParaRPr dirty="0"/>
+          </a:p>
+        </p:txBody>
+      </p:sp>
+    </p:spTree>
+  </p:cSld>
+  <p:clrMapOvr>
+    <a:masterClrMapping/>
+  </p:clrMapOvr>
+</p:sld>
+</file>
+
+<file path=ppt/slides/slide2.xml><?xml version="1.0" encoding="utf-8"?>
+<p:sld xmlns:a="http://schemas.openxmlformats.org/drawingml/2006/main" xmlns:r="http://schemas.openxmlformats.org/officeDocument/2006/relationships" xmlns:p="http://schemas.openxmlformats.org/presentationml/2006/main">
+  <p:cSld>
+    <p:spTree>
+      <p:nvGrpSpPr>
+        <p:cNvPr id="1" name="Shape 59"/>
+        <p:cNvGrpSpPr/>
+        <p:nvPr/>
+      </p:nvGrpSpPr>
+      <p:grpSpPr>
+        <a:xfrm>
+          <a:off x="0" y="0"/>
+          <a:ext cx="0" cy="0"/>
+          <a:chOff x="0" y="0"/>
+          <a:chExt cx="0" cy="0"/>
+        </a:xfrm>
+      </p:grpSpPr>
+      <p:sp>
+        <p:nvSpPr>
+          <p:cNvPr id="60" name="Google Shape;60;p14"/>
+          <p:cNvSpPr txBox="1">
+            <a:spLocks noGrp="1"/>
+          </p:cNvSpPr>
+          <p:nvPr>
+            <p:ph type="title"/>
+          </p:nvPr>
+        </p:nvSpPr>
+        <p:spPr>
+          <a:xfrm>
+            <a:off x="311700" y="328293"/>
+            <a:ext cx="8520600" cy="572700"/>
+          </a:xfrm>
+          <a:prstGeom prst="rect">
+            <a:avLst/>
+          </a:prstGeom>
+        </p:spPr>
+        <p:txBody>
+          <a:bodyPr spcFirstLastPara="1" wrap="square" lIns="91425" tIns="91425" rIns="91425" bIns="91425" anchor="t" anchorCtr="0">
+            <a:noAutofit/>
+          </a:bodyPr>
+          <a:lstStyle/>
+          <a:p>
+            <a:pPr marL="0" lvl="0" indent="0" algn="l" rtl="0">
+              <a:spcBef>
+                <a:spcPts val="0"/>
+              </a:spcBef>
+              <a:spcAft>
+                <a:spcPts val="0"/>
+              </a:spcAft>
+              <a:buNone/>
+            </a:pPr>
+            <a:r>
+              <a:rPr lang="en-GB" b="1" dirty="0">
+                <a:effectLst>
+                  <a:outerShdw blurRad="38100" dist="38100" dir="2700000" algn="tl">
+                    <a:srgbClr val="000000">
+                      <a:alpha val="43137"/>
+                    </a:srgbClr>
+                  </a:outerShdw>
+                </a:effectLst>
+              </a:rPr>
+              <a:t>Product description</a:t>
+            </a:r>
+            <a:endParaRPr b="1" dirty="0">
+              <a:effectLst>
+                <a:outerShdw blurRad="38100" dist="38100" dir="2700000" algn="tl">
+                  <a:srgbClr val="000000">
+                    <a:alpha val="43137"/>
+                  </a:srgbClr>
+                </a:outerShdw>
+              </a:effectLst>
+            </a:endParaRPr>
+          </a:p>
+        </p:txBody>
+      </p:sp>
+      <p:sp>
+        <p:nvSpPr>
+          <p:cNvPr id="61" name="Google Shape;61;p14"/>
+          <p:cNvSpPr txBox="1">
+            <a:spLocks noGrp="1"/>
+          </p:cNvSpPr>
+          <p:nvPr>
+            <p:ph type="body" idx="1"/>
+          </p:nvPr>
+        </p:nvSpPr>
+        <p:spPr>
+          <a:xfrm>
+            <a:off x="311700" y="1075765"/>
+            <a:ext cx="8520600" cy="3873810"/>
+          </a:xfrm>
+          <a:prstGeom prst="rect">
+            <a:avLst/>
+          </a:prstGeom>
+        </p:spPr>
+        <p:txBody>
+          <a:bodyPr spcFirstLastPara="1" wrap="square" lIns="91425" tIns="91425" rIns="91425" bIns="91425" anchor="t" anchorCtr="0">
+            <a:noAutofit/>
+          </a:bodyPr>
+          <a:lstStyle/>
+          <a:p>
+            <a:pPr marL="0" lvl="0" indent="0" algn="just">
+              <a:buNone/>
+            </a:pPr>
+            <a:r>
+              <a:rPr lang="en-US" dirty="0">
+                <a:solidFill>
+                  <a:schemeClr val="dk1"/>
+                </a:solidFill>
+              </a:rPr>
+              <a:t>The product is a platform for deploying, managing, and scaling machine learning models in production. It offers a secure, flexible environment for automating ML tasks like model versioning, routing, and monitoring. With Kubernetes integration and containerization support, it's designed for developers, ML engineers, and enterprises needing scalable, reliable ML infrastructure.</a:t>
+            </a:r>
+          </a:p>
+          <a:p>
+            <a:pPr marL="0" lvl="0" indent="0" algn="just">
+              <a:buNone/>
+            </a:pPr>
+            <a:endParaRPr lang="en-US" sz="1400" dirty="0">
+              <a:solidFill>
+                <a:schemeClr val="dk1"/>
+              </a:solidFill>
+            </a:endParaRPr>
+          </a:p>
+          <a:p>
+            <a:pPr marL="0" lvl="0" indent="0" algn="just">
+              <a:buNone/>
+            </a:pPr>
+            <a:endParaRPr sz="1400" dirty="0">
+              <a:solidFill>
+                <a:schemeClr val="dk1"/>
+              </a:solidFill>
+            </a:endParaRPr>
+          </a:p>
+          <a:p>
+            <a:pPr marL="0" lvl="0" indent="0">
+              <a:spcBef>
+                <a:spcPts val="1200"/>
+              </a:spcBef>
+              <a:buNone/>
+            </a:pPr>
+            <a:r>
+              <a:rPr lang="en-GB" sz="1400" b="1" dirty="0">
+                <a:solidFill>
+                  <a:schemeClr val="dk1"/>
+                </a:solidFill>
+              </a:rPr>
+              <a:t>Team K8C</a:t>
+            </a:r>
+            <a:r>
+              <a:rPr lang="en-GB" sz="1400" dirty="0">
+                <a:solidFill>
+                  <a:schemeClr val="dk1"/>
+                </a:solidFill>
+              </a:rPr>
+              <a:t>: </a:t>
+            </a:r>
+            <a:r>
+              <a:rPr lang="en-GB" sz="1400" dirty="0" err="1">
+                <a:solidFill>
+                  <a:schemeClr val="dk1"/>
+                </a:solidFill>
+              </a:rPr>
+              <a:t>Tsurkan</a:t>
+            </a:r>
+            <a:r>
+              <a:rPr lang="en-GB" sz="1400" dirty="0">
+                <a:solidFill>
+                  <a:schemeClr val="dk1"/>
+                </a:solidFill>
+              </a:rPr>
+              <a:t> Daniel; </a:t>
+            </a:r>
+            <a:r>
+              <a:rPr lang="en-GB" sz="1400" dirty="0" err="1">
+                <a:solidFill>
+                  <a:schemeClr val="dk1"/>
+                </a:solidFill>
+              </a:rPr>
+              <a:t>Dandamaev</a:t>
+            </a:r>
+            <a:r>
+              <a:rPr lang="en-GB" sz="1400" dirty="0">
+                <a:solidFill>
+                  <a:schemeClr val="dk1"/>
+                </a:solidFill>
+              </a:rPr>
+              <a:t> </a:t>
+            </a:r>
+            <a:r>
+              <a:rPr lang="en-GB" sz="1400" dirty="0" err="1">
+                <a:solidFill>
+                  <a:schemeClr val="dk1"/>
+                </a:solidFill>
+              </a:rPr>
+              <a:t>Gadji</a:t>
+            </a:r>
+            <a:r>
+              <a:rPr lang="en-GB" sz="1400" dirty="0">
+                <a:solidFill>
+                  <a:schemeClr val="dk1"/>
+                </a:solidFill>
+              </a:rPr>
+              <a:t>; Tsaturyan Konstantin; </a:t>
+            </a:r>
+            <a:r>
+              <a:rPr lang="en-GB" sz="1400" dirty="0" err="1">
+                <a:solidFill>
+                  <a:schemeClr val="dk1"/>
+                </a:solidFill>
+              </a:rPr>
+              <a:t>Smolkin</a:t>
+            </a:r>
+            <a:r>
+              <a:rPr lang="en-GB" sz="1400" dirty="0">
+                <a:solidFill>
+                  <a:schemeClr val="dk1"/>
+                </a:solidFill>
+              </a:rPr>
+              <a:t> Mikhail</a:t>
+            </a:r>
+            <a:endParaRPr sz="1400" dirty="0">
+              <a:solidFill>
+                <a:schemeClr val="dk1"/>
+              </a:solidFill>
+            </a:endParaRPr>
+          </a:p>
+          <a:p>
+            <a:pPr marL="0" lvl="0" indent="0" algn="l" rtl="0">
+              <a:spcBef>
+                <a:spcPts val="1200"/>
+              </a:spcBef>
+              <a:spcAft>
+                <a:spcPts val="0"/>
+              </a:spcAft>
+              <a:buNone/>
+            </a:pPr>
+            <a:r>
+              <a:rPr lang="en-GB" sz="1400" b="1" dirty="0">
+                <a:solidFill>
+                  <a:schemeClr val="dk1"/>
+                </a:solidFill>
+              </a:rPr>
+              <a:t>Project repo</a:t>
+            </a:r>
+            <a:r>
+              <a:rPr lang="en-GB" sz="1400" dirty="0">
+                <a:solidFill>
+                  <a:schemeClr val="dk1"/>
+                </a:solidFill>
+              </a:rPr>
+              <a:t>: </a:t>
+            </a:r>
+            <a:r>
+              <a:rPr lang="en-GB" sz="1400" u="sng" dirty="0">
+                <a:solidFill>
+                  <a:schemeClr val="tx1"/>
+                </a:solidFill>
+                <a:hlinkClick r:id="rId3">
+                  <a:extLst>
+                    <a:ext uri="{A12FA001-AC4F-418D-AE19-62706E023703}">
+                      <ahyp:hlinkClr xmlns:ahyp="http://schemas.microsoft.com/office/drawing/2018/hyperlinkcolor" val="tx"/>
+                    </a:ext>
+                  </a:extLst>
+                </a:hlinkClick>
+              </a:rPr>
+              <a:t>https://github.com/fanglores/Advanced-Software-Design</a:t>
+            </a:r>
+            <a:endParaRPr sz="1400" dirty="0">
+              <a:solidFill>
+                <a:schemeClr val="tx1"/>
+              </a:solidFill>
+            </a:endParaRPr>
+          </a:p>
+          <a:p>
+            <a:pPr marL="0" lvl="0" indent="0">
+              <a:spcBef>
+                <a:spcPts val="1200"/>
+              </a:spcBef>
+              <a:spcAft>
+                <a:spcPts val="1200"/>
+              </a:spcAft>
+              <a:buNone/>
+            </a:pPr>
+            <a:r>
+              <a:rPr lang="en-GB" sz="1400" b="1" dirty="0">
+                <a:solidFill>
+                  <a:schemeClr val="dk1"/>
+                </a:solidFill>
+              </a:rPr>
+              <a:t>This report</a:t>
+            </a:r>
+            <a:r>
+              <a:rPr lang="en-GB" sz="1400" dirty="0">
+                <a:solidFill>
+                  <a:schemeClr val="dk1"/>
+                </a:solidFill>
+              </a:rPr>
+              <a:t>: </a:t>
+            </a:r>
+            <a:r>
+              <a:rPr lang="en-GB" sz="1400" u="sng" dirty="0">
+                <a:solidFill>
+                  <a:schemeClr val="dk1"/>
+                </a:solidFill>
+                <a:hlinkClick r:id="rId4">
+                  <a:extLst>
+                    <a:ext uri="{A12FA001-AC4F-418D-AE19-62706E023703}">
+                      <ahyp:hlinkClr xmlns:ahyp="http://schemas.microsoft.com/office/drawing/2018/hyperlinkcolor" val="tx"/>
+                    </a:ext>
+                  </a:extLst>
+                </a:hlinkClick>
+              </a:rPr>
+              <a:t>https://github.com/fanglores/Advanced-Software-Design</a:t>
+            </a:r>
+            <a:br>
+              <a:rPr lang="en-GB" sz="1400" u="sng" dirty="0">
+                <a:solidFill>
+                  <a:schemeClr val="dk1"/>
+                </a:solidFill>
+                <a:hlinkClick r:id="rId4">
+                  <a:extLst>
+                    <a:ext uri="{A12FA001-AC4F-418D-AE19-62706E023703}">
+                      <ahyp:hlinkClr xmlns:ahyp="http://schemas.microsoft.com/office/drawing/2018/hyperlinkcolor" val="tx"/>
+                    </a:ext>
+                  </a:extLst>
+                </a:hlinkClick>
+              </a:rPr>
+            </a:br>
+            <a:r>
+              <a:rPr lang="en-GB" sz="1400" dirty="0">
+                <a:solidFill>
+                  <a:schemeClr val="dk1"/>
+                </a:solidFill>
+                <a:hlinkClick r:id="rId4">
+                  <a:extLst>
+                    <a:ext uri="{A12FA001-AC4F-418D-AE19-62706E023703}">
+                      <ahyp:hlinkClr xmlns:ahyp="http://schemas.microsoft.com/office/drawing/2018/hyperlinkcolor" val="tx"/>
+                    </a:ext>
+                  </a:extLst>
+                </a:hlinkClick>
+              </a:rPr>
+              <a:t>		</a:t>
+            </a:r>
+            <a:r>
+              <a:rPr lang="en-GB" sz="1400" u="sng" dirty="0">
+                <a:solidFill>
+                  <a:schemeClr val="dk1"/>
+                </a:solidFill>
+                <a:hlinkClick r:id="rId4">
+                  <a:extLst>
+                    <a:ext uri="{A12FA001-AC4F-418D-AE19-62706E023703}">
+                      <ahyp:hlinkClr xmlns:ahyp="http://schemas.microsoft.com/office/drawing/2018/hyperlinkcolor" val="tx"/>
+                    </a:ext>
+                  </a:extLst>
+                </a:hlinkClick>
+              </a:rPr>
+              <a:t>/blob/master/Practice%20Tasks/Module2/</a:t>
+            </a:r>
+            <a:r>
+              <a:rPr lang="en-GB" sz="1400" u="sng" dirty="0">
+                <a:solidFill>
+                  <a:schemeClr val="dk1"/>
+                </a:solidFill>
+              </a:rPr>
+              <a:t>Task_11/Task_11.pdf</a:t>
+            </a:r>
+            <a:endParaRPr sz="1400" u="sng" dirty="0">
+              <a:solidFill>
+                <a:schemeClr val="dk1"/>
+              </a:solidFill>
+            </a:endParaRPr>
+          </a:p>
+        </p:txBody>
+      </p:sp>
+      <p:sp>
+        <p:nvSpPr>
+          <p:cNvPr id="3" name="Номер слайда 2">
+            <a:extLst>
+              <a:ext uri="{FF2B5EF4-FFF2-40B4-BE49-F238E27FC236}">
+                <a16:creationId xmlns:a16="http://schemas.microsoft.com/office/drawing/2014/main" id="{B6CFC8D8-E303-4004-B65E-C84C05B7029F}"/>
+              </a:ext>
+            </a:extLst>
+          </p:cNvPr>
+          <p:cNvSpPr>
+            <a:spLocks noGrp="1"/>
+          </p:cNvSpPr>
+          <p:nvPr>
+            <p:ph type="sldNum" idx="12"/>
+          </p:nvPr>
+        </p:nvSpPr>
+        <p:spPr/>
+        <p:txBody>
+          <a:bodyPr/>
+          <a:lstStyle/>
+          <a:p>
+            <a:pPr marL="0" lvl="0" indent="0" algn="r" rtl="0">
+              <a:spcBef>
+                <a:spcPts val="0"/>
+              </a:spcBef>
+              <a:spcAft>
+                <a:spcPts val="0"/>
+              </a:spcAft>
+              <a:buNone/>
+            </a:pPr>
+            <a:fld id="{00000000-1234-1234-1234-123412341234}" type="slidenum">
+              <a:rPr lang="en-GB" smtClean="0"/>
+              <a:t>2</a:t>
+            </a:fld>
+            <a:endParaRPr lang="en-GB"/>
+          </a:p>
+        </p:txBody>
+      </p:sp>
+    </p:spTree>
+    <p:extLst>
+      <p:ext uri="{BB962C8B-B14F-4D97-AF65-F5344CB8AC3E}">
+        <p14:creationId xmlns:p14="http://schemas.microsoft.com/office/powerpoint/2010/main" val="1693502994"/>
+      </p:ext>
+    </p:extLst>
+  </p:cSld>
+  <p:clrMapOvr>
+    <a:masterClrMapping/>
+  </p:clrMapOvr>
+</p:sld>
+</file>
+
+<file path=ppt/slides/slide3.xml><?xml version="1.0" encoding="utf-8"?>
+<p:sld xmlns:a="http://schemas.openxmlformats.org/drawingml/2006/main" xmlns:r="http://schemas.openxmlformats.org/officeDocument/2006/relationships" xmlns:p="http://schemas.openxmlformats.org/presentationml/2006/main">
+  <p:cSld>
+    <p:spTree>
+      <p:nvGrpSpPr>
+        <p:cNvPr id="1" name="Shape 65"/>
+        <p:cNvGrpSpPr/>
+        <p:nvPr/>
+      </p:nvGrpSpPr>
+      <p:grpSpPr>
+        <a:xfrm>
+          <a:off x="0" y="0"/>
+          <a:ext cx="0" cy="0"/>
+          <a:chOff x="0" y="0"/>
+          <a:chExt cx="0" cy="0"/>
+        </a:xfrm>
+      </p:grpSpPr>
+      <p:sp>
+        <p:nvSpPr>
+          <p:cNvPr id="66" name="Google Shape;66;p15"/>
+          <p:cNvSpPr txBox="1">
+            <a:spLocks noGrp="1"/>
+          </p:cNvSpPr>
+          <p:nvPr>
+            <p:ph type="title"/>
+          </p:nvPr>
+        </p:nvSpPr>
+        <p:spPr>
+          <a:xfrm>
+            <a:off x="249929" y="140225"/>
+            <a:ext cx="8520600" cy="572700"/>
+          </a:xfrm>
+          <a:prstGeom prst="rect">
+            <a:avLst/>
+          </a:prstGeom>
+        </p:spPr>
+        <p:txBody>
+          <a:bodyPr spcFirstLastPara="1" wrap="square" lIns="91425" tIns="91425" rIns="91425" bIns="91425" anchor="t" anchorCtr="0">
+            <a:noAutofit/>
+          </a:bodyPr>
+          <a:lstStyle/>
+          <a:p>
+            <a:pPr marL="0" lvl="0" indent="0" algn="l" rtl="0">
+              <a:spcBef>
+                <a:spcPts val="0"/>
+              </a:spcBef>
+              <a:spcAft>
+                <a:spcPts val="0"/>
+              </a:spcAft>
+              <a:buNone/>
+            </a:pPr>
+            <a:r>
+              <a:rPr lang="en-GB" b="1" dirty="0">
+                <a:effectLst>
+                  <a:outerShdw blurRad="38100" dist="38100" dir="2700000" algn="tl">
+                    <a:srgbClr val="000000">
+                      <a:alpha val="43137"/>
+                    </a:srgbClr>
+                  </a:outerShdw>
+                </a:effectLst>
+              </a:rPr>
+              <a:t>Event flow</a:t>
+            </a:r>
+            <a:endParaRPr b="1" dirty="0">
+              <a:effectLst>
+                <a:outerShdw blurRad="38100" dist="38100" dir="2700000" algn="tl">
+                  <a:srgbClr val="000000">
+                    <a:alpha val="43137"/>
+                  </a:srgbClr>
+                </a:outerShdw>
+              </a:effectLst>
+            </a:endParaRPr>
+          </a:p>
+        </p:txBody>
+      </p:sp>
+      <p:pic>
+        <p:nvPicPr>
+          <p:cNvPr id="3" name="Рисунок 2">
+            <a:extLst>
+              <a:ext uri="{FF2B5EF4-FFF2-40B4-BE49-F238E27FC236}">
+                <a16:creationId xmlns:a16="http://schemas.microsoft.com/office/drawing/2014/main" id="{C5B7194B-CF5C-403F-BB19-6F03AD931CCA}"/>
+              </a:ext>
+            </a:extLst>
+          </p:cNvPr>
+          <p:cNvPicPr>
+            <a:picLocks noChangeAspect="1"/>
+          </p:cNvPicPr>
+          <p:nvPr/>
+        </p:nvPicPr>
+        <p:blipFill>
+          <a:blip r:embed="rId3"/>
+          <a:stretch>
+            <a:fillRect/>
+          </a:stretch>
+        </p:blipFill>
+        <p:spPr>
+          <a:xfrm>
+            <a:off x="161364" y="1241523"/>
+            <a:ext cx="8716741" cy="2946342"/>
+          </a:xfrm>
+          <a:prstGeom prst="rect">
+            <a:avLst/>
+          </a:prstGeom>
+        </p:spPr>
+      </p:pic>
+      <p:sp>
+        <p:nvSpPr>
+          <p:cNvPr id="4" name="Номер слайда 3">
+            <a:extLst>
+              <a:ext uri="{FF2B5EF4-FFF2-40B4-BE49-F238E27FC236}">
+                <a16:creationId xmlns:a16="http://schemas.microsoft.com/office/drawing/2014/main" id="{FE86CA3D-FE51-42A4-8A66-83EB1F2C6FC3}"/>
+              </a:ext>
+            </a:extLst>
+          </p:cNvPr>
+          <p:cNvSpPr>
+            <a:spLocks noGrp="1"/>
+          </p:cNvSpPr>
+          <p:nvPr>
+            <p:ph type="sldNum" idx="12"/>
+          </p:nvPr>
+        </p:nvSpPr>
+        <p:spPr/>
+        <p:txBody>
+          <a:bodyPr/>
+          <a:lstStyle/>
+          <a:p>
+            <a:pPr marL="0" lvl="0" indent="0" algn="r" rtl="0">
+              <a:spcBef>
+                <a:spcPts val="0"/>
+              </a:spcBef>
+              <a:spcAft>
+                <a:spcPts val="0"/>
+              </a:spcAft>
+              <a:buNone/>
+            </a:pPr>
+            <a:fld id="{00000000-1234-1234-1234-123412341234}" type="slidenum">
+              <a:rPr lang="en-GB" smtClean="0"/>
+              <a:t>3</a:t>
+            </a:fld>
+            <a:endParaRPr lang="en-GB"/>
+          </a:p>
+        </p:txBody>
+      </p:sp>
+      <p:sp>
+        <p:nvSpPr>
+          <p:cNvPr id="2" name="TextBox 1">
+            <a:extLst>
+              <a:ext uri="{FF2B5EF4-FFF2-40B4-BE49-F238E27FC236}">
+                <a16:creationId xmlns:a16="http://schemas.microsoft.com/office/drawing/2014/main" id="{4D399809-9845-44E8-8D4D-519225097970}"/>
+              </a:ext>
+            </a:extLst>
+          </p:cNvPr>
+          <p:cNvSpPr txBox="1"/>
+          <p:nvPr/>
+        </p:nvSpPr>
+        <p:spPr>
+          <a:xfrm>
+            <a:off x="161363" y="4716463"/>
+            <a:ext cx="8162365" cy="307777"/>
+          </a:xfrm>
+          <a:prstGeom prst="rect">
+            <a:avLst/>
+          </a:prstGeom>
+          <a:noFill/>
+        </p:spPr>
+        <p:txBody>
+          <a:bodyPr wrap="square" rtlCol="0">
+            <a:spAutoFit/>
+          </a:bodyPr>
+          <a:lstStyle/>
+          <a:p>
+            <a:r>
+              <a:rPr lang="en-US" dirty="0">
+                <a:solidFill>
+                  <a:schemeClr val="tx1"/>
+                </a:solidFill>
+              </a:rPr>
+              <a:t>https://github.com/fanglores/Advanced-Software-Design/tree/master/General/UseCases</a:t>
+            </a:r>
+            <a:endParaRPr lang="ru-RU" dirty="0">
+              <a:solidFill>
+                <a:schemeClr val="tx1"/>
+              </a:solidFill>
+            </a:endParaRPr>
+          </a:p>
+        </p:txBody>
+      </p:sp>
+    </p:spTree>
+  </p:cSld>
+  <p:clrMapOvr>
+    <a:masterClrMapping/>
+  </p:clrMapOvr>
+</p:sld>
+</file>
+
+<file path=ppt/slides/slide4.xml><?xml version="1.0" encoding="utf-8"?>
+<p:sld xmlns:a="http://schemas.openxmlformats.org/drawingml/2006/main" xmlns:r="http://schemas.openxmlformats.org/officeDocument/2006/relationships" xmlns:p="http://schemas.openxmlformats.org/presentationml/2006/main">
+  <p:cSld>
+    <p:spTree>
+      <p:nvGrpSpPr>
+        <p:cNvPr id="1" name="Shape 83"/>
+        <p:cNvGrpSpPr/>
+        <p:nvPr/>
+      </p:nvGrpSpPr>
+      <p:grpSpPr>
+        <a:xfrm>
+          <a:off x="0" y="0"/>
+          <a:ext cx="0" cy="0"/>
+          <a:chOff x="0" y="0"/>
+          <a:chExt cx="0" cy="0"/>
+        </a:xfrm>
+      </p:grpSpPr>
+      <p:sp>
+        <p:nvSpPr>
+          <p:cNvPr id="84" name="Google Shape;84;p18"/>
+          <p:cNvSpPr txBox="1">
+            <a:spLocks noGrp="1"/>
+          </p:cNvSpPr>
+          <p:nvPr>
+            <p:ph type="title"/>
+          </p:nvPr>
+        </p:nvSpPr>
+        <p:spPr>
+          <a:xfrm>
+            <a:off x="311700" y="288275"/>
+            <a:ext cx="8520600" cy="572700"/>
+          </a:xfrm>
+          <a:prstGeom prst="rect">
+            <a:avLst/>
+          </a:prstGeom>
+        </p:spPr>
+        <p:txBody>
+          <a:bodyPr spcFirstLastPara="1" wrap="square" lIns="91425" tIns="91425" rIns="91425" bIns="91425" anchor="t" anchorCtr="0">
+            <a:noAutofit/>
+          </a:bodyPr>
+          <a:lstStyle/>
+          <a:p>
+            <a:r>
+              <a:rPr lang="en-GB" dirty="0">
+                <a:effectLst>
+                  <a:outerShdw blurRad="38100" dist="38100" dir="2700000" algn="tl">
+                    <a:srgbClr val="000000">
+                      <a:alpha val="43137"/>
+                    </a:srgbClr>
+                  </a:outerShdw>
+                </a:effectLst>
+              </a:rPr>
+              <a:t>Logical data model </a:t>
+            </a:r>
+            <a:r>
+              <a:rPr lang="en-US" b="1" dirty="0" err="1">
+                <a:effectLst>
+                  <a:outerShdw blurRad="38100" dist="38100" dir="2700000" algn="tl">
+                    <a:srgbClr val="000000">
+                      <a:alpha val="43137"/>
+                    </a:srgbClr>
+                  </a:outerShdw>
+                </a:effectLst>
+              </a:rPr>
+              <a:t>RequestRouter</a:t>
+            </a:r>
+            <a:endParaRPr dirty="0">
+              <a:effectLst>
+                <a:outerShdw blurRad="38100" dist="38100" dir="2700000" algn="tl">
+                  <a:srgbClr val="000000">
+                    <a:alpha val="43137"/>
+                  </a:srgbClr>
+                </a:outerShdw>
+              </a:effectLst>
+            </a:endParaRPr>
+          </a:p>
+        </p:txBody>
+      </p:sp>
+      <p:sp>
+        <p:nvSpPr>
+          <p:cNvPr id="3" name="Номер слайда 2">
+            <a:extLst>
+              <a:ext uri="{FF2B5EF4-FFF2-40B4-BE49-F238E27FC236}">
+                <a16:creationId xmlns:a16="http://schemas.microsoft.com/office/drawing/2014/main" id="{44D00E36-7C80-4724-BC89-DAF8BBC2E470}"/>
+              </a:ext>
+            </a:extLst>
+          </p:cNvPr>
+          <p:cNvSpPr>
+            <a:spLocks noGrp="1"/>
+          </p:cNvSpPr>
+          <p:nvPr>
+            <p:ph type="sldNum" idx="12"/>
+          </p:nvPr>
+        </p:nvSpPr>
+        <p:spPr/>
+        <p:txBody>
+          <a:bodyPr/>
+          <a:lstStyle/>
+          <a:p>
+            <a:pPr marL="0" lvl="0" indent="0" algn="r" rtl="0">
+              <a:spcBef>
+                <a:spcPts val="0"/>
+              </a:spcBef>
+              <a:spcAft>
+                <a:spcPts val="0"/>
+              </a:spcAft>
+              <a:buNone/>
+            </a:pPr>
+            <a:fld id="{00000000-1234-1234-1234-123412341234}" type="slidenum">
+              <a:rPr lang="en-GB" smtClean="0"/>
+              <a:t>4</a:t>
+            </a:fld>
+            <a:endParaRPr lang="en-GB"/>
+          </a:p>
+        </p:txBody>
+      </p:sp>
+      <p:pic>
+        <p:nvPicPr>
+          <p:cNvPr id="2052" name="Picture 4">
+            <a:extLst>
+              <a:ext uri="{FF2B5EF4-FFF2-40B4-BE49-F238E27FC236}">
+                <a16:creationId xmlns:a16="http://schemas.microsoft.com/office/drawing/2014/main" id="{73CA7B9E-2D89-40C2-AD0B-4434A982A53A}"/>
+              </a:ext>
+            </a:extLst>
+          </p:cNvPr>
+          <p:cNvPicPr>
+            <a:picLocks noChangeAspect="1" noChangeArrowheads="1"/>
+          </p:cNvPicPr>
+          <p:nvPr/>
+        </p:nvPicPr>
+        <p:blipFill>
+          <a:blip r:embed="rId3">
+            <a:extLst>
+              <a:ext uri="{28A0092B-C50C-407E-A947-70E740481C1C}">
+                <a14:useLocalDpi xmlns:a14="http://schemas.microsoft.com/office/drawing/2010/main" val="0"/>
+              </a:ext>
+            </a:extLst>
+          </a:blip>
+          <a:srcRect/>
+          <a:stretch>
+            <a:fillRect/>
+          </a:stretch>
+        </p:blipFill>
+        <p:spPr bwMode="auto">
+          <a:xfrm>
+            <a:off x="2142175" y="1196152"/>
+            <a:ext cx="4386371" cy="3659073"/>
+          </a:xfrm>
+          <a:prstGeom prst="rect">
+            <a:avLst/>
+          </a:prstGeom>
+          <a:noFill/>
+          <a:extLst>
+            <a:ext uri="{909E8E84-426E-40DD-AFC4-6F175D3DCCD1}">
+              <a14:hiddenFill xmlns:a14="http://schemas.microsoft.com/office/drawing/2010/main">
+                <a:solidFill>
+                  <a:srgbClr val="FFFFFF"/>
+                </a:solidFill>
+              </a14:hiddenFill>
+            </a:ext>
+          </a:extLst>
+        </p:spPr>
+      </p:pic>
+    </p:spTree>
+    <p:extLst>
+      <p:ext uri="{BB962C8B-B14F-4D97-AF65-F5344CB8AC3E}">
+        <p14:creationId xmlns:p14="http://schemas.microsoft.com/office/powerpoint/2010/main" val="1911688575"/>
+      </p:ext>
+    </p:extLst>
+  </p:cSld>
+  <p:clrMapOvr>
+    <a:masterClrMapping/>
+  </p:clrMapOvr>
+</p:sld>
+</file>
+
+<file path=ppt/slides/slide5.xml><?xml version="1.0" encoding="utf-8"?>
+<p:sld xmlns:a="http://schemas.openxmlformats.org/drawingml/2006/main" xmlns:r="http://schemas.openxmlformats.org/officeDocument/2006/relationships" xmlns:p="http://schemas.openxmlformats.org/presentationml/2006/main">
+  <p:cSld>
+    <p:spTree>
+      <p:nvGrpSpPr>
+        <p:cNvPr id="1" name="Shape 83"/>
+        <p:cNvGrpSpPr/>
+        <p:nvPr/>
+      </p:nvGrpSpPr>
+      <p:grpSpPr>
+        <a:xfrm>
+          <a:off x="0" y="0"/>
+          <a:ext cx="0" cy="0"/>
+          <a:chOff x="0" y="0"/>
+          <a:chExt cx="0" cy="0"/>
+        </a:xfrm>
+      </p:grpSpPr>
+      <p:sp>
+        <p:nvSpPr>
+          <p:cNvPr id="84" name="Google Shape;84;p18"/>
+          <p:cNvSpPr txBox="1">
+            <a:spLocks noGrp="1"/>
+          </p:cNvSpPr>
+          <p:nvPr>
+            <p:ph type="title"/>
+          </p:nvPr>
+        </p:nvSpPr>
+        <p:spPr>
+          <a:xfrm>
+            <a:off x="311700" y="288275"/>
+            <a:ext cx="8520600" cy="572700"/>
+          </a:xfrm>
+          <a:prstGeom prst="rect">
+            <a:avLst/>
+          </a:prstGeom>
+        </p:spPr>
+        <p:txBody>
+          <a:bodyPr spcFirstLastPara="1" wrap="square" lIns="91425" tIns="91425" rIns="91425" bIns="91425" anchor="t" anchorCtr="0">
+            <a:noAutofit/>
+          </a:bodyPr>
+          <a:lstStyle/>
+          <a:p>
+            <a:r>
+              <a:rPr lang="en-GB" dirty="0">
+                <a:effectLst>
+                  <a:outerShdw blurRad="38100" dist="38100" dir="2700000" algn="tl">
+                    <a:srgbClr val="000000">
+                      <a:alpha val="43137"/>
+                    </a:srgbClr>
+                  </a:outerShdw>
+                </a:effectLst>
+              </a:rPr>
+              <a:t>API usage </a:t>
+            </a:r>
+            <a:r>
+              <a:rPr lang="en-US" b="1" dirty="0" err="1">
+                <a:effectLst>
+                  <a:outerShdw blurRad="38100" dist="38100" dir="2700000" algn="tl">
+                    <a:srgbClr val="000000">
+                      <a:alpha val="43137"/>
+                    </a:srgbClr>
+                  </a:outerShdw>
+                </a:effectLst>
+              </a:rPr>
+              <a:t>RequestRouter</a:t>
+            </a:r>
+            <a:endParaRPr dirty="0">
+              <a:effectLst>
+                <a:outerShdw blurRad="38100" dist="38100" dir="2700000" algn="tl">
+                  <a:srgbClr val="000000">
+                    <a:alpha val="43137"/>
+                  </a:srgbClr>
+                </a:outerShdw>
+              </a:effectLst>
+            </a:endParaRPr>
+          </a:p>
+        </p:txBody>
+      </p:sp>
+      <p:sp>
+        <p:nvSpPr>
+          <p:cNvPr id="86" name="Google Shape;86;p18"/>
+          <p:cNvSpPr txBox="1">
+            <a:spLocks noGrp="1"/>
+          </p:cNvSpPr>
+          <p:nvPr>
+            <p:ph type="body" idx="1"/>
+          </p:nvPr>
+        </p:nvSpPr>
+        <p:spPr>
+          <a:xfrm>
+            <a:off x="311699" y="1152475"/>
+            <a:ext cx="3130747" cy="3416400"/>
+          </a:xfrm>
+          <a:prstGeom prst="rect">
+            <a:avLst/>
+          </a:prstGeom>
+        </p:spPr>
+        <p:txBody>
+          <a:bodyPr spcFirstLastPara="1" wrap="square" lIns="91425" tIns="91425" rIns="91425" bIns="91425" anchor="t" anchorCtr="0">
+            <a:noAutofit/>
+          </a:bodyPr>
+          <a:lstStyle/>
+          <a:p>
+            <a:pPr marL="0" lvl="0" indent="0" algn="l" rtl="0">
+              <a:spcBef>
+                <a:spcPts val="0"/>
+              </a:spcBef>
+              <a:spcAft>
+                <a:spcPts val="0"/>
+              </a:spcAft>
+              <a:buNone/>
+            </a:pPr>
+            <a:r>
+              <a:rPr lang="en-US" b="1" dirty="0">
+                <a:solidFill>
+                  <a:schemeClr val="tx1"/>
+                </a:solidFill>
+              </a:rPr>
+              <a:t>Use Case</a:t>
+            </a:r>
+            <a:r>
+              <a:rPr lang="en-US" dirty="0">
+                <a:solidFill>
+                  <a:schemeClr val="tx1"/>
+                </a:solidFill>
+              </a:rPr>
+              <a:t>: Forward Request</a:t>
+            </a:r>
+          </a:p>
+          <a:p>
+            <a:pPr marL="0" lvl="0" indent="0" algn="l" rtl="0">
+              <a:spcBef>
+                <a:spcPts val="0"/>
+              </a:spcBef>
+              <a:spcAft>
+                <a:spcPts val="0"/>
+              </a:spcAft>
+              <a:buNone/>
+            </a:pPr>
+            <a:r>
+              <a:rPr lang="en-US" b="1" dirty="0">
+                <a:solidFill>
+                  <a:schemeClr val="tx1"/>
+                </a:solidFill>
+              </a:rPr>
+              <a:t>Scenario</a:t>
+            </a:r>
+            <a:r>
+              <a:rPr lang="en-US" dirty="0">
+                <a:solidFill>
+                  <a:schemeClr val="tx1"/>
+                </a:solidFill>
+              </a:rPr>
+              <a:t>:</a:t>
+            </a:r>
+          </a:p>
+          <a:p>
+            <a:pPr marL="0" lvl="0" indent="0" algn="l" rtl="0">
+              <a:spcBef>
+                <a:spcPts val="0"/>
+              </a:spcBef>
+              <a:spcAft>
+                <a:spcPts val="0"/>
+              </a:spcAft>
+              <a:buNone/>
+            </a:pPr>
+            <a:r>
+              <a:rPr lang="en-US" dirty="0">
+                <a:solidFill>
+                  <a:schemeClr val="tx1"/>
+                </a:solidFill>
+              </a:rPr>
+              <a:t>User sends request to a service</a:t>
+            </a:r>
+          </a:p>
+          <a:p>
+            <a:pPr marL="0" lvl="0" indent="0" algn="l" rtl="0">
+              <a:spcBef>
+                <a:spcPts val="0"/>
+              </a:spcBef>
+              <a:spcAft>
+                <a:spcPts val="0"/>
+              </a:spcAft>
+              <a:buNone/>
+            </a:pPr>
+            <a:r>
+              <a:rPr lang="en-US" dirty="0">
+                <a:solidFill>
+                  <a:schemeClr val="tx1"/>
+                </a:solidFill>
+              </a:rPr>
+              <a:t>Request is being validated by </a:t>
+            </a:r>
+            <a:r>
+              <a:rPr lang="en-US" dirty="0" err="1">
+                <a:solidFill>
+                  <a:schemeClr val="tx1"/>
+                </a:solidFill>
+              </a:rPr>
+              <a:t>OpenAPI</a:t>
+            </a:r>
+            <a:r>
+              <a:rPr lang="en-US" dirty="0">
+                <a:solidFill>
+                  <a:schemeClr val="tx1"/>
+                </a:solidFill>
+              </a:rPr>
+              <a:t> schema</a:t>
+            </a:r>
+          </a:p>
+          <a:p>
+            <a:pPr marL="0" lvl="0" indent="0" algn="l" rtl="0">
+              <a:spcBef>
+                <a:spcPts val="0"/>
+              </a:spcBef>
+              <a:spcAft>
+                <a:spcPts val="0"/>
+              </a:spcAft>
+              <a:buNone/>
+            </a:pPr>
+            <a:r>
+              <a:rPr lang="en-US" dirty="0">
+                <a:solidFill>
+                  <a:schemeClr val="tx1"/>
+                </a:solidFill>
+              </a:rPr>
+              <a:t>Request is being forwarded to a specific K8s service</a:t>
+            </a:r>
+            <a:endParaRPr dirty="0">
+              <a:solidFill>
+                <a:schemeClr val="tx1"/>
+              </a:solidFill>
+            </a:endParaRPr>
+          </a:p>
+        </p:txBody>
+      </p:sp>
+      <p:pic>
+        <p:nvPicPr>
+          <p:cNvPr id="5" name="Picture 4">
+            <a:extLst>
+              <a:ext uri="{FF2B5EF4-FFF2-40B4-BE49-F238E27FC236}">
+                <a16:creationId xmlns:a16="http://schemas.microsoft.com/office/drawing/2014/main" id="{F27EAB64-52E9-4F07-B4D9-407AD54431C9}"/>
+              </a:ext>
+            </a:extLst>
+          </p:cNvPr>
+          <p:cNvPicPr>
+            <a:picLocks noChangeAspect="1"/>
+          </p:cNvPicPr>
+          <p:nvPr/>
+        </p:nvPicPr>
+        <p:blipFill>
+          <a:blip r:embed="rId3"/>
+          <a:srcRect/>
+          <a:stretch/>
+        </p:blipFill>
+        <p:spPr>
+          <a:xfrm>
+            <a:off x="3684063" y="1017725"/>
+            <a:ext cx="5090714" cy="3451009"/>
+          </a:xfrm>
+          <a:prstGeom prst="rect">
+            <a:avLst/>
+          </a:prstGeom>
+        </p:spPr>
+      </p:pic>
+      <p:sp>
+        <p:nvSpPr>
+          <p:cNvPr id="3" name="Номер слайда 2">
+            <a:extLst>
+              <a:ext uri="{FF2B5EF4-FFF2-40B4-BE49-F238E27FC236}">
+                <a16:creationId xmlns:a16="http://schemas.microsoft.com/office/drawing/2014/main" id="{44D00E36-7C80-4724-BC89-DAF8BBC2E470}"/>
+              </a:ext>
+            </a:extLst>
+          </p:cNvPr>
+          <p:cNvSpPr>
+            <a:spLocks noGrp="1"/>
+          </p:cNvSpPr>
+          <p:nvPr>
+            <p:ph type="sldNum" idx="12"/>
+          </p:nvPr>
+        </p:nvSpPr>
+        <p:spPr/>
+        <p:txBody>
+          <a:bodyPr/>
+          <a:lstStyle/>
+          <a:p>
+            <a:pPr marL="0" lvl="0" indent="0" algn="r" rtl="0">
+              <a:spcBef>
+                <a:spcPts val="0"/>
+              </a:spcBef>
+              <a:spcAft>
+                <a:spcPts val="0"/>
+              </a:spcAft>
+              <a:buNone/>
+            </a:pPr>
+            <a:fld id="{00000000-1234-1234-1234-123412341234}" type="slidenum">
+              <a:rPr lang="en-GB" smtClean="0"/>
+              <a:t>5</a:t>
+            </a:fld>
+            <a:endParaRPr lang="en-GB"/>
+          </a:p>
+        </p:txBody>
+      </p:sp>
+    </p:spTree>
+    <p:extLst>
+      <p:ext uri="{BB962C8B-B14F-4D97-AF65-F5344CB8AC3E}">
+        <p14:creationId xmlns:p14="http://schemas.microsoft.com/office/powerpoint/2010/main" val="3338700152"/>
+      </p:ext>
+    </p:extLst>
+  </p:cSld>
+  <p:clrMapOvr>
+    <a:masterClrMapping/>
+  </p:clrMapOvr>
+</p:sld>
+</file>
+
+<file path=ppt/slides/slide6.xml><?xml version="1.0" encoding="utf-8"?>
+<p:sld xmlns:a="http://schemas.openxmlformats.org/drawingml/2006/main" xmlns:r="http://schemas.openxmlformats.org/officeDocument/2006/relationships" xmlns:p="http://schemas.openxmlformats.org/presentationml/2006/main">
+  <p:cSld>
+    <p:spTree>
+      <p:nvGrpSpPr>
+        <p:cNvPr id="1" name="Shape 83"/>
+        <p:cNvGrpSpPr/>
+        <p:nvPr/>
+      </p:nvGrpSpPr>
+      <p:grpSpPr>
+        <a:xfrm>
+          <a:off x="0" y="0"/>
+          <a:ext cx="0" cy="0"/>
+          <a:chOff x="0" y="0"/>
+          <a:chExt cx="0" cy="0"/>
+        </a:xfrm>
+      </p:grpSpPr>
+      <p:sp>
+        <p:nvSpPr>
+          <p:cNvPr id="84" name="Google Shape;84;p18"/>
+          <p:cNvSpPr txBox="1">
+            <a:spLocks noGrp="1"/>
+          </p:cNvSpPr>
+          <p:nvPr>
+            <p:ph type="title"/>
+          </p:nvPr>
+        </p:nvSpPr>
+        <p:spPr>
+          <a:xfrm>
+            <a:off x="311700" y="288275"/>
+            <a:ext cx="8520600" cy="572700"/>
+          </a:xfrm>
+          <a:prstGeom prst="rect">
+            <a:avLst/>
+          </a:prstGeom>
+        </p:spPr>
+        <p:txBody>
+          <a:bodyPr spcFirstLastPara="1" wrap="square" lIns="91425" tIns="91425" rIns="91425" bIns="91425" anchor="t" anchorCtr="0">
+            <a:noAutofit/>
+          </a:bodyPr>
+          <a:lstStyle/>
+          <a:p>
+            <a:r>
+              <a:rPr lang="en-GB" dirty="0">
+                <a:effectLst>
+                  <a:outerShdw blurRad="38100" dist="38100" dir="2700000" algn="tl">
+                    <a:srgbClr val="000000">
+                      <a:alpha val="43137"/>
+                    </a:srgbClr>
+                  </a:outerShdw>
+                </a:effectLst>
+              </a:rPr>
+              <a:t>Physical schema </a:t>
+            </a:r>
+            <a:r>
+              <a:rPr lang="en-US" b="1" dirty="0" err="1">
+                <a:effectLst>
+                  <a:outerShdw blurRad="38100" dist="38100" dir="2700000" algn="tl">
+                    <a:srgbClr val="000000">
+                      <a:alpha val="43137"/>
+                    </a:srgbClr>
+                  </a:outerShdw>
+                </a:effectLst>
+              </a:rPr>
+              <a:t>RequestRouter</a:t>
+            </a:r>
+            <a:endParaRPr dirty="0">
+              <a:effectLst>
+                <a:outerShdw blurRad="38100" dist="38100" dir="2700000" algn="tl">
+                  <a:srgbClr val="000000">
+                    <a:alpha val="43137"/>
+                  </a:srgbClr>
+                </a:outerShdw>
+              </a:effectLst>
+            </a:endParaRPr>
+          </a:p>
+        </p:txBody>
+      </p:sp>
+      <p:sp>
+        <p:nvSpPr>
+          <p:cNvPr id="3" name="Номер слайда 2">
+            <a:extLst>
+              <a:ext uri="{FF2B5EF4-FFF2-40B4-BE49-F238E27FC236}">
+                <a16:creationId xmlns:a16="http://schemas.microsoft.com/office/drawing/2014/main" id="{44D00E36-7C80-4724-BC89-DAF8BBC2E470}"/>
+              </a:ext>
+            </a:extLst>
+          </p:cNvPr>
+          <p:cNvSpPr>
+            <a:spLocks noGrp="1"/>
+          </p:cNvSpPr>
+          <p:nvPr>
+            <p:ph type="sldNum" idx="12"/>
+          </p:nvPr>
+        </p:nvSpPr>
+        <p:spPr/>
+        <p:txBody>
+          <a:bodyPr/>
+          <a:lstStyle/>
+          <a:p>
+            <a:pPr marL="0" lvl="0" indent="0" algn="r" rtl="0">
+              <a:spcBef>
+                <a:spcPts val="0"/>
+              </a:spcBef>
+              <a:spcAft>
+                <a:spcPts val="0"/>
+              </a:spcAft>
+              <a:buNone/>
+            </a:pPr>
+            <a:fld id="{00000000-1234-1234-1234-123412341234}" type="slidenum">
+              <a:rPr lang="en-GB" smtClean="0"/>
+              <a:t>6</a:t>
+            </a:fld>
+            <a:endParaRPr lang="en-GB"/>
+          </a:p>
+        </p:txBody>
+      </p:sp>
+      <p:pic>
+        <p:nvPicPr>
+          <p:cNvPr id="1026" name="Picture 2">
+            <a:extLst>
+              <a:ext uri="{FF2B5EF4-FFF2-40B4-BE49-F238E27FC236}">
+                <a16:creationId xmlns:a16="http://schemas.microsoft.com/office/drawing/2014/main" id="{33BD0D6E-8412-4F3D-8C4A-633C42F1E6AA}"/>
+              </a:ext>
+            </a:extLst>
+          </p:cNvPr>
+          <p:cNvPicPr>
+            <a:picLocks noChangeAspect="1" noChangeArrowheads="1"/>
+          </p:cNvPicPr>
+          <p:nvPr/>
+        </p:nvPicPr>
+        <p:blipFill>
+          <a:blip r:embed="rId3"/>
+          <a:srcRect/>
+          <a:stretch/>
+        </p:blipFill>
+        <p:spPr bwMode="auto">
+          <a:xfrm>
+            <a:off x="1233253" y="1337983"/>
+            <a:ext cx="6677494" cy="3139888"/>
+          </a:xfrm>
+          <a:prstGeom prst="rect">
+            <a:avLst/>
+          </a:prstGeom>
+          <a:noFill/>
+          <a:extLst>
+            <a:ext uri="{909E8E84-426E-40DD-AFC4-6F175D3DCCD1}">
+              <a14:hiddenFill xmlns:a14="http://schemas.microsoft.com/office/drawing/2010/main">
+                <a:solidFill>
+                  <a:srgbClr val="FFFFFF"/>
+                </a:solidFill>
+              </a14:hiddenFill>
+            </a:ext>
+          </a:extLst>
+        </p:spPr>
+      </p:pic>
+    </p:spTree>
+    <p:extLst>
+      <p:ext uri="{BB962C8B-B14F-4D97-AF65-F5344CB8AC3E}">
+        <p14:creationId xmlns:p14="http://schemas.microsoft.com/office/powerpoint/2010/main" val="1720435275"/>
+      </p:ext>
+    </p:extLst>
+  </p:cSld>
+  <p:clrMapOvr>
+    <a:masterClrMapping/>
+  </p:clrMapOvr>
+</p:sld>
+</file>
+
+<file path=ppt/slides/slide7.xml><?xml version="1.0" encoding="utf-8"?>
+<p:sld xmlns:a="http://schemas.openxmlformats.org/drawingml/2006/main" xmlns:r="http://schemas.openxmlformats.org/officeDocument/2006/relationships" xmlns:p="http://schemas.openxmlformats.org/presentationml/2006/main">
+  <p:cSld>
+    <p:spTree>
+      <p:nvGrpSpPr>
+        <p:cNvPr id="1" name="Shape 83"/>
+        <p:cNvGrpSpPr/>
+        <p:nvPr/>
+      </p:nvGrpSpPr>
+      <p:grpSpPr>
+        <a:xfrm>
+          <a:off x="0" y="0"/>
+          <a:ext cx="0" cy="0"/>
+          <a:chOff x="0" y="0"/>
+          <a:chExt cx="0" cy="0"/>
+        </a:xfrm>
+      </p:grpSpPr>
+      <p:sp>
+        <p:nvSpPr>
+          <p:cNvPr id="84" name="Google Shape;84;p18"/>
+          <p:cNvSpPr txBox="1">
+            <a:spLocks noGrp="1"/>
+          </p:cNvSpPr>
+          <p:nvPr>
+            <p:ph type="title"/>
+          </p:nvPr>
+        </p:nvSpPr>
+        <p:spPr>
+          <a:xfrm>
+            <a:off x="311700" y="182807"/>
+            <a:ext cx="8520600" cy="572700"/>
+          </a:xfrm>
+          <a:prstGeom prst="rect">
+            <a:avLst/>
+          </a:prstGeom>
+        </p:spPr>
+        <p:txBody>
+          <a:bodyPr spcFirstLastPara="1" wrap="square" lIns="91425" tIns="91425" rIns="91425" bIns="91425" anchor="t" anchorCtr="0">
+            <a:noAutofit/>
+          </a:bodyPr>
+          <a:lstStyle/>
+          <a:p>
+            <a:r>
+              <a:rPr lang="en-GB" dirty="0">
+                <a:effectLst>
+                  <a:outerShdw blurRad="38100" dist="38100" dir="2700000" algn="tl">
+                    <a:srgbClr val="000000">
+                      <a:alpha val="43137"/>
+                    </a:srgbClr>
+                  </a:outerShdw>
+                </a:effectLst>
+              </a:rPr>
+              <a:t>Logical data model </a:t>
+            </a:r>
+            <a:r>
+              <a:rPr lang="en-US" b="1" dirty="0">
+                <a:effectLst>
+                  <a:outerShdw blurRad="38100" dist="38100" dir="2700000" algn="tl">
+                    <a:srgbClr val="000000">
+                      <a:alpha val="43137"/>
+                    </a:srgbClr>
+                  </a:outerShdw>
+                </a:effectLst>
+              </a:rPr>
+              <a:t>Authenticator</a:t>
+            </a:r>
+            <a:endParaRPr dirty="0">
+              <a:effectLst>
+                <a:outerShdw blurRad="38100" dist="38100" dir="2700000" algn="tl">
+                  <a:srgbClr val="000000">
+                    <a:alpha val="43137"/>
+                  </a:srgbClr>
+                </a:outerShdw>
+              </a:effectLst>
+            </a:endParaRPr>
+          </a:p>
+        </p:txBody>
+      </p:sp>
+      <p:sp>
+        <p:nvSpPr>
+          <p:cNvPr id="2" name="Rectangle 1">
+            <a:extLst>
+              <a:ext uri="{FF2B5EF4-FFF2-40B4-BE49-F238E27FC236}">
+                <a16:creationId xmlns:a16="http://schemas.microsoft.com/office/drawing/2014/main" id="{575A1C00-12C6-44D1-8DDB-5947204B7660}"/>
+              </a:ext>
+            </a:extLst>
+          </p:cNvPr>
+          <p:cNvSpPr>
+            <a:spLocks noChangeArrowheads="1"/>
+          </p:cNvSpPr>
+          <p:nvPr/>
+        </p:nvSpPr>
+        <p:spPr bwMode="auto">
+          <a:xfrm>
+            <a:off x="0" y="0"/>
+            <a:ext cx="9144000" cy="0"/>
+          </a:xfrm>
+          <a:prstGeom prst="rect">
+            <a:avLst/>
+          </a:prstGeom>
+          <a:noFill/>
+          <a:ln>
+            <a:noFill/>
+          </a:ln>
+          <a:effectLst/>
+          <a:extLst>
+            <a:ext uri="{909E8E84-426E-40DD-AFC4-6F175D3DCCD1}">
+              <a14:hiddenFill xmlns:a14="http://schemas.microsoft.com/office/drawing/2010/main">
+                <a:solidFill>
+                  <a:schemeClr val="accent1"/>
+                </a:solidFill>
+              </a14:hiddenFill>
+            </a:ext>
+            <a:ext uri="{91240B29-F687-4F45-9708-019B960494DF}">
+              <a14:hiddenLine xmlns:a14="http://schemas.microsoft.com/office/drawing/2010/main" w="9525">
+                <a:solidFill>
+                  <a:schemeClr val="tx1"/>
+                </a:solidFill>
+                <a:miter lim="800000"/>
+                <a:headEnd/>
+                <a:tailEnd/>
+              </a14:hiddenLine>
+            </a:ext>
+            <a:ext uri="{AF507438-7753-43E0-B8FC-AC1667EBCBE1}">
+              <a14:hiddenEffects xmlns:a14="http://schemas.microsoft.com/office/drawing/2010/main">
+                <a:effectLst>
+                  <a:outerShdw dist="35921" dir="2700000" algn="ctr" rotWithShape="0">
+                    <a:schemeClr val="bg2"/>
+                  </a:outerShdw>
+                </a:effectLst>
+              </a14:hiddenEffects>
+            </a:ext>
+          </a:extLst>
+        </p:spPr>
+        <p:txBody>
+          <a:bodyPr vert="horz" wrap="none" lIns="91440" tIns="45720" rIns="91440" bIns="45720" numCol="1" anchor="ctr" anchorCtr="0" compatLnSpc="1">
+            <a:prstTxWarp prst="textNoShape">
+              <a:avLst/>
+            </a:prstTxWarp>
+            <a:spAutoFit/>
+          </a:bodyPr>
+          <a:lstStyle/>
+          <a:p>
+            <a:pPr marL="0" marR="0" lvl="0" indent="0" algn="l" defTabSz="914400" rtl="0" eaLnBrk="0" fontAlgn="base" latinLnBrk="0" hangingPunct="0">
+              <a:lnSpc>
+                <a:spcPct val="100000"/>
+              </a:lnSpc>
+              <a:spcBef>
+                <a:spcPct val="0"/>
+              </a:spcBef>
+              <a:spcAft>
+                <a:spcPct val="0"/>
+              </a:spcAft>
+              <a:buClrTx/>
+              <a:buSzTx/>
+              <a:buFontTx/>
+              <a:buNone/>
+              <a:tabLst/>
+            </a:pPr>
+            <a:r>
+              <a:rPr kumimoji="0" lang="ru-RU" altLang="ru-RU" sz="300" b="1" i="0" u="none" strike="noStrike" cap="none" normalizeH="0" baseline="0">
+                <a:ln>
+                  <a:noFill/>
+                </a:ln>
+                <a:solidFill>
+                  <a:schemeClr val="tx1"/>
+                </a:solidFill>
+                <a:effectLst/>
+                <a:latin typeface="Arial" panose="020B0604020202020204" pitchFamily="34" charset="0"/>
+              </a:rPr>
+              <a:t>Authenticator</a:t>
+            </a:r>
+            <a:endParaRPr kumimoji="0" lang="ru-RU" altLang="ru-RU" sz="200" b="1" i="0" u="none" strike="noStrike" cap="none" normalizeH="0" baseline="0">
+              <a:ln>
+                <a:noFill/>
+              </a:ln>
+              <a:solidFill>
+                <a:schemeClr val="tx1"/>
+              </a:solidFill>
+              <a:effectLst/>
+              <a:latin typeface="Arial" panose="020B0604020202020204" pitchFamily="34" charset="0"/>
+            </a:endParaRPr>
+          </a:p>
+          <a:p>
+            <a:pPr marL="0" marR="0" lvl="0" indent="0" algn="l" defTabSz="914400" rtl="0" eaLnBrk="0" fontAlgn="base" latinLnBrk="0" hangingPunct="0">
+              <a:lnSpc>
+                <a:spcPct val="100000"/>
+              </a:lnSpc>
+              <a:spcBef>
+                <a:spcPct val="0"/>
+              </a:spcBef>
+              <a:spcAft>
+                <a:spcPct val="0"/>
+              </a:spcAft>
+              <a:buClrTx/>
+              <a:buSzTx/>
+              <a:buFontTx/>
+              <a:buNone/>
+              <a:tabLst/>
+            </a:pPr>
+            <a:endParaRPr kumimoji="0" lang="ru-RU" altLang="ru-RU" sz="1800" b="0" i="0" u="none" strike="noStrike" cap="none" normalizeH="0" baseline="0">
+              <a:ln>
+                <a:noFill/>
+              </a:ln>
+              <a:solidFill>
+                <a:schemeClr val="tx1"/>
+              </a:solidFill>
+              <a:effectLst/>
+              <a:latin typeface="Arial" panose="020B0604020202020204" pitchFamily="34" charset="0"/>
+            </a:endParaRPr>
+          </a:p>
+        </p:txBody>
+      </p:sp>
+      <p:sp>
+        <p:nvSpPr>
+          <p:cNvPr id="4" name="Номер слайда 3">
+            <a:extLst>
+              <a:ext uri="{FF2B5EF4-FFF2-40B4-BE49-F238E27FC236}">
+                <a16:creationId xmlns:a16="http://schemas.microsoft.com/office/drawing/2014/main" id="{B6084F2C-D079-4A3E-B51D-2E8680415742}"/>
+              </a:ext>
+            </a:extLst>
+          </p:cNvPr>
+          <p:cNvSpPr>
+            <a:spLocks noGrp="1"/>
+          </p:cNvSpPr>
+          <p:nvPr>
+            <p:ph type="sldNum" idx="12"/>
+          </p:nvPr>
+        </p:nvSpPr>
+        <p:spPr/>
+        <p:txBody>
+          <a:bodyPr/>
+          <a:lstStyle/>
+          <a:p>
+            <a:pPr marL="0" lvl="0" indent="0" algn="r" rtl="0">
+              <a:spcBef>
+                <a:spcPts val="0"/>
+              </a:spcBef>
+              <a:spcAft>
+                <a:spcPts val="0"/>
+              </a:spcAft>
+              <a:buNone/>
+            </a:pPr>
+            <a:fld id="{00000000-1234-1234-1234-123412341234}" type="slidenum">
+              <a:rPr lang="en-GB" smtClean="0"/>
+              <a:t>7</a:t>
+            </a:fld>
+            <a:endParaRPr lang="en-GB"/>
+          </a:p>
+        </p:txBody>
+      </p:sp>
+      <p:pic>
+        <p:nvPicPr>
+          <p:cNvPr id="1026" name="Picture 2">
+            <a:extLst>
+              <a:ext uri="{FF2B5EF4-FFF2-40B4-BE49-F238E27FC236}">
                 <a16:creationId xmlns:a16="http://schemas.microsoft.com/office/drawing/2014/main" id="{67B68EE8-31AC-49AB-8310-25835036F063}"/>
               </a:ext>
             </a:extLst>
@@ -7924,7 +11853,7 @@
 </p:sld>
 </file>
 
-<file path=ppt/slides/slide11.xml><?xml version="1.0" encoding="utf-8"?>
+<file path=ppt/slides/slide8.xml><?xml version="1.0" encoding="utf-8"?>
 <p:sld xmlns:a="http://schemas.openxmlformats.org/drawingml/2006/main" xmlns:r="http://schemas.openxmlformats.org/officeDocument/2006/relationships" xmlns:p="http://schemas.openxmlformats.org/presentationml/2006/main">
   <p:cSld>
     <p:spTree>
@@ -8340,7 +12269,7 @@
             </a:pPr>
             <a:fld id="{00000000-1234-1234-1234-123412341234}" type="slidenum">
               <a:rPr lang="en-GB" smtClean="0"/>
-              <a:t>11</a:t>
+              <a:t>8</a:t>
             </a:fld>
             <a:endParaRPr lang="en-GB"/>
           </a:p>
@@ -8359,7 +12288,7 @@
 </p:sld>
 </file>
 
-<file path=ppt/slides/slide12.xml><?xml version="1.0" encoding="utf-8"?>
+<file path=ppt/slides/slide9.xml><?xml version="1.0" encoding="utf-8"?>
 <p:sld xmlns:a="http://schemas.openxmlformats.org/drawingml/2006/main" xmlns:r="http://schemas.openxmlformats.org/officeDocument/2006/relationships" xmlns:p="http://schemas.openxmlformats.org/presentationml/2006/main">
   <p:cSld>
     <p:spTree>
@@ -8604,7 +12533,7 @@
             </a:pPr>
             <a:fld id="{00000000-1234-1234-1234-123412341234}" type="slidenum">
               <a:rPr lang="en-GB" smtClean="0"/>
-              <a:t>12</a:t>
+              <a:t>9</a:t>
             </a:fld>
             <a:endParaRPr lang="en-GB"/>
           </a:p>
@@ -8653,3935 +12582,6 @@
     <p:extLst>
       <p:ext uri="{BB962C8B-B14F-4D97-AF65-F5344CB8AC3E}">
         <p14:creationId xmlns:p14="http://schemas.microsoft.com/office/powerpoint/2010/main" val="3112943061"/>
-      </p:ext>
-    </p:extLst>
-  </p:cSld>
-  <p:clrMapOvr>
-    <a:masterClrMapping/>
-  </p:clrMapOvr>
-</p:sld>
-</file>
-
-<file path=ppt/slides/slide13.xml><?xml version="1.0" encoding="utf-8"?>
-<p:sld xmlns:a="http://schemas.openxmlformats.org/drawingml/2006/main" xmlns:r="http://schemas.openxmlformats.org/officeDocument/2006/relationships" xmlns:p="http://schemas.openxmlformats.org/presentationml/2006/main">
-  <p:cSld>
-    <p:spTree>
-      <p:nvGrpSpPr>
-        <p:cNvPr id="1" name="Shape 83"/>
-        <p:cNvGrpSpPr/>
-        <p:nvPr/>
-      </p:nvGrpSpPr>
-      <p:grpSpPr>
-        <a:xfrm>
-          <a:off x="0" y="0"/>
-          <a:ext cx="0" cy="0"/>
-          <a:chOff x="0" y="0"/>
-          <a:chExt cx="0" cy="0"/>
-        </a:xfrm>
-      </p:grpSpPr>
-      <p:sp>
-        <p:nvSpPr>
-          <p:cNvPr id="84" name="Google Shape;84;p18"/>
-          <p:cNvSpPr txBox="1">
-            <a:spLocks noGrp="1"/>
-          </p:cNvSpPr>
-          <p:nvPr>
-            <p:ph type="title"/>
-          </p:nvPr>
-        </p:nvSpPr>
-        <p:spPr>
-          <a:xfrm>
-            <a:off x="311700" y="182807"/>
-            <a:ext cx="8520600" cy="572700"/>
-          </a:xfrm>
-          <a:prstGeom prst="rect">
-            <a:avLst/>
-          </a:prstGeom>
-        </p:spPr>
-        <p:txBody>
-          <a:bodyPr spcFirstLastPara="1" wrap="square" lIns="91425" tIns="91425" rIns="91425" bIns="91425" anchor="t" anchorCtr="0">
-            <a:noAutofit/>
-          </a:bodyPr>
-          <a:lstStyle/>
-          <a:p>
-            <a:r>
-              <a:rPr lang="en-GB">
-                <a:effectLst>
-                  <a:outerShdw blurRad="38100" dist="38100" dir="2700000" algn="tl">
-                    <a:srgbClr val="000000">
-                      <a:alpha val="43137"/>
-                    </a:srgbClr>
-                  </a:outerShdw>
-                </a:effectLst>
-              </a:rPr>
-              <a:t>Logical data model </a:t>
-            </a:r>
-            <a:r>
-              <a:rPr lang="en-US" b="1">
-                <a:effectLst>
-                  <a:outerShdw blurRad="38100" dist="38100" dir="2700000" algn="tl">
-                    <a:srgbClr val="000000">
-                      <a:alpha val="43137"/>
-                    </a:srgbClr>
-                  </a:outerShdw>
-                </a:effectLst>
-              </a:rPr>
-              <a:t>OpenAPIGenerator</a:t>
-            </a:r>
-            <a:endParaRPr dirty="0">
-              <a:effectLst>
-                <a:outerShdw blurRad="38100" dist="38100" dir="2700000" algn="tl">
-                  <a:srgbClr val="000000">
-                    <a:alpha val="43137"/>
-                  </a:srgbClr>
-                </a:outerShdw>
-              </a:effectLst>
-            </a:endParaRPr>
-          </a:p>
-        </p:txBody>
-      </p:sp>
-      <p:sp>
-        <p:nvSpPr>
-          <p:cNvPr id="2" name="Rectangle 1">
-            <a:extLst>
-              <a:ext uri="{FF2B5EF4-FFF2-40B4-BE49-F238E27FC236}">
-                <a16:creationId xmlns:a16="http://schemas.microsoft.com/office/drawing/2014/main" id="{575A1C00-12C6-44D1-8DDB-5947204B7660}"/>
-              </a:ext>
-            </a:extLst>
-          </p:cNvPr>
-          <p:cNvSpPr>
-            <a:spLocks noChangeArrowheads="1"/>
-          </p:cNvSpPr>
-          <p:nvPr/>
-        </p:nvSpPr>
-        <p:spPr bwMode="auto">
-          <a:xfrm>
-            <a:off x="0" y="0"/>
-            <a:ext cx="9144000" cy="0"/>
-          </a:xfrm>
-          <a:prstGeom prst="rect">
-            <a:avLst/>
-          </a:prstGeom>
-          <a:noFill/>
-          <a:ln>
-            <a:noFill/>
-          </a:ln>
-          <a:effectLst/>
-          <a:extLst>
-            <a:ext uri="{909E8E84-426E-40DD-AFC4-6F175D3DCCD1}">
-              <a14:hiddenFill xmlns:a14="http://schemas.microsoft.com/office/drawing/2010/main">
-                <a:solidFill>
-                  <a:schemeClr val="accent1"/>
-                </a:solidFill>
-              </a14:hiddenFill>
-            </a:ext>
-            <a:ext uri="{91240B29-F687-4F45-9708-019B960494DF}">
-              <a14:hiddenLine xmlns:a14="http://schemas.microsoft.com/office/drawing/2010/main" w="9525">
-                <a:solidFill>
-                  <a:schemeClr val="tx1"/>
-                </a:solidFill>
-                <a:miter lim="800000"/>
-                <a:headEnd/>
-                <a:tailEnd/>
-              </a14:hiddenLine>
-            </a:ext>
-            <a:ext uri="{AF507438-7753-43E0-B8FC-AC1667EBCBE1}">
-              <a14:hiddenEffects xmlns:a14="http://schemas.microsoft.com/office/drawing/2010/main">
-                <a:effectLst>
-                  <a:outerShdw dist="35921" dir="2700000" algn="ctr" rotWithShape="0">
-                    <a:schemeClr val="bg2"/>
-                  </a:outerShdw>
-                </a:effectLst>
-              </a14:hiddenEffects>
-            </a:ext>
-          </a:extLst>
-        </p:spPr>
-        <p:txBody>
-          <a:bodyPr vert="horz" wrap="none" lIns="91440" tIns="45720" rIns="91440" bIns="45720" numCol="1" anchor="ctr" anchorCtr="0" compatLnSpc="1">
-            <a:prstTxWarp prst="textNoShape">
-              <a:avLst/>
-            </a:prstTxWarp>
-            <a:spAutoFit/>
-          </a:bodyPr>
-          <a:lstStyle/>
-          <a:p>
-            <a:pPr marL="0" marR="0" lvl="0" indent="0" algn="l" defTabSz="914400" rtl="0" eaLnBrk="0" fontAlgn="base" latinLnBrk="0" hangingPunct="0">
-              <a:lnSpc>
-                <a:spcPct val="100000"/>
-              </a:lnSpc>
-              <a:spcBef>
-                <a:spcPct val="0"/>
-              </a:spcBef>
-              <a:spcAft>
-                <a:spcPct val="0"/>
-              </a:spcAft>
-              <a:buClrTx/>
-              <a:buSzTx/>
-              <a:buFontTx/>
-              <a:buNone/>
-              <a:tabLst/>
-            </a:pPr>
-            <a:r>
-              <a:rPr kumimoji="0" lang="ru-RU" altLang="ru-RU" sz="300" b="1" i="0" u="none" strike="noStrike" cap="none" normalizeH="0" baseline="0">
-                <a:ln>
-                  <a:noFill/>
-                </a:ln>
-                <a:solidFill>
-                  <a:schemeClr val="tx1"/>
-                </a:solidFill>
-                <a:effectLst/>
-                <a:latin typeface="Arial" panose="020B0604020202020204" pitchFamily="34" charset="0"/>
-              </a:rPr>
-              <a:t>Authenticator</a:t>
-            </a:r>
-            <a:endParaRPr kumimoji="0" lang="ru-RU" altLang="ru-RU" sz="200" b="1" i="0" u="none" strike="noStrike" cap="none" normalizeH="0" baseline="0">
-              <a:ln>
-                <a:noFill/>
-              </a:ln>
-              <a:solidFill>
-                <a:schemeClr val="tx1"/>
-              </a:solidFill>
-              <a:effectLst/>
-              <a:latin typeface="Arial" panose="020B0604020202020204" pitchFamily="34" charset="0"/>
-            </a:endParaRPr>
-          </a:p>
-          <a:p>
-            <a:pPr marL="0" marR="0" lvl="0" indent="0" algn="l" defTabSz="914400" rtl="0" eaLnBrk="0" fontAlgn="base" latinLnBrk="0" hangingPunct="0">
-              <a:lnSpc>
-                <a:spcPct val="100000"/>
-              </a:lnSpc>
-              <a:spcBef>
-                <a:spcPct val="0"/>
-              </a:spcBef>
-              <a:spcAft>
-                <a:spcPct val="0"/>
-              </a:spcAft>
-              <a:buClrTx/>
-              <a:buSzTx/>
-              <a:buFontTx/>
-              <a:buNone/>
-              <a:tabLst/>
-            </a:pPr>
-            <a:endParaRPr kumimoji="0" lang="ru-RU" altLang="ru-RU" sz="1800" b="0" i="0" u="none" strike="noStrike" cap="none" normalizeH="0" baseline="0">
-              <a:ln>
-                <a:noFill/>
-              </a:ln>
-              <a:solidFill>
-                <a:schemeClr val="tx1"/>
-              </a:solidFill>
-              <a:effectLst/>
-              <a:latin typeface="Arial" panose="020B0604020202020204" pitchFamily="34" charset="0"/>
-            </a:endParaRPr>
-          </a:p>
-        </p:txBody>
-      </p:sp>
-      <p:sp>
-        <p:nvSpPr>
-          <p:cNvPr id="4" name="Номер слайда 3">
-            <a:extLst>
-              <a:ext uri="{FF2B5EF4-FFF2-40B4-BE49-F238E27FC236}">
-                <a16:creationId xmlns:a16="http://schemas.microsoft.com/office/drawing/2014/main" id="{B6084F2C-D079-4A3E-B51D-2E8680415742}"/>
-              </a:ext>
-            </a:extLst>
-          </p:cNvPr>
-          <p:cNvSpPr>
-            <a:spLocks noGrp="1"/>
-          </p:cNvSpPr>
-          <p:nvPr>
-            <p:ph type="sldNum" idx="12"/>
-          </p:nvPr>
-        </p:nvSpPr>
-        <p:spPr/>
-        <p:txBody>
-          <a:bodyPr/>
-          <a:lstStyle/>
-          <a:p>
-            <a:pPr marL="0" lvl="0" indent="0" algn="r" rtl="0">
-              <a:spcBef>
-                <a:spcPts val="0"/>
-              </a:spcBef>
-              <a:spcAft>
-                <a:spcPts val="0"/>
-              </a:spcAft>
-              <a:buNone/>
-            </a:pPr>
-            <a:fld id="{00000000-1234-1234-1234-123412341234}" type="slidenum">
-              <a:rPr lang="en-GB" smtClean="0"/>
-              <a:t>13</a:t>
-            </a:fld>
-            <a:endParaRPr lang="en-GB"/>
-          </a:p>
-        </p:txBody>
-      </p:sp>
-      <p:pic>
-        <p:nvPicPr>
-          <p:cNvPr id="1026" name="Picture 2">
-            <a:extLst>
-              <a:ext uri="{FF2B5EF4-FFF2-40B4-BE49-F238E27FC236}">
-                <a16:creationId xmlns:a16="http://schemas.microsoft.com/office/drawing/2014/main" id="{99D0A118-5B5D-4B8C-B2D0-526638A5D1F9}"/>
-              </a:ext>
-            </a:extLst>
-          </p:cNvPr>
-          <p:cNvPicPr>
-            <a:picLocks noChangeAspect="1" noChangeArrowheads="1"/>
-          </p:cNvPicPr>
-          <p:nvPr/>
-        </p:nvPicPr>
-        <p:blipFill>
-          <a:blip r:embed="rId3">
-            <a:extLst>
-              <a:ext uri="{28A0092B-C50C-407E-A947-70E740481C1C}">
-                <a14:useLocalDpi xmlns:a14="http://schemas.microsoft.com/office/drawing/2010/main" val="0"/>
-              </a:ext>
-            </a:extLst>
-          </a:blip>
-          <a:srcRect/>
-          <a:stretch>
-            <a:fillRect/>
-          </a:stretch>
-        </p:blipFill>
-        <p:spPr bwMode="auto">
-          <a:xfrm>
-            <a:off x="2773415" y="938313"/>
-            <a:ext cx="3318383" cy="3848000"/>
-          </a:xfrm>
-          <a:prstGeom prst="rect">
-            <a:avLst/>
-          </a:prstGeom>
-          <a:noFill/>
-          <a:extLst>
-            <a:ext uri="{909E8E84-426E-40DD-AFC4-6F175D3DCCD1}">
-              <a14:hiddenFill xmlns:a14="http://schemas.microsoft.com/office/drawing/2010/main">
-                <a:solidFill>
-                  <a:srgbClr val="FFFFFF"/>
-                </a:solidFill>
-              </a14:hiddenFill>
-            </a:ext>
-          </a:extLst>
-        </p:spPr>
-      </p:pic>
-    </p:spTree>
-    <p:extLst>
-      <p:ext uri="{BB962C8B-B14F-4D97-AF65-F5344CB8AC3E}">
-        <p14:creationId xmlns:p14="http://schemas.microsoft.com/office/powerpoint/2010/main" val="1020538254"/>
-      </p:ext>
-    </p:extLst>
-  </p:cSld>
-  <p:clrMapOvr>
-    <a:masterClrMapping/>
-  </p:clrMapOvr>
-</p:sld>
-</file>
-
-<file path=ppt/slides/slide14.xml><?xml version="1.0" encoding="utf-8"?>
-<p:sld xmlns:a="http://schemas.openxmlformats.org/drawingml/2006/main" xmlns:r="http://schemas.openxmlformats.org/officeDocument/2006/relationships" xmlns:p="http://schemas.openxmlformats.org/presentationml/2006/main">
-  <p:cSld>
-    <p:spTree>
-      <p:nvGrpSpPr>
-        <p:cNvPr id="1" name="Shape 83"/>
-        <p:cNvGrpSpPr/>
-        <p:nvPr/>
-      </p:nvGrpSpPr>
-      <p:grpSpPr>
-        <a:xfrm>
-          <a:off x="0" y="0"/>
-          <a:ext cx="0" cy="0"/>
-          <a:chOff x="0" y="0"/>
-          <a:chExt cx="0" cy="0"/>
-        </a:xfrm>
-      </p:grpSpPr>
-      <p:sp>
-        <p:nvSpPr>
-          <p:cNvPr id="84" name="Google Shape;84;p18"/>
-          <p:cNvSpPr txBox="1">
-            <a:spLocks noGrp="1"/>
-          </p:cNvSpPr>
-          <p:nvPr>
-            <p:ph type="title"/>
-          </p:nvPr>
-        </p:nvSpPr>
-        <p:spPr>
-          <a:xfrm>
-            <a:off x="251188" y="288275"/>
-            <a:ext cx="8520600" cy="572700"/>
-          </a:xfrm>
-          <a:prstGeom prst="rect">
-            <a:avLst/>
-          </a:prstGeom>
-        </p:spPr>
-        <p:txBody>
-          <a:bodyPr spcFirstLastPara="1" wrap="square" lIns="91425" tIns="91425" rIns="91425" bIns="91425" anchor="t" anchorCtr="0">
-            <a:noAutofit/>
-          </a:bodyPr>
-          <a:lstStyle/>
-          <a:p>
-            <a:r>
-              <a:rPr lang="en-GB" dirty="0">
-                <a:effectLst>
-                  <a:outerShdw blurRad="38100" dist="38100" dir="2700000" algn="tl">
-                    <a:srgbClr val="000000">
-                      <a:alpha val="43137"/>
-                    </a:srgbClr>
-                  </a:outerShdw>
-                </a:effectLst>
-              </a:rPr>
-              <a:t>API usage </a:t>
-            </a:r>
-            <a:r>
-              <a:rPr lang="en-US" b="1" dirty="0" err="1">
-                <a:effectLst>
-                  <a:outerShdw blurRad="38100" dist="38100" dir="2700000" algn="tl">
-                    <a:srgbClr val="000000">
-                      <a:alpha val="43137"/>
-                    </a:srgbClr>
-                  </a:outerShdw>
-                </a:effectLst>
-              </a:rPr>
-              <a:t>OpenAPIGenerator</a:t>
-            </a:r>
-            <a:endParaRPr dirty="0">
-              <a:effectLst>
-                <a:outerShdw blurRad="38100" dist="38100" dir="2700000" algn="tl">
-                  <a:srgbClr val="000000">
-                    <a:alpha val="43137"/>
-                  </a:srgbClr>
-                </a:outerShdw>
-              </a:effectLst>
-            </a:endParaRPr>
-          </a:p>
-        </p:txBody>
-      </p:sp>
-      <p:sp>
-        <p:nvSpPr>
-          <p:cNvPr id="86" name="Google Shape;86;p18"/>
-          <p:cNvSpPr txBox="1">
-            <a:spLocks noGrp="1"/>
-          </p:cNvSpPr>
-          <p:nvPr>
-            <p:ph type="body" idx="1"/>
-          </p:nvPr>
-        </p:nvSpPr>
-        <p:spPr>
-          <a:xfrm>
-            <a:off x="311700" y="1152475"/>
-            <a:ext cx="3000300" cy="3416400"/>
-          </a:xfrm>
-          <a:prstGeom prst="rect">
-            <a:avLst/>
-          </a:prstGeom>
-        </p:spPr>
-        <p:txBody>
-          <a:bodyPr spcFirstLastPara="1" wrap="square" lIns="91425" tIns="91425" rIns="91425" bIns="91425" anchor="t" anchorCtr="0">
-            <a:noAutofit/>
-          </a:bodyPr>
-          <a:lstStyle/>
-          <a:p>
-            <a:pPr marL="0" lvl="0" indent="0" algn="l" rtl="0">
-              <a:spcBef>
-                <a:spcPts val="0"/>
-              </a:spcBef>
-              <a:spcAft>
-                <a:spcPts val="0"/>
-              </a:spcAft>
-              <a:buNone/>
-            </a:pPr>
-            <a:r>
-              <a:rPr lang="en-US" b="1" dirty="0">
-                <a:solidFill>
-                  <a:schemeClr val="tx1"/>
-                </a:solidFill>
-              </a:rPr>
-              <a:t>Use Case</a:t>
-            </a:r>
-            <a:r>
-              <a:rPr lang="en-US" dirty="0">
-                <a:solidFill>
-                  <a:schemeClr val="tx1"/>
-                </a:solidFill>
-              </a:rPr>
-              <a:t>: Generate </a:t>
-            </a:r>
-            <a:r>
-              <a:rPr lang="en-US" dirty="0" err="1">
-                <a:solidFill>
-                  <a:schemeClr val="tx1"/>
-                </a:solidFill>
-              </a:rPr>
-              <a:t>OpenAPI</a:t>
-            </a:r>
-            <a:r>
-              <a:rPr lang="en-US" dirty="0">
-                <a:solidFill>
-                  <a:schemeClr val="tx1"/>
-                </a:solidFill>
-              </a:rPr>
-              <a:t> Schema</a:t>
-            </a:r>
-          </a:p>
-          <a:p>
-            <a:pPr marL="0" lvl="0" indent="0" algn="l" rtl="0">
-              <a:spcBef>
-                <a:spcPts val="0"/>
-              </a:spcBef>
-              <a:spcAft>
-                <a:spcPts val="0"/>
-              </a:spcAft>
-              <a:buNone/>
-            </a:pPr>
-            <a:r>
-              <a:rPr lang="en-US" b="1" dirty="0">
-                <a:solidFill>
-                  <a:schemeClr val="tx1"/>
-                </a:solidFill>
-              </a:rPr>
-              <a:t>Scenario</a:t>
-            </a:r>
-            <a:r>
-              <a:rPr lang="en-US" dirty="0">
-                <a:solidFill>
-                  <a:schemeClr val="tx1"/>
-                </a:solidFill>
-              </a:rPr>
-              <a:t>: </a:t>
-            </a:r>
-          </a:p>
-          <a:p>
-            <a:pPr marL="0" lvl="0" indent="0" algn="l" rtl="0">
-              <a:spcBef>
-                <a:spcPts val="0"/>
-              </a:spcBef>
-              <a:spcAft>
-                <a:spcPts val="0"/>
-              </a:spcAft>
-              <a:buNone/>
-            </a:pPr>
-            <a:r>
-              <a:rPr lang="en-US" dirty="0">
-                <a:solidFill>
-                  <a:schemeClr val="tx1"/>
-                </a:solidFill>
-              </a:rPr>
-              <a:t>User sends request to get schema</a:t>
-            </a:r>
-          </a:p>
-          <a:p>
-            <a:pPr marL="0" lvl="0" indent="0" algn="l" rtl="0">
-              <a:spcBef>
-                <a:spcPts val="0"/>
-              </a:spcBef>
-              <a:spcAft>
-                <a:spcPts val="0"/>
-              </a:spcAft>
-              <a:buNone/>
-            </a:pPr>
-            <a:r>
-              <a:rPr lang="en-US" dirty="0" err="1">
-                <a:solidFill>
-                  <a:schemeClr val="tx1"/>
-                </a:solidFill>
-              </a:rPr>
-              <a:t>OpenApi</a:t>
-            </a:r>
-            <a:r>
-              <a:rPr lang="en-US" dirty="0">
-                <a:solidFill>
-                  <a:schemeClr val="tx1"/>
-                </a:solidFill>
-              </a:rPr>
-              <a:t> Generator checks if schema is present, if not – creates it, returns actual schema</a:t>
-            </a:r>
-            <a:endParaRPr dirty="0">
-              <a:solidFill>
-                <a:schemeClr val="tx1"/>
-              </a:solidFill>
-            </a:endParaRPr>
-          </a:p>
-        </p:txBody>
-      </p:sp>
-      <p:pic>
-        <p:nvPicPr>
-          <p:cNvPr id="5" name="Picture 4">
-            <a:extLst>
-              <a:ext uri="{FF2B5EF4-FFF2-40B4-BE49-F238E27FC236}">
-                <a16:creationId xmlns:a16="http://schemas.microsoft.com/office/drawing/2014/main" id="{F27EAB64-52E9-4F07-B4D9-407AD54431C9}"/>
-              </a:ext>
-            </a:extLst>
-          </p:cNvPr>
-          <p:cNvPicPr>
-            <a:picLocks noChangeAspect="1"/>
-          </p:cNvPicPr>
-          <p:nvPr/>
-        </p:nvPicPr>
-        <p:blipFill>
-          <a:blip r:embed="rId3"/>
-          <a:srcRect/>
-          <a:stretch/>
-        </p:blipFill>
-        <p:spPr>
-          <a:xfrm>
-            <a:off x="3626541" y="2203806"/>
-            <a:ext cx="5205759" cy="1078846"/>
-          </a:xfrm>
-          <a:prstGeom prst="rect">
-            <a:avLst/>
-          </a:prstGeom>
-        </p:spPr>
-      </p:pic>
-      <p:sp>
-        <p:nvSpPr>
-          <p:cNvPr id="3" name="Номер слайда 2">
-            <a:extLst>
-              <a:ext uri="{FF2B5EF4-FFF2-40B4-BE49-F238E27FC236}">
-                <a16:creationId xmlns:a16="http://schemas.microsoft.com/office/drawing/2014/main" id="{E92DA808-A119-4BC5-BB0C-E1F78E2DD16E}"/>
-              </a:ext>
-            </a:extLst>
-          </p:cNvPr>
-          <p:cNvSpPr>
-            <a:spLocks noGrp="1"/>
-          </p:cNvSpPr>
-          <p:nvPr>
-            <p:ph type="sldNum" idx="12"/>
-          </p:nvPr>
-        </p:nvSpPr>
-        <p:spPr/>
-        <p:txBody>
-          <a:bodyPr/>
-          <a:lstStyle/>
-          <a:p>
-            <a:pPr marL="0" lvl="0" indent="0" algn="r" rtl="0">
-              <a:spcBef>
-                <a:spcPts val="0"/>
-              </a:spcBef>
-              <a:spcAft>
-                <a:spcPts val="0"/>
-              </a:spcAft>
-              <a:buNone/>
-            </a:pPr>
-            <a:fld id="{00000000-1234-1234-1234-123412341234}" type="slidenum">
-              <a:rPr lang="en-GB" smtClean="0"/>
-              <a:t>14</a:t>
-            </a:fld>
-            <a:endParaRPr lang="en-GB"/>
-          </a:p>
-        </p:txBody>
-      </p:sp>
-    </p:spTree>
-    <p:extLst>
-      <p:ext uri="{BB962C8B-B14F-4D97-AF65-F5344CB8AC3E}">
-        <p14:creationId xmlns:p14="http://schemas.microsoft.com/office/powerpoint/2010/main" val="2388190616"/>
-      </p:ext>
-    </p:extLst>
-  </p:cSld>
-  <p:clrMapOvr>
-    <a:masterClrMapping/>
-  </p:clrMapOvr>
-</p:sld>
-</file>
-
-<file path=ppt/slides/slide15.xml><?xml version="1.0" encoding="utf-8"?>
-<p:sld xmlns:a="http://schemas.openxmlformats.org/drawingml/2006/main" xmlns:r="http://schemas.openxmlformats.org/officeDocument/2006/relationships" xmlns:p="http://schemas.openxmlformats.org/presentationml/2006/main">
-  <p:cSld>
-    <p:spTree>
-      <p:nvGrpSpPr>
-        <p:cNvPr id="1" name="Shape 83"/>
-        <p:cNvGrpSpPr/>
-        <p:nvPr/>
-      </p:nvGrpSpPr>
-      <p:grpSpPr>
-        <a:xfrm>
-          <a:off x="0" y="0"/>
-          <a:ext cx="0" cy="0"/>
-          <a:chOff x="0" y="0"/>
-          <a:chExt cx="0" cy="0"/>
-        </a:xfrm>
-      </p:grpSpPr>
-      <p:sp>
-        <p:nvSpPr>
-          <p:cNvPr id="84" name="Google Shape;84;p18"/>
-          <p:cNvSpPr txBox="1">
-            <a:spLocks noGrp="1"/>
-          </p:cNvSpPr>
-          <p:nvPr>
-            <p:ph type="title"/>
-          </p:nvPr>
-        </p:nvSpPr>
-        <p:spPr>
-          <a:xfrm>
-            <a:off x="311700" y="182807"/>
-            <a:ext cx="8520600" cy="572700"/>
-          </a:xfrm>
-          <a:prstGeom prst="rect">
-            <a:avLst/>
-          </a:prstGeom>
-        </p:spPr>
-        <p:txBody>
-          <a:bodyPr spcFirstLastPara="1" wrap="square" lIns="91425" tIns="91425" rIns="91425" bIns="91425" anchor="t" anchorCtr="0">
-            <a:noAutofit/>
-          </a:bodyPr>
-          <a:lstStyle/>
-          <a:p>
-            <a:r>
-              <a:rPr lang="en-GB" dirty="0">
-                <a:effectLst>
-                  <a:outerShdw blurRad="38100" dist="38100" dir="2700000" algn="tl">
-                    <a:srgbClr val="000000">
-                      <a:alpha val="43137"/>
-                    </a:srgbClr>
-                  </a:outerShdw>
-                </a:effectLst>
-              </a:rPr>
-              <a:t>Physical schema </a:t>
-            </a:r>
-            <a:r>
-              <a:rPr lang="en-US" b="1" dirty="0" err="1">
-                <a:effectLst>
-                  <a:outerShdw blurRad="38100" dist="38100" dir="2700000" algn="tl">
-                    <a:srgbClr val="000000">
-                      <a:alpha val="43137"/>
-                    </a:srgbClr>
-                  </a:outerShdw>
-                </a:effectLst>
-              </a:rPr>
-              <a:t>OpenAPIGenerator</a:t>
-            </a:r>
-            <a:endParaRPr dirty="0">
-              <a:effectLst>
-                <a:outerShdw blurRad="38100" dist="38100" dir="2700000" algn="tl">
-                  <a:srgbClr val="000000">
-                    <a:alpha val="43137"/>
-                  </a:srgbClr>
-                </a:outerShdw>
-              </a:effectLst>
-            </a:endParaRPr>
-          </a:p>
-        </p:txBody>
-      </p:sp>
-      <p:sp>
-        <p:nvSpPr>
-          <p:cNvPr id="2" name="Rectangle 1">
-            <a:extLst>
-              <a:ext uri="{FF2B5EF4-FFF2-40B4-BE49-F238E27FC236}">
-                <a16:creationId xmlns:a16="http://schemas.microsoft.com/office/drawing/2014/main" id="{575A1C00-12C6-44D1-8DDB-5947204B7660}"/>
-              </a:ext>
-            </a:extLst>
-          </p:cNvPr>
-          <p:cNvSpPr>
-            <a:spLocks noChangeArrowheads="1"/>
-          </p:cNvSpPr>
-          <p:nvPr/>
-        </p:nvSpPr>
-        <p:spPr bwMode="auto">
-          <a:xfrm>
-            <a:off x="0" y="0"/>
-            <a:ext cx="9144000" cy="0"/>
-          </a:xfrm>
-          <a:prstGeom prst="rect">
-            <a:avLst/>
-          </a:prstGeom>
-          <a:noFill/>
-          <a:ln>
-            <a:noFill/>
-          </a:ln>
-          <a:effectLst/>
-          <a:extLst>
-            <a:ext uri="{909E8E84-426E-40DD-AFC4-6F175D3DCCD1}">
-              <a14:hiddenFill xmlns:a14="http://schemas.microsoft.com/office/drawing/2010/main">
-                <a:solidFill>
-                  <a:schemeClr val="accent1"/>
-                </a:solidFill>
-              </a14:hiddenFill>
-            </a:ext>
-            <a:ext uri="{91240B29-F687-4F45-9708-019B960494DF}">
-              <a14:hiddenLine xmlns:a14="http://schemas.microsoft.com/office/drawing/2010/main" w="9525">
-                <a:solidFill>
-                  <a:schemeClr val="tx1"/>
-                </a:solidFill>
-                <a:miter lim="800000"/>
-                <a:headEnd/>
-                <a:tailEnd/>
-              </a14:hiddenLine>
-            </a:ext>
-            <a:ext uri="{AF507438-7753-43E0-B8FC-AC1667EBCBE1}">
-              <a14:hiddenEffects xmlns:a14="http://schemas.microsoft.com/office/drawing/2010/main">
-                <a:effectLst>
-                  <a:outerShdw dist="35921" dir="2700000" algn="ctr" rotWithShape="0">
-                    <a:schemeClr val="bg2"/>
-                  </a:outerShdw>
-                </a:effectLst>
-              </a14:hiddenEffects>
-            </a:ext>
-          </a:extLst>
-        </p:spPr>
-        <p:txBody>
-          <a:bodyPr vert="horz" wrap="none" lIns="91440" tIns="45720" rIns="91440" bIns="45720" numCol="1" anchor="ctr" anchorCtr="0" compatLnSpc="1">
-            <a:prstTxWarp prst="textNoShape">
-              <a:avLst/>
-            </a:prstTxWarp>
-            <a:spAutoFit/>
-          </a:bodyPr>
-          <a:lstStyle/>
-          <a:p>
-            <a:pPr marL="0" marR="0" lvl="0" indent="0" algn="l" defTabSz="914400" rtl="0" eaLnBrk="0" fontAlgn="base" latinLnBrk="0" hangingPunct="0">
-              <a:lnSpc>
-                <a:spcPct val="100000"/>
-              </a:lnSpc>
-              <a:spcBef>
-                <a:spcPct val="0"/>
-              </a:spcBef>
-              <a:spcAft>
-                <a:spcPct val="0"/>
-              </a:spcAft>
-              <a:buClrTx/>
-              <a:buSzTx/>
-              <a:buFontTx/>
-              <a:buNone/>
-              <a:tabLst/>
-            </a:pPr>
-            <a:r>
-              <a:rPr kumimoji="0" lang="ru-RU" altLang="ru-RU" sz="300" b="1" i="0" u="none" strike="noStrike" cap="none" normalizeH="0" baseline="0">
-                <a:ln>
-                  <a:noFill/>
-                </a:ln>
-                <a:solidFill>
-                  <a:schemeClr val="tx1"/>
-                </a:solidFill>
-                <a:effectLst/>
-                <a:latin typeface="Arial" panose="020B0604020202020204" pitchFamily="34" charset="0"/>
-              </a:rPr>
-              <a:t>Authenticator</a:t>
-            </a:r>
-            <a:endParaRPr kumimoji="0" lang="ru-RU" altLang="ru-RU" sz="200" b="1" i="0" u="none" strike="noStrike" cap="none" normalizeH="0" baseline="0">
-              <a:ln>
-                <a:noFill/>
-              </a:ln>
-              <a:solidFill>
-                <a:schemeClr val="tx1"/>
-              </a:solidFill>
-              <a:effectLst/>
-              <a:latin typeface="Arial" panose="020B0604020202020204" pitchFamily="34" charset="0"/>
-            </a:endParaRPr>
-          </a:p>
-          <a:p>
-            <a:pPr marL="0" marR="0" lvl="0" indent="0" algn="l" defTabSz="914400" rtl="0" eaLnBrk="0" fontAlgn="base" latinLnBrk="0" hangingPunct="0">
-              <a:lnSpc>
-                <a:spcPct val="100000"/>
-              </a:lnSpc>
-              <a:spcBef>
-                <a:spcPct val="0"/>
-              </a:spcBef>
-              <a:spcAft>
-                <a:spcPct val="0"/>
-              </a:spcAft>
-              <a:buClrTx/>
-              <a:buSzTx/>
-              <a:buFontTx/>
-              <a:buNone/>
-              <a:tabLst/>
-            </a:pPr>
-            <a:endParaRPr kumimoji="0" lang="ru-RU" altLang="ru-RU" sz="1800" b="0" i="0" u="none" strike="noStrike" cap="none" normalizeH="0" baseline="0">
-              <a:ln>
-                <a:noFill/>
-              </a:ln>
-              <a:solidFill>
-                <a:schemeClr val="tx1"/>
-              </a:solidFill>
-              <a:effectLst/>
-              <a:latin typeface="Arial" panose="020B0604020202020204" pitchFamily="34" charset="0"/>
-            </a:endParaRPr>
-          </a:p>
-        </p:txBody>
-      </p:sp>
-      <p:sp>
-        <p:nvSpPr>
-          <p:cNvPr id="4" name="Номер слайда 3">
-            <a:extLst>
-              <a:ext uri="{FF2B5EF4-FFF2-40B4-BE49-F238E27FC236}">
-                <a16:creationId xmlns:a16="http://schemas.microsoft.com/office/drawing/2014/main" id="{B6084F2C-D079-4A3E-B51D-2E8680415742}"/>
-              </a:ext>
-            </a:extLst>
-          </p:cNvPr>
-          <p:cNvSpPr>
-            <a:spLocks noGrp="1"/>
-          </p:cNvSpPr>
-          <p:nvPr>
-            <p:ph type="sldNum" idx="12"/>
-          </p:nvPr>
-        </p:nvSpPr>
-        <p:spPr/>
-        <p:txBody>
-          <a:bodyPr/>
-          <a:lstStyle/>
-          <a:p>
-            <a:pPr marL="0" lvl="0" indent="0" algn="r" rtl="0">
-              <a:spcBef>
-                <a:spcPts val="0"/>
-              </a:spcBef>
-              <a:spcAft>
-                <a:spcPts val="0"/>
-              </a:spcAft>
-              <a:buNone/>
-            </a:pPr>
-            <a:fld id="{00000000-1234-1234-1234-123412341234}" type="slidenum">
-              <a:rPr lang="en-GB" smtClean="0"/>
-              <a:t>15</a:t>
-            </a:fld>
-            <a:endParaRPr lang="en-GB"/>
-          </a:p>
-        </p:txBody>
-      </p:sp>
-      <p:pic>
-        <p:nvPicPr>
-          <p:cNvPr id="1026" name="Picture 2" descr="PlantUML Diagram">
-            <a:extLst>
-              <a:ext uri="{FF2B5EF4-FFF2-40B4-BE49-F238E27FC236}">
-                <a16:creationId xmlns:a16="http://schemas.microsoft.com/office/drawing/2014/main" id="{6F03BB53-227E-4C4F-8AE1-B18B9E84CA4E}"/>
-              </a:ext>
-            </a:extLst>
-          </p:cNvPr>
-          <p:cNvPicPr>
-            <a:picLocks noChangeAspect="1" noChangeArrowheads="1"/>
-          </p:cNvPicPr>
-          <p:nvPr/>
-        </p:nvPicPr>
-        <p:blipFill>
-          <a:blip r:embed="rId3">
-            <a:extLst>
-              <a:ext uri="{28A0092B-C50C-407E-A947-70E740481C1C}">
-                <a14:useLocalDpi xmlns:a14="http://schemas.microsoft.com/office/drawing/2010/main" val="0"/>
-              </a:ext>
-            </a:extLst>
-          </a:blip>
-          <a:srcRect/>
-          <a:stretch>
-            <a:fillRect/>
-          </a:stretch>
-        </p:blipFill>
-        <p:spPr bwMode="auto">
-          <a:xfrm>
-            <a:off x="3024188" y="1143000"/>
-            <a:ext cx="3095625" cy="2857500"/>
-          </a:xfrm>
-          <a:prstGeom prst="rect">
-            <a:avLst/>
-          </a:prstGeom>
-          <a:noFill/>
-          <a:extLst>
-            <a:ext uri="{909E8E84-426E-40DD-AFC4-6F175D3DCCD1}">
-              <a14:hiddenFill xmlns:a14="http://schemas.microsoft.com/office/drawing/2010/main">
-                <a:solidFill>
-                  <a:srgbClr val="FFFFFF"/>
-                </a:solidFill>
-              </a14:hiddenFill>
-            </a:ext>
-          </a:extLst>
-        </p:spPr>
-      </p:pic>
-    </p:spTree>
-    <p:extLst>
-      <p:ext uri="{BB962C8B-B14F-4D97-AF65-F5344CB8AC3E}">
-        <p14:creationId xmlns:p14="http://schemas.microsoft.com/office/powerpoint/2010/main" val="4200662447"/>
-      </p:ext>
-    </p:extLst>
-  </p:cSld>
-  <p:clrMapOvr>
-    <a:masterClrMapping/>
-  </p:clrMapOvr>
-</p:sld>
-</file>
-
-<file path=ppt/slides/slide16.xml><?xml version="1.0" encoding="utf-8"?>
-<p:sld xmlns:a="http://schemas.openxmlformats.org/drawingml/2006/main" xmlns:r="http://schemas.openxmlformats.org/officeDocument/2006/relationships" xmlns:p="http://schemas.openxmlformats.org/presentationml/2006/main">
-  <p:cSld>
-    <p:spTree>
-      <p:nvGrpSpPr>
-        <p:cNvPr id="1" name="Shape 83"/>
-        <p:cNvGrpSpPr/>
-        <p:nvPr/>
-      </p:nvGrpSpPr>
-      <p:grpSpPr>
-        <a:xfrm>
-          <a:off x="0" y="0"/>
-          <a:ext cx="0" cy="0"/>
-          <a:chOff x="0" y="0"/>
-          <a:chExt cx="0" cy="0"/>
-        </a:xfrm>
-      </p:grpSpPr>
-      <p:sp>
-        <p:nvSpPr>
-          <p:cNvPr id="84" name="Google Shape;84;p18"/>
-          <p:cNvSpPr txBox="1">
-            <a:spLocks noGrp="1"/>
-          </p:cNvSpPr>
-          <p:nvPr>
-            <p:ph type="title"/>
-          </p:nvPr>
-        </p:nvSpPr>
-        <p:spPr>
-          <a:xfrm>
-            <a:off x="311700" y="182807"/>
-            <a:ext cx="8520600" cy="572700"/>
-          </a:xfrm>
-          <a:prstGeom prst="rect">
-            <a:avLst/>
-          </a:prstGeom>
-        </p:spPr>
-        <p:txBody>
-          <a:bodyPr spcFirstLastPara="1" wrap="square" lIns="91425" tIns="91425" rIns="91425" bIns="91425" anchor="t" anchorCtr="0">
-            <a:noAutofit/>
-          </a:bodyPr>
-          <a:lstStyle/>
-          <a:p>
-            <a:r>
-              <a:rPr lang="en-GB" dirty="0">
-                <a:effectLst>
-                  <a:outerShdw blurRad="38100" dist="38100" dir="2700000" algn="tl">
-                    <a:srgbClr val="000000">
-                      <a:alpha val="43137"/>
-                    </a:srgbClr>
-                  </a:outerShdw>
-                </a:effectLst>
-              </a:rPr>
-              <a:t>Logical data model </a:t>
-            </a:r>
-            <a:r>
-              <a:rPr lang="en-US" b="1" dirty="0" err="1">
-                <a:effectLst>
-                  <a:outerShdw blurRad="38100" dist="38100" dir="2700000" algn="tl">
-                    <a:srgbClr val="000000">
-                      <a:alpha val="43137"/>
-                    </a:srgbClr>
-                  </a:outerShdw>
-                </a:effectLst>
-              </a:rPr>
-              <a:t>ServiceDeployer</a:t>
-            </a:r>
-            <a:endParaRPr dirty="0">
-              <a:effectLst>
-                <a:outerShdw blurRad="38100" dist="38100" dir="2700000" algn="tl">
-                  <a:srgbClr val="000000">
-                    <a:alpha val="43137"/>
-                  </a:srgbClr>
-                </a:outerShdw>
-              </a:effectLst>
-            </a:endParaRPr>
-          </a:p>
-        </p:txBody>
-      </p:sp>
-      <p:sp>
-        <p:nvSpPr>
-          <p:cNvPr id="2" name="Rectangle 1">
-            <a:extLst>
-              <a:ext uri="{FF2B5EF4-FFF2-40B4-BE49-F238E27FC236}">
-                <a16:creationId xmlns:a16="http://schemas.microsoft.com/office/drawing/2014/main" id="{575A1C00-12C6-44D1-8DDB-5947204B7660}"/>
-              </a:ext>
-            </a:extLst>
-          </p:cNvPr>
-          <p:cNvSpPr>
-            <a:spLocks noChangeArrowheads="1"/>
-          </p:cNvSpPr>
-          <p:nvPr/>
-        </p:nvSpPr>
-        <p:spPr bwMode="auto">
-          <a:xfrm>
-            <a:off x="0" y="0"/>
-            <a:ext cx="9144000" cy="0"/>
-          </a:xfrm>
-          <a:prstGeom prst="rect">
-            <a:avLst/>
-          </a:prstGeom>
-          <a:noFill/>
-          <a:ln>
-            <a:noFill/>
-          </a:ln>
-          <a:effectLst/>
-          <a:extLst>
-            <a:ext uri="{909E8E84-426E-40DD-AFC4-6F175D3DCCD1}">
-              <a14:hiddenFill xmlns:a14="http://schemas.microsoft.com/office/drawing/2010/main">
-                <a:solidFill>
-                  <a:schemeClr val="accent1"/>
-                </a:solidFill>
-              </a14:hiddenFill>
-            </a:ext>
-            <a:ext uri="{91240B29-F687-4F45-9708-019B960494DF}">
-              <a14:hiddenLine xmlns:a14="http://schemas.microsoft.com/office/drawing/2010/main" w="9525">
-                <a:solidFill>
-                  <a:schemeClr val="tx1"/>
-                </a:solidFill>
-                <a:miter lim="800000"/>
-                <a:headEnd/>
-                <a:tailEnd/>
-              </a14:hiddenLine>
-            </a:ext>
-            <a:ext uri="{AF507438-7753-43E0-B8FC-AC1667EBCBE1}">
-              <a14:hiddenEffects xmlns:a14="http://schemas.microsoft.com/office/drawing/2010/main">
-                <a:effectLst>
-                  <a:outerShdw dist="35921" dir="2700000" algn="ctr" rotWithShape="0">
-                    <a:schemeClr val="bg2"/>
-                  </a:outerShdw>
-                </a:effectLst>
-              </a14:hiddenEffects>
-            </a:ext>
-          </a:extLst>
-        </p:spPr>
-        <p:txBody>
-          <a:bodyPr vert="horz" wrap="none" lIns="91440" tIns="45720" rIns="91440" bIns="45720" numCol="1" anchor="ctr" anchorCtr="0" compatLnSpc="1">
-            <a:prstTxWarp prst="textNoShape">
-              <a:avLst/>
-            </a:prstTxWarp>
-            <a:spAutoFit/>
-          </a:bodyPr>
-          <a:lstStyle/>
-          <a:p>
-            <a:pPr marL="0" marR="0" lvl="0" indent="0" algn="l" defTabSz="914400" rtl="0" eaLnBrk="0" fontAlgn="base" latinLnBrk="0" hangingPunct="0">
-              <a:lnSpc>
-                <a:spcPct val="100000"/>
-              </a:lnSpc>
-              <a:spcBef>
-                <a:spcPct val="0"/>
-              </a:spcBef>
-              <a:spcAft>
-                <a:spcPct val="0"/>
-              </a:spcAft>
-              <a:buClrTx/>
-              <a:buSzTx/>
-              <a:buFontTx/>
-              <a:buNone/>
-              <a:tabLst/>
-            </a:pPr>
-            <a:r>
-              <a:rPr kumimoji="0" lang="ru-RU" altLang="ru-RU" sz="300" b="1" i="0" u="none" strike="noStrike" cap="none" normalizeH="0" baseline="0">
-                <a:ln>
-                  <a:noFill/>
-                </a:ln>
-                <a:solidFill>
-                  <a:schemeClr val="tx1"/>
-                </a:solidFill>
-                <a:effectLst/>
-                <a:latin typeface="Arial" panose="020B0604020202020204" pitchFamily="34" charset="0"/>
-              </a:rPr>
-              <a:t>Authenticator</a:t>
-            </a:r>
-            <a:endParaRPr kumimoji="0" lang="ru-RU" altLang="ru-RU" sz="200" b="1" i="0" u="none" strike="noStrike" cap="none" normalizeH="0" baseline="0">
-              <a:ln>
-                <a:noFill/>
-              </a:ln>
-              <a:solidFill>
-                <a:schemeClr val="tx1"/>
-              </a:solidFill>
-              <a:effectLst/>
-              <a:latin typeface="Arial" panose="020B0604020202020204" pitchFamily="34" charset="0"/>
-            </a:endParaRPr>
-          </a:p>
-          <a:p>
-            <a:pPr marL="0" marR="0" lvl="0" indent="0" algn="l" defTabSz="914400" rtl="0" eaLnBrk="0" fontAlgn="base" latinLnBrk="0" hangingPunct="0">
-              <a:lnSpc>
-                <a:spcPct val="100000"/>
-              </a:lnSpc>
-              <a:spcBef>
-                <a:spcPct val="0"/>
-              </a:spcBef>
-              <a:spcAft>
-                <a:spcPct val="0"/>
-              </a:spcAft>
-              <a:buClrTx/>
-              <a:buSzTx/>
-              <a:buFontTx/>
-              <a:buNone/>
-              <a:tabLst/>
-            </a:pPr>
-            <a:endParaRPr kumimoji="0" lang="ru-RU" altLang="ru-RU" sz="1800" b="0" i="0" u="none" strike="noStrike" cap="none" normalizeH="0" baseline="0">
-              <a:ln>
-                <a:noFill/>
-              </a:ln>
-              <a:solidFill>
-                <a:schemeClr val="tx1"/>
-              </a:solidFill>
-              <a:effectLst/>
-              <a:latin typeface="Arial" panose="020B0604020202020204" pitchFamily="34" charset="0"/>
-            </a:endParaRPr>
-          </a:p>
-        </p:txBody>
-      </p:sp>
-      <p:sp>
-        <p:nvSpPr>
-          <p:cNvPr id="4" name="Номер слайда 3">
-            <a:extLst>
-              <a:ext uri="{FF2B5EF4-FFF2-40B4-BE49-F238E27FC236}">
-                <a16:creationId xmlns:a16="http://schemas.microsoft.com/office/drawing/2014/main" id="{B6084F2C-D079-4A3E-B51D-2E8680415742}"/>
-              </a:ext>
-            </a:extLst>
-          </p:cNvPr>
-          <p:cNvSpPr>
-            <a:spLocks noGrp="1"/>
-          </p:cNvSpPr>
-          <p:nvPr>
-            <p:ph type="sldNum" idx="12"/>
-          </p:nvPr>
-        </p:nvSpPr>
-        <p:spPr/>
-        <p:txBody>
-          <a:bodyPr/>
-          <a:lstStyle/>
-          <a:p>
-            <a:pPr marL="0" lvl="0" indent="0" algn="r" rtl="0">
-              <a:spcBef>
-                <a:spcPts val="0"/>
-              </a:spcBef>
-              <a:spcAft>
-                <a:spcPts val="0"/>
-              </a:spcAft>
-              <a:buNone/>
-            </a:pPr>
-            <a:fld id="{00000000-1234-1234-1234-123412341234}" type="slidenum">
-              <a:rPr lang="en-GB" smtClean="0"/>
-              <a:t>16</a:t>
-            </a:fld>
-            <a:endParaRPr lang="en-GB"/>
-          </a:p>
-        </p:txBody>
-      </p:sp>
-      <p:pic>
-        <p:nvPicPr>
-          <p:cNvPr id="2050" name="Picture 2" descr="PlantUML Diagram">
-            <a:extLst>
-              <a:ext uri="{FF2B5EF4-FFF2-40B4-BE49-F238E27FC236}">
-                <a16:creationId xmlns:a16="http://schemas.microsoft.com/office/drawing/2014/main" id="{19CF0A55-CF2D-4861-9449-655585CE1D0B}"/>
-              </a:ext>
-            </a:extLst>
-          </p:cNvPr>
-          <p:cNvPicPr>
-            <a:picLocks noChangeAspect="1" noChangeArrowheads="1"/>
-          </p:cNvPicPr>
-          <p:nvPr/>
-        </p:nvPicPr>
-        <p:blipFill>
-          <a:blip r:embed="rId3">
-            <a:extLst>
-              <a:ext uri="{28A0092B-C50C-407E-A947-70E740481C1C}">
-                <a14:useLocalDpi xmlns:a14="http://schemas.microsoft.com/office/drawing/2010/main" val="0"/>
-              </a:ext>
-            </a:extLst>
-          </a:blip>
-          <a:srcRect/>
-          <a:stretch>
-            <a:fillRect/>
-          </a:stretch>
-        </p:blipFill>
-        <p:spPr bwMode="auto">
-          <a:xfrm>
-            <a:off x="2090737" y="1047249"/>
-            <a:ext cx="4962525" cy="3324225"/>
-          </a:xfrm>
-          <a:prstGeom prst="rect">
-            <a:avLst/>
-          </a:prstGeom>
-          <a:noFill/>
-          <a:extLst>
-            <a:ext uri="{909E8E84-426E-40DD-AFC4-6F175D3DCCD1}">
-              <a14:hiddenFill xmlns:a14="http://schemas.microsoft.com/office/drawing/2010/main">
-                <a:solidFill>
-                  <a:srgbClr val="FFFFFF"/>
-                </a:solidFill>
-              </a14:hiddenFill>
-            </a:ext>
-          </a:extLst>
-        </p:spPr>
-      </p:pic>
-    </p:spTree>
-    <p:extLst>
-      <p:ext uri="{BB962C8B-B14F-4D97-AF65-F5344CB8AC3E}">
-        <p14:creationId xmlns:p14="http://schemas.microsoft.com/office/powerpoint/2010/main" val="1547399202"/>
-      </p:ext>
-    </p:extLst>
-  </p:cSld>
-  <p:clrMapOvr>
-    <a:masterClrMapping/>
-  </p:clrMapOvr>
-</p:sld>
-</file>
-
-<file path=ppt/slides/slide17.xml><?xml version="1.0" encoding="utf-8"?>
-<p:sld xmlns:a="http://schemas.openxmlformats.org/drawingml/2006/main" xmlns:r="http://schemas.openxmlformats.org/officeDocument/2006/relationships" xmlns:p="http://schemas.openxmlformats.org/presentationml/2006/main">
-  <p:cSld>
-    <p:spTree>
-      <p:nvGrpSpPr>
-        <p:cNvPr id="1" name="Shape 83"/>
-        <p:cNvGrpSpPr/>
-        <p:nvPr/>
-      </p:nvGrpSpPr>
-      <p:grpSpPr>
-        <a:xfrm>
-          <a:off x="0" y="0"/>
-          <a:ext cx="0" cy="0"/>
-          <a:chOff x="0" y="0"/>
-          <a:chExt cx="0" cy="0"/>
-        </a:xfrm>
-      </p:grpSpPr>
-      <p:sp>
-        <p:nvSpPr>
-          <p:cNvPr id="84" name="Google Shape;84;p18"/>
-          <p:cNvSpPr txBox="1">
-            <a:spLocks noGrp="1"/>
-          </p:cNvSpPr>
-          <p:nvPr>
-            <p:ph type="title"/>
-          </p:nvPr>
-        </p:nvSpPr>
-        <p:spPr>
-          <a:xfrm>
-            <a:off x="311700" y="209702"/>
-            <a:ext cx="8520600" cy="572700"/>
-          </a:xfrm>
-          <a:prstGeom prst="rect">
-            <a:avLst/>
-          </a:prstGeom>
-        </p:spPr>
-        <p:txBody>
-          <a:bodyPr spcFirstLastPara="1" wrap="square" lIns="91425" tIns="91425" rIns="91425" bIns="91425" anchor="t" anchorCtr="0">
-            <a:noAutofit/>
-          </a:bodyPr>
-          <a:lstStyle/>
-          <a:p>
-            <a:r>
-              <a:rPr lang="en-GB" dirty="0">
-                <a:effectLst>
-                  <a:outerShdw blurRad="38100" dist="38100" dir="2700000" algn="tl">
-                    <a:srgbClr val="000000">
-                      <a:alpha val="43137"/>
-                    </a:srgbClr>
-                  </a:outerShdw>
-                </a:effectLst>
-              </a:rPr>
-              <a:t>API usage </a:t>
-            </a:r>
-            <a:r>
-              <a:rPr lang="en-US" b="1" dirty="0" err="1">
-                <a:effectLst>
-                  <a:outerShdw blurRad="38100" dist="38100" dir="2700000" algn="tl">
-                    <a:srgbClr val="000000">
-                      <a:alpha val="43137"/>
-                    </a:srgbClr>
-                  </a:outerShdw>
-                </a:effectLst>
-              </a:rPr>
-              <a:t>ServiceDeployer</a:t>
-            </a:r>
-            <a:endParaRPr dirty="0">
-              <a:effectLst>
-                <a:outerShdw blurRad="38100" dist="38100" dir="2700000" algn="tl">
-                  <a:srgbClr val="000000">
-                    <a:alpha val="43137"/>
-                  </a:srgbClr>
-                </a:outerShdw>
-              </a:effectLst>
-            </a:endParaRPr>
-          </a:p>
-        </p:txBody>
-      </p:sp>
-      <p:sp>
-        <p:nvSpPr>
-          <p:cNvPr id="86" name="Google Shape;86;p18"/>
-          <p:cNvSpPr txBox="1">
-            <a:spLocks noGrp="1"/>
-          </p:cNvSpPr>
-          <p:nvPr>
-            <p:ph type="body" idx="1"/>
-          </p:nvPr>
-        </p:nvSpPr>
-        <p:spPr>
-          <a:xfrm>
-            <a:off x="311700" y="1152475"/>
-            <a:ext cx="3000300" cy="3416400"/>
-          </a:xfrm>
-          <a:prstGeom prst="rect">
-            <a:avLst/>
-          </a:prstGeom>
-        </p:spPr>
-        <p:txBody>
-          <a:bodyPr spcFirstLastPara="1" wrap="square" lIns="91425" tIns="91425" rIns="91425" bIns="91425" anchor="t" anchorCtr="0">
-            <a:noAutofit/>
-          </a:bodyPr>
-          <a:lstStyle/>
-          <a:p>
-            <a:pPr marL="0" lvl="0" indent="0" algn="l" rtl="0">
-              <a:spcBef>
-                <a:spcPts val="0"/>
-              </a:spcBef>
-              <a:spcAft>
-                <a:spcPts val="0"/>
-              </a:spcAft>
-              <a:buNone/>
-            </a:pPr>
-            <a:r>
-              <a:rPr lang="en-US" b="1" dirty="0">
-                <a:solidFill>
-                  <a:schemeClr val="tx1"/>
-                </a:solidFill>
-              </a:rPr>
-              <a:t>Use Case</a:t>
-            </a:r>
-            <a:r>
-              <a:rPr lang="en-US" dirty="0">
-                <a:solidFill>
-                  <a:schemeClr val="tx1"/>
-                </a:solidFill>
-              </a:rPr>
-              <a:t>: Deploy Service</a:t>
-            </a:r>
-          </a:p>
-          <a:p>
-            <a:pPr marL="0" lvl="0" indent="0" algn="l" rtl="0">
-              <a:spcBef>
-                <a:spcPts val="0"/>
-              </a:spcBef>
-              <a:spcAft>
-                <a:spcPts val="0"/>
-              </a:spcAft>
-              <a:buNone/>
-            </a:pPr>
-            <a:r>
-              <a:rPr lang="en-US" b="1" dirty="0">
-                <a:solidFill>
-                  <a:schemeClr val="tx1"/>
-                </a:solidFill>
-              </a:rPr>
-              <a:t>Scenario</a:t>
-            </a:r>
-            <a:r>
-              <a:rPr lang="en-US" dirty="0">
-                <a:solidFill>
-                  <a:schemeClr val="tx1"/>
-                </a:solidFill>
-              </a:rPr>
-              <a:t>:</a:t>
-            </a:r>
-          </a:p>
-          <a:p>
-            <a:pPr marL="0" lvl="0" indent="0" algn="l" rtl="0">
-              <a:spcBef>
-                <a:spcPts val="0"/>
-              </a:spcBef>
-              <a:spcAft>
-                <a:spcPts val="0"/>
-              </a:spcAft>
-              <a:buNone/>
-            </a:pPr>
-            <a:r>
-              <a:rPr lang="en-US" dirty="0">
-                <a:solidFill>
-                  <a:schemeClr val="tx1"/>
-                </a:solidFill>
-              </a:rPr>
-              <a:t>User sends request to deploy ML Model</a:t>
-            </a:r>
-          </a:p>
-          <a:p>
-            <a:pPr marL="0" lvl="0" indent="0" algn="l" rtl="0">
-              <a:spcBef>
-                <a:spcPts val="0"/>
-              </a:spcBef>
-              <a:spcAft>
-                <a:spcPts val="0"/>
-              </a:spcAft>
-              <a:buNone/>
-            </a:pPr>
-            <a:r>
-              <a:rPr lang="en-US" dirty="0">
-                <a:solidFill>
-                  <a:schemeClr val="tx1"/>
-                </a:solidFill>
-              </a:rPr>
-              <a:t>ML Wrappers creates docker container</a:t>
-            </a:r>
-          </a:p>
-          <a:p>
-            <a:pPr marL="0" lvl="0" indent="0" algn="l" rtl="0">
-              <a:spcBef>
-                <a:spcPts val="0"/>
-              </a:spcBef>
-              <a:spcAft>
-                <a:spcPts val="0"/>
-              </a:spcAft>
-              <a:buNone/>
-            </a:pPr>
-            <a:r>
-              <a:rPr lang="en-US" dirty="0">
-                <a:solidFill>
-                  <a:schemeClr val="tx1"/>
-                </a:solidFill>
-              </a:rPr>
-              <a:t>Docker container is deployed via service into K8s</a:t>
-            </a:r>
-          </a:p>
-        </p:txBody>
-      </p:sp>
-      <p:pic>
-        <p:nvPicPr>
-          <p:cNvPr id="5" name="Picture 4">
-            <a:extLst>
-              <a:ext uri="{FF2B5EF4-FFF2-40B4-BE49-F238E27FC236}">
-                <a16:creationId xmlns:a16="http://schemas.microsoft.com/office/drawing/2014/main" id="{F27EAB64-52E9-4F07-B4D9-407AD54431C9}"/>
-              </a:ext>
-            </a:extLst>
-          </p:cNvPr>
-          <p:cNvPicPr>
-            <a:picLocks noChangeAspect="1"/>
-          </p:cNvPicPr>
-          <p:nvPr/>
-        </p:nvPicPr>
-        <p:blipFill>
-          <a:blip r:embed="rId3"/>
-          <a:stretch>
-            <a:fillRect/>
-          </a:stretch>
-        </p:blipFill>
-        <p:spPr>
-          <a:xfrm>
-            <a:off x="3626541" y="1017725"/>
-            <a:ext cx="5205759" cy="3451009"/>
-          </a:xfrm>
-          <a:prstGeom prst="rect">
-            <a:avLst/>
-          </a:prstGeom>
-        </p:spPr>
-      </p:pic>
-      <p:sp>
-        <p:nvSpPr>
-          <p:cNvPr id="3" name="Номер слайда 2">
-            <a:extLst>
-              <a:ext uri="{FF2B5EF4-FFF2-40B4-BE49-F238E27FC236}">
-                <a16:creationId xmlns:a16="http://schemas.microsoft.com/office/drawing/2014/main" id="{3863259A-7CEE-49BB-9562-F93C8BD5800E}"/>
-              </a:ext>
-            </a:extLst>
-          </p:cNvPr>
-          <p:cNvSpPr>
-            <a:spLocks noGrp="1"/>
-          </p:cNvSpPr>
-          <p:nvPr>
-            <p:ph type="sldNum" idx="12"/>
-          </p:nvPr>
-        </p:nvSpPr>
-        <p:spPr/>
-        <p:txBody>
-          <a:bodyPr/>
-          <a:lstStyle/>
-          <a:p>
-            <a:pPr marL="0" lvl="0" indent="0" algn="r" rtl="0">
-              <a:spcBef>
-                <a:spcPts val="0"/>
-              </a:spcBef>
-              <a:spcAft>
-                <a:spcPts val="0"/>
-              </a:spcAft>
-              <a:buNone/>
-            </a:pPr>
-            <a:fld id="{00000000-1234-1234-1234-123412341234}" type="slidenum">
-              <a:rPr lang="en-GB" smtClean="0"/>
-              <a:t>17</a:t>
-            </a:fld>
-            <a:endParaRPr lang="en-GB"/>
-          </a:p>
-        </p:txBody>
-      </p:sp>
-    </p:spTree>
-  </p:cSld>
-  <p:clrMapOvr>
-    <a:masterClrMapping/>
-  </p:clrMapOvr>
-</p:sld>
-</file>
-
-<file path=ppt/slides/slide18.xml><?xml version="1.0" encoding="utf-8"?>
-<p:sld xmlns:a="http://schemas.openxmlformats.org/drawingml/2006/main" xmlns:r="http://schemas.openxmlformats.org/officeDocument/2006/relationships" xmlns:p="http://schemas.openxmlformats.org/presentationml/2006/main">
-  <p:cSld>
-    <p:spTree>
-      <p:nvGrpSpPr>
-        <p:cNvPr id="1" name="Shape 83"/>
-        <p:cNvGrpSpPr/>
-        <p:nvPr/>
-      </p:nvGrpSpPr>
-      <p:grpSpPr>
-        <a:xfrm>
-          <a:off x="0" y="0"/>
-          <a:ext cx="0" cy="0"/>
-          <a:chOff x="0" y="0"/>
-          <a:chExt cx="0" cy="0"/>
-        </a:xfrm>
-      </p:grpSpPr>
-      <p:sp>
-        <p:nvSpPr>
-          <p:cNvPr id="84" name="Google Shape;84;p18"/>
-          <p:cNvSpPr txBox="1">
-            <a:spLocks noGrp="1"/>
-          </p:cNvSpPr>
-          <p:nvPr>
-            <p:ph type="title"/>
-          </p:nvPr>
-        </p:nvSpPr>
-        <p:spPr>
-          <a:xfrm>
-            <a:off x="311700" y="182807"/>
-            <a:ext cx="8520600" cy="572700"/>
-          </a:xfrm>
-          <a:prstGeom prst="rect">
-            <a:avLst/>
-          </a:prstGeom>
-        </p:spPr>
-        <p:txBody>
-          <a:bodyPr spcFirstLastPara="1" wrap="square" lIns="91425" tIns="91425" rIns="91425" bIns="91425" anchor="t" anchorCtr="0">
-            <a:noAutofit/>
-          </a:bodyPr>
-          <a:lstStyle/>
-          <a:p>
-            <a:r>
-              <a:rPr lang="en-GB" dirty="0">
-                <a:effectLst>
-                  <a:outerShdw blurRad="38100" dist="38100" dir="2700000" algn="tl">
-                    <a:srgbClr val="000000">
-                      <a:alpha val="43137"/>
-                    </a:srgbClr>
-                  </a:outerShdw>
-                </a:effectLst>
-              </a:rPr>
-              <a:t>Physical schema </a:t>
-            </a:r>
-            <a:r>
-              <a:rPr lang="en-US" b="1" dirty="0" err="1">
-                <a:effectLst>
-                  <a:outerShdw blurRad="38100" dist="38100" dir="2700000" algn="tl">
-                    <a:srgbClr val="000000">
-                      <a:alpha val="43137"/>
-                    </a:srgbClr>
-                  </a:outerShdw>
-                </a:effectLst>
-              </a:rPr>
-              <a:t>ServiceDeployer</a:t>
-            </a:r>
-            <a:endParaRPr dirty="0">
-              <a:effectLst>
-                <a:outerShdw blurRad="38100" dist="38100" dir="2700000" algn="tl">
-                  <a:srgbClr val="000000">
-                    <a:alpha val="43137"/>
-                  </a:srgbClr>
-                </a:outerShdw>
-              </a:effectLst>
-            </a:endParaRPr>
-          </a:p>
-        </p:txBody>
-      </p:sp>
-      <p:sp>
-        <p:nvSpPr>
-          <p:cNvPr id="2" name="Rectangle 1">
-            <a:extLst>
-              <a:ext uri="{FF2B5EF4-FFF2-40B4-BE49-F238E27FC236}">
-                <a16:creationId xmlns:a16="http://schemas.microsoft.com/office/drawing/2014/main" id="{575A1C00-12C6-44D1-8DDB-5947204B7660}"/>
-              </a:ext>
-            </a:extLst>
-          </p:cNvPr>
-          <p:cNvSpPr>
-            <a:spLocks noChangeArrowheads="1"/>
-          </p:cNvSpPr>
-          <p:nvPr/>
-        </p:nvSpPr>
-        <p:spPr bwMode="auto">
-          <a:xfrm>
-            <a:off x="0" y="0"/>
-            <a:ext cx="9144000" cy="0"/>
-          </a:xfrm>
-          <a:prstGeom prst="rect">
-            <a:avLst/>
-          </a:prstGeom>
-          <a:noFill/>
-          <a:ln>
-            <a:noFill/>
-          </a:ln>
-          <a:effectLst/>
-          <a:extLst>
-            <a:ext uri="{909E8E84-426E-40DD-AFC4-6F175D3DCCD1}">
-              <a14:hiddenFill xmlns:a14="http://schemas.microsoft.com/office/drawing/2010/main">
-                <a:solidFill>
-                  <a:schemeClr val="accent1"/>
-                </a:solidFill>
-              </a14:hiddenFill>
-            </a:ext>
-            <a:ext uri="{91240B29-F687-4F45-9708-019B960494DF}">
-              <a14:hiddenLine xmlns:a14="http://schemas.microsoft.com/office/drawing/2010/main" w="9525">
-                <a:solidFill>
-                  <a:schemeClr val="tx1"/>
-                </a:solidFill>
-                <a:miter lim="800000"/>
-                <a:headEnd/>
-                <a:tailEnd/>
-              </a14:hiddenLine>
-            </a:ext>
-            <a:ext uri="{AF507438-7753-43E0-B8FC-AC1667EBCBE1}">
-              <a14:hiddenEffects xmlns:a14="http://schemas.microsoft.com/office/drawing/2010/main">
-                <a:effectLst>
-                  <a:outerShdw dist="35921" dir="2700000" algn="ctr" rotWithShape="0">
-                    <a:schemeClr val="bg2"/>
-                  </a:outerShdw>
-                </a:effectLst>
-              </a14:hiddenEffects>
-            </a:ext>
-          </a:extLst>
-        </p:spPr>
-        <p:txBody>
-          <a:bodyPr vert="horz" wrap="none" lIns="91440" tIns="45720" rIns="91440" bIns="45720" numCol="1" anchor="ctr" anchorCtr="0" compatLnSpc="1">
-            <a:prstTxWarp prst="textNoShape">
-              <a:avLst/>
-            </a:prstTxWarp>
-            <a:spAutoFit/>
-          </a:bodyPr>
-          <a:lstStyle/>
-          <a:p>
-            <a:pPr marL="0" marR="0" lvl="0" indent="0" algn="l" defTabSz="914400" rtl="0" eaLnBrk="0" fontAlgn="base" latinLnBrk="0" hangingPunct="0">
-              <a:lnSpc>
-                <a:spcPct val="100000"/>
-              </a:lnSpc>
-              <a:spcBef>
-                <a:spcPct val="0"/>
-              </a:spcBef>
-              <a:spcAft>
-                <a:spcPct val="0"/>
-              </a:spcAft>
-              <a:buClrTx/>
-              <a:buSzTx/>
-              <a:buFontTx/>
-              <a:buNone/>
-              <a:tabLst/>
-            </a:pPr>
-            <a:r>
-              <a:rPr kumimoji="0" lang="ru-RU" altLang="ru-RU" sz="300" b="1" i="0" u="none" strike="noStrike" cap="none" normalizeH="0" baseline="0">
-                <a:ln>
-                  <a:noFill/>
-                </a:ln>
-                <a:solidFill>
-                  <a:schemeClr val="tx1"/>
-                </a:solidFill>
-                <a:effectLst/>
-                <a:latin typeface="Arial" panose="020B0604020202020204" pitchFamily="34" charset="0"/>
-              </a:rPr>
-              <a:t>Authenticator</a:t>
-            </a:r>
-            <a:endParaRPr kumimoji="0" lang="ru-RU" altLang="ru-RU" sz="200" b="1" i="0" u="none" strike="noStrike" cap="none" normalizeH="0" baseline="0">
-              <a:ln>
-                <a:noFill/>
-              </a:ln>
-              <a:solidFill>
-                <a:schemeClr val="tx1"/>
-              </a:solidFill>
-              <a:effectLst/>
-              <a:latin typeface="Arial" panose="020B0604020202020204" pitchFamily="34" charset="0"/>
-            </a:endParaRPr>
-          </a:p>
-          <a:p>
-            <a:pPr marL="0" marR="0" lvl="0" indent="0" algn="l" defTabSz="914400" rtl="0" eaLnBrk="0" fontAlgn="base" latinLnBrk="0" hangingPunct="0">
-              <a:lnSpc>
-                <a:spcPct val="100000"/>
-              </a:lnSpc>
-              <a:spcBef>
-                <a:spcPct val="0"/>
-              </a:spcBef>
-              <a:spcAft>
-                <a:spcPct val="0"/>
-              </a:spcAft>
-              <a:buClrTx/>
-              <a:buSzTx/>
-              <a:buFontTx/>
-              <a:buNone/>
-              <a:tabLst/>
-            </a:pPr>
-            <a:endParaRPr kumimoji="0" lang="ru-RU" altLang="ru-RU" sz="1800" b="0" i="0" u="none" strike="noStrike" cap="none" normalizeH="0" baseline="0">
-              <a:ln>
-                <a:noFill/>
-              </a:ln>
-              <a:solidFill>
-                <a:schemeClr val="tx1"/>
-              </a:solidFill>
-              <a:effectLst/>
-              <a:latin typeface="Arial" panose="020B0604020202020204" pitchFamily="34" charset="0"/>
-            </a:endParaRPr>
-          </a:p>
-        </p:txBody>
-      </p:sp>
-      <p:sp>
-        <p:nvSpPr>
-          <p:cNvPr id="4" name="Номер слайда 3">
-            <a:extLst>
-              <a:ext uri="{FF2B5EF4-FFF2-40B4-BE49-F238E27FC236}">
-                <a16:creationId xmlns:a16="http://schemas.microsoft.com/office/drawing/2014/main" id="{B6084F2C-D079-4A3E-B51D-2E8680415742}"/>
-              </a:ext>
-            </a:extLst>
-          </p:cNvPr>
-          <p:cNvSpPr>
-            <a:spLocks noGrp="1"/>
-          </p:cNvSpPr>
-          <p:nvPr>
-            <p:ph type="sldNum" idx="12"/>
-          </p:nvPr>
-        </p:nvSpPr>
-        <p:spPr/>
-        <p:txBody>
-          <a:bodyPr/>
-          <a:lstStyle/>
-          <a:p>
-            <a:pPr marL="0" lvl="0" indent="0" algn="r" rtl="0">
-              <a:spcBef>
-                <a:spcPts val="0"/>
-              </a:spcBef>
-              <a:spcAft>
-                <a:spcPts val="0"/>
-              </a:spcAft>
-              <a:buNone/>
-            </a:pPr>
-            <a:fld id="{00000000-1234-1234-1234-123412341234}" type="slidenum">
-              <a:rPr lang="en-GB" smtClean="0"/>
-              <a:t>18</a:t>
-            </a:fld>
-            <a:endParaRPr lang="en-GB"/>
-          </a:p>
-        </p:txBody>
-      </p:sp>
-      <p:pic>
-        <p:nvPicPr>
-          <p:cNvPr id="3074" name="Picture 2" descr="PlantUML Diagram">
-            <a:extLst>
-              <a:ext uri="{FF2B5EF4-FFF2-40B4-BE49-F238E27FC236}">
-                <a16:creationId xmlns:a16="http://schemas.microsoft.com/office/drawing/2014/main" id="{85D032A9-1CA6-4893-9797-0787E9862734}"/>
-              </a:ext>
-            </a:extLst>
-          </p:cNvPr>
-          <p:cNvPicPr>
-            <a:picLocks noChangeAspect="1" noChangeArrowheads="1"/>
-          </p:cNvPicPr>
-          <p:nvPr/>
-        </p:nvPicPr>
-        <p:blipFill>
-          <a:blip r:embed="rId3">
-            <a:extLst>
-              <a:ext uri="{28A0092B-C50C-407E-A947-70E740481C1C}">
-                <a14:useLocalDpi xmlns:a14="http://schemas.microsoft.com/office/drawing/2010/main" val="0"/>
-              </a:ext>
-            </a:extLst>
-          </a:blip>
-          <a:srcRect/>
-          <a:stretch>
-            <a:fillRect/>
-          </a:stretch>
-        </p:blipFill>
-        <p:spPr bwMode="auto">
-          <a:xfrm>
-            <a:off x="3024187" y="1062038"/>
-            <a:ext cx="3095625" cy="3476625"/>
-          </a:xfrm>
-          <a:prstGeom prst="rect">
-            <a:avLst/>
-          </a:prstGeom>
-          <a:noFill/>
-          <a:extLst>
-            <a:ext uri="{909E8E84-426E-40DD-AFC4-6F175D3DCCD1}">
-              <a14:hiddenFill xmlns:a14="http://schemas.microsoft.com/office/drawing/2010/main">
-                <a:solidFill>
-                  <a:srgbClr val="FFFFFF"/>
-                </a:solidFill>
-              </a14:hiddenFill>
-            </a:ext>
-          </a:extLst>
-        </p:spPr>
-      </p:pic>
-    </p:spTree>
-    <p:extLst>
-      <p:ext uri="{BB962C8B-B14F-4D97-AF65-F5344CB8AC3E}">
-        <p14:creationId xmlns:p14="http://schemas.microsoft.com/office/powerpoint/2010/main" val="4245926538"/>
-      </p:ext>
-    </p:extLst>
-  </p:cSld>
-  <p:clrMapOvr>
-    <a:masterClrMapping/>
-  </p:clrMapOvr>
-</p:sld>
-</file>
-
-<file path=ppt/slides/slide19.xml><?xml version="1.0" encoding="utf-8"?>
-<p:sld xmlns:a="http://schemas.openxmlformats.org/drawingml/2006/main" xmlns:r="http://schemas.openxmlformats.org/officeDocument/2006/relationships" xmlns:p="http://schemas.openxmlformats.org/presentationml/2006/main">
-  <p:cSld>
-    <p:spTree>
-      <p:nvGrpSpPr>
-        <p:cNvPr id="1" name="Shape 92"/>
-        <p:cNvGrpSpPr/>
-        <p:nvPr/>
-      </p:nvGrpSpPr>
-      <p:grpSpPr>
-        <a:xfrm>
-          <a:off x="0" y="0"/>
-          <a:ext cx="0" cy="0"/>
-          <a:chOff x="0" y="0"/>
-          <a:chExt cx="0" cy="0"/>
-        </a:xfrm>
-      </p:grpSpPr>
-      <p:sp>
-        <p:nvSpPr>
-          <p:cNvPr id="93" name="Google Shape;93;p19"/>
-          <p:cNvSpPr txBox="1">
-            <a:spLocks noGrp="1"/>
-          </p:cNvSpPr>
-          <p:nvPr>
-            <p:ph type="title"/>
-          </p:nvPr>
-        </p:nvSpPr>
-        <p:spPr>
-          <a:xfrm>
-            <a:off x="231018" y="182808"/>
-            <a:ext cx="8520600" cy="572700"/>
-          </a:xfrm>
-          <a:prstGeom prst="rect">
-            <a:avLst/>
-          </a:prstGeom>
-        </p:spPr>
-        <p:txBody>
-          <a:bodyPr spcFirstLastPara="1" wrap="square" lIns="91425" tIns="91425" rIns="91425" bIns="91425" anchor="t" anchorCtr="0">
-            <a:noAutofit/>
-          </a:bodyPr>
-          <a:lstStyle/>
-          <a:p>
-            <a:pPr marL="0" lvl="0" indent="0" algn="l" rtl="0">
-              <a:spcBef>
-                <a:spcPts val="0"/>
-              </a:spcBef>
-              <a:spcAft>
-                <a:spcPts val="0"/>
-              </a:spcAft>
-              <a:buNone/>
-            </a:pPr>
-            <a:r>
-              <a:rPr lang="en-GB" b="1" dirty="0">
-                <a:solidFill>
-                  <a:schemeClr val="tx1"/>
-                </a:solidFill>
-                <a:effectLst>
-                  <a:outerShdw blurRad="38100" dist="38100" dir="2700000" algn="tl">
-                    <a:srgbClr val="000000">
-                      <a:alpha val="43137"/>
-                    </a:srgbClr>
-                  </a:outerShdw>
-                </a:effectLst>
-              </a:rPr>
-              <a:t>Team work</a:t>
-            </a:r>
-            <a:endParaRPr b="1" dirty="0">
-              <a:solidFill>
-                <a:schemeClr val="tx1"/>
-              </a:solidFill>
-              <a:effectLst>
-                <a:outerShdw blurRad="38100" dist="38100" dir="2700000" algn="tl">
-                  <a:srgbClr val="000000">
-                    <a:alpha val="43137"/>
-                  </a:srgbClr>
-                </a:outerShdw>
-              </a:effectLst>
-            </a:endParaRPr>
-          </a:p>
-        </p:txBody>
-      </p:sp>
-      <p:sp>
-        <p:nvSpPr>
-          <p:cNvPr id="94" name="Google Shape;94;p19"/>
-          <p:cNvSpPr txBox="1">
-            <a:spLocks noGrp="1"/>
-          </p:cNvSpPr>
-          <p:nvPr>
-            <p:ph type="body" idx="1"/>
-          </p:nvPr>
-        </p:nvSpPr>
-        <p:spPr>
-          <a:xfrm>
-            <a:off x="311700" y="923875"/>
-            <a:ext cx="8520600" cy="3416400"/>
-          </a:xfrm>
-          <a:prstGeom prst="rect">
-            <a:avLst/>
-          </a:prstGeom>
-        </p:spPr>
-        <p:txBody>
-          <a:bodyPr spcFirstLastPara="1" wrap="square" lIns="91425" tIns="91425" rIns="91425" bIns="91425" anchor="t" anchorCtr="0">
-            <a:noAutofit/>
-          </a:bodyPr>
-          <a:lstStyle/>
-          <a:p>
-            <a:pPr marL="0" lvl="0" indent="0" algn="l" rtl="0">
-              <a:spcBef>
-                <a:spcPts val="0"/>
-              </a:spcBef>
-              <a:spcAft>
-                <a:spcPts val="1200"/>
-              </a:spcAft>
-              <a:buNone/>
-            </a:pPr>
-            <a:r>
-              <a:rPr lang="en-GB" dirty="0">
-                <a:solidFill>
-                  <a:schemeClr val="tx1"/>
-                </a:solidFill>
-              </a:rPr>
-              <a:t>Request Router – </a:t>
-            </a:r>
-            <a:r>
-              <a:rPr lang="en-GB" dirty="0" err="1">
-                <a:solidFill>
-                  <a:schemeClr val="tx1"/>
-                </a:solidFill>
-              </a:rPr>
-              <a:t>Tsaturyan</a:t>
-            </a:r>
-            <a:r>
-              <a:rPr lang="en-GB" dirty="0">
-                <a:solidFill>
-                  <a:schemeClr val="tx1"/>
-                </a:solidFill>
-              </a:rPr>
-              <a:t> Konstantin</a:t>
-            </a:r>
-          </a:p>
-          <a:p>
-            <a:pPr marL="0" lvl="0" indent="0" algn="l" rtl="0">
-              <a:spcBef>
-                <a:spcPts val="0"/>
-              </a:spcBef>
-              <a:spcAft>
-                <a:spcPts val="1200"/>
-              </a:spcAft>
-              <a:buNone/>
-            </a:pPr>
-            <a:r>
-              <a:rPr lang="en-GB" dirty="0">
-                <a:solidFill>
-                  <a:schemeClr val="tx1"/>
-                </a:solidFill>
-              </a:rPr>
-              <a:t>Authenticator – </a:t>
-            </a:r>
-            <a:r>
-              <a:rPr lang="en-GB" dirty="0" err="1">
-                <a:solidFill>
-                  <a:schemeClr val="tx1"/>
-                </a:solidFill>
-              </a:rPr>
-              <a:t>Dandamaev</a:t>
-            </a:r>
-            <a:r>
-              <a:rPr lang="en-GB" dirty="0">
-                <a:solidFill>
-                  <a:schemeClr val="tx1"/>
-                </a:solidFill>
-              </a:rPr>
-              <a:t> </a:t>
-            </a:r>
-            <a:r>
-              <a:rPr lang="en-GB" dirty="0" err="1">
-                <a:solidFill>
-                  <a:schemeClr val="tx1"/>
-                </a:solidFill>
-              </a:rPr>
-              <a:t>Gadji</a:t>
-            </a:r>
-            <a:endParaRPr lang="en-GB" dirty="0">
-              <a:solidFill>
-                <a:schemeClr val="tx1"/>
-              </a:solidFill>
-            </a:endParaRPr>
-          </a:p>
-          <a:p>
-            <a:pPr marL="0" lvl="0" indent="0" algn="l" rtl="0">
-              <a:spcBef>
-                <a:spcPts val="0"/>
-              </a:spcBef>
-              <a:spcAft>
-                <a:spcPts val="1200"/>
-              </a:spcAft>
-              <a:buNone/>
-            </a:pPr>
-            <a:r>
-              <a:rPr lang="en-GB" dirty="0" err="1">
-                <a:solidFill>
-                  <a:schemeClr val="tx1"/>
-                </a:solidFill>
-              </a:rPr>
-              <a:t>OpenAPI</a:t>
-            </a:r>
-            <a:r>
-              <a:rPr lang="en-GB" dirty="0">
-                <a:solidFill>
-                  <a:schemeClr val="tx1"/>
-                </a:solidFill>
-              </a:rPr>
-              <a:t> Generator – </a:t>
-            </a:r>
-            <a:r>
-              <a:rPr lang="en-GB" dirty="0" err="1">
-                <a:solidFill>
-                  <a:schemeClr val="tx1"/>
-                </a:solidFill>
-              </a:rPr>
-              <a:t>Tsurkan</a:t>
-            </a:r>
-            <a:r>
-              <a:rPr lang="en-GB" dirty="0">
-                <a:solidFill>
-                  <a:schemeClr val="tx1"/>
-                </a:solidFill>
-              </a:rPr>
-              <a:t> Daniel</a:t>
-            </a:r>
-          </a:p>
-          <a:p>
-            <a:pPr marL="0" lvl="0" indent="0" algn="l" rtl="0">
-              <a:spcBef>
-                <a:spcPts val="0"/>
-              </a:spcBef>
-              <a:spcAft>
-                <a:spcPts val="1200"/>
-              </a:spcAft>
-              <a:buNone/>
-            </a:pPr>
-            <a:r>
-              <a:rPr lang="en-GB" dirty="0">
-                <a:solidFill>
-                  <a:schemeClr val="tx1"/>
-                </a:solidFill>
-              </a:rPr>
-              <a:t>Service Deployer – </a:t>
-            </a:r>
-            <a:r>
-              <a:rPr lang="en-GB" dirty="0" err="1">
-                <a:solidFill>
-                  <a:schemeClr val="tx1"/>
-                </a:solidFill>
-              </a:rPr>
-              <a:t>Smolkin</a:t>
-            </a:r>
-            <a:r>
-              <a:rPr lang="en-GB" dirty="0">
-                <a:solidFill>
-                  <a:schemeClr val="tx1"/>
-                </a:solidFill>
-              </a:rPr>
-              <a:t> Mikhail</a:t>
-            </a:r>
-            <a:endParaRPr dirty="0">
-              <a:solidFill>
-                <a:schemeClr val="tx1"/>
-              </a:solidFill>
-            </a:endParaRPr>
-          </a:p>
-        </p:txBody>
-      </p:sp>
-    </p:spTree>
-  </p:cSld>
-  <p:clrMapOvr>
-    <a:masterClrMapping/>
-  </p:clrMapOvr>
-</p:sld>
-</file>
-
-<file path=ppt/slides/slide2.xml><?xml version="1.0" encoding="utf-8"?>
-<p:sld xmlns:a="http://schemas.openxmlformats.org/drawingml/2006/main" xmlns:r="http://schemas.openxmlformats.org/officeDocument/2006/relationships" xmlns:p="http://schemas.openxmlformats.org/presentationml/2006/main">
-  <p:cSld>
-    <p:spTree>
-      <p:nvGrpSpPr>
-        <p:cNvPr id="1" name="Shape 59"/>
-        <p:cNvGrpSpPr/>
-        <p:nvPr/>
-      </p:nvGrpSpPr>
-      <p:grpSpPr>
-        <a:xfrm>
-          <a:off x="0" y="0"/>
-          <a:ext cx="0" cy="0"/>
-          <a:chOff x="0" y="0"/>
-          <a:chExt cx="0" cy="0"/>
-        </a:xfrm>
-      </p:grpSpPr>
-      <p:sp>
-        <p:nvSpPr>
-          <p:cNvPr id="60" name="Google Shape;60;p14"/>
-          <p:cNvSpPr txBox="1">
-            <a:spLocks noGrp="1"/>
-          </p:cNvSpPr>
-          <p:nvPr>
-            <p:ph type="title"/>
-          </p:nvPr>
-        </p:nvSpPr>
-        <p:spPr>
-          <a:xfrm>
-            <a:off x="311700" y="328293"/>
-            <a:ext cx="8520600" cy="572700"/>
-          </a:xfrm>
-          <a:prstGeom prst="rect">
-            <a:avLst/>
-          </a:prstGeom>
-        </p:spPr>
-        <p:txBody>
-          <a:bodyPr spcFirstLastPara="1" wrap="square" lIns="91425" tIns="91425" rIns="91425" bIns="91425" anchor="t" anchorCtr="0">
-            <a:noAutofit/>
-          </a:bodyPr>
-          <a:lstStyle/>
-          <a:p>
-            <a:pPr marL="0" lvl="0" indent="0" algn="l" rtl="0">
-              <a:spcBef>
-                <a:spcPts val="0"/>
-              </a:spcBef>
-              <a:spcAft>
-                <a:spcPts val="0"/>
-              </a:spcAft>
-              <a:buNone/>
-            </a:pPr>
-            <a:r>
-              <a:rPr lang="en-GB" b="1" dirty="0">
-                <a:effectLst>
-                  <a:outerShdw blurRad="38100" dist="38100" dir="2700000" algn="tl">
-                    <a:srgbClr val="000000">
-                      <a:alpha val="43137"/>
-                    </a:srgbClr>
-                  </a:outerShdw>
-                </a:effectLst>
-              </a:rPr>
-              <a:t>Product description</a:t>
-            </a:r>
-            <a:endParaRPr b="1" dirty="0">
-              <a:effectLst>
-                <a:outerShdw blurRad="38100" dist="38100" dir="2700000" algn="tl">
-                  <a:srgbClr val="000000">
-                    <a:alpha val="43137"/>
-                  </a:srgbClr>
-                </a:outerShdw>
-              </a:effectLst>
-            </a:endParaRPr>
-          </a:p>
-        </p:txBody>
-      </p:sp>
-      <p:sp>
-        <p:nvSpPr>
-          <p:cNvPr id="61" name="Google Shape;61;p14"/>
-          <p:cNvSpPr txBox="1">
-            <a:spLocks noGrp="1"/>
-          </p:cNvSpPr>
-          <p:nvPr>
-            <p:ph type="body" idx="1"/>
-          </p:nvPr>
-        </p:nvSpPr>
-        <p:spPr>
-          <a:xfrm>
-            <a:off x="311700" y="1075765"/>
-            <a:ext cx="8520600" cy="3873810"/>
-          </a:xfrm>
-          <a:prstGeom prst="rect">
-            <a:avLst/>
-          </a:prstGeom>
-        </p:spPr>
-        <p:txBody>
-          <a:bodyPr spcFirstLastPara="1" wrap="square" lIns="91425" tIns="91425" rIns="91425" bIns="91425" anchor="t" anchorCtr="0">
-            <a:noAutofit/>
-          </a:bodyPr>
-          <a:lstStyle/>
-          <a:p>
-            <a:pPr marL="0" lvl="0" indent="0" algn="just">
-              <a:buNone/>
-            </a:pPr>
-            <a:r>
-              <a:rPr lang="en-US" dirty="0">
-                <a:solidFill>
-                  <a:schemeClr val="dk1"/>
-                </a:solidFill>
-              </a:rPr>
-              <a:t>The product is a platform for deploying, managing, and scaling machine learning models in production. It offers a secure, flexible environment for automating ML tasks like model versioning, routing, and monitoring. With Kubernetes integration and containerization support, it's designed for developers, ML engineers, and enterprises needing scalable, reliable ML infrastructure.</a:t>
-            </a:r>
-          </a:p>
-          <a:p>
-            <a:pPr marL="0" lvl="0" indent="0" algn="just">
-              <a:buNone/>
-            </a:pPr>
-            <a:endParaRPr lang="en-US" sz="1400" dirty="0">
-              <a:solidFill>
-                <a:schemeClr val="dk1"/>
-              </a:solidFill>
-            </a:endParaRPr>
-          </a:p>
-          <a:p>
-            <a:pPr marL="0" lvl="0" indent="0" algn="just">
-              <a:buNone/>
-            </a:pPr>
-            <a:endParaRPr sz="1400" dirty="0">
-              <a:solidFill>
-                <a:schemeClr val="dk1"/>
-              </a:solidFill>
-            </a:endParaRPr>
-          </a:p>
-          <a:p>
-            <a:pPr marL="0" lvl="0" indent="0">
-              <a:spcBef>
-                <a:spcPts val="1200"/>
-              </a:spcBef>
-              <a:buNone/>
-            </a:pPr>
-            <a:r>
-              <a:rPr lang="en-GB" sz="1400" b="1" dirty="0">
-                <a:solidFill>
-                  <a:schemeClr val="dk1"/>
-                </a:solidFill>
-              </a:rPr>
-              <a:t>Team K8C</a:t>
-            </a:r>
-            <a:r>
-              <a:rPr lang="en-GB" sz="1400" dirty="0">
-                <a:solidFill>
-                  <a:schemeClr val="dk1"/>
-                </a:solidFill>
-              </a:rPr>
-              <a:t>: </a:t>
-            </a:r>
-            <a:r>
-              <a:rPr lang="en-GB" sz="1400" dirty="0" err="1">
-                <a:solidFill>
-                  <a:schemeClr val="dk1"/>
-                </a:solidFill>
-              </a:rPr>
-              <a:t>Tsurkan</a:t>
-            </a:r>
-            <a:r>
-              <a:rPr lang="en-GB" sz="1400" dirty="0">
-                <a:solidFill>
-                  <a:schemeClr val="dk1"/>
-                </a:solidFill>
-              </a:rPr>
-              <a:t> Daniel; </a:t>
-            </a:r>
-            <a:r>
-              <a:rPr lang="en-GB" sz="1400" dirty="0" err="1">
-                <a:solidFill>
-                  <a:schemeClr val="dk1"/>
-                </a:solidFill>
-              </a:rPr>
-              <a:t>Dandamaev</a:t>
-            </a:r>
-            <a:r>
-              <a:rPr lang="en-GB" sz="1400" dirty="0">
-                <a:solidFill>
-                  <a:schemeClr val="dk1"/>
-                </a:solidFill>
-              </a:rPr>
-              <a:t> </a:t>
-            </a:r>
-            <a:r>
-              <a:rPr lang="en-GB" sz="1400" dirty="0" err="1">
-                <a:solidFill>
-                  <a:schemeClr val="dk1"/>
-                </a:solidFill>
-              </a:rPr>
-              <a:t>Gadji</a:t>
-            </a:r>
-            <a:r>
-              <a:rPr lang="en-GB" sz="1400" dirty="0">
-                <a:solidFill>
-                  <a:schemeClr val="dk1"/>
-                </a:solidFill>
-              </a:rPr>
-              <a:t>; Tsaturyan Konstantin; </a:t>
-            </a:r>
-            <a:r>
-              <a:rPr lang="en-GB" sz="1400" dirty="0" err="1">
-                <a:solidFill>
-                  <a:schemeClr val="dk1"/>
-                </a:solidFill>
-              </a:rPr>
-              <a:t>Smolkin</a:t>
-            </a:r>
-            <a:r>
-              <a:rPr lang="en-GB" sz="1400" dirty="0">
-                <a:solidFill>
-                  <a:schemeClr val="dk1"/>
-                </a:solidFill>
-              </a:rPr>
-              <a:t> Mikhail</a:t>
-            </a:r>
-            <a:endParaRPr sz="1400" dirty="0">
-              <a:solidFill>
-                <a:schemeClr val="dk1"/>
-              </a:solidFill>
-            </a:endParaRPr>
-          </a:p>
-          <a:p>
-            <a:pPr marL="0" lvl="0" indent="0" algn="l" rtl="0">
-              <a:spcBef>
-                <a:spcPts val="1200"/>
-              </a:spcBef>
-              <a:spcAft>
-                <a:spcPts val="0"/>
-              </a:spcAft>
-              <a:buNone/>
-            </a:pPr>
-            <a:r>
-              <a:rPr lang="en-GB" sz="1400" b="1" dirty="0">
-                <a:solidFill>
-                  <a:schemeClr val="dk1"/>
-                </a:solidFill>
-              </a:rPr>
-              <a:t>Project repo</a:t>
-            </a:r>
-            <a:r>
-              <a:rPr lang="en-GB" sz="1400" dirty="0">
-                <a:solidFill>
-                  <a:schemeClr val="dk1"/>
-                </a:solidFill>
-              </a:rPr>
-              <a:t>: </a:t>
-            </a:r>
-            <a:r>
-              <a:rPr lang="en-GB" sz="1400" u="sng" dirty="0">
-                <a:solidFill>
-                  <a:schemeClr val="tx1"/>
-                </a:solidFill>
-                <a:hlinkClick r:id="rId3">
-                  <a:extLst>
-                    <a:ext uri="{A12FA001-AC4F-418D-AE19-62706E023703}">
-                      <ahyp:hlinkClr xmlns:ahyp="http://schemas.microsoft.com/office/drawing/2018/hyperlinkcolor" val="tx"/>
-                    </a:ext>
-                  </a:extLst>
-                </a:hlinkClick>
-              </a:rPr>
-              <a:t>https://github.com/fanglores/Advanced-Software-Design</a:t>
-            </a:r>
-            <a:endParaRPr sz="1400" dirty="0">
-              <a:solidFill>
-                <a:schemeClr val="tx1"/>
-              </a:solidFill>
-            </a:endParaRPr>
-          </a:p>
-          <a:p>
-            <a:pPr marL="0" lvl="0" indent="0">
-              <a:spcBef>
-                <a:spcPts val="1200"/>
-              </a:spcBef>
-              <a:spcAft>
-                <a:spcPts val="1200"/>
-              </a:spcAft>
-              <a:buNone/>
-            </a:pPr>
-            <a:r>
-              <a:rPr lang="en-GB" sz="1400" b="1" dirty="0">
-                <a:solidFill>
-                  <a:schemeClr val="dk1"/>
-                </a:solidFill>
-              </a:rPr>
-              <a:t>This report</a:t>
-            </a:r>
-            <a:r>
-              <a:rPr lang="en-GB" sz="1400" dirty="0">
-                <a:solidFill>
-                  <a:schemeClr val="dk1"/>
-                </a:solidFill>
-              </a:rPr>
-              <a:t>: </a:t>
-            </a:r>
-            <a:r>
-              <a:rPr lang="en-GB" sz="1400" u="sng" dirty="0">
-                <a:solidFill>
-                  <a:schemeClr val="dk1"/>
-                </a:solidFill>
-                <a:hlinkClick r:id="rId4">
-                  <a:extLst>
-                    <a:ext uri="{A12FA001-AC4F-418D-AE19-62706E023703}">
-                      <ahyp:hlinkClr xmlns:ahyp="http://schemas.microsoft.com/office/drawing/2018/hyperlinkcolor" val="tx"/>
-                    </a:ext>
-                  </a:extLst>
-                </a:hlinkClick>
-              </a:rPr>
-              <a:t>https://github.com/fanglores/Advanced-Software-Design</a:t>
-            </a:r>
-            <a:br>
-              <a:rPr lang="en-GB" sz="1400" u="sng" dirty="0">
-                <a:solidFill>
-                  <a:schemeClr val="dk1"/>
-                </a:solidFill>
-                <a:hlinkClick r:id="rId4">
-                  <a:extLst>
-                    <a:ext uri="{A12FA001-AC4F-418D-AE19-62706E023703}">
-                      <ahyp:hlinkClr xmlns:ahyp="http://schemas.microsoft.com/office/drawing/2018/hyperlinkcolor" val="tx"/>
-                    </a:ext>
-                  </a:extLst>
-                </a:hlinkClick>
-              </a:rPr>
-            </a:br>
-            <a:r>
-              <a:rPr lang="en-GB" sz="1400" dirty="0">
-                <a:solidFill>
-                  <a:schemeClr val="dk1"/>
-                </a:solidFill>
-                <a:hlinkClick r:id="rId4">
-                  <a:extLst>
-                    <a:ext uri="{A12FA001-AC4F-418D-AE19-62706E023703}">
-                      <ahyp:hlinkClr xmlns:ahyp="http://schemas.microsoft.com/office/drawing/2018/hyperlinkcolor" val="tx"/>
-                    </a:ext>
-                  </a:extLst>
-                </a:hlinkClick>
-              </a:rPr>
-              <a:t>		</a:t>
-            </a:r>
-            <a:r>
-              <a:rPr lang="en-GB" sz="1400" u="sng" dirty="0">
-                <a:solidFill>
-                  <a:schemeClr val="dk1"/>
-                </a:solidFill>
-                <a:hlinkClick r:id="rId4">
-                  <a:extLst>
-                    <a:ext uri="{A12FA001-AC4F-418D-AE19-62706E023703}">
-                      <ahyp:hlinkClr xmlns:ahyp="http://schemas.microsoft.com/office/drawing/2018/hyperlinkcolor" val="tx"/>
-                    </a:ext>
-                  </a:extLst>
-                </a:hlinkClick>
-              </a:rPr>
-              <a:t>/blob/master/Practice%20Tasks/Module2/</a:t>
-            </a:r>
-            <a:r>
-              <a:rPr lang="en-GB" sz="1400" u="sng" dirty="0">
-                <a:solidFill>
-                  <a:schemeClr val="dk1"/>
-                </a:solidFill>
-              </a:rPr>
-              <a:t>Task_11/Task_11.pdf</a:t>
-            </a:r>
-            <a:endParaRPr sz="1400" u="sng" dirty="0">
-              <a:solidFill>
-                <a:schemeClr val="dk1"/>
-              </a:solidFill>
-            </a:endParaRPr>
-          </a:p>
-        </p:txBody>
-      </p:sp>
-      <p:sp>
-        <p:nvSpPr>
-          <p:cNvPr id="3" name="Номер слайда 2">
-            <a:extLst>
-              <a:ext uri="{FF2B5EF4-FFF2-40B4-BE49-F238E27FC236}">
-                <a16:creationId xmlns:a16="http://schemas.microsoft.com/office/drawing/2014/main" id="{B6CFC8D8-E303-4004-B65E-C84C05B7029F}"/>
-              </a:ext>
-            </a:extLst>
-          </p:cNvPr>
-          <p:cNvSpPr>
-            <a:spLocks noGrp="1"/>
-          </p:cNvSpPr>
-          <p:nvPr>
-            <p:ph type="sldNum" idx="12"/>
-          </p:nvPr>
-        </p:nvSpPr>
-        <p:spPr/>
-        <p:txBody>
-          <a:bodyPr/>
-          <a:lstStyle/>
-          <a:p>
-            <a:pPr marL="0" lvl="0" indent="0" algn="r" rtl="0">
-              <a:spcBef>
-                <a:spcPts val="0"/>
-              </a:spcBef>
-              <a:spcAft>
-                <a:spcPts val="0"/>
-              </a:spcAft>
-              <a:buNone/>
-            </a:pPr>
-            <a:fld id="{00000000-1234-1234-1234-123412341234}" type="slidenum">
-              <a:rPr lang="en-GB" smtClean="0"/>
-              <a:t>2</a:t>
-            </a:fld>
-            <a:endParaRPr lang="en-GB"/>
-          </a:p>
-        </p:txBody>
-      </p:sp>
-    </p:spTree>
-    <p:extLst>
-      <p:ext uri="{BB962C8B-B14F-4D97-AF65-F5344CB8AC3E}">
-        <p14:creationId xmlns:p14="http://schemas.microsoft.com/office/powerpoint/2010/main" val="1693502994"/>
-      </p:ext>
-    </p:extLst>
-  </p:cSld>
-  <p:clrMapOvr>
-    <a:masterClrMapping/>
-  </p:clrMapOvr>
-</p:sld>
-</file>
-
-<file path=ppt/slides/slide3.xml><?xml version="1.0" encoding="utf-8"?>
-<p:sld xmlns:a="http://schemas.openxmlformats.org/drawingml/2006/main" xmlns:r="http://schemas.openxmlformats.org/officeDocument/2006/relationships" xmlns:p="http://schemas.openxmlformats.org/presentationml/2006/main">
-  <p:cSld>
-    <p:spTree>
-      <p:nvGrpSpPr>
-        <p:cNvPr id="1" name="Shape 65"/>
-        <p:cNvGrpSpPr/>
-        <p:nvPr/>
-      </p:nvGrpSpPr>
-      <p:grpSpPr>
-        <a:xfrm>
-          <a:off x="0" y="0"/>
-          <a:ext cx="0" cy="0"/>
-          <a:chOff x="0" y="0"/>
-          <a:chExt cx="0" cy="0"/>
-        </a:xfrm>
-      </p:grpSpPr>
-      <p:sp>
-        <p:nvSpPr>
-          <p:cNvPr id="66" name="Google Shape;66;p15"/>
-          <p:cNvSpPr txBox="1">
-            <a:spLocks noGrp="1"/>
-          </p:cNvSpPr>
-          <p:nvPr>
-            <p:ph type="title"/>
-          </p:nvPr>
-        </p:nvSpPr>
-        <p:spPr>
-          <a:xfrm>
-            <a:off x="249929" y="140225"/>
-            <a:ext cx="8520600" cy="572700"/>
-          </a:xfrm>
-          <a:prstGeom prst="rect">
-            <a:avLst/>
-          </a:prstGeom>
-        </p:spPr>
-        <p:txBody>
-          <a:bodyPr spcFirstLastPara="1" wrap="square" lIns="91425" tIns="91425" rIns="91425" bIns="91425" anchor="t" anchorCtr="0">
-            <a:noAutofit/>
-          </a:bodyPr>
-          <a:lstStyle/>
-          <a:p>
-            <a:pPr marL="0" lvl="0" indent="0" algn="l" rtl="0">
-              <a:spcBef>
-                <a:spcPts val="0"/>
-              </a:spcBef>
-              <a:spcAft>
-                <a:spcPts val="0"/>
-              </a:spcAft>
-              <a:buNone/>
-            </a:pPr>
-            <a:r>
-              <a:rPr lang="en-GB" b="1" dirty="0">
-                <a:effectLst>
-                  <a:outerShdw blurRad="38100" dist="38100" dir="2700000" algn="tl">
-                    <a:srgbClr val="000000">
-                      <a:alpha val="43137"/>
-                    </a:srgbClr>
-                  </a:outerShdw>
-                </a:effectLst>
-              </a:rPr>
-              <a:t>Event flow</a:t>
-            </a:r>
-            <a:endParaRPr b="1" dirty="0">
-              <a:effectLst>
-                <a:outerShdw blurRad="38100" dist="38100" dir="2700000" algn="tl">
-                  <a:srgbClr val="000000">
-                    <a:alpha val="43137"/>
-                  </a:srgbClr>
-                </a:outerShdw>
-              </a:effectLst>
-            </a:endParaRPr>
-          </a:p>
-        </p:txBody>
-      </p:sp>
-      <p:pic>
-        <p:nvPicPr>
-          <p:cNvPr id="3" name="Рисунок 2">
-            <a:extLst>
-              <a:ext uri="{FF2B5EF4-FFF2-40B4-BE49-F238E27FC236}">
-                <a16:creationId xmlns:a16="http://schemas.microsoft.com/office/drawing/2014/main" id="{C5B7194B-CF5C-403F-BB19-6F03AD931CCA}"/>
-              </a:ext>
-            </a:extLst>
-          </p:cNvPr>
-          <p:cNvPicPr>
-            <a:picLocks noChangeAspect="1"/>
-          </p:cNvPicPr>
-          <p:nvPr/>
-        </p:nvPicPr>
-        <p:blipFill>
-          <a:blip r:embed="rId3"/>
-          <a:stretch>
-            <a:fillRect/>
-          </a:stretch>
-        </p:blipFill>
-        <p:spPr>
-          <a:xfrm>
-            <a:off x="161364" y="1241523"/>
-            <a:ext cx="8716741" cy="2946342"/>
-          </a:xfrm>
-          <a:prstGeom prst="rect">
-            <a:avLst/>
-          </a:prstGeom>
-        </p:spPr>
-      </p:pic>
-      <p:sp>
-        <p:nvSpPr>
-          <p:cNvPr id="4" name="Номер слайда 3">
-            <a:extLst>
-              <a:ext uri="{FF2B5EF4-FFF2-40B4-BE49-F238E27FC236}">
-                <a16:creationId xmlns:a16="http://schemas.microsoft.com/office/drawing/2014/main" id="{FE86CA3D-FE51-42A4-8A66-83EB1F2C6FC3}"/>
-              </a:ext>
-            </a:extLst>
-          </p:cNvPr>
-          <p:cNvSpPr>
-            <a:spLocks noGrp="1"/>
-          </p:cNvSpPr>
-          <p:nvPr>
-            <p:ph type="sldNum" idx="12"/>
-          </p:nvPr>
-        </p:nvSpPr>
-        <p:spPr/>
-        <p:txBody>
-          <a:bodyPr/>
-          <a:lstStyle/>
-          <a:p>
-            <a:pPr marL="0" lvl="0" indent="0" algn="r" rtl="0">
-              <a:spcBef>
-                <a:spcPts val="0"/>
-              </a:spcBef>
-              <a:spcAft>
-                <a:spcPts val="0"/>
-              </a:spcAft>
-              <a:buNone/>
-            </a:pPr>
-            <a:fld id="{00000000-1234-1234-1234-123412341234}" type="slidenum">
-              <a:rPr lang="en-GB" smtClean="0"/>
-              <a:t>3</a:t>
-            </a:fld>
-            <a:endParaRPr lang="en-GB"/>
-          </a:p>
-        </p:txBody>
-      </p:sp>
-      <p:sp>
-        <p:nvSpPr>
-          <p:cNvPr id="2" name="TextBox 1">
-            <a:extLst>
-              <a:ext uri="{FF2B5EF4-FFF2-40B4-BE49-F238E27FC236}">
-                <a16:creationId xmlns:a16="http://schemas.microsoft.com/office/drawing/2014/main" id="{4D399809-9845-44E8-8D4D-519225097970}"/>
-              </a:ext>
-            </a:extLst>
-          </p:cNvPr>
-          <p:cNvSpPr txBox="1"/>
-          <p:nvPr/>
-        </p:nvSpPr>
-        <p:spPr>
-          <a:xfrm>
-            <a:off x="161363" y="4716463"/>
-            <a:ext cx="8162365" cy="307777"/>
-          </a:xfrm>
-          <a:prstGeom prst="rect">
-            <a:avLst/>
-          </a:prstGeom>
-          <a:noFill/>
-        </p:spPr>
-        <p:txBody>
-          <a:bodyPr wrap="square" rtlCol="0">
-            <a:spAutoFit/>
-          </a:bodyPr>
-          <a:lstStyle/>
-          <a:p>
-            <a:r>
-              <a:rPr lang="en-US" dirty="0">
-                <a:solidFill>
-                  <a:schemeClr val="tx1"/>
-                </a:solidFill>
-              </a:rPr>
-              <a:t>https://github.com/fanglores/Advanced-Software-Design/tree/master/General/UseCases</a:t>
-            </a:r>
-            <a:endParaRPr lang="ru-RU" dirty="0">
-              <a:solidFill>
-                <a:schemeClr val="tx1"/>
-              </a:solidFill>
-            </a:endParaRPr>
-          </a:p>
-        </p:txBody>
-      </p:sp>
-    </p:spTree>
-  </p:cSld>
-  <p:clrMapOvr>
-    <a:masterClrMapping/>
-  </p:clrMapOvr>
-</p:sld>
-</file>
-
-<file path=ppt/slides/slide4.xml><?xml version="1.0" encoding="utf-8"?>
-<p:sld xmlns:a="http://schemas.openxmlformats.org/drawingml/2006/main" xmlns:r="http://schemas.openxmlformats.org/officeDocument/2006/relationships" xmlns:p="http://schemas.openxmlformats.org/presentationml/2006/main" show="0">
-  <p:cSld>
-    <p:spTree>
-      <p:nvGrpSpPr>
-        <p:cNvPr id="1" name="Shape 71"/>
-        <p:cNvGrpSpPr/>
-        <p:nvPr/>
-      </p:nvGrpSpPr>
-      <p:grpSpPr>
-        <a:xfrm>
-          <a:off x="0" y="0"/>
-          <a:ext cx="0" cy="0"/>
-          <a:chOff x="0" y="0"/>
-          <a:chExt cx="0" cy="0"/>
-        </a:xfrm>
-      </p:grpSpPr>
-      <p:sp>
-        <p:nvSpPr>
-          <p:cNvPr id="72" name="Google Shape;72;p16"/>
-          <p:cNvSpPr txBox="1">
-            <a:spLocks noGrp="1"/>
-          </p:cNvSpPr>
-          <p:nvPr>
-            <p:ph type="title"/>
-          </p:nvPr>
-        </p:nvSpPr>
-        <p:spPr>
-          <a:xfrm>
-            <a:off x="311700" y="445025"/>
-            <a:ext cx="8520600" cy="572700"/>
-          </a:xfrm>
-          <a:prstGeom prst="rect">
-            <a:avLst/>
-          </a:prstGeom>
-        </p:spPr>
-        <p:txBody>
-          <a:bodyPr spcFirstLastPara="1" wrap="square" lIns="91425" tIns="91425" rIns="91425" bIns="91425" anchor="t" anchorCtr="0">
-            <a:noAutofit/>
-          </a:bodyPr>
-          <a:lstStyle/>
-          <a:p>
-            <a:pPr marL="0" lvl="0" indent="0" algn="l" rtl="0">
-              <a:spcBef>
-                <a:spcPts val="0"/>
-              </a:spcBef>
-              <a:spcAft>
-                <a:spcPts val="0"/>
-              </a:spcAft>
-              <a:buNone/>
-            </a:pPr>
-            <a:r>
-              <a:rPr lang="en-GB" dirty="0">
-                <a:solidFill>
-                  <a:srgbClr val="FF0000"/>
-                </a:solidFill>
-              </a:rPr>
-              <a:t>Logical data model (class/ER diagram)</a:t>
-            </a:r>
-            <a:endParaRPr dirty="0">
-              <a:solidFill>
-                <a:srgbClr val="FF0000"/>
-              </a:solidFill>
-            </a:endParaRPr>
-          </a:p>
-        </p:txBody>
-      </p:sp>
-      <p:sp>
-        <p:nvSpPr>
-          <p:cNvPr id="73" name="Google Shape;73;p16"/>
-          <p:cNvSpPr txBox="1">
-            <a:spLocks noGrp="1"/>
-          </p:cNvSpPr>
-          <p:nvPr>
-            <p:ph type="body" idx="1"/>
-          </p:nvPr>
-        </p:nvSpPr>
-        <p:spPr>
-          <a:xfrm>
-            <a:off x="311700" y="1152475"/>
-            <a:ext cx="3226800" cy="3416400"/>
-          </a:xfrm>
-          <a:prstGeom prst="rect">
-            <a:avLst/>
-          </a:prstGeom>
-        </p:spPr>
-        <p:txBody>
-          <a:bodyPr spcFirstLastPara="1" wrap="square" lIns="91425" tIns="91425" rIns="91425" bIns="91425" anchor="t" anchorCtr="0">
-            <a:noAutofit/>
-          </a:bodyPr>
-          <a:lstStyle/>
-          <a:p>
-            <a:pPr marL="0" lvl="0" indent="0" algn="l" rtl="0">
-              <a:spcBef>
-                <a:spcPts val="0"/>
-              </a:spcBef>
-              <a:spcAft>
-                <a:spcPts val="0"/>
-              </a:spcAft>
-              <a:buNone/>
-            </a:pPr>
-            <a:r>
-              <a:rPr lang="en-GB"/>
-              <a:t>(from the previous task)</a:t>
-            </a:r>
-            <a:endParaRPr/>
-          </a:p>
-          <a:p>
-            <a:pPr marL="0" lvl="0" indent="0" algn="l" rtl="0">
-              <a:spcBef>
-                <a:spcPts val="1200"/>
-              </a:spcBef>
-              <a:spcAft>
-                <a:spcPts val="0"/>
-              </a:spcAft>
-              <a:buNone/>
-            </a:pPr>
-            <a:r>
-              <a:rPr lang="en-GB" b="1"/>
-              <a:t>&lt;for each microservice separately&gt;</a:t>
-            </a:r>
-            <a:endParaRPr b="1"/>
-          </a:p>
-          <a:p>
-            <a:pPr marL="0" lvl="0" indent="0" algn="l" rtl="0">
-              <a:spcBef>
-                <a:spcPts val="1200"/>
-              </a:spcBef>
-              <a:spcAft>
-                <a:spcPts val="1200"/>
-              </a:spcAft>
-              <a:buNone/>
-            </a:pPr>
-            <a:endParaRPr/>
-          </a:p>
-        </p:txBody>
-      </p:sp>
-      <p:pic>
-        <p:nvPicPr>
-          <p:cNvPr id="74" name="Google Shape;74;p16"/>
-          <p:cNvPicPr preferRelativeResize="0"/>
-          <p:nvPr/>
-        </p:nvPicPr>
-        <p:blipFill rotWithShape="1">
-          <a:blip r:embed="rId3">
-            <a:alphaModFix/>
-          </a:blip>
-          <a:srcRect l="34730" t="38994"/>
-          <a:stretch/>
-        </p:blipFill>
-        <p:spPr>
-          <a:xfrm>
-            <a:off x="4302425" y="1331700"/>
-            <a:ext cx="3483074" cy="1601725"/>
-          </a:xfrm>
-          <a:prstGeom prst="rect">
-            <a:avLst/>
-          </a:prstGeom>
-          <a:noFill/>
-          <a:ln>
-            <a:noFill/>
-          </a:ln>
-        </p:spPr>
-      </p:pic>
-      <p:pic>
-        <p:nvPicPr>
-          <p:cNvPr id="75" name="Google Shape;75;p16"/>
-          <p:cNvPicPr preferRelativeResize="0"/>
-          <p:nvPr/>
-        </p:nvPicPr>
-        <p:blipFill rotWithShape="1">
-          <a:blip r:embed="rId4">
-            <a:alphaModFix/>
-          </a:blip>
-          <a:srcRect l="1185"/>
-          <a:stretch/>
-        </p:blipFill>
-        <p:spPr>
-          <a:xfrm>
-            <a:off x="311700" y="2757200"/>
-            <a:ext cx="3833724" cy="2205125"/>
-          </a:xfrm>
-          <a:prstGeom prst="rect">
-            <a:avLst/>
-          </a:prstGeom>
-          <a:noFill/>
-          <a:ln>
-            <a:noFill/>
-          </a:ln>
-        </p:spPr>
-      </p:pic>
-    </p:spTree>
-  </p:cSld>
-  <p:clrMapOvr>
-    <a:masterClrMapping/>
-  </p:clrMapOvr>
-</p:sld>
-</file>
-
-<file path=ppt/slides/slide5.xml><?xml version="1.0" encoding="utf-8"?>
-<p:sld xmlns:a="http://schemas.openxmlformats.org/drawingml/2006/main" xmlns:r="http://schemas.openxmlformats.org/officeDocument/2006/relationships" xmlns:p="http://schemas.openxmlformats.org/presentationml/2006/main" show="0">
-  <p:cSld>
-    <p:spTree>
-      <p:nvGrpSpPr>
-        <p:cNvPr id="1" name="Shape 79"/>
-        <p:cNvGrpSpPr/>
-        <p:nvPr/>
-      </p:nvGrpSpPr>
-      <p:grpSpPr>
-        <a:xfrm>
-          <a:off x="0" y="0"/>
-          <a:ext cx="0" cy="0"/>
-          <a:chOff x="0" y="0"/>
-          <a:chExt cx="0" cy="0"/>
-        </a:xfrm>
-      </p:grpSpPr>
-      <p:sp>
-        <p:nvSpPr>
-          <p:cNvPr id="80" name="Google Shape;80;p17"/>
-          <p:cNvSpPr txBox="1">
-            <a:spLocks noGrp="1"/>
-          </p:cNvSpPr>
-          <p:nvPr>
-            <p:ph type="title"/>
-          </p:nvPr>
-        </p:nvSpPr>
-        <p:spPr>
-          <a:xfrm>
-            <a:off x="311700" y="445025"/>
-            <a:ext cx="8520600" cy="572700"/>
-          </a:xfrm>
-          <a:prstGeom prst="rect">
-            <a:avLst/>
-          </a:prstGeom>
-        </p:spPr>
-        <p:txBody>
-          <a:bodyPr spcFirstLastPara="1" wrap="square" lIns="91425" tIns="91425" rIns="91425" bIns="91425" anchor="t" anchorCtr="0">
-            <a:noAutofit/>
-          </a:bodyPr>
-          <a:lstStyle/>
-          <a:p>
-            <a:pPr marL="0" lvl="0" indent="0" algn="l" rtl="0">
-              <a:spcBef>
-                <a:spcPts val="0"/>
-              </a:spcBef>
-              <a:spcAft>
-                <a:spcPts val="0"/>
-              </a:spcAft>
-              <a:buNone/>
-            </a:pPr>
-            <a:r>
-              <a:rPr lang="en-GB" dirty="0">
-                <a:solidFill>
-                  <a:srgbClr val="FF0000"/>
-                </a:solidFill>
-              </a:rPr>
-              <a:t>API summary &lt;for each microservice separately&gt;</a:t>
-            </a:r>
-            <a:endParaRPr dirty="0">
-              <a:solidFill>
-                <a:srgbClr val="FF0000"/>
-              </a:solidFill>
-            </a:endParaRPr>
-          </a:p>
-        </p:txBody>
-      </p:sp>
-      <p:sp>
-        <p:nvSpPr>
-          <p:cNvPr id="81" name="Google Shape;81;p17"/>
-          <p:cNvSpPr txBox="1">
-            <a:spLocks noGrp="1"/>
-          </p:cNvSpPr>
-          <p:nvPr>
-            <p:ph type="body" idx="1"/>
-          </p:nvPr>
-        </p:nvSpPr>
-        <p:spPr>
-          <a:xfrm>
-            <a:off x="311700" y="1152475"/>
-            <a:ext cx="8520600" cy="3416400"/>
-          </a:xfrm>
-          <a:prstGeom prst="rect">
-            <a:avLst/>
-          </a:prstGeom>
-        </p:spPr>
-        <p:txBody>
-          <a:bodyPr spcFirstLastPara="1" wrap="square" lIns="91425" tIns="91425" rIns="91425" bIns="91425" anchor="t" anchorCtr="0">
-            <a:noAutofit/>
-          </a:bodyPr>
-          <a:lstStyle/>
-          <a:p>
-            <a:pPr marL="0" lvl="0" indent="0" algn="l" rtl="0">
-              <a:spcBef>
-                <a:spcPts val="0"/>
-              </a:spcBef>
-              <a:spcAft>
-                <a:spcPts val="0"/>
-              </a:spcAft>
-              <a:buNone/>
-            </a:pPr>
-            <a:r>
-              <a:rPr lang="en-GB"/>
-              <a:t>&lt; provide a summary of API you are going to use with DB design, use OpenAPI fragment if needed &gt;</a:t>
-            </a:r>
-            <a:endParaRPr/>
-          </a:p>
-          <a:p>
-            <a:pPr marL="0" lvl="0" indent="0" algn="l" rtl="0">
-              <a:spcBef>
-                <a:spcPts val="1200"/>
-              </a:spcBef>
-              <a:spcAft>
-                <a:spcPts val="0"/>
-              </a:spcAft>
-              <a:buNone/>
-            </a:pPr>
-            <a:r>
-              <a:rPr lang="en-GB" b="1"/>
-              <a:t>&lt;</a:t>
-            </a:r>
-            <a:r>
-              <a:rPr lang="en-GB"/>
-              <a:t> 5-7 most important API operations &gt;</a:t>
-            </a:r>
-            <a:endParaRPr/>
-          </a:p>
-          <a:p>
-            <a:pPr marL="0" lvl="0" indent="0" algn="l" rtl="0">
-              <a:spcBef>
-                <a:spcPts val="1200"/>
-              </a:spcBef>
-              <a:spcAft>
-                <a:spcPts val="1200"/>
-              </a:spcAft>
-              <a:buNone/>
-            </a:pPr>
-            <a:r>
-              <a:rPr lang="en-GB"/>
-              <a:t>&lt;e.g. In a form /dataset/{id} - GET  - get data for training - (Use case)&gt;</a:t>
-            </a:r>
-            <a:endParaRPr/>
-          </a:p>
-        </p:txBody>
-      </p:sp>
-      <p:pic>
-        <p:nvPicPr>
-          <p:cNvPr id="82" name="Google Shape;82;p17"/>
-          <p:cNvPicPr preferRelativeResize="0"/>
-          <p:nvPr/>
-        </p:nvPicPr>
-        <p:blipFill>
-          <a:blip r:embed="rId3">
-            <a:alphaModFix/>
-          </a:blip>
-          <a:stretch>
-            <a:fillRect/>
-          </a:stretch>
-        </p:blipFill>
-        <p:spPr>
-          <a:xfrm>
-            <a:off x="434050" y="3022350"/>
-            <a:ext cx="5357425" cy="1783750"/>
-          </a:xfrm>
-          <a:prstGeom prst="rect">
-            <a:avLst/>
-          </a:prstGeom>
-          <a:noFill/>
-          <a:ln>
-            <a:noFill/>
-          </a:ln>
-        </p:spPr>
-      </p:pic>
-    </p:spTree>
-  </p:cSld>
-  <p:clrMapOvr>
-    <a:masterClrMapping/>
-  </p:clrMapOvr>
-</p:sld>
-</file>
-
-<file path=ppt/slides/slide6.xml><?xml version="1.0" encoding="utf-8"?>
-<p:sld xmlns:a="http://schemas.openxmlformats.org/drawingml/2006/main" xmlns:r="http://schemas.openxmlformats.org/officeDocument/2006/relationships" xmlns:p="http://schemas.openxmlformats.org/presentationml/2006/main" show="0">
-  <p:cSld>
-    <p:spTree>
-      <p:nvGrpSpPr>
-        <p:cNvPr id="1" name="Shape 86"/>
-        <p:cNvGrpSpPr/>
-        <p:nvPr/>
-      </p:nvGrpSpPr>
-      <p:grpSpPr>
-        <a:xfrm>
-          <a:off x="0" y="0"/>
-          <a:ext cx="0" cy="0"/>
-          <a:chOff x="0" y="0"/>
-          <a:chExt cx="0" cy="0"/>
-        </a:xfrm>
-      </p:grpSpPr>
-      <p:sp>
-        <p:nvSpPr>
-          <p:cNvPr id="87" name="Google Shape;87;p18"/>
-          <p:cNvSpPr txBox="1">
-            <a:spLocks noGrp="1"/>
-          </p:cNvSpPr>
-          <p:nvPr>
-            <p:ph type="title"/>
-          </p:nvPr>
-        </p:nvSpPr>
-        <p:spPr>
-          <a:xfrm>
-            <a:off x="311700" y="445025"/>
-            <a:ext cx="8520600" cy="572700"/>
-          </a:xfrm>
-          <a:prstGeom prst="rect">
-            <a:avLst/>
-          </a:prstGeom>
-        </p:spPr>
-        <p:txBody>
-          <a:bodyPr spcFirstLastPara="1" wrap="square" lIns="91425" tIns="91425" rIns="91425" bIns="91425" anchor="t" anchorCtr="0">
-            <a:noAutofit/>
-          </a:bodyPr>
-          <a:lstStyle/>
-          <a:p>
-            <a:pPr marL="0" lvl="0" indent="0" algn="l" rtl="0">
-              <a:spcBef>
-                <a:spcPts val="0"/>
-              </a:spcBef>
-              <a:spcAft>
-                <a:spcPts val="0"/>
-              </a:spcAft>
-              <a:buNone/>
-            </a:pPr>
-            <a:r>
-              <a:rPr lang="en-GB" dirty="0">
-                <a:solidFill>
-                  <a:srgbClr val="FF0000"/>
-                </a:solidFill>
-              </a:rPr>
-              <a:t>Physical schema &lt;for each microservice separately&gt;</a:t>
-            </a:r>
-            <a:endParaRPr dirty="0">
-              <a:solidFill>
-                <a:srgbClr val="FF0000"/>
-              </a:solidFill>
-            </a:endParaRPr>
-          </a:p>
-        </p:txBody>
-      </p:sp>
-      <p:sp>
-        <p:nvSpPr>
-          <p:cNvPr id="88" name="Google Shape;88;p18"/>
-          <p:cNvSpPr txBox="1">
-            <a:spLocks noGrp="1"/>
-          </p:cNvSpPr>
-          <p:nvPr>
-            <p:ph type="body" idx="1"/>
-          </p:nvPr>
-        </p:nvSpPr>
-        <p:spPr>
-          <a:xfrm>
-            <a:off x="311700" y="1152475"/>
-            <a:ext cx="8520600" cy="3416400"/>
-          </a:xfrm>
-          <a:prstGeom prst="rect">
-            <a:avLst/>
-          </a:prstGeom>
-        </p:spPr>
-        <p:txBody>
-          <a:bodyPr spcFirstLastPara="1" wrap="square" lIns="91425" tIns="91425" rIns="91425" bIns="91425" anchor="t" anchorCtr="0">
-            <a:noAutofit/>
-          </a:bodyPr>
-          <a:lstStyle/>
-          <a:p>
-            <a:pPr marL="0" lvl="0" indent="0" algn="l" rtl="0">
-              <a:spcBef>
-                <a:spcPts val="0"/>
-              </a:spcBef>
-              <a:spcAft>
-                <a:spcPts val="0"/>
-              </a:spcAft>
-              <a:buNone/>
-            </a:pPr>
-            <a:r>
-              <a:rPr lang="en-GB" dirty="0"/>
-              <a:t>For NoSQL - selection of keys, and explain how requests are served using keys</a:t>
-            </a:r>
-            <a:endParaRPr dirty="0"/>
-          </a:p>
-          <a:p>
-            <a:pPr marL="0" lvl="0" indent="0" algn="l" rtl="0">
-              <a:spcBef>
-                <a:spcPts val="1200"/>
-              </a:spcBef>
-              <a:spcAft>
-                <a:spcPts val="0"/>
-              </a:spcAft>
-              <a:buNone/>
-            </a:pPr>
-            <a:r>
-              <a:rPr lang="en-GB" dirty="0"/>
-              <a:t>For RDBMS - physical schema (crow-foot (app.diagrams.net) or SQL dump)</a:t>
-            </a:r>
-            <a:endParaRPr dirty="0"/>
-          </a:p>
-          <a:p>
-            <a:pPr marL="0" lvl="0" indent="0" algn="l" rtl="0">
-              <a:spcBef>
-                <a:spcPts val="1200"/>
-              </a:spcBef>
-              <a:spcAft>
-                <a:spcPts val="1200"/>
-              </a:spcAft>
-              <a:buNone/>
-            </a:pPr>
-            <a:r>
-              <a:rPr lang="en-GB" dirty="0"/>
-              <a:t>&lt;for each DB in each microservice&gt;</a:t>
-            </a:r>
-            <a:endParaRPr dirty="0"/>
-          </a:p>
-        </p:txBody>
-      </p:sp>
-    </p:spTree>
-  </p:cSld>
-  <p:clrMapOvr>
-    <a:masterClrMapping/>
-  </p:clrMapOvr>
-</p:sld>
-</file>
-
-<file path=ppt/slides/slide7.xml><?xml version="1.0" encoding="utf-8"?>
-<p:sld xmlns:a="http://schemas.openxmlformats.org/drawingml/2006/main" xmlns:r="http://schemas.openxmlformats.org/officeDocument/2006/relationships" xmlns:p="http://schemas.openxmlformats.org/presentationml/2006/main">
-  <p:cSld>
-    <p:spTree>
-      <p:nvGrpSpPr>
-        <p:cNvPr id="1" name="Shape 83"/>
-        <p:cNvGrpSpPr/>
-        <p:nvPr/>
-      </p:nvGrpSpPr>
-      <p:grpSpPr>
-        <a:xfrm>
-          <a:off x="0" y="0"/>
-          <a:ext cx="0" cy="0"/>
-          <a:chOff x="0" y="0"/>
-          <a:chExt cx="0" cy="0"/>
-        </a:xfrm>
-      </p:grpSpPr>
-      <p:sp>
-        <p:nvSpPr>
-          <p:cNvPr id="84" name="Google Shape;84;p18"/>
-          <p:cNvSpPr txBox="1">
-            <a:spLocks noGrp="1"/>
-          </p:cNvSpPr>
-          <p:nvPr>
-            <p:ph type="title"/>
-          </p:nvPr>
-        </p:nvSpPr>
-        <p:spPr>
-          <a:xfrm>
-            <a:off x="311700" y="288275"/>
-            <a:ext cx="8520600" cy="572700"/>
-          </a:xfrm>
-          <a:prstGeom prst="rect">
-            <a:avLst/>
-          </a:prstGeom>
-        </p:spPr>
-        <p:txBody>
-          <a:bodyPr spcFirstLastPara="1" wrap="square" lIns="91425" tIns="91425" rIns="91425" bIns="91425" anchor="t" anchorCtr="0">
-            <a:noAutofit/>
-          </a:bodyPr>
-          <a:lstStyle/>
-          <a:p>
-            <a:r>
-              <a:rPr lang="en-GB" dirty="0">
-                <a:effectLst>
-                  <a:outerShdw blurRad="38100" dist="38100" dir="2700000" algn="tl">
-                    <a:srgbClr val="000000">
-                      <a:alpha val="43137"/>
-                    </a:srgbClr>
-                  </a:outerShdw>
-                </a:effectLst>
-              </a:rPr>
-              <a:t>Logical data model </a:t>
-            </a:r>
-            <a:r>
-              <a:rPr lang="en-US" b="1" dirty="0" err="1">
-                <a:effectLst>
-                  <a:outerShdw blurRad="38100" dist="38100" dir="2700000" algn="tl">
-                    <a:srgbClr val="000000">
-                      <a:alpha val="43137"/>
-                    </a:srgbClr>
-                  </a:outerShdw>
-                </a:effectLst>
-              </a:rPr>
-              <a:t>RequestRouter</a:t>
-            </a:r>
-            <a:endParaRPr dirty="0">
-              <a:effectLst>
-                <a:outerShdw blurRad="38100" dist="38100" dir="2700000" algn="tl">
-                  <a:srgbClr val="000000">
-                    <a:alpha val="43137"/>
-                  </a:srgbClr>
-                </a:outerShdw>
-              </a:effectLst>
-            </a:endParaRPr>
-          </a:p>
-        </p:txBody>
-      </p:sp>
-      <p:sp>
-        <p:nvSpPr>
-          <p:cNvPr id="3" name="Номер слайда 2">
-            <a:extLst>
-              <a:ext uri="{FF2B5EF4-FFF2-40B4-BE49-F238E27FC236}">
-                <a16:creationId xmlns:a16="http://schemas.microsoft.com/office/drawing/2014/main" id="{44D00E36-7C80-4724-BC89-DAF8BBC2E470}"/>
-              </a:ext>
-            </a:extLst>
-          </p:cNvPr>
-          <p:cNvSpPr>
-            <a:spLocks noGrp="1"/>
-          </p:cNvSpPr>
-          <p:nvPr>
-            <p:ph type="sldNum" idx="12"/>
-          </p:nvPr>
-        </p:nvSpPr>
-        <p:spPr/>
-        <p:txBody>
-          <a:bodyPr/>
-          <a:lstStyle/>
-          <a:p>
-            <a:pPr marL="0" lvl="0" indent="0" algn="r" rtl="0">
-              <a:spcBef>
-                <a:spcPts val="0"/>
-              </a:spcBef>
-              <a:spcAft>
-                <a:spcPts val="0"/>
-              </a:spcAft>
-              <a:buNone/>
-            </a:pPr>
-            <a:fld id="{00000000-1234-1234-1234-123412341234}" type="slidenum">
-              <a:rPr lang="en-GB" smtClean="0"/>
-              <a:t>7</a:t>
-            </a:fld>
-            <a:endParaRPr lang="en-GB"/>
-          </a:p>
-        </p:txBody>
-      </p:sp>
-      <p:pic>
-        <p:nvPicPr>
-          <p:cNvPr id="2052" name="Picture 4">
-            <a:extLst>
-              <a:ext uri="{FF2B5EF4-FFF2-40B4-BE49-F238E27FC236}">
-                <a16:creationId xmlns:a16="http://schemas.microsoft.com/office/drawing/2014/main" id="{73CA7B9E-2D89-40C2-AD0B-4434A982A53A}"/>
-              </a:ext>
-            </a:extLst>
-          </p:cNvPr>
-          <p:cNvPicPr>
-            <a:picLocks noChangeAspect="1" noChangeArrowheads="1"/>
-          </p:cNvPicPr>
-          <p:nvPr/>
-        </p:nvPicPr>
-        <p:blipFill>
-          <a:blip r:embed="rId3">
-            <a:extLst>
-              <a:ext uri="{28A0092B-C50C-407E-A947-70E740481C1C}">
-                <a14:useLocalDpi xmlns:a14="http://schemas.microsoft.com/office/drawing/2010/main" val="0"/>
-              </a:ext>
-            </a:extLst>
-          </a:blip>
-          <a:srcRect/>
-          <a:stretch>
-            <a:fillRect/>
-          </a:stretch>
-        </p:blipFill>
-        <p:spPr bwMode="auto">
-          <a:xfrm>
-            <a:off x="2142175" y="1196152"/>
-            <a:ext cx="4386371" cy="3659073"/>
-          </a:xfrm>
-          <a:prstGeom prst="rect">
-            <a:avLst/>
-          </a:prstGeom>
-          <a:noFill/>
-          <a:extLst>
-            <a:ext uri="{909E8E84-426E-40DD-AFC4-6F175D3DCCD1}">
-              <a14:hiddenFill xmlns:a14="http://schemas.microsoft.com/office/drawing/2010/main">
-                <a:solidFill>
-                  <a:srgbClr val="FFFFFF"/>
-                </a:solidFill>
-              </a14:hiddenFill>
-            </a:ext>
-          </a:extLst>
-        </p:spPr>
-      </p:pic>
-    </p:spTree>
-    <p:extLst>
-      <p:ext uri="{BB962C8B-B14F-4D97-AF65-F5344CB8AC3E}">
-        <p14:creationId xmlns:p14="http://schemas.microsoft.com/office/powerpoint/2010/main" val="1911688575"/>
-      </p:ext>
-    </p:extLst>
-  </p:cSld>
-  <p:clrMapOvr>
-    <a:masterClrMapping/>
-  </p:clrMapOvr>
-</p:sld>
-</file>
-
-<file path=ppt/slides/slide8.xml><?xml version="1.0" encoding="utf-8"?>
-<p:sld xmlns:a="http://schemas.openxmlformats.org/drawingml/2006/main" xmlns:r="http://schemas.openxmlformats.org/officeDocument/2006/relationships" xmlns:p="http://schemas.openxmlformats.org/presentationml/2006/main">
-  <p:cSld>
-    <p:spTree>
-      <p:nvGrpSpPr>
-        <p:cNvPr id="1" name="Shape 83"/>
-        <p:cNvGrpSpPr/>
-        <p:nvPr/>
-      </p:nvGrpSpPr>
-      <p:grpSpPr>
-        <a:xfrm>
-          <a:off x="0" y="0"/>
-          <a:ext cx="0" cy="0"/>
-          <a:chOff x="0" y="0"/>
-          <a:chExt cx="0" cy="0"/>
-        </a:xfrm>
-      </p:grpSpPr>
-      <p:sp>
-        <p:nvSpPr>
-          <p:cNvPr id="84" name="Google Shape;84;p18"/>
-          <p:cNvSpPr txBox="1">
-            <a:spLocks noGrp="1"/>
-          </p:cNvSpPr>
-          <p:nvPr>
-            <p:ph type="title"/>
-          </p:nvPr>
-        </p:nvSpPr>
-        <p:spPr>
-          <a:xfrm>
-            <a:off x="311700" y="288275"/>
-            <a:ext cx="8520600" cy="572700"/>
-          </a:xfrm>
-          <a:prstGeom prst="rect">
-            <a:avLst/>
-          </a:prstGeom>
-        </p:spPr>
-        <p:txBody>
-          <a:bodyPr spcFirstLastPara="1" wrap="square" lIns="91425" tIns="91425" rIns="91425" bIns="91425" anchor="t" anchorCtr="0">
-            <a:noAutofit/>
-          </a:bodyPr>
-          <a:lstStyle/>
-          <a:p>
-            <a:r>
-              <a:rPr lang="en-GB" dirty="0">
-                <a:effectLst>
-                  <a:outerShdw blurRad="38100" dist="38100" dir="2700000" algn="tl">
-                    <a:srgbClr val="000000">
-                      <a:alpha val="43137"/>
-                    </a:srgbClr>
-                  </a:outerShdw>
-                </a:effectLst>
-              </a:rPr>
-              <a:t>API usage </a:t>
-            </a:r>
-            <a:r>
-              <a:rPr lang="en-US" b="1" dirty="0" err="1">
-                <a:effectLst>
-                  <a:outerShdw blurRad="38100" dist="38100" dir="2700000" algn="tl">
-                    <a:srgbClr val="000000">
-                      <a:alpha val="43137"/>
-                    </a:srgbClr>
-                  </a:outerShdw>
-                </a:effectLst>
-              </a:rPr>
-              <a:t>RequestRouter</a:t>
-            </a:r>
-            <a:endParaRPr dirty="0">
-              <a:effectLst>
-                <a:outerShdw blurRad="38100" dist="38100" dir="2700000" algn="tl">
-                  <a:srgbClr val="000000">
-                    <a:alpha val="43137"/>
-                  </a:srgbClr>
-                </a:outerShdw>
-              </a:effectLst>
-            </a:endParaRPr>
-          </a:p>
-        </p:txBody>
-      </p:sp>
-      <p:sp>
-        <p:nvSpPr>
-          <p:cNvPr id="86" name="Google Shape;86;p18"/>
-          <p:cNvSpPr txBox="1">
-            <a:spLocks noGrp="1"/>
-          </p:cNvSpPr>
-          <p:nvPr>
-            <p:ph type="body" idx="1"/>
-          </p:nvPr>
-        </p:nvSpPr>
-        <p:spPr>
-          <a:xfrm>
-            <a:off x="311699" y="1152475"/>
-            <a:ext cx="3130747" cy="3416400"/>
-          </a:xfrm>
-          <a:prstGeom prst="rect">
-            <a:avLst/>
-          </a:prstGeom>
-        </p:spPr>
-        <p:txBody>
-          <a:bodyPr spcFirstLastPara="1" wrap="square" lIns="91425" tIns="91425" rIns="91425" bIns="91425" anchor="t" anchorCtr="0">
-            <a:noAutofit/>
-          </a:bodyPr>
-          <a:lstStyle/>
-          <a:p>
-            <a:pPr marL="0" lvl="0" indent="0" algn="l" rtl="0">
-              <a:spcBef>
-                <a:spcPts val="0"/>
-              </a:spcBef>
-              <a:spcAft>
-                <a:spcPts val="0"/>
-              </a:spcAft>
-              <a:buNone/>
-            </a:pPr>
-            <a:r>
-              <a:rPr lang="en-US" b="1" dirty="0">
-                <a:solidFill>
-                  <a:schemeClr val="tx1"/>
-                </a:solidFill>
-              </a:rPr>
-              <a:t>Use Case</a:t>
-            </a:r>
-            <a:r>
-              <a:rPr lang="en-US" dirty="0">
-                <a:solidFill>
-                  <a:schemeClr val="tx1"/>
-                </a:solidFill>
-              </a:rPr>
-              <a:t>: Forward Request</a:t>
-            </a:r>
-          </a:p>
-          <a:p>
-            <a:pPr marL="0" lvl="0" indent="0" algn="l" rtl="0">
-              <a:spcBef>
-                <a:spcPts val="0"/>
-              </a:spcBef>
-              <a:spcAft>
-                <a:spcPts val="0"/>
-              </a:spcAft>
-              <a:buNone/>
-            </a:pPr>
-            <a:r>
-              <a:rPr lang="en-US" b="1" dirty="0">
-                <a:solidFill>
-                  <a:schemeClr val="tx1"/>
-                </a:solidFill>
-              </a:rPr>
-              <a:t>Scenario</a:t>
-            </a:r>
-            <a:r>
-              <a:rPr lang="en-US" dirty="0">
-                <a:solidFill>
-                  <a:schemeClr val="tx1"/>
-                </a:solidFill>
-              </a:rPr>
-              <a:t>:</a:t>
-            </a:r>
-          </a:p>
-          <a:p>
-            <a:pPr marL="0" lvl="0" indent="0" algn="l" rtl="0">
-              <a:spcBef>
-                <a:spcPts val="0"/>
-              </a:spcBef>
-              <a:spcAft>
-                <a:spcPts val="0"/>
-              </a:spcAft>
-              <a:buNone/>
-            </a:pPr>
-            <a:r>
-              <a:rPr lang="en-US" dirty="0">
-                <a:solidFill>
-                  <a:schemeClr val="tx1"/>
-                </a:solidFill>
-              </a:rPr>
-              <a:t>User sends request to a service</a:t>
-            </a:r>
-          </a:p>
-          <a:p>
-            <a:pPr marL="0" lvl="0" indent="0" algn="l" rtl="0">
-              <a:spcBef>
-                <a:spcPts val="0"/>
-              </a:spcBef>
-              <a:spcAft>
-                <a:spcPts val="0"/>
-              </a:spcAft>
-              <a:buNone/>
-            </a:pPr>
-            <a:r>
-              <a:rPr lang="en-US" dirty="0">
-                <a:solidFill>
-                  <a:schemeClr val="tx1"/>
-                </a:solidFill>
-              </a:rPr>
-              <a:t>Request is being validated by </a:t>
-            </a:r>
-            <a:r>
-              <a:rPr lang="en-US" dirty="0" err="1">
-                <a:solidFill>
-                  <a:schemeClr val="tx1"/>
-                </a:solidFill>
-              </a:rPr>
-              <a:t>OpenAPI</a:t>
-            </a:r>
-            <a:r>
-              <a:rPr lang="en-US" dirty="0">
-                <a:solidFill>
-                  <a:schemeClr val="tx1"/>
-                </a:solidFill>
-              </a:rPr>
-              <a:t> schema</a:t>
-            </a:r>
-          </a:p>
-          <a:p>
-            <a:pPr marL="0" lvl="0" indent="0" algn="l" rtl="0">
-              <a:spcBef>
-                <a:spcPts val="0"/>
-              </a:spcBef>
-              <a:spcAft>
-                <a:spcPts val="0"/>
-              </a:spcAft>
-              <a:buNone/>
-            </a:pPr>
-            <a:r>
-              <a:rPr lang="en-US" dirty="0">
-                <a:solidFill>
-                  <a:schemeClr val="tx1"/>
-                </a:solidFill>
-              </a:rPr>
-              <a:t>Request is being forwarded to a specific K8s service</a:t>
-            </a:r>
-            <a:endParaRPr dirty="0">
-              <a:solidFill>
-                <a:schemeClr val="tx1"/>
-              </a:solidFill>
-            </a:endParaRPr>
-          </a:p>
-        </p:txBody>
-      </p:sp>
-      <p:pic>
-        <p:nvPicPr>
-          <p:cNvPr id="5" name="Picture 4">
-            <a:extLst>
-              <a:ext uri="{FF2B5EF4-FFF2-40B4-BE49-F238E27FC236}">
-                <a16:creationId xmlns:a16="http://schemas.microsoft.com/office/drawing/2014/main" id="{F27EAB64-52E9-4F07-B4D9-407AD54431C9}"/>
-              </a:ext>
-            </a:extLst>
-          </p:cNvPr>
-          <p:cNvPicPr>
-            <a:picLocks noChangeAspect="1"/>
-          </p:cNvPicPr>
-          <p:nvPr/>
-        </p:nvPicPr>
-        <p:blipFill>
-          <a:blip r:embed="rId3"/>
-          <a:srcRect/>
-          <a:stretch/>
-        </p:blipFill>
-        <p:spPr>
-          <a:xfrm>
-            <a:off x="3684063" y="1017725"/>
-            <a:ext cx="5090714" cy="3451009"/>
-          </a:xfrm>
-          <a:prstGeom prst="rect">
-            <a:avLst/>
-          </a:prstGeom>
-        </p:spPr>
-      </p:pic>
-      <p:sp>
-        <p:nvSpPr>
-          <p:cNvPr id="3" name="Номер слайда 2">
-            <a:extLst>
-              <a:ext uri="{FF2B5EF4-FFF2-40B4-BE49-F238E27FC236}">
-                <a16:creationId xmlns:a16="http://schemas.microsoft.com/office/drawing/2014/main" id="{44D00E36-7C80-4724-BC89-DAF8BBC2E470}"/>
-              </a:ext>
-            </a:extLst>
-          </p:cNvPr>
-          <p:cNvSpPr>
-            <a:spLocks noGrp="1"/>
-          </p:cNvSpPr>
-          <p:nvPr>
-            <p:ph type="sldNum" idx="12"/>
-          </p:nvPr>
-        </p:nvSpPr>
-        <p:spPr/>
-        <p:txBody>
-          <a:bodyPr/>
-          <a:lstStyle/>
-          <a:p>
-            <a:pPr marL="0" lvl="0" indent="0" algn="r" rtl="0">
-              <a:spcBef>
-                <a:spcPts val="0"/>
-              </a:spcBef>
-              <a:spcAft>
-                <a:spcPts val="0"/>
-              </a:spcAft>
-              <a:buNone/>
-            </a:pPr>
-            <a:fld id="{00000000-1234-1234-1234-123412341234}" type="slidenum">
-              <a:rPr lang="en-GB" smtClean="0"/>
-              <a:t>8</a:t>
-            </a:fld>
-            <a:endParaRPr lang="en-GB"/>
-          </a:p>
-        </p:txBody>
-      </p:sp>
-    </p:spTree>
-    <p:extLst>
-      <p:ext uri="{BB962C8B-B14F-4D97-AF65-F5344CB8AC3E}">
-        <p14:creationId xmlns:p14="http://schemas.microsoft.com/office/powerpoint/2010/main" val="3338700152"/>
-      </p:ext>
-    </p:extLst>
-  </p:cSld>
-  <p:clrMapOvr>
-    <a:masterClrMapping/>
-  </p:clrMapOvr>
-</p:sld>
-</file>
-
-<file path=ppt/slides/slide9.xml><?xml version="1.0" encoding="utf-8"?>
-<p:sld xmlns:a="http://schemas.openxmlformats.org/drawingml/2006/main" xmlns:r="http://schemas.openxmlformats.org/officeDocument/2006/relationships" xmlns:p="http://schemas.openxmlformats.org/presentationml/2006/main">
-  <p:cSld>
-    <p:spTree>
-      <p:nvGrpSpPr>
-        <p:cNvPr id="1" name="Shape 83"/>
-        <p:cNvGrpSpPr/>
-        <p:nvPr/>
-      </p:nvGrpSpPr>
-      <p:grpSpPr>
-        <a:xfrm>
-          <a:off x="0" y="0"/>
-          <a:ext cx="0" cy="0"/>
-          <a:chOff x="0" y="0"/>
-          <a:chExt cx="0" cy="0"/>
-        </a:xfrm>
-      </p:grpSpPr>
-      <p:sp>
-        <p:nvSpPr>
-          <p:cNvPr id="84" name="Google Shape;84;p18"/>
-          <p:cNvSpPr txBox="1">
-            <a:spLocks noGrp="1"/>
-          </p:cNvSpPr>
-          <p:nvPr>
-            <p:ph type="title"/>
-          </p:nvPr>
-        </p:nvSpPr>
-        <p:spPr>
-          <a:xfrm>
-            <a:off x="311700" y="288275"/>
-            <a:ext cx="8520600" cy="572700"/>
-          </a:xfrm>
-          <a:prstGeom prst="rect">
-            <a:avLst/>
-          </a:prstGeom>
-        </p:spPr>
-        <p:txBody>
-          <a:bodyPr spcFirstLastPara="1" wrap="square" lIns="91425" tIns="91425" rIns="91425" bIns="91425" anchor="t" anchorCtr="0">
-            <a:noAutofit/>
-          </a:bodyPr>
-          <a:lstStyle/>
-          <a:p>
-            <a:r>
-              <a:rPr lang="en-GB" dirty="0">
-                <a:effectLst>
-                  <a:outerShdw blurRad="38100" dist="38100" dir="2700000" algn="tl">
-                    <a:srgbClr val="000000">
-                      <a:alpha val="43137"/>
-                    </a:srgbClr>
-                  </a:outerShdw>
-                </a:effectLst>
-              </a:rPr>
-              <a:t>Physical schema </a:t>
-            </a:r>
-            <a:r>
-              <a:rPr lang="en-US" b="1" dirty="0" err="1">
-                <a:effectLst>
-                  <a:outerShdw blurRad="38100" dist="38100" dir="2700000" algn="tl">
-                    <a:srgbClr val="000000">
-                      <a:alpha val="43137"/>
-                    </a:srgbClr>
-                  </a:outerShdw>
-                </a:effectLst>
-              </a:rPr>
-              <a:t>RequestRouter</a:t>
-            </a:r>
-            <a:endParaRPr dirty="0">
-              <a:effectLst>
-                <a:outerShdw blurRad="38100" dist="38100" dir="2700000" algn="tl">
-                  <a:srgbClr val="000000">
-                    <a:alpha val="43137"/>
-                  </a:srgbClr>
-                </a:outerShdw>
-              </a:effectLst>
-            </a:endParaRPr>
-          </a:p>
-        </p:txBody>
-      </p:sp>
-      <p:sp>
-        <p:nvSpPr>
-          <p:cNvPr id="3" name="Номер слайда 2">
-            <a:extLst>
-              <a:ext uri="{FF2B5EF4-FFF2-40B4-BE49-F238E27FC236}">
-                <a16:creationId xmlns:a16="http://schemas.microsoft.com/office/drawing/2014/main" id="{44D00E36-7C80-4724-BC89-DAF8BBC2E470}"/>
-              </a:ext>
-            </a:extLst>
-          </p:cNvPr>
-          <p:cNvSpPr>
-            <a:spLocks noGrp="1"/>
-          </p:cNvSpPr>
-          <p:nvPr>
-            <p:ph type="sldNum" idx="12"/>
-          </p:nvPr>
-        </p:nvSpPr>
-        <p:spPr/>
-        <p:txBody>
-          <a:bodyPr/>
-          <a:lstStyle/>
-          <a:p>
-            <a:pPr marL="0" lvl="0" indent="0" algn="r" rtl="0">
-              <a:spcBef>
-                <a:spcPts val="0"/>
-              </a:spcBef>
-              <a:spcAft>
-                <a:spcPts val="0"/>
-              </a:spcAft>
-              <a:buNone/>
-            </a:pPr>
-            <a:fld id="{00000000-1234-1234-1234-123412341234}" type="slidenum">
-              <a:rPr lang="en-GB" smtClean="0"/>
-              <a:t>9</a:t>
-            </a:fld>
-            <a:endParaRPr lang="en-GB"/>
-          </a:p>
-        </p:txBody>
-      </p:sp>
-      <p:pic>
-        <p:nvPicPr>
-          <p:cNvPr id="1026" name="Picture 2">
-            <a:extLst>
-              <a:ext uri="{FF2B5EF4-FFF2-40B4-BE49-F238E27FC236}">
-                <a16:creationId xmlns:a16="http://schemas.microsoft.com/office/drawing/2014/main" id="{33BD0D6E-8412-4F3D-8C4A-633C42F1E6AA}"/>
-              </a:ext>
-            </a:extLst>
-          </p:cNvPr>
-          <p:cNvPicPr>
-            <a:picLocks noChangeAspect="1" noChangeArrowheads="1"/>
-          </p:cNvPicPr>
-          <p:nvPr/>
-        </p:nvPicPr>
-        <p:blipFill>
-          <a:blip r:embed="rId3"/>
-          <a:srcRect/>
-          <a:stretch/>
-        </p:blipFill>
-        <p:spPr bwMode="auto">
-          <a:xfrm>
-            <a:off x="1233253" y="1337983"/>
-            <a:ext cx="6677494" cy="3139888"/>
-          </a:xfrm>
-          <a:prstGeom prst="rect">
-            <a:avLst/>
-          </a:prstGeom>
-          <a:noFill/>
-          <a:extLst>
-            <a:ext uri="{909E8E84-426E-40DD-AFC4-6F175D3DCCD1}">
-              <a14:hiddenFill xmlns:a14="http://schemas.microsoft.com/office/drawing/2010/main">
-                <a:solidFill>
-                  <a:srgbClr val="FFFFFF"/>
-                </a:solidFill>
-              </a14:hiddenFill>
-            </a:ext>
-          </a:extLst>
-        </p:spPr>
-      </p:pic>
-    </p:spTree>
-    <p:extLst>
-      <p:ext uri="{BB962C8B-B14F-4D97-AF65-F5344CB8AC3E}">
-        <p14:creationId xmlns:p14="http://schemas.microsoft.com/office/powerpoint/2010/main" val="1720435275"/>
       </p:ext>
     </p:extLst>
   </p:cSld>

--- a/PracticeTasks/Module2/Task_11/Task_11.pptx
+++ b/PracticeTasks/Module2/Task_11/Task_11.pptx
@@ -7693,141 +7693,6 @@
       </p:sp>
       <p:sp>
         <p:nvSpPr>
-          <p:cNvPr id="2" name="Rectangle 1">
-            <a:extLst>
-              <a:ext uri="{FF2B5EF4-FFF2-40B4-BE49-F238E27FC236}">
-                <a16:creationId xmlns:a16="http://schemas.microsoft.com/office/drawing/2014/main" id="{575A1C00-12C6-44D1-8DDB-5947204B7660}"/>
-              </a:ext>
-            </a:extLst>
-          </p:cNvPr>
-          <p:cNvSpPr>
-            <a:spLocks noChangeArrowheads="1"/>
-          </p:cNvSpPr>
-          <p:nvPr/>
-        </p:nvSpPr>
-        <p:spPr bwMode="auto">
-          <a:xfrm>
-            <a:off x="0" y="0"/>
-            <a:ext cx="9144000" cy="0"/>
-          </a:xfrm>
-          <a:prstGeom prst="rect">
-            <a:avLst/>
-          </a:prstGeom>
-          <a:noFill/>
-          <a:ln>
-            <a:noFill/>
-          </a:ln>
-          <a:effectLst/>
-          <a:extLst>
-            <a:ext uri="{909E8E84-426E-40DD-AFC4-6F175D3DCCD1}">
-              <a14:hiddenFill xmlns:a14="http://schemas.microsoft.com/office/drawing/2010/main">
-                <a:solidFill>
-                  <a:schemeClr val="accent1"/>
-                </a:solidFill>
-              </a14:hiddenFill>
-            </a:ext>
-            <a:ext uri="{91240B29-F687-4F45-9708-019B960494DF}">
-              <a14:hiddenLine xmlns:a14="http://schemas.microsoft.com/office/drawing/2010/main" w="9525">
-                <a:solidFill>
-                  <a:schemeClr val="tx1"/>
-                </a:solidFill>
-                <a:miter lim="800000"/>
-                <a:headEnd/>
-                <a:tailEnd/>
-              </a14:hiddenLine>
-            </a:ext>
-            <a:ext uri="{AF507438-7753-43E0-B8FC-AC1667EBCBE1}">
-              <a14:hiddenEffects xmlns:a14="http://schemas.microsoft.com/office/drawing/2010/main">
-                <a:effectLst>
-                  <a:outerShdw dist="35921" dir="2700000" algn="ctr" rotWithShape="0">
-                    <a:schemeClr val="bg2"/>
-                  </a:outerShdw>
-                </a:effectLst>
-              </a14:hiddenEffects>
-            </a:ext>
-          </a:extLst>
-        </p:spPr>
-        <p:txBody>
-          <a:bodyPr vert="horz" wrap="none" lIns="91440" tIns="45720" rIns="91440" bIns="45720" numCol="1" anchor="ctr" anchorCtr="0" compatLnSpc="1">
-            <a:prstTxWarp prst="textNoShape">
-              <a:avLst/>
-            </a:prstTxWarp>
-            <a:spAutoFit/>
-          </a:bodyPr>
-          <a:lstStyle/>
-          <a:p>
-            <a:pPr marL="0" marR="0" lvl="0" indent="0" algn="l" defTabSz="914400" rtl="0" eaLnBrk="0" fontAlgn="base" latinLnBrk="0" hangingPunct="0">
-              <a:lnSpc>
-                <a:spcPct val="100000"/>
-              </a:lnSpc>
-              <a:spcBef>
-                <a:spcPct val="0"/>
-              </a:spcBef>
-              <a:spcAft>
-                <a:spcPct val="0"/>
-              </a:spcAft>
-              <a:buClrTx/>
-              <a:buSzTx/>
-              <a:buFontTx/>
-              <a:buNone/>
-              <a:tabLst/>
-            </a:pPr>
-            <a:r>
-              <a:rPr kumimoji="0" lang="ru-RU" altLang="ru-RU" sz="300" b="1" i="0" u="none" strike="noStrike" cap="none" normalizeH="0" baseline="0">
-                <a:ln>
-                  <a:noFill/>
-                </a:ln>
-                <a:solidFill>
-                  <a:schemeClr val="tx1"/>
-                </a:solidFill>
-                <a:effectLst/>
-                <a:latin typeface="Arial" panose="020B0604020202020204" pitchFamily="34" charset="0"/>
-              </a:rPr>
-              <a:t>Authenticator</a:t>
-            </a:r>
-            <a:endParaRPr kumimoji="0" lang="ru-RU" altLang="ru-RU" sz="200" b="1" i="0" u="none" strike="noStrike" cap="none" normalizeH="0" baseline="0">
-              <a:ln>
-                <a:noFill/>
-              </a:ln>
-              <a:solidFill>
-                <a:schemeClr val="tx1"/>
-              </a:solidFill>
-              <a:effectLst/>
-              <a:latin typeface="Arial" panose="020B0604020202020204" pitchFamily="34" charset="0"/>
-            </a:endParaRPr>
-          </a:p>
-          <a:p>
-            <a:pPr marL="0" marR="0" lvl="0" indent="0" algn="l" defTabSz="914400" rtl="0" eaLnBrk="0" fontAlgn="base" latinLnBrk="0" hangingPunct="0">
-              <a:lnSpc>
-                <a:spcPct val="100000"/>
-              </a:lnSpc>
-              <a:spcBef>
-                <a:spcPct val="0"/>
-              </a:spcBef>
-              <a:spcAft>
-                <a:spcPct val="0"/>
-              </a:spcAft>
-              <a:buClrTx/>
-              <a:buSzTx/>
-              <a:buFontTx/>
-              <a:buNone/>
-              <a:tabLst/>
-            </a:pPr>
-            <a:endParaRPr kumimoji="0" lang="ru-RU" altLang="ru-RU" sz="1800" b="0" i="0" u="none" strike="noStrike" cap="none" normalizeH="0" baseline="0">
-              <a:ln>
-                <a:noFill/>
-              </a:ln>
-              <a:solidFill>
-                <a:schemeClr val="tx1"/>
-              </a:solidFill>
-              <a:effectLst/>
-              <a:latin typeface="Arial" panose="020B0604020202020204" pitchFamily="34" charset="0"/>
-            </a:endParaRPr>
-          </a:p>
-        </p:txBody>
-      </p:sp>
-      <p:sp>
-        <p:nvSpPr>
           <p:cNvPr id="4" name="Номер слайда 3">
             <a:extLst>
               <a:ext uri="{FF2B5EF4-FFF2-40B4-BE49-F238E27FC236}">
@@ -8309,141 +8174,6 @@
       </p:sp>
       <p:sp>
         <p:nvSpPr>
-          <p:cNvPr id="2" name="Rectangle 1">
-            <a:extLst>
-              <a:ext uri="{FF2B5EF4-FFF2-40B4-BE49-F238E27FC236}">
-                <a16:creationId xmlns:a16="http://schemas.microsoft.com/office/drawing/2014/main" id="{575A1C00-12C6-44D1-8DDB-5947204B7660}"/>
-              </a:ext>
-            </a:extLst>
-          </p:cNvPr>
-          <p:cNvSpPr>
-            <a:spLocks noChangeArrowheads="1"/>
-          </p:cNvSpPr>
-          <p:nvPr/>
-        </p:nvSpPr>
-        <p:spPr bwMode="auto">
-          <a:xfrm>
-            <a:off x="0" y="0"/>
-            <a:ext cx="9144000" cy="0"/>
-          </a:xfrm>
-          <a:prstGeom prst="rect">
-            <a:avLst/>
-          </a:prstGeom>
-          <a:noFill/>
-          <a:ln>
-            <a:noFill/>
-          </a:ln>
-          <a:effectLst/>
-          <a:extLst>
-            <a:ext uri="{909E8E84-426E-40DD-AFC4-6F175D3DCCD1}">
-              <a14:hiddenFill xmlns:a14="http://schemas.microsoft.com/office/drawing/2010/main">
-                <a:solidFill>
-                  <a:schemeClr val="accent1"/>
-                </a:solidFill>
-              </a14:hiddenFill>
-            </a:ext>
-            <a:ext uri="{91240B29-F687-4F45-9708-019B960494DF}">
-              <a14:hiddenLine xmlns:a14="http://schemas.microsoft.com/office/drawing/2010/main" w="9525">
-                <a:solidFill>
-                  <a:schemeClr val="tx1"/>
-                </a:solidFill>
-                <a:miter lim="800000"/>
-                <a:headEnd/>
-                <a:tailEnd/>
-              </a14:hiddenLine>
-            </a:ext>
-            <a:ext uri="{AF507438-7753-43E0-B8FC-AC1667EBCBE1}">
-              <a14:hiddenEffects xmlns:a14="http://schemas.microsoft.com/office/drawing/2010/main">
-                <a:effectLst>
-                  <a:outerShdw dist="35921" dir="2700000" algn="ctr" rotWithShape="0">
-                    <a:schemeClr val="bg2"/>
-                  </a:outerShdw>
-                </a:effectLst>
-              </a14:hiddenEffects>
-            </a:ext>
-          </a:extLst>
-        </p:spPr>
-        <p:txBody>
-          <a:bodyPr vert="horz" wrap="none" lIns="91440" tIns="45720" rIns="91440" bIns="45720" numCol="1" anchor="ctr" anchorCtr="0" compatLnSpc="1">
-            <a:prstTxWarp prst="textNoShape">
-              <a:avLst/>
-            </a:prstTxWarp>
-            <a:spAutoFit/>
-          </a:bodyPr>
-          <a:lstStyle/>
-          <a:p>
-            <a:pPr marL="0" marR="0" lvl="0" indent="0" algn="l" defTabSz="914400" rtl="0" eaLnBrk="0" fontAlgn="base" latinLnBrk="0" hangingPunct="0">
-              <a:lnSpc>
-                <a:spcPct val="100000"/>
-              </a:lnSpc>
-              <a:spcBef>
-                <a:spcPct val="0"/>
-              </a:spcBef>
-              <a:spcAft>
-                <a:spcPct val="0"/>
-              </a:spcAft>
-              <a:buClrTx/>
-              <a:buSzTx/>
-              <a:buFontTx/>
-              <a:buNone/>
-              <a:tabLst/>
-            </a:pPr>
-            <a:r>
-              <a:rPr kumimoji="0" lang="ru-RU" altLang="ru-RU" sz="300" b="1" i="0" u="none" strike="noStrike" cap="none" normalizeH="0" baseline="0">
-                <a:ln>
-                  <a:noFill/>
-                </a:ln>
-                <a:solidFill>
-                  <a:schemeClr val="tx1"/>
-                </a:solidFill>
-                <a:effectLst/>
-                <a:latin typeface="Arial" panose="020B0604020202020204" pitchFamily="34" charset="0"/>
-              </a:rPr>
-              <a:t>Authenticator</a:t>
-            </a:r>
-            <a:endParaRPr kumimoji="0" lang="ru-RU" altLang="ru-RU" sz="200" b="1" i="0" u="none" strike="noStrike" cap="none" normalizeH="0" baseline="0">
-              <a:ln>
-                <a:noFill/>
-              </a:ln>
-              <a:solidFill>
-                <a:schemeClr val="tx1"/>
-              </a:solidFill>
-              <a:effectLst/>
-              <a:latin typeface="Arial" panose="020B0604020202020204" pitchFamily="34" charset="0"/>
-            </a:endParaRPr>
-          </a:p>
-          <a:p>
-            <a:pPr marL="0" marR="0" lvl="0" indent="0" algn="l" defTabSz="914400" rtl="0" eaLnBrk="0" fontAlgn="base" latinLnBrk="0" hangingPunct="0">
-              <a:lnSpc>
-                <a:spcPct val="100000"/>
-              </a:lnSpc>
-              <a:spcBef>
-                <a:spcPct val="0"/>
-              </a:spcBef>
-              <a:spcAft>
-                <a:spcPct val="0"/>
-              </a:spcAft>
-              <a:buClrTx/>
-              <a:buSzTx/>
-              <a:buFontTx/>
-              <a:buNone/>
-              <a:tabLst/>
-            </a:pPr>
-            <a:endParaRPr kumimoji="0" lang="ru-RU" altLang="ru-RU" sz="1800" b="0" i="0" u="none" strike="noStrike" cap="none" normalizeH="0" baseline="0">
-              <a:ln>
-                <a:noFill/>
-              </a:ln>
-              <a:solidFill>
-                <a:schemeClr val="tx1"/>
-              </a:solidFill>
-              <a:effectLst/>
-              <a:latin typeface="Arial" panose="020B0604020202020204" pitchFamily="34" charset="0"/>
-            </a:endParaRPr>
-          </a:p>
-        </p:txBody>
-      </p:sp>
-      <p:sp>
-        <p:nvSpPr>
           <p:cNvPr id="4" name="Номер слайда 3">
             <a:extLst>
               <a:ext uri="{FF2B5EF4-FFF2-40B4-BE49-F238E27FC236}">
@@ -8482,10 +8212,10 @@
       </p:sp>
       <p:pic>
         <p:nvPicPr>
-          <p:cNvPr id="1026" name="Picture 2" descr="PlantUML Diagram">
+          <p:cNvPr id="3" name="Picture 2" descr="PlantUML Diagram">
             <a:extLst>
               <a:ext uri="{FF2B5EF4-FFF2-40B4-BE49-F238E27FC236}">
-                <a16:creationId xmlns:a16="http://schemas.microsoft.com/office/drawing/2014/main" id="{6F03BB53-227E-4C4F-8AE1-B18B9E84CA4E}"/>
+                <a16:creationId xmlns:a16="http://schemas.microsoft.com/office/drawing/2014/main" id="{8B7F31C8-12BD-4DD6-B7B8-368367C123A2}"/>
               </a:ext>
             </a:extLst>
           </p:cNvPr>
@@ -8509,8 +8239,8 @@
         </p:blipFill>
         <p:spPr bwMode="auto">
           <a:xfrm>
-            <a:off x="3024188" y="1143000"/>
-            <a:ext cx="3095625" cy="2857500"/>
+            <a:off x="3465839" y="1365436"/>
+            <a:ext cx="2212321" cy="2815681"/>
           </a:xfrm>
           <a:prstGeom prst="rect">
             <a:avLst/>
@@ -8614,141 +8344,6 @@
                   </a:srgbClr>
                 </a:outerShdw>
               </a:effectLst>
-            </a:endParaRPr>
-          </a:p>
-        </p:txBody>
-      </p:sp>
-      <p:sp>
-        <p:nvSpPr>
-          <p:cNvPr id="2" name="Rectangle 1">
-            <a:extLst>
-              <a:ext uri="{FF2B5EF4-FFF2-40B4-BE49-F238E27FC236}">
-                <a16:creationId xmlns:a16="http://schemas.microsoft.com/office/drawing/2014/main" id="{575A1C00-12C6-44D1-8DDB-5947204B7660}"/>
-              </a:ext>
-            </a:extLst>
-          </p:cNvPr>
-          <p:cNvSpPr>
-            <a:spLocks noChangeArrowheads="1"/>
-          </p:cNvSpPr>
-          <p:nvPr/>
-        </p:nvSpPr>
-        <p:spPr bwMode="auto">
-          <a:xfrm>
-            <a:off x="0" y="0"/>
-            <a:ext cx="9144000" cy="0"/>
-          </a:xfrm>
-          <a:prstGeom prst="rect">
-            <a:avLst/>
-          </a:prstGeom>
-          <a:noFill/>
-          <a:ln>
-            <a:noFill/>
-          </a:ln>
-          <a:effectLst/>
-          <a:extLst>
-            <a:ext uri="{909E8E84-426E-40DD-AFC4-6F175D3DCCD1}">
-              <a14:hiddenFill xmlns:a14="http://schemas.microsoft.com/office/drawing/2010/main">
-                <a:solidFill>
-                  <a:schemeClr val="accent1"/>
-                </a:solidFill>
-              </a14:hiddenFill>
-            </a:ext>
-            <a:ext uri="{91240B29-F687-4F45-9708-019B960494DF}">
-              <a14:hiddenLine xmlns:a14="http://schemas.microsoft.com/office/drawing/2010/main" w="9525">
-                <a:solidFill>
-                  <a:schemeClr val="tx1"/>
-                </a:solidFill>
-                <a:miter lim="800000"/>
-                <a:headEnd/>
-                <a:tailEnd/>
-              </a14:hiddenLine>
-            </a:ext>
-            <a:ext uri="{AF507438-7753-43E0-B8FC-AC1667EBCBE1}">
-              <a14:hiddenEffects xmlns:a14="http://schemas.microsoft.com/office/drawing/2010/main">
-                <a:effectLst>
-                  <a:outerShdw dist="35921" dir="2700000" algn="ctr" rotWithShape="0">
-                    <a:schemeClr val="bg2"/>
-                  </a:outerShdw>
-                </a:effectLst>
-              </a14:hiddenEffects>
-            </a:ext>
-          </a:extLst>
-        </p:spPr>
-        <p:txBody>
-          <a:bodyPr vert="horz" wrap="none" lIns="91440" tIns="45720" rIns="91440" bIns="45720" numCol="1" anchor="ctr" anchorCtr="0" compatLnSpc="1">
-            <a:prstTxWarp prst="textNoShape">
-              <a:avLst/>
-            </a:prstTxWarp>
-            <a:spAutoFit/>
-          </a:bodyPr>
-          <a:lstStyle/>
-          <a:p>
-            <a:pPr marL="0" marR="0" lvl="0" indent="0" algn="l" defTabSz="914400" rtl="0" eaLnBrk="0" fontAlgn="base" latinLnBrk="0" hangingPunct="0">
-              <a:lnSpc>
-                <a:spcPct val="100000"/>
-              </a:lnSpc>
-              <a:spcBef>
-                <a:spcPct val="0"/>
-              </a:spcBef>
-              <a:spcAft>
-                <a:spcPct val="0"/>
-              </a:spcAft>
-              <a:buClrTx/>
-              <a:buSzTx/>
-              <a:buFontTx/>
-              <a:buNone/>
-              <a:tabLst/>
-            </a:pPr>
-            <a:r>
-              <a:rPr kumimoji="0" lang="ru-RU" altLang="ru-RU" sz="300" b="1" i="0" u="none" strike="noStrike" cap="none" normalizeH="0" baseline="0">
-                <a:ln>
-                  <a:noFill/>
-                </a:ln>
-                <a:solidFill>
-                  <a:schemeClr val="tx1"/>
-                </a:solidFill>
-                <a:effectLst/>
-                <a:latin typeface="Arial" panose="020B0604020202020204" pitchFamily="34" charset="0"/>
-              </a:rPr>
-              <a:t>Authenticator</a:t>
-            </a:r>
-            <a:endParaRPr kumimoji="0" lang="ru-RU" altLang="ru-RU" sz="200" b="1" i="0" u="none" strike="noStrike" cap="none" normalizeH="0" baseline="0">
-              <a:ln>
-                <a:noFill/>
-              </a:ln>
-              <a:solidFill>
-                <a:schemeClr val="tx1"/>
-              </a:solidFill>
-              <a:effectLst/>
-              <a:latin typeface="Arial" panose="020B0604020202020204" pitchFamily="34" charset="0"/>
-            </a:endParaRPr>
-          </a:p>
-          <a:p>
-            <a:pPr marL="0" marR="0" lvl="0" indent="0" algn="l" defTabSz="914400" rtl="0" eaLnBrk="0" fontAlgn="base" latinLnBrk="0" hangingPunct="0">
-              <a:lnSpc>
-                <a:spcPct val="100000"/>
-              </a:lnSpc>
-              <a:spcBef>
-                <a:spcPct val="0"/>
-              </a:spcBef>
-              <a:spcAft>
-                <a:spcPct val="0"/>
-              </a:spcAft>
-              <a:buClrTx/>
-              <a:buSzTx/>
-              <a:buFontTx/>
-              <a:buNone/>
-              <a:tabLst/>
-            </a:pPr>
-            <a:endParaRPr kumimoji="0" lang="ru-RU" altLang="ru-RU" sz="1800" b="0" i="0" u="none" strike="noStrike" cap="none" normalizeH="0" baseline="0">
-              <a:ln>
-                <a:noFill/>
-              </a:ln>
-              <a:solidFill>
-                <a:schemeClr val="tx1"/>
-              </a:solidFill>
-              <a:effectLst/>
-              <a:latin typeface="Arial" panose="020B0604020202020204" pitchFamily="34" charset="0"/>
             </a:endParaRPr>
           </a:p>
         </p:txBody>
@@ -9222,141 +8817,6 @@
       </p:sp>
       <p:sp>
         <p:nvSpPr>
-          <p:cNvPr id="2" name="Rectangle 1">
-            <a:extLst>
-              <a:ext uri="{FF2B5EF4-FFF2-40B4-BE49-F238E27FC236}">
-                <a16:creationId xmlns:a16="http://schemas.microsoft.com/office/drawing/2014/main" id="{575A1C00-12C6-44D1-8DDB-5947204B7660}"/>
-              </a:ext>
-            </a:extLst>
-          </p:cNvPr>
-          <p:cNvSpPr>
-            <a:spLocks noChangeArrowheads="1"/>
-          </p:cNvSpPr>
-          <p:nvPr/>
-        </p:nvSpPr>
-        <p:spPr bwMode="auto">
-          <a:xfrm>
-            <a:off x="0" y="0"/>
-            <a:ext cx="9144000" cy="0"/>
-          </a:xfrm>
-          <a:prstGeom prst="rect">
-            <a:avLst/>
-          </a:prstGeom>
-          <a:noFill/>
-          <a:ln>
-            <a:noFill/>
-          </a:ln>
-          <a:effectLst/>
-          <a:extLst>
-            <a:ext uri="{909E8E84-426E-40DD-AFC4-6F175D3DCCD1}">
-              <a14:hiddenFill xmlns:a14="http://schemas.microsoft.com/office/drawing/2010/main">
-                <a:solidFill>
-                  <a:schemeClr val="accent1"/>
-                </a:solidFill>
-              </a14:hiddenFill>
-            </a:ext>
-            <a:ext uri="{91240B29-F687-4F45-9708-019B960494DF}">
-              <a14:hiddenLine xmlns:a14="http://schemas.microsoft.com/office/drawing/2010/main" w="9525">
-                <a:solidFill>
-                  <a:schemeClr val="tx1"/>
-                </a:solidFill>
-                <a:miter lim="800000"/>
-                <a:headEnd/>
-                <a:tailEnd/>
-              </a14:hiddenLine>
-            </a:ext>
-            <a:ext uri="{AF507438-7753-43E0-B8FC-AC1667EBCBE1}">
-              <a14:hiddenEffects xmlns:a14="http://schemas.microsoft.com/office/drawing/2010/main">
-                <a:effectLst>
-                  <a:outerShdw dist="35921" dir="2700000" algn="ctr" rotWithShape="0">
-                    <a:schemeClr val="bg2"/>
-                  </a:outerShdw>
-                </a:effectLst>
-              </a14:hiddenEffects>
-            </a:ext>
-          </a:extLst>
-        </p:spPr>
-        <p:txBody>
-          <a:bodyPr vert="horz" wrap="none" lIns="91440" tIns="45720" rIns="91440" bIns="45720" numCol="1" anchor="ctr" anchorCtr="0" compatLnSpc="1">
-            <a:prstTxWarp prst="textNoShape">
-              <a:avLst/>
-            </a:prstTxWarp>
-            <a:spAutoFit/>
-          </a:bodyPr>
-          <a:lstStyle/>
-          <a:p>
-            <a:pPr marL="0" marR="0" lvl="0" indent="0" algn="l" defTabSz="914400" rtl="0" eaLnBrk="0" fontAlgn="base" latinLnBrk="0" hangingPunct="0">
-              <a:lnSpc>
-                <a:spcPct val="100000"/>
-              </a:lnSpc>
-              <a:spcBef>
-                <a:spcPct val="0"/>
-              </a:spcBef>
-              <a:spcAft>
-                <a:spcPct val="0"/>
-              </a:spcAft>
-              <a:buClrTx/>
-              <a:buSzTx/>
-              <a:buFontTx/>
-              <a:buNone/>
-              <a:tabLst/>
-            </a:pPr>
-            <a:r>
-              <a:rPr kumimoji="0" lang="ru-RU" altLang="ru-RU" sz="300" b="1" i="0" u="none" strike="noStrike" cap="none" normalizeH="0" baseline="0">
-                <a:ln>
-                  <a:noFill/>
-                </a:ln>
-                <a:solidFill>
-                  <a:schemeClr val="tx1"/>
-                </a:solidFill>
-                <a:effectLst/>
-                <a:latin typeface="Arial" panose="020B0604020202020204" pitchFamily="34" charset="0"/>
-              </a:rPr>
-              <a:t>Authenticator</a:t>
-            </a:r>
-            <a:endParaRPr kumimoji="0" lang="ru-RU" altLang="ru-RU" sz="200" b="1" i="0" u="none" strike="noStrike" cap="none" normalizeH="0" baseline="0">
-              <a:ln>
-                <a:noFill/>
-              </a:ln>
-              <a:solidFill>
-                <a:schemeClr val="tx1"/>
-              </a:solidFill>
-              <a:effectLst/>
-              <a:latin typeface="Arial" panose="020B0604020202020204" pitchFamily="34" charset="0"/>
-            </a:endParaRPr>
-          </a:p>
-          <a:p>
-            <a:pPr marL="0" marR="0" lvl="0" indent="0" algn="l" defTabSz="914400" rtl="0" eaLnBrk="0" fontAlgn="base" latinLnBrk="0" hangingPunct="0">
-              <a:lnSpc>
-                <a:spcPct val="100000"/>
-              </a:lnSpc>
-              <a:spcBef>
-                <a:spcPct val="0"/>
-              </a:spcBef>
-              <a:spcAft>
-                <a:spcPct val="0"/>
-              </a:spcAft>
-              <a:buClrTx/>
-              <a:buSzTx/>
-              <a:buFontTx/>
-              <a:buNone/>
-              <a:tabLst/>
-            </a:pPr>
-            <a:endParaRPr kumimoji="0" lang="ru-RU" altLang="ru-RU" sz="1800" b="0" i="0" u="none" strike="noStrike" cap="none" normalizeH="0" baseline="0">
-              <a:ln>
-                <a:noFill/>
-              </a:ln>
-              <a:solidFill>
-                <a:schemeClr val="tx1"/>
-              </a:solidFill>
-              <a:effectLst/>
-              <a:latin typeface="Arial" panose="020B0604020202020204" pitchFamily="34" charset="0"/>
-            </a:endParaRPr>
-          </a:p>
-        </p:txBody>
-      </p:sp>
-      <p:sp>
-        <p:nvSpPr>
           <p:cNvPr id="4" name="Номер слайда 3">
             <a:extLst>
               <a:ext uri="{FF2B5EF4-FFF2-40B4-BE49-F238E27FC236}">
@@ -9395,7 +8855,7 @@
       </p:sp>
       <p:pic>
         <p:nvPicPr>
-          <p:cNvPr id="3074" name="Picture 2" descr="PlantUML Diagram">
+          <p:cNvPr id="3074" name="Picture 2">
             <a:extLst>
               <a:ext uri="{FF2B5EF4-FFF2-40B4-BE49-F238E27FC236}">
                 <a16:creationId xmlns:a16="http://schemas.microsoft.com/office/drawing/2014/main" id="{85D032A9-1CA6-4893-9797-0787E9862734}"/>
@@ -9408,22 +8868,14 @@
           <p:nvPr/>
         </p:nvPicPr>
         <p:blipFill>
-          <a:blip r:embed="rId3">
-            <a:extLst>
-              <a:ext uri="{28A0092B-C50C-407E-A947-70E740481C1C}">
-                <a14:useLocalDpi xmlns:a14="http://schemas.microsoft.com/office/drawing/2010/main" val="0"/>
-              </a:ext>
-            </a:extLst>
-          </a:blip>
+          <a:blip r:embed="rId3"/>
           <a:srcRect/>
-          <a:stretch>
-            <a:fillRect/>
-          </a:stretch>
+          <a:stretch/>
         </p:blipFill>
         <p:spPr bwMode="auto">
           <a:xfrm>
-            <a:off x="3024187" y="1062038"/>
-            <a:ext cx="3095625" cy="3476625"/>
+            <a:off x="3024187" y="1143000"/>
+            <a:ext cx="3095625" cy="3314700"/>
           </a:xfrm>
           <a:prstGeom prst="rect">
             <a:avLst/>
@@ -9814,7 +9266,7 @@
         <p:spPr>
           <a:xfrm>
             <a:off x="311700" y="1152475"/>
-            <a:ext cx="3226800" cy="3416400"/>
+            <a:ext cx="3226800" cy="1348678"/>
           </a:xfrm>
           <a:prstGeom prst="rect">
             <a:avLst/>
@@ -9836,10 +9288,10 @@
               <a:buNone/>
             </a:pPr>
             <a:r>
-              <a:rPr lang="en-GB"/>
+              <a:rPr lang="en-GB" dirty="0"/>
               <a:t>(from the previous task)</a:t>
             </a:r>
-            <a:endParaRPr/>
+            <a:endParaRPr dirty="0"/>
           </a:p>
           <a:p>
             <a:pPr marL="0" lvl="0" indent="0" algn="l" rtl="0">
@@ -9852,10 +9304,10 @@
               <a:buNone/>
             </a:pPr>
             <a:r>
-              <a:rPr lang="en-GB" b="1"/>
+              <a:rPr lang="en-GB" b="1" dirty="0"/>
               <a:t>&lt;for each microservice separately&gt;</a:t>
             </a:r>
-            <a:endParaRPr b="1"/>
+            <a:endParaRPr b="1" dirty="0"/>
           </a:p>
           <a:p>
             <a:pPr marL="0" lvl="0" indent="0" algn="l" rtl="0">
@@ -9867,7 +9319,7 @@
               </a:spcAft>
               <a:buNone/>
             </a:pPr>
-            <a:endParaRPr/>
+            <a:endParaRPr dirty="0"/>
           </a:p>
         </p:txBody>
       </p:sp>
@@ -10911,7 +10363,7 @@
         </p:nvSpPr>
         <p:spPr>
           <a:xfrm>
-            <a:off x="311700" y="288275"/>
+            <a:off x="231017" y="181025"/>
             <a:ext cx="8520600" cy="572700"/>
           </a:xfrm>
           <a:prstGeom prst="rect">
@@ -11027,8 +10479,8 @@
         </p:blipFill>
         <p:spPr bwMode="auto">
           <a:xfrm>
-            <a:off x="2142175" y="1196152"/>
-            <a:ext cx="4386371" cy="3659073"/>
+            <a:off x="2068216" y="995789"/>
+            <a:ext cx="4632304" cy="3864228"/>
           </a:xfrm>
           <a:prstGeom prst="rect">
             <a:avLst/>
@@ -11511,8 +10963,8 @@
         </p:blipFill>
         <p:spPr bwMode="auto">
           <a:xfrm>
-            <a:off x="1233253" y="1337983"/>
-            <a:ext cx="6677494" cy="3139888"/>
+            <a:off x="1233253" y="1391289"/>
+            <a:ext cx="6677494" cy="3033275"/>
           </a:xfrm>
           <a:prstGeom prst="rect">
             <a:avLst/>
@@ -11616,141 +11068,6 @@
                   </a:srgbClr>
                 </a:outerShdw>
               </a:effectLst>
-            </a:endParaRPr>
-          </a:p>
-        </p:txBody>
-      </p:sp>
-      <p:sp>
-        <p:nvSpPr>
-          <p:cNvPr id="2" name="Rectangle 1">
-            <a:extLst>
-              <a:ext uri="{FF2B5EF4-FFF2-40B4-BE49-F238E27FC236}">
-                <a16:creationId xmlns:a16="http://schemas.microsoft.com/office/drawing/2014/main" id="{575A1C00-12C6-44D1-8DDB-5947204B7660}"/>
-              </a:ext>
-            </a:extLst>
-          </p:cNvPr>
-          <p:cNvSpPr>
-            <a:spLocks noChangeArrowheads="1"/>
-          </p:cNvSpPr>
-          <p:nvPr/>
-        </p:nvSpPr>
-        <p:spPr bwMode="auto">
-          <a:xfrm>
-            <a:off x="0" y="0"/>
-            <a:ext cx="9144000" cy="0"/>
-          </a:xfrm>
-          <a:prstGeom prst="rect">
-            <a:avLst/>
-          </a:prstGeom>
-          <a:noFill/>
-          <a:ln>
-            <a:noFill/>
-          </a:ln>
-          <a:effectLst/>
-          <a:extLst>
-            <a:ext uri="{909E8E84-426E-40DD-AFC4-6F175D3DCCD1}">
-              <a14:hiddenFill xmlns:a14="http://schemas.microsoft.com/office/drawing/2010/main">
-                <a:solidFill>
-                  <a:schemeClr val="accent1"/>
-                </a:solidFill>
-              </a14:hiddenFill>
-            </a:ext>
-            <a:ext uri="{91240B29-F687-4F45-9708-019B960494DF}">
-              <a14:hiddenLine xmlns:a14="http://schemas.microsoft.com/office/drawing/2010/main" w="9525">
-                <a:solidFill>
-                  <a:schemeClr val="tx1"/>
-                </a:solidFill>
-                <a:miter lim="800000"/>
-                <a:headEnd/>
-                <a:tailEnd/>
-              </a14:hiddenLine>
-            </a:ext>
-            <a:ext uri="{AF507438-7753-43E0-B8FC-AC1667EBCBE1}">
-              <a14:hiddenEffects xmlns:a14="http://schemas.microsoft.com/office/drawing/2010/main">
-                <a:effectLst>
-                  <a:outerShdw dist="35921" dir="2700000" algn="ctr" rotWithShape="0">
-                    <a:schemeClr val="bg2"/>
-                  </a:outerShdw>
-                </a:effectLst>
-              </a14:hiddenEffects>
-            </a:ext>
-          </a:extLst>
-        </p:spPr>
-        <p:txBody>
-          <a:bodyPr vert="horz" wrap="none" lIns="91440" tIns="45720" rIns="91440" bIns="45720" numCol="1" anchor="ctr" anchorCtr="0" compatLnSpc="1">
-            <a:prstTxWarp prst="textNoShape">
-              <a:avLst/>
-            </a:prstTxWarp>
-            <a:spAutoFit/>
-          </a:bodyPr>
-          <a:lstStyle/>
-          <a:p>
-            <a:pPr marL="0" marR="0" lvl="0" indent="0" algn="l" defTabSz="914400" rtl="0" eaLnBrk="0" fontAlgn="base" latinLnBrk="0" hangingPunct="0">
-              <a:lnSpc>
-                <a:spcPct val="100000"/>
-              </a:lnSpc>
-              <a:spcBef>
-                <a:spcPct val="0"/>
-              </a:spcBef>
-              <a:spcAft>
-                <a:spcPct val="0"/>
-              </a:spcAft>
-              <a:buClrTx/>
-              <a:buSzTx/>
-              <a:buFontTx/>
-              <a:buNone/>
-              <a:tabLst/>
-            </a:pPr>
-            <a:r>
-              <a:rPr kumimoji="0" lang="ru-RU" altLang="ru-RU" sz="300" b="1" i="0" u="none" strike="noStrike" cap="none" normalizeH="0" baseline="0">
-                <a:ln>
-                  <a:noFill/>
-                </a:ln>
-                <a:solidFill>
-                  <a:schemeClr val="tx1"/>
-                </a:solidFill>
-                <a:effectLst/>
-                <a:latin typeface="Arial" panose="020B0604020202020204" pitchFamily="34" charset="0"/>
-              </a:rPr>
-              <a:t>Authenticator</a:t>
-            </a:r>
-            <a:endParaRPr kumimoji="0" lang="ru-RU" altLang="ru-RU" sz="200" b="1" i="0" u="none" strike="noStrike" cap="none" normalizeH="0" baseline="0">
-              <a:ln>
-                <a:noFill/>
-              </a:ln>
-              <a:solidFill>
-                <a:schemeClr val="tx1"/>
-              </a:solidFill>
-              <a:effectLst/>
-              <a:latin typeface="Arial" panose="020B0604020202020204" pitchFamily="34" charset="0"/>
-            </a:endParaRPr>
-          </a:p>
-          <a:p>
-            <a:pPr marL="0" marR="0" lvl="0" indent="0" algn="l" defTabSz="914400" rtl="0" eaLnBrk="0" fontAlgn="base" latinLnBrk="0" hangingPunct="0">
-              <a:lnSpc>
-                <a:spcPct val="100000"/>
-              </a:lnSpc>
-              <a:spcBef>
-                <a:spcPct val="0"/>
-              </a:spcBef>
-              <a:spcAft>
-                <a:spcPct val="0"/>
-              </a:spcAft>
-              <a:buClrTx/>
-              <a:buSzTx/>
-              <a:buFontTx/>
-              <a:buNone/>
-              <a:tabLst/>
-            </a:pPr>
-            <a:endParaRPr kumimoji="0" lang="ru-RU" altLang="ru-RU" sz="1800" b="0" i="0" u="none" strike="noStrike" cap="none" normalizeH="0" baseline="0">
-              <a:ln>
-                <a:noFill/>
-              </a:ln>
-              <a:solidFill>
-                <a:schemeClr val="tx1"/>
-              </a:solidFill>
-              <a:effectLst/>
-              <a:latin typeface="Arial" panose="020B0604020202020204" pitchFamily="34" charset="0"/>
             </a:endParaRPr>
           </a:p>
         </p:txBody>
@@ -12104,141 +11421,6 @@
       </p:pic>
       <p:sp>
         <p:nvSpPr>
-          <p:cNvPr id="2" name="Rectangle 1">
-            <a:extLst>
-              <a:ext uri="{FF2B5EF4-FFF2-40B4-BE49-F238E27FC236}">
-                <a16:creationId xmlns:a16="http://schemas.microsoft.com/office/drawing/2014/main" id="{575A1C00-12C6-44D1-8DDB-5947204B7660}"/>
-              </a:ext>
-            </a:extLst>
-          </p:cNvPr>
-          <p:cNvSpPr>
-            <a:spLocks noChangeArrowheads="1"/>
-          </p:cNvSpPr>
-          <p:nvPr/>
-        </p:nvSpPr>
-        <p:spPr bwMode="auto">
-          <a:xfrm>
-            <a:off x="0" y="0"/>
-            <a:ext cx="9144000" cy="0"/>
-          </a:xfrm>
-          <a:prstGeom prst="rect">
-            <a:avLst/>
-          </a:prstGeom>
-          <a:noFill/>
-          <a:ln>
-            <a:noFill/>
-          </a:ln>
-          <a:effectLst/>
-          <a:extLst>
-            <a:ext uri="{909E8E84-426E-40DD-AFC4-6F175D3DCCD1}">
-              <a14:hiddenFill xmlns:a14="http://schemas.microsoft.com/office/drawing/2010/main">
-                <a:solidFill>
-                  <a:schemeClr val="accent1"/>
-                </a:solidFill>
-              </a14:hiddenFill>
-            </a:ext>
-            <a:ext uri="{91240B29-F687-4F45-9708-019B960494DF}">
-              <a14:hiddenLine xmlns:a14="http://schemas.microsoft.com/office/drawing/2010/main" w="9525">
-                <a:solidFill>
-                  <a:schemeClr val="tx1"/>
-                </a:solidFill>
-                <a:miter lim="800000"/>
-                <a:headEnd/>
-                <a:tailEnd/>
-              </a14:hiddenLine>
-            </a:ext>
-            <a:ext uri="{AF507438-7753-43E0-B8FC-AC1667EBCBE1}">
-              <a14:hiddenEffects xmlns:a14="http://schemas.microsoft.com/office/drawing/2010/main">
-                <a:effectLst>
-                  <a:outerShdw dist="35921" dir="2700000" algn="ctr" rotWithShape="0">
-                    <a:schemeClr val="bg2"/>
-                  </a:outerShdw>
-                </a:effectLst>
-              </a14:hiddenEffects>
-            </a:ext>
-          </a:extLst>
-        </p:spPr>
-        <p:txBody>
-          <a:bodyPr vert="horz" wrap="none" lIns="91440" tIns="45720" rIns="91440" bIns="45720" numCol="1" anchor="ctr" anchorCtr="0" compatLnSpc="1">
-            <a:prstTxWarp prst="textNoShape">
-              <a:avLst/>
-            </a:prstTxWarp>
-            <a:spAutoFit/>
-          </a:bodyPr>
-          <a:lstStyle/>
-          <a:p>
-            <a:pPr marL="0" marR="0" lvl="0" indent="0" algn="l" defTabSz="914400" rtl="0" eaLnBrk="0" fontAlgn="base" latinLnBrk="0" hangingPunct="0">
-              <a:lnSpc>
-                <a:spcPct val="100000"/>
-              </a:lnSpc>
-              <a:spcBef>
-                <a:spcPct val="0"/>
-              </a:spcBef>
-              <a:spcAft>
-                <a:spcPct val="0"/>
-              </a:spcAft>
-              <a:buClrTx/>
-              <a:buSzTx/>
-              <a:buFontTx/>
-              <a:buNone/>
-              <a:tabLst/>
-            </a:pPr>
-            <a:r>
-              <a:rPr kumimoji="0" lang="ru-RU" altLang="ru-RU" sz="300" b="1" i="0" u="none" strike="noStrike" cap="none" normalizeH="0" baseline="0">
-                <a:ln>
-                  <a:noFill/>
-                </a:ln>
-                <a:solidFill>
-                  <a:schemeClr val="tx1"/>
-                </a:solidFill>
-                <a:effectLst/>
-                <a:latin typeface="Arial" panose="020B0604020202020204" pitchFamily="34" charset="0"/>
-              </a:rPr>
-              <a:t>Authenticator</a:t>
-            </a:r>
-            <a:endParaRPr kumimoji="0" lang="ru-RU" altLang="ru-RU" sz="200" b="1" i="0" u="none" strike="noStrike" cap="none" normalizeH="0" baseline="0">
-              <a:ln>
-                <a:noFill/>
-              </a:ln>
-              <a:solidFill>
-                <a:schemeClr val="tx1"/>
-              </a:solidFill>
-              <a:effectLst/>
-              <a:latin typeface="Arial" panose="020B0604020202020204" pitchFamily="34" charset="0"/>
-            </a:endParaRPr>
-          </a:p>
-          <a:p>
-            <a:pPr marL="0" marR="0" lvl="0" indent="0" algn="l" defTabSz="914400" rtl="0" eaLnBrk="0" fontAlgn="base" latinLnBrk="0" hangingPunct="0">
-              <a:lnSpc>
-                <a:spcPct val="100000"/>
-              </a:lnSpc>
-              <a:spcBef>
-                <a:spcPct val="0"/>
-              </a:spcBef>
-              <a:spcAft>
-                <a:spcPct val="0"/>
-              </a:spcAft>
-              <a:buClrTx/>
-              <a:buSzTx/>
-              <a:buFontTx/>
-              <a:buNone/>
-              <a:tabLst/>
-            </a:pPr>
-            <a:endParaRPr kumimoji="0" lang="ru-RU" altLang="ru-RU" sz="1800" b="0" i="0" u="none" strike="noStrike" cap="none" normalizeH="0" baseline="0">
-              <a:ln>
-                <a:noFill/>
-              </a:ln>
-              <a:solidFill>
-                <a:schemeClr val="tx1"/>
-              </a:solidFill>
-              <a:effectLst/>
-              <a:latin typeface="Arial" panose="020B0604020202020204" pitchFamily="34" charset="0"/>
-            </a:endParaRPr>
-          </a:p>
-        </p:txBody>
-      </p:sp>
-      <p:sp>
-        <p:nvSpPr>
           <p:cNvPr id="4" name="Номер слайда 3">
             <a:extLst>
               <a:ext uri="{FF2B5EF4-FFF2-40B4-BE49-F238E27FC236}">
@@ -12368,141 +11550,6 @@
       </p:sp>
       <p:sp>
         <p:nvSpPr>
-          <p:cNvPr id="2" name="Rectangle 1">
-            <a:extLst>
-              <a:ext uri="{FF2B5EF4-FFF2-40B4-BE49-F238E27FC236}">
-                <a16:creationId xmlns:a16="http://schemas.microsoft.com/office/drawing/2014/main" id="{575A1C00-12C6-44D1-8DDB-5947204B7660}"/>
-              </a:ext>
-            </a:extLst>
-          </p:cNvPr>
-          <p:cNvSpPr>
-            <a:spLocks noChangeArrowheads="1"/>
-          </p:cNvSpPr>
-          <p:nvPr/>
-        </p:nvSpPr>
-        <p:spPr bwMode="auto">
-          <a:xfrm>
-            <a:off x="0" y="0"/>
-            <a:ext cx="9144000" cy="0"/>
-          </a:xfrm>
-          <a:prstGeom prst="rect">
-            <a:avLst/>
-          </a:prstGeom>
-          <a:noFill/>
-          <a:ln>
-            <a:noFill/>
-          </a:ln>
-          <a:effectLst/>
-          <a:extLst>
-            <a:ext uri="{909E8E84-426E-40DD-AFC4-6F175D3DCCD1}">
-              <a14:hiddenFill xmlns:a14="http://schemas.microsoft.com/office/drawing/2010/main">
-                <a:solidFill>
-                  <a:schemeClr val="accent1"/>
-                </a:solidFill>
-              </a14:hiddenFill>
-            </a:ext>
-            <a:ext uri="{91240B29-F687-4F45-9708-019B960494DF}">
-              <a14:hiddenLine xmlns:a14="http://schemas.microsoft.com/office/drawing/2010/main" w="9525">
-                <a:solidFill>
-                  <a:schemeClr val="tx1"/>
-                </a:solidFill>
-                <a:miter lim="800000"/>
-                <a:headEnd/>
-                <a:tailEnd/>
-              </a14:hiddenLine>
-            </a:ext>
-            <a:ext uri="{AF507438-7753-43E0-B8FC-AC1667EBCBE1}">
-              <a14:hiddenEffects xmlns:a14="http://schemas.microsoft.com/office/drawing/2010/main">
-                <a:effectLst>
-                  <a:outerShdw dist="35921" dir="2700000" algn="ctr" rotWithShape="0">
-                    <a:schemeClr val="bg2"/>
-                  </a:outerShdw>
-                </a:effectLst>
-              </a14:hiddenEffects>
-            </a:ext>
-          </a:extLst>
-        </p:spPr>
-        <p:txBody>
-          <a:bodyPr vert="horz" wrap="none" lIns="91440" tIns="45720" rIns="91440" bIns="45720" numCol="1" anchor="ctr" anchorCtr="0" compatLnSpc="1">
-            <a:prstTxWarp prst="textNoShape">
-              <a:avLst/>
-            </a:prstTxWarp>
-            <a:spAutoFit/>
-          </a:bodyPr>
-          <a:lstStyle/>
-          <a:p>
-            <a:pPr marL="0" marR="0" lvl="0" indent="0" algn="l" defTabSz="914400" rtl="0" eaLnBrk="0" fontAlgn="base" latinLnBrk="0" hangingPunct="0">
-              <a:lnSpc>
-                <a:spcPct val="100000"/>
-              </a:lnSpc>
-              <a:spcBef>
-                <a:spcPct val="0"/>
-              </a:spcBef>
-              <a:spcAft>
-                <a:spcPct val="0"/>
-              </a:spcAft>
-              <a:buClrTx/>
-              <a:buSzTx/>
-              <a:buFontTx/>
-              <a:buNone/>
-              <a:tabLst/>
-            </a:pPr>
-            <a:r>
-              <a:rPr kumimoji="0" lang="ru-RU" altLang="ru-RU" sz="300" b="1" i="0" u="none" strike="noStrike" cap="none" normalizeH="0" baseline="0">
-                <a:ln>
-                  <a:noFill/>
-                </a:ln>
-                <a:solidFill>
-                  <a:schemeClr val="tx1"/>
-                </a:solidFill>
-                <a:effectLst/>
-                <a:latin typeface="Arial" panose="020B0604020202020204" pitchFamily="34" charset="0"/>
-              </a:rPr>
-              <a:t>Authenticator</a:t>
-            </a:r>
-            <a:endParaRPr kumimoji="0" lang="ru-RU" altLang="ru-RU" sz="200" b="1" i="0" u="none" strike="noStrike" cap="none" normalizeH="0" baseline="0">
-              <a:ln>
-                <a:noFill/>
-              </a:ln>
-              <a:solidFill>
-                <a:schemeClr val="tx1"/>
-              </a:solidFill>
-              <a:effectLst/>
-              <a:latin typeface="Arial" panose="020B0604020202020204" pitchFamily="34" charset="0"/>
-            </a:endParaRPr>
-          </a:p>
-          <a:p>
-            <a:pPr marL="0" marR="0" lvl="0" indent="0" algn="l" defTabSz="914400" rtl="0" eaLnBrk="0" fontAlgn="base" latinLnBrk="0" hangingPunct="0">
-              <a:lnSpc>
-                <a:spcPct val="100000"/>
-              </a:lnSpc>
-              <a:spcBef>
-                <a:spcPct val="0"/>
-              </a:spcBef>
-              <a:spcAft>
-                <a:spcPct val="0"/>
-              </a:spcAft>
-              <a:buClrTx/>
-              <a:buSzTx/>
-              <a:buFontTx/>
-              <a:buNone/>
-              <a:tabLst/>
-            </a:pPr>
-            <a:endParaRPr kumimoji="0" lang="ru-RU" altLang="ru-RU" sz="1800" b="0" i="0" u="none" strike="noStrike" cap="none" normalizeH="0" baseline="0">
-              <a:ln>
-                <a:noFill/>
-              </a:ln>
-              <a:solidFill>
-                <a:schemeClr val="tx1"/>
-              </a:solidFill>
-              <a:effectLst/>
-              <a:latin typeface="Arial" panose="020B0604020202020204" pitchFamily="34" charset="0"/>
-            </a:endParaRPr>
-          </a:p>
-        </p:txBody>
-      </p:sp>
-      <p:sp>
-        <p:nvSpPr>
           <p:cNvPr id="4" name="Номер слайда 3">
             <a:extLst>
               <a:ext uri="{FF2B5EF4-FFF2-40B4-BE49-F238E27FC236}">
@@ -12560,8 +11607,8 @@
         </p:blipFill>
         <p:spPr bwMode="auto">
           <a:xfrm>
-            <a:off x="3014662" y="1216959"/>
-            <a:ext cx="3114675" cy="3314700"/>
+            <a:off x="3014662" y="1297921"/>
+            <a:ext cx="3114675" cy="3152775"/>
           </a:xfrm>
           <a:prstGeom prst="rect">
             <a:avLst/>

--- a/PracticeTasks/Module2/Task_11/Task_11.pptx
+++ b/PracticeTasks/Module2/Task_11/Task_11.pptx
@@ -8212,7 +8212,7 @@
       </p:sp>
       <p:pic>
         <p:nvPicPr>
-          <p:cNvPr id="3" name="Picture 2" descr="PlantUML Diagram">
+          <p:cNvPr id="3" name="Picture 2">
             <a:extLst>
               <a:ext uri="{FF2B5EF4-FFF2-40B4-BE49-F238E27FC236}">
                 <a16:creationId xmlns:a16="http://schemas.microsoft.com/office/drawing/2014/main" id="{8B7F31C8-12BD-4DD6-B7B8-368367C123A2}"/>
@@ -8225,22 +8225,14 @@
           <p:nvPr/>
         </p:nvPicPr>
         <p:blipFill>
-          <a:blip r:embed="rId3">
-            <a:extLst>
-              <a:ext uri="{28A0092B-C50C-407E-A947-70E740481C1C}">
-                <a14:useLocalDpi xmlns:a14="http://schemas.microsoft.com/office/drawing/2010/main" val="0"/>
-              </a:ext>
-            </a:extLst>
-          </a:blip>
+          <a:blip r:embed="rId3"/>
           <a:srcRect/>
-          <a:stretch>
-            <a:fillRect/>
-          </a:stretch>
+          <a:stretch/>
         </p:blipFill>
         <p:spPr bwMode="auto">
           <a:xfrm>
-            <a:off x="3465839" y="1365436"/>
-            <a:ext cx="2212321" cy="2815681"/>
+            <a:off x="3243962" y="1163506"/>
+            <a:ext cx="2671113" cy="3139553"/>
           </a:xfrm>
           <a:prstGeom prst="rect">
             <a:avLst/>
@@ -10963,8 +10955,8 @@
         </p:blipFill>
         <p:spPr bwMode="auto">
           <a:xfrm>
-            <a:off x="1233253" y="1391289"/>
-            <a:ext cx="6677494" cy="3033275"/>
+            <a:off x="1726021" y="1391289"/>
+            <a:ext cx="5691958" cy="3033275"/>
           </a:xfrm>
           <a:prstGeom prst="rect">
             <a:avLst/>
